--- a/Session 4 - Figures and plotting/MATLAB Session 4.pptx
+++ b/Session 4 - Figures and plotting/MATLAB Session 4.pptx
@@ -5,7 +5,7 @@
     <p:sldMasterId id="2147483678" r:id="rId1"/>
   </p:sldMasterIdLst>
   <p:notesMasterIdLst>
-    <p:notesMasterId r:id="rId13"/>
+    <p:notesMasterId r:id="rId14"/>
   </p:notesMasterIdLst>
   <p:sldIdLst>
     <p:sldId id="316" r:id="rId2"/>
@@ -17,8 +17,9 @@
     <p:sldId id="450" r:id="rId8"/>
     <p:sldId id="449" r:id="rId9"/>
     <p:sldId id="451" r:id="rId10"/>
-    <p:sldId id="444" r:id="rId11"/>
-    <p:sldId id="443" r:id="rId12"/>
+    <p:sldId id="452" r:id="rId11"/>
+    <p:sldId id="444" r:id="rId12"/>
+    <p:sldId id="443" r:id="rId13"/>
   </p:sldIdLst>
   <p:sldSz cx="12192000" cy="6858000"/>
   <p:notesSz cx="6669088" cy="9926638"/>
@@ -2277,6 +2278,162 @@
           <p:cNvPr id="2" name="Title 1">
             <a:extLst>
               <a:ext uri="{FF2B5EF4-FFF2-40B4-BE49-F238E27FC236}">
+                <a16:creationId xmlns:a16="http://schemas.microsoft.com/office/drawing/2014/main" id="{FA63CE58-31D3-4CE4-B980-300475A8D6AB}"/>
+              </a:ext>
+            </a:extLst>
+          </p:cNvPr>
+          <p:cNvSpPr>
+            <a:spLocks noGrp="1"/>
+          </p:cNvSpPr>
+          <p:nvPr>
+            <p:ph type="title"/>
+          </p:nvPr>
+        </p:nvSpPr>
+        <p:spPr/>
+        <p:txBody>
+          <a:bodyPr/>
+          <a:lstStyle/>
+          <a:p>
+            <a:endParaRPr lang="en-GB"/>
+          </a:p>
+        </p:txBody>
+      </p:sp>
+      <p:sp>
+        <p:nvSpPr>
+          <p:cNvPr id="3" name="Content Placeholder 2">
+            <a:extLst>
+              <a:ext uri="{FF2B5EF4-FFF2-40B4-BE49-F238E27FC236}">
+                <a16:creationId xmlns:a16="http://schemas.microsoft.com/office/drawing/2014/main" id="{D547804F-4C36-4E05-A85C-C0624CAF1BA9}"/>
+              </a:ext>
+            </a:extLst>
+          </p:cNvPr>
+          <p:cNvSpPr>
+            <a:spLocks noGrp="1"/>
+          </p:cNvSpPr>
+          <p:nvPr>
+            <p:ph idx="1"/>
+          </p:nvPr>
+        </p:nvSpPr>
+        <p:spPr/>
+        <p:txBody>
+          <a:bodyPr/>
+          <a:lstStyle/>
+          <a:p>
+            <a:r>
+              <a:rPr lang="en-GB" sz="2000" dirty="0"/>
+              <a:t>Introduction GUIs</a:t>
+            </a:r>
+          </a:p>
+          <a:p>
+            <a:pPr lvl="1"/>
+            <a:r>
+              <a:rPr lang="en-GB" sz="1200" dirty="0"/>
+              <a:t>Why would we want them</a:t>
+            </a:r>
+          </a:p>
+          <a:p>
+            <a:pPr lvl="1"/>
+            <a:r>
+              <a:rPr lang="en-GB" sz="1200" dirty="0"/>
+              <a:t>What sort of thing could they include</a:t>
+            </a:r>
+          </a:p>
+          <a:p>
+            <a:pPr lvl="1"/>
+            <a:endParaRPr lang="en-GB" sz="1200" dirty="0"/>
+          </a:p>
+          <a:p>
+            <a:r>
+              <a:rPr lang="en-GB" sz="2000" dirty="0"/>
+              <a:t>Talk about adding control elements to GUIs in the context of a simple push button</a:t>
+            </a:r>
+          </a:p>
+          <a:p>
+            <a:pPr lvl="1"/>
+            <a:r>
+              <a:rPr lang="en-GB" sz="1100" dirty="0" err="1"/>
+              <a:t>Callback</a:t>
+            </a:r>
+            <a:r>
+              <a:rPr lang="en-GB" sz="1100" dirty="0"/>
+              <a:t> functions</a:t>
+            </a:r>
+          </a:p>
+          <a:p>
+            <a:pPr lvl="1"/>
+            <a:r>
+              <a:rPr lang="en-GB" sz="1100" dirty="0"/>
+              <a:t>Enable/disable</a:t>
+            </a:r>
+          </a:p>
+          <a:p>
+            <a:pPr lvl="1"/>
+            <a:r>
+              <a:rPr lang="en-GB" sz="1100" dirty="0"/>
+              <a:t>Visible/not visible</a:t>
+            </a:r>
+          </a:p>
+          <a:p>
+            <a:pPr lvl="2"/>
+            <a:endParaRPr lang="en-GB" sz="900" dirty="0"/>
+          </a:p>
+          <a:p>
+            <a:pPr lvl="2"/>
+            <a:endParaRPr lang="en-GB" sz="1100" dirty="0"/>
+          </a:p>
+          <a:p>
+            <a:pPr lvl="2"/>
+            <a:endParaRPr lang="en-GB" sz="600" dirty="0"/>
+          </a:p>
+        </p:txBody>
+      </p:sp>
+    </p:spTree>
+    <p:extLst>
+      <p:ext uri="{BB962C8B-B14F-4D97-AF65-F5344CB8AC3E}">
+        <p14:creationId xmlns:p14="http://schemas.microsoft.com/office/powerpoint/2010/main" val="2789544707"/>
+      </p:ext>
+    </p:extLst>
+  </p:cSld>
+  <p:clrMapOvr>
+    <a:masterClrMapping/>
+  </p:clrMapOvr>
+  <mc:AlternateContent xmlns:mc="http://schemas.openxmlformats.org/markup-compatibility/2006" xmlns:p14="http://schemas.microsoft.com/office/powerpoint/2010/main">
+    <mc:Choice Requires="p14">
+      <p:transition p14:dur="300">
+        <p:fade/>
+      </p:transition>
+    </mc:Choice>
+    <mc:Fallback xmlns="">
+      <p:transition>
+        <p:fade/>
+      </p:transition>
+    </mc:Fallback>
+  </mc:AlternateContent>
+</p:sld>
+</file>
+
+<file path=ppt/slides/slide11.xml><?xml version="1.0" encoding="utf-8"?>
+<p:sld xmlns:a="http://schemas.openxmlformats.org/drawingml/2006/main" xmlns:r="http://schemas.openxmlformats.org/officeDocument/2006/relationships" xmlns:p="http://schemas.openxmlformats.org/presentationml/2006/main">
+  <p:cSld>
+    <p:spTree>
+      <p:nvGrpSpPr>
+        <p:cNvPr id="1" name=""/>
+        <p:cNvGrpSpPr/>
+        <p:nvPr/>
+      </p:nvGrpSpPr>
+      <p:grpSpPr>
+        <a:xfrm>
+          <a:off x="0" y="0"/>
+          <a:ext cx="0" cy="0"/>
+          <a:chOff x="0" y="0"/>
+          <a:chExt cx="0" cy="0"/>
+        </a:xfrm>
+      </p:grpSpPr>
+      <p:sp>
+        <p:nvSpPr>
+          <p:cNvPr id="2" name="Title 1">
+            <a:extLst>
+              <a:ext uri="{FF2B5EF4-FFF2-40B4-BE49-F238E27FC236}">
                 <a16:creationId xmlns:a16="http://schemas.microsoft.com/office/drawing/2014/main" id="{8EEF9218-B50A-424A-A99D-57BA08F4A8E3}"/>
               </a:ext>
             </a:extLst>
@@ -2363,7 +2520,7 @@
 </p:sld>
 </file>
 
-<file path=ppt/slides/slide11.xml><?xml version="1.0" encoding="utf-8"?>
+<file path=ppt/slides/slide12.xml><?xml version="1.0" encoding="utf-8"?>
 <p:sld xmlns:a="http://schemas.openxmlformats.org/drawingml/2006/main" xmlns:r="http://schemas.openxmlformats.org/officeDocument/2006/relationships" xmlns:p="http://schemas.openxmlformats.org/presentationml/2006/main">
   <p:cSld>
     <p:spTree>

--- a/Session 4 - Figures and plotting/MATLAB Session 4.pptx
+++ b/Session 4 - Figures and plotting/MATLAB Session 4.pptx
@@ -5,7 +5,7 @@
     <p:sldMasterId id="2147483678" r:id="rId1"/>
   </p:sldMasterIdLst>
   <p:notesMasterIdLst>
-    <p:notesMasterId r:id="rId14"/>
+    <p:notesMasterId r:id="rId17"/>
   </p:notesMasterIdLst>
   <p:sldIdLst>
     <p:sldId id="316" r:id="rId2"/>
@@ -13,13 +13,16 @@
     <p:sldId id="407" r:id="rId4"/>
     <p:sldId id="445" r:id="rId5"/>
     <p:sldId id="447" r:id="rId6"/>
-    <p:sldId id="448" r:id="rId7"/>
-    <p:sldId id="450" r:id="rId8"/>
-    <p:sldId id="449" r:id="rId9"/>
-    <p:sldId id="451" r:id="rId10"/>
-    <p:sldId id="452" r:id="rId11"/>
-    <p:sldId id="444" r:id="rId12"/>
-    <p:sldId id="443" r:id="rId13"/>
+    <p:sldId id="453" r:id="rId7"/>
+    <p:sldId id="456" r:id="rId8"/>
+    <p:sldId id="457" r:id="rId9"/>
+    <p:sldId id="450" r:id="rId10"/>
+    <p:sldId id="454" r:id="rId11"/>
+    <p:sldId id="449" r:id="rId12"/>
+    <p:sldId id="451" r:id="rId13"/>
+    <p:sldId id="452" r:id="rId14"/>
+    <p:sldId id="444" r:id="rId15"/>
+    <p:sldId id="443" r:id="rId16"/>
   </p:sldIdLst>
   <p:sldSz cx="12192000" cy="6858000"/>
   <p:notesSz cx="6669088" cy="9926638"/>
@@ -417,7 +420,7 @@
           <a:p>
             <a:r>
               <a:rPr lang="en-GB" dirty="0"/>
-              <a:t>Convert this into 2 spider diagrams if there’s time</a:t>
+              <a:t>Figure size = [758   558   482   365]</a:t>
             </a:r>
           </a:p>
         </p:txBody>
@@ -425,7 +428,7 @@
     </p:spTree>
     <p:extLst>
       <p:ext uri="{BB962C8B-B14F-4D97-AF65-F5344CB8AC3E}">
-        <p14:creationId xmlns:p14="http://schemas.microsoft.com/office/powerpoint/2010/main" val="3197778528"/>
+        <p14:creationId xmlns:p14="http://schemas.microsoft.com/office/powerpoint/2010/main" val="1783469456"/>
       </p:ext>
     </p:extLst>
   </p:cSld>
@@ -489,6 +492,70 @@
     </p:spTree>
     <p:extLst>
       <p:ext uri="{BB962C8B-B14F-4D97-AF65-F5344CB8AC3E}">
+        <p14:creationId xmlns:p14="http://schemas.microsoft.com/office/powerpoint/2010/main" val="3197778528"/>
+      </p:ext>
+    </p:extLst>
+  </p:cSld>
+  <p:clrMapOvr>
+    <a:masterClrMapping/>
+  </p:clrMapOvr>
+</p:notes>
+</file>
+
+<file path=ppt/notesSlides/notesSlide4.xml><?xml version="1.0" encoding="utf-8"?>
+<p:notes xmlns:a="http://schemas.openxmlformats.org/drawingml/2006/main" xmlns:r="http://schemas.openxmlformats.org/officeDocument/2006/relationships" xmlns:p="http://schemas.openxmlformats.org/presentationml/2006/main">
+  <p:cSld>
+    <p:spTree>
+      <p:nvGrpSpPr>
+        <p:cNvPr id="1" name=""/>
+        <p:cNvGrpSpPr/>
+        <p:nvPr/>
+      </p:nvGrpSpPr>
+      <p:grpSpPr>
+        <a:xfrm>
+          <a:off x="0" y="0"/>
+          <a:ext cx="0" cy="0"/>
+          <a:chOff x="0" y="0"/>
+          <a:chExt cx="0" cy="0"/>
+        </a:xfrm>
+      </p:grpSpPr>
+      <p:sp>
+        <p:nvSpPr>
+          <p:cNvPr id="2" name="Slide Image Placeholder 1"/>
+          <p:cNvSpPr>
+            <a:spLocks noGrp="1" noRot="1" noChangeAspect="1"/>
+          </p:cNvSpPr>
+          <p:nvPr>
+            <p:ph type="sldImg"/>
+          </p:nvPr>
+        </p:nvSpPr>
+        <p:spPr/>
+      </p:sp>
+      <p:sp>
+        <p:nvSpPr>
+          <p:cNvPr id="3" name="Notes Placeholder 2"/>
+          <p:cNvSpPr>
+            <a:spLocks noGrp="1"/>
+          </p:cNvSpPr>
+          <p:nvPr>
+            <p:ph type="body" idx="1"/>
+          </p:nvPr>
+        </p:nvSpPr>
+        <p:spPr/>
+        <p:txBody>
+          <a:bodyPr/>
+          <a:lstStyle/>
+          <a:p>
+            <a:r>
+              <a:rPr lang="en-GB" dirty="0"/>
+              <a:t>Convert this into 2 spider diagrams if there’s time</a:t>
+            </a:r>
+          </a:p>
+        </p:txBody>
+      </p:sp>
+    </p:spTree>
+    <p:extLst>
+      <p:ext uri="{BB962C8B-B14F-4D97-AF65-F5344CB8AC3E}">
         <p14:creationId xmlns:p14="http://schemas.microsoft.com/office/powerpoint/2010/main" val="1956388116"/>
       </p:ext>
     </p:extLst>
@@ -499,7 +566,7 @@
 </p:notes>
 </file>
 
-<file path=ppt/notesSlides/notesSlide4.xml><?xml version="1.0" encoding="utf-8"?>
+<file path=ppt/notesSlides/notesSlide5.xml><?xml version="1.0" encoding="utf-8"?>
 <p:notes xmlns:a="http://schemas.openxmlformats.org/drawingml/2006/main" xmlns:r="http://schemas.openxmlformats.org/officeDocument/2006/relationships" xmlns:p="http://schemas.openxmlformats.org/presentationml/2006/main">
   <p:cSld>
     <p:spTree>
@@ -2278,6 +2345,518 @@
           <p:cNvPr id="2" name="Title 1">
             <a:extLst>
               <a:ext uri="{FF2B5EF4-FFF2-40B4-BE49-F238E27FC236}">
+                <a16:creationId xmlns:a16="http://schemas.microsoft.com/office/drawing/2014/main" id="{75D50EB5-46DE-4076-9A04-453EF016722F}"/>
+              </a:ext>
+            </a:extLst>
+          </p:cNvPr>
+          <p:cNvSpPr>
+            <a:spLocks noGrp="1"/>
+          </p:cNvSpPr>
+          <p:nvPr>
+            <p:ph type="title"/>
+          </p:nvPr>
+        </p:nvSpPr>
+        <p:spPr/>
+        <p:txBody>
+          <a:bodyPr/>
+          <a:lstStyle/>
+          <a:p>
+            <a:r>
+              <a:rPr lang="en-GB" dirty="0"/>
+              <a:t>Plotting data</a:t>
+            </a:r>
+          </a:p>
+        </p:txBody>
+      </p:sp>
+      <p:sp>
+        <p:nvSpPr>
+          <p:cNvPr id="3" name="Content Placeholder 2">
+            <a:extLst>
+              <a:ext uri="{FF2B5EF4-FFF2-40B4-BE49-F238E27FC236}">
+                <a16:creationId xmlns:a16="http://schemas.microsoft.com/office/drawing/2014/main" id="{4863AB74-B352-493F-BE21-42319B6CF008}"/>
+              </a:ext>
+            </a:extLst>
+          </p:cNvPr>
+          <p:cNvSpPr>
+            <a:spLocks noGrp="1"/>
+          </p:cNvSpPr>
+          <p:nvPr>
+            <p:ph idx="1"/>
+          </p:nvPr>
+        </p:nvSpPr>
+        <p:spPr/>
+        <p:txBody>
+          <a:bodyPr/>
+          <a:lstStyle/>
+          <a:p>
+            <a:r>
+              <a:rPr lang="en-GB" dirty="0"/>
+              <a:t>All graphical components live within a figure</a:t>
+            </a:r>
+          </a:p>
+          <a:p>
+            <a:pPr lvl="1"/>
+            <a:r>
+              <a:rPr lang="en-GB" dirty="0"/>
+              <a:t>The </a:t>
+            </a:r>
+            <a:r>
+              <a:rPr lang="en-GB" i="1" dirty="0">
+                <a:solidFill>
+                  <a:schemeClr val="accent1"/>
+                </a:solidFill>
+              </a:rPr>
+              <a:t>figure</a:t>
+            </a:r>
+            <a:r>
+              <a:rPr lang="en-GB" dirty="0"/>
+              <a:t> object is simply a container window</a:t>
+            </a:r>
+          </a:p>
+          <a:p>
+            <a:pPr lvl="1"/>
+            <a:endParaRPr lang="en-GB" sz="1200" dirty="0"/>
+          </a:p>
+          <a:p>
+            <a:r>
+              <a:rPr lang="en-GB" dirty="0"/>
+              <a:t>A figure is an object (Session 3)</a:t>
+            </a:r>
+          </a:p>
+          <a:p>
+            <a:pPr lvl="1"/>
+            <a:r>
+              <a:rPr lang="en-GB" dirty="0"/>
+              <a:t>Properties include</a:t>
+            </a:r>
+          </a:p>
+          <a:p>
+            <a:pPr lvl="2"/>
+            <a:r>
+              <a:rPr lang="en-GB" dirty="0"/>
+              <a:t>Name (title)</a:t>
+            </a:r>
+          </a:p>
+          <a:p>
+            <a:pPr lvl="2"/>
+            <a:r>
+              <a:rPr lang="en-GB" dirty="0"/>
+              <a:t>Position</a:t>
+            </a:r>
+          </a:p>
+          <a:p>
+            <a:pPr lvl="1"/>
+            <a:r>
+              <a:rPr lang="en-GB" dirty="0"/>
+              <a:t>Methods include</a:t>
+            </a:r>
+          </a:p>
+          <a:p>
+            <a:pPr lvl="2"/>
+            <a:r>
+              <a:rPr lang="en-GB" dirty="0"/>
+              <a:t>delete (close window)</a:t>
+            </a:r>
+          </a:p>
+          <a:p>
+            <a:pPr lvl="2"/>
+            <a:endParaRPr lang="en-GB" sz="1200" dirty="0"/>
+          </a:p>
+          <a:p>
+            <a:r>
+              <a:rPr lang="en-GB" dirty="0"/>
+              <a:t>We’ve used figures when viewing images</a:t>
+            </a:r>
+          </a:p>
+          <a:p>
+            <a:pPr lvl="1"/>
+            <a:endParaRPr lang="en-GB" dirty="0"/>
+          </a:p>
+          <a:p>
+            <a:pPr lvl="1"/>
+            <a:endParaRPr lang="en-GB" dirty="0"/>
+          </a:p>
+        </p:txBody>
+      </p:sp>
+      <p:grpSp>
+        <p:nvGrpSpPr>
+          <p:cNvPr id="11" name="Group 10">
+            <a:extLst>
+              <a:ext uri="{FF2B5EF4-FFF2-40B4-BE49-F238E27FC236}">
+                <a16:creationId xmlns:a16="http://schemas.microsoft.com/office/drawing/2014/main" id="{B5B14166-21E1-405F-8DE1-33B9B26EAEDB}"/>
+              </a:ext>
+            </a:extLst>
+          </p:cNvPr>
+          <p:cNvGrpSpPr/>
+          <p:nvPr/>
+        </p:nvGrpSpPr>
+        <p:grpSpPr>
+          <a:xfrm>
+            <a:off x="7627904" y="1502891"/>
+            <a:ext cx="4293659" cy="4198718"/>
+            <a:chOff x="7627904" y="1329641"/>
+            <a:chExt cx="4293659" cy="4198718"/>
+          </a:xfrm>
+        </p:grpSpPr>
+        <p:pic>
+          <p:nvPicPr>
+            <p:cNvPr id="6" name="Picture 5">
+              <a:extLst>
+                <a:ext uri="{FF2B5EF4-FFF2-40B4-BE49-F238E27FC236}">
+                  <a16:creationId xmlns:a16="http://schemas.microsoft.com/office/drawing/2014/main" id="{D6404EE0-28F7-41D7-8C3D-AFA856BA805B}"/>
+                </a:ext>
+              </a:extLst>
+            </p:cNvPr>
+            <p:cNvPicPr>
+              <a:picLocks noChangeAspect="1"/>
+            </p:cNvPicPr>
+            <p:nvPr/>
+          </p:nvPicPr>
+          <p:blipFill>
+            <a:blip r:embed="rId2"/>
+            <a:stretch>
+              <a:fillRect/>
+            </a:stretch>
+          </p:blipFill>
+          <p:spPr>
+            <a:xfrm>
+              <a:off x="7793534" y="1794559"/>
+              <a:ext cx="3962400" cy="3733800"/>
+            </a:xfrm>
+            <a:prstGeom prst="rect">
+              <a:avLst/>
+            </a:prstGeom>
+          </p:spPr>
+        </p:pic>
+        <p:sp>
+          <p:nvSpPr>
+            <p:cNvPr id="7" name="TextBox 6">
+              <a:extLst>
+                <a:ext uri="{FF2B5EF4-FFF2-40B4-BE49-F238E27FC236}">
+                  <a16:creationId xmlns:a16="http://schemas.microsoft.com/office/drawing/2014/main" id="{ADA550D8-92F7-4DFB-94B4-961CBEDD9540}"/>
+                </a:ext>
+              </a:extLst>
+            </p:cNvPr>
+            <p:cNvSpPr txBox="1"/>
+            <p:nvPr/>
+          </p:nvSpPr>
+          <p:spPr>
+            <a:xfrm>
+              <a:off x="7627904" y="1329641"/>
+              <a:ext cx="4293659" cy="461665"/>
+            </a:xfrm>
+            <a:prstGeom prst="rect">
+              <a:avLst/>
+            </a:prstGeom>
+            <a:noFill/>
+          </p:spPr>
+          <p:txBody>
+            <a:bodyPr wrap="square" rtlCol="0">
+              <a:spAutoFit/>
+            </a:bodyPr>
+            <a:lstStyle/>
+            <a:p>
+              <a:pPr algn="ctr"/>
+              <a:r>
+                <a:rPr lang="en-GB" sz="2400" i="1" dirty="0" err="1">
+                  <a:solidFill>
+                    <a:schemeClr val="accent1"/>
+                  </a:solidFill>
+                </a:rPr>
+                <a:t>my_fig</a:t>
+              </a:r>
+              <a:r>
+                <a:rPr lang="en-GB" sz="2400" i="1" dirty="0">
+                  <a:solidFill>
+                    <a:schemeClr val="accent1"/>
+                  </a:solidFill>
+                </a:rPr>
+                <a:t> = figure()</a:t>
+              </a:r>
+            </a:p>
+          </p:txBody>
+        </p:sp>
+      </p:grpSp>
+      <p:grpSp>
+        <p:nvGrpSpPr>
+          <p:cNvPr id="8" name="Group 7">
+            <a:extLst>
+              <a:ext uri="{FF2B5EF4-FFF2-40B4-BE49-F238E27FC236}">
+                <a16:creationId xmlns:a16="http://schemas.microsoft.com/office/drawing/2014/main" id="{AC97AE24-DA52-4AFC-AD93-39609E8F1285}"/>
+              </a:ext>
+            </a:extLst>
+          </p:cNvPr>
+          <p:cNvGrpSpPr/>
+          <p:nvPr/>
+        </p:nvGrpSpPr>
+        <p:grpSpPr>
+          <a:xfrm>
+            <a:off x="7627904" y="1502891"/>
+            <a:ext cx="4293659" cy="4198718"/>
+            <a:chOff x="7627904" y="1329641"/>
+            <a:chExt cx="4293659" cy="4198718"/>
+          </a:xfrm>
+        </p:grpSpPr>
+        <p:pic>
+          <p:nvPicPr>
+            <p:cNvPr id="9" name="Picture 8">
+              <a:extLst>
+                <a:ext uri="{FF2B5EF4-FFF2-40B4-BE49-F238E27FC236}">
+                  <a16:creationId xmlns:a16="http://schemas.microsoft.com/office/drawing/2014/main" id="{A36E4B39-FE4F-4F6B-84EA-CE5063ABE2B9}"/>
+                </a:ext>
+              </a:extLst>
+            </p:cNvPr>
+            <p:cNvPicPr>
+              <a:picLocks noChangeAspect="1"/>
+            </p:cNvPicPr>
+            <p:nvPr/>
+          </p:nvPicPr>
+          <p:blipFill>
+            <a:blip r:embed="rId3"/>
+            <a:stretch>
+              <a:fillRect/>
+            </a:stretch>
+          </p:blipFill>
+          <p:spPr>
+            <a:xfrm>
+              <a:off x="7793534" y="1794559"/>
+              <a:ext cx="3962400" cy="3733800"/>
+            </a:xfrm>
+            <a:prstGeom prst="rect">
+              <a:avLst/>
+            </a:prstGeom>
+          </p:spPr>
+        </p:pic>
+        <p:sp>
+          <p:nvSpPr>
+            <p:cNvPr id="10" name="TextBox 9">
+              <a:extLst>
+                <a:ext uri="{FF2B5EF4-FFF2-40B4-BE49-F238E27FC236}">
+                  <a16:creationId xmlns:a16="http://schemas.microsoft.com/office/drawing/2014/main" id="{55BF7ECA-2638-4787-9329-BE5C2980F730}"/>
+                </a:ext>
+              </a:extLst>
+            </p:cNvPr>
+            <p:cNvSpPr txBox="1"/>
+            <p:nvPr/>
+          </p:nvSpPr>
+          <p:spPr>
+            <a:xfrm>
+              <a:off x="7627904" y="1329641"/>
+              <a:ext cx="4293659" cy="461665"/>
+            </a:xfrm>
+            <a:prstGeom prst="rect">
+              <a:avLst/>
+            </a:prstGeom>
+            <a:noFill/>
+          </p:spPr>
+          <p:txBody>
+            <a:bodyPr wrap="square" rtlCol="0">
+              <a:spAutoFit/>
+            </a:bodyPr>
+            <a:lstStyle/>
+            <a:p>
+              <a:pPr algn="ctr"/>
+              <a:r>
+                <a:rPr lang="en-GB" sz="2400" i="1" dirty="0" err="1">
+                  <a:solidFill>
+                    <a:schemeClr val="accent1"/>
+                  </a:solidFill>
+                </a:rPr>
+                <a:t>imshow</a:t>
+              </a:r>
+              <a:r>
+                <a:rPr lang="en-GB" sz="2400" i="1" dirty="0">
+                  <a:solidFill>
+                    <a:schemeClr val="accent1"/>
+                  </a:solidFill>
+                </a:rPr>
+                <a:t>(</a:t>
+              </a:r>
+              <a:r>
+                <a:rPr lang="en-GB" sz="2400" i="1" dirty="0" err="1">
+                  <a:solidFill>
+                    <a:schemeClr val="accent1"/>
+                  </a:solidFill>
+                </a:rPr>
+                <a:t>some_image</a:t>
+              </a:r>
+              <a:r>
+                <a:rPr lang="en-GB" sz="2400" i="1" dirty="0">
+                  <a:solidFill>
+                    <a:schemeClr val="accent1"/>
+                  </a:solidFill>
+                </a:rPr>
+                <a:t>, [])</a:t>
+              </a:r>
+            </a:p>
+          </p:txBody>
+        </p:sp>
+      </p:grpSp>
+    </p:spTree>
+    <p:extLst>
+      <p:ext uri="{BB962C8B-B14F-4D97-AF65-F5344CB8AC3E}">
+        <p14:creationId xmlns:p14="http://schemas.microsoft.com/office/powerpoint/2010/main" val="3398333505"/>
+      </p:ext>
+    </p:extLst>
+  </p:cSld>
+  <p:clrMapOvr>
+    <a:masterClrMapping/>
+  </p:clrMapOvr>
+  <mc:AlternateContent xmlns:mc="http://schemas.openxmlformats.org/markup-compatibility/2006" xmlns:p14="http://schemas.microsoft.com/office/powerpoint/2010/main">
+    <mc:Choice Requires="p14">
+      <p:transition p14:dur="300">
+        <p:fade/>
+      </p:transition>
+    </mc:Choice>
+    <mc:Fallback xmlns="">
+      <p:transition>
+        <p:fade/>
+      </p:transition>
+    </mc:Fallback>
+  </mc:AlternateContent>
+  <p:timing>
+    <p:tnLst>
+      <p:par>
+        <p:cTn id="1" dur="indefinite" restart="never" nodeType="tmRoot">
+          <p:childTnLst>
+            <p:seq concurrent="1" nextAc="seek">
+              <p:cTn id="2" dur="indefinite" nodeType="mainSeq">
+                <p:childTnLst>
+                  <p:par>
+                    <p:cTn id="3" fill="hold">
+                      <p:stCondLst>
+                        <p:cond delay="indefinite"/>
+                      </p:stCondLst>
+                      <p:childTnLst>
+                        <p:par>
+                          <p:cTn id="4" fill="hold">
+                            <p:stCondLst>
+                              <p:cond delay="0"/>
+                            </p:stCondLst>
+                            <p:childTnLst>
+                              <p:par>
+                                <p:cTn id="5" presetID="10" presetClass="entr" presetSubtype="0" fill="hold" nodeType="clickEffect">
+                                  <p:stCondLst>
+                                    <p:cond delay="0"/>
+                                  </p:stCondLst>
+                                  <p:childTnLst>
+                                    <p:set>
+                                      <p:cBhvr>
+                                        <p:cTn id="6" dur="1" fill="hold">
+                                          <p:stCondLst>
+                                            <p:cond delay="0"/>
+                                          </p:stCondLst>
+                                        </p:cTn>
+                                        <p:tgtEl>
+                                          <p:spTgt spid="8"/>
+                                        </p:tgtEl>
+                                        <p:attrNameLst>
+                                          <p:attrName>style.visibility</p:attrName>
+                                        </p:attrNameLst>
+                                      </p:cBhvr>
+                                      <p:to>
+                                        <p:strVal val="visible"/>
+                                      </p:to>
+                                    </p:set>
+                                    <p:animEffect transition="in" filter="fade">
+                                      <p:cBhvr>
+                                        <p:cTn id="7" dur="300"/>
+                                        <p:tgtEl>
+                                          <p:spTgt spid="8"/>
+                                        </p:tgtEl>
+                                      </p:cBhvr>
+                                    </p:animEffect>
+                                  </p:childTnLst>
+                                </p:cTn>
+                              </p:par>
+                              <p:par>
+                                <p:cTn id="8" presetID="10" presetClass="exit" presetSubtype="0" fill="hold" nodeType="withEffect">
+                                  <p:stCondLst>
+                                    <p:cond delay="0"/>
+                                  </p:stCondLst>
+                                  <p:childTnLst>
+                                    <p:animEffect transition="out" filter="fade">
+                                      <p:cBhvr>
+                                        <p:cTn id="9" dur="300"/>
+                                        <p:tgtEl>
+                                          <p:spTgt spid="11"/>
+                                        </p:tgtEl>
+                                      </p:cBhvr>
+                                    </p:animEffect>
+                                    <p:set>
+                                      <p:cBhvr>
+                                        <p:cTn id="10" dur="1" fill="hold">
+                                          <p:stCondLst>
+                                            <p:cond delay="299"/>
+                                          </p:stCondLst>
+                                        </p:cTn>
+                                        <p:tgtEl>
+                                          <p:spTgt spid="11"/>
+                                        </p:tgtEl>
+                                        <p:attrNameLst>
+                                          <p:attrName>style.visibility</p:attrName>
+                                        </p:attrNameLst>
+                                      </p:cBhvr>
+                                      <p:to>
+                                        <p:strVal val="hidden"/>
+                                      </p:to>
+                                    </p:set>
+                                  </p:childTnLst>
+                                </p:cTn>
+                              </p:par>
+                            </p:childTnLst>
+                          </p:cTn>
+                        </p:par>
+                      </p:childTnLst>
+                    </p:cTn>
+                  </p:par>
+                </p:childTnLst>
+              </p:cTn>
+              <p:prevCondLst>
+                <p:cond evt="onPrev" delay="0">
+                  <p:tgtEl>
+                    <p:sldTgt/>
+                  </p:tgtEl>
+                </p:cond>
+              </p:prevCondLst>
+              <p:nextCondLst>
+                <p:cond evt="onNext" delay="0">
+                  <p:tgtEl>
+                    <p:sldTgt/>
+                  </p:tgtEl>
+                </p:cond>
+              </p:nextCondLst>
+            </p:seq>
+          </p:childTnLst>
+        </p:cTn>
+      </p:par>
+    </p:tnLst>
+  </p:timing>
+</p:sld>
+</file>
+
+<file path=ppt/slides/slide11.xml><?xml version="1.0" encoding="utf-8"?>
+<p:sld xmlns:a="http://schemas.openxmlformats.org/drawingml/2006/main" xmlns:r="http://schemas.openxmlformats.org/officeDocument/2006/relationships" xmlns:p="http://schemas.openxmlformats.org/presentationml/2006/main">
+  <p:cSld>
+    <p:spTree>
+      <p:nvGrpSpPr>
+        <p:cNvPr id="1" name=""/>
+        <p:cNvGrpSpPr/>
+        <p:nvPr/>
+      </p:nvGrpSpPr>
+      <p:grpSpPr>
+        <a:xfrm>
+          <a:off x="0" y="0"/>
+          <a:ext cx="0" cy="0"/>
+          <a:chOff x="0" y="0"/>
+          <a:chExt cx="0" cy="0"/>
+        </a:xfrm>
+      </p:grpSpPr>
+      <p:sp>
+        <p:nvSpPr>
+          <p:cNvPr id="2" name="Title 1">
+            <a:extLst>
+              <a:ext uri="{FF2B5EF4-FFF2-40B4-BE49-F238E27FC236}">
                 <a16:creationId xmlns:a16="http://schemas.microsoft.com/office/drawing/2014/main" id="{FA63CE58-31D3-4CE4-B980-300475A8D6AB}"/>
               </a:ext>
             </a:extLst>
@@ -2321,61 +2900,62 @@
           <a:p>
             <a:r>
               <a:rPr lang="en-GB" sz="2000" dirty="0"/>
-              <a:t>Introduction GUIs</a:t>
+              <a:t>Talk about plotting</a:t>
             </a:r>
           </a:p>
           <a:p>
             <a:pPr lvl="1"/>
             <a:r>
-              <a:rPr lang="en-GB" sz="1200" dirty="0"/>
-              <a:t>Why would we want them</a:t>
-            </a:r>
-          </a:p>
-          <a:p>
-            <a:pPr lvl="1"/>
-            <a:r>
-              <a:rPr lang="en-GB" sz="1200" dirty="0"/>
-              <a:t>What sort of thing could they include</a:t>
-            </a:r>
-          </a:p>
-          <a:p>
-            <a:pPr lvl="1"/>
-            <a:endParaRPr lang="en-GB" sz="1200" dirty="0"/>
-          </a:p>
-          <a:p>
-            <a:r>
-              <a:rPr lang="en-GB" sz="2000" dirty="0"/>
-              <a:t>Talk about adding control elements to GUIs in the context of a simple push button</a:t>
-            </a:r>
-          </a:p>
-          <a:p>
-            <a:pPr lvl="1"/>
-            <a:r>
-              <a:rPr lang="en-GB" sz="1100" dirty="0" err="1"/>
-              <a:t>Callback</a:t>
-            </a:r>
-            <a:r>
-              <a:rPr lang="en-GB" sz="1100" dirty="0"/>
-              <a:t> functions</a:t>
-            </a:r>
-          </a:p>
-          <a:p>
-            <a:pPr lvl="1"/>
-            <a:r>
-              <a:rPr lang="en-GB" sz="1100" dirty="0"/>
-              <a:t>Enable/disable</a:t>
-            </a:r>
-          </a:p>
-          <a:p>
-            <a:pPr lvl="1"/>
-            <a:r>
-              <a:rPr lang="en-GB" sz="1100" dirty="0"/>
-              <a:t>Visible/not visible</a:t>
+              <a:rPr lang="en-GB" sz="1800" dirty="0"/>
+              <a:t>Talk about main concepts using scatter plot</a:t>
             </a:r>
           </a:p>
           <a:p>
             <a:pPr lvl="2"/>
-            <a:endParaRPr lang="en-GB" sz="900" dirty="0"/>
+            <a:r>
+              <a:rPr lang="en-GB" sz="1400" dirty="0"/>
+              <a:t>The axes objects</a:t>
+            </a:r>
+          </a:p>
+          <a:p>
+            <a:pPr lvl="2"/>
+            <a:r>
+              <a:rPr lang="en-GB" sz="1400" dirty="0"/>
+              <a:t>Changing line properties</a:t>
+            </a:r>
+          </a:p>
+          <a:p>
+            <a:pPr lvl="2"/>
+            <a:r>
+              <a:rPr lang="en-GB" sz="1400" dirty="0"/>
+              <a:t>Changing marker types</a:t>
+            </a:r>
+          </a:p>
+          <a:p>
+            <a:pPr lvl="2"/>
+            <a:r>
+              <a:rPr lang="en-GB" sz="1400" dirty="0"/>
+              <a:t>The shorthand colour names (‘</a:t>
+            </a:r>
+            <a:r>
+              <a:rPr lang="en-GB" sz="1400" dirty="0" err="1"/>
+              <a:t>b’,’g’,’k</a:t>
+            </a:r>
+            <a:r>
+              <a:rPr lang="en-GB" sz="1400" dirty="0"/>
+              <a:t>’, etc.)</a:t>
+            </a:r>
+          </a:p>
+          <a:p>
+            <a:pPr lvl="2"/>
+            <a:r>
+              <a:rPr lang="en-GB" sz="1400" dirty="0"/>
+              <a:t>Using hold on and hold off to add elements to a plot</a:t>
+            </a:r>
+          </a:p>
+          <a:p>
+            <a:pPr lvl="2"/>
+            <a:endParaRPr lang="en-GB" sz="800" dirty="0"/>
           </a:p>
           <a:p>
             <a:pPr lvl="2"/>
@@ -2390,7 +2970,7 @@
     </p:spTree>
     <p:extLst>
       <p:ext uri="{BB962C8B-B14F-4D97-AF65-F5344CB8AC3E}">
-        <p14:creationId xmlns:p14="http://schemas.microsoft.com/office/powerpoint/2010/main" val="2789544707"/>
+        <p14:creationId xmlns:p14="http://schemas.microsoft.com/office/powerpoint/2010/main" val="616477775"/>
       </p:ext>
     </p:extLst>
   </p:cSld>
@@ -2412,7 +2992,7 @@
 </p:sld>
 </file>
 
-<file path=ppt/slides/slide11.xml><?xml version="1.0" encoding="utf-8"?>
+<file path=ppt/slides/slide12.xml><?xml version="1.0" encoding="utf-8"?>
 <p:sld xmlns:a="http://schemas.openxmlformats.org/drawingml/2006/main" xmlns:r="http://schemas.openxmlformats.org/officeDocument/2006/relationships" xmlns:p="http://schemas.openxmlformats.org/presentationml/2006/main">
   <p:cSld>
     <p:spTree>
@@ -2485,6 +3065,274 @@
             <a:pPr algn="ctr"/>
             <a:r>
               <a:rPr lang="en-GB" sz="3200" dirty="0"/>
+              <a:t>Designing a </a:t>
+            </a:r>
+            <a:r>
+              <a:rPr lang="en-GB" sz="3200"/>
+              <a:t>user interface</a:t>
+            </a:r>
+            <a:endParaRPr lang="en-GB" sz="2800" dirty="0">
+              <a:solidFill>
+                <a:schemeClr val="tx1"/>
+              </a:solidFill>
+            </a:endParaRPr>
+          </a:p>
+        </p:txBody>
+      </p:sp>
+    </p:spTree>
+    <p:extLst>
+      <p:ext uri="{BB962C8B-B14F-4D97-AF65-F5344CB8AC3E}">
+        <p14:creationId xmlns:p14="http://schemas.microsoft.com/office/powerpoint/2010/main" val="2590606000"/>
+      </p:ext>
+    </p:extLst>
+  </p:cSld>
+  <p:clrMapOvr>
+    <a:masterClrMapping/>
+  </p:clrMapOvr>
+  <mc:AlternateContent xmlns:mc="http://schemas.openxmlformats.org/markup-compatibility/2006" xmlns:p14="http://schemas.microsoft.com/office/powerpoint/2010/main">
+    <mc:Choice Requires="p14">
+      <p:transition p14:dur="300">
+        <p:fade/>
+      </p:transition>
+    </mc:Choice>
+    <mc:Fallback xmlns="">
+      <p:transition>
+        <p:fade/>
+      </p:transition>
+    </mc:Fallback>
+  </mc:AlternateContent>
+</p:sld>
+</file>
+
+<file path=ppt/slides/slide13.xml><?xml version="1.0" encoding="utf-8"?>
+<p:sld xmlns:a="http://schemas.openxmlformats.org/drawingml/2006/main" xmlns:r="http://schemas.openxmlformats.org/officeDocument/2006/relationships" xmlns:p="http://schemas.openxmlformats.org/presentationml/2006/main">
+  <p:cSld>
+    <p:spTree>
+      <p:nvGrpSpPr>
+        <p:cNvPr id="1" name=""/>
+        <p:cNvGrpSpPr/>
+        <p:nvPr/>
+      </p:nvGrpSpPr>
+      <p:grpSpPr>
+        <a:xfrm>
+          <a:off x="0" y="0"/>
+          <a:ext cx="0" cy="0"/>
+          <a:chOff x="0" y="0"/>
+          <a:chExt cx="0" cy="0"/>
+        </a:xfrm>
+      </p:grpSpPr>
+      <p:sp>
+        <p:nvSpPr>
+          <p:cNvPr id="2" name="Title 1">
+            <a:extLst>
+              <a:ext uri="{FF2B5EF4-FFF2-40B4-BE49-F238E27FC236}">
+                <a16:creationId xmlns:a16="http://schemas.microsoft.com/office/drawing/2014/main" id="{FA63CE58-31D3-4CE4-B980-300475A8D6AB}"/>
+              </a:ext>
+            </a:extLst>
+          </p:cNvPr>
+          <p:cNvSpPr>
+            <a:spLocks noGrp="1"/>
+          </p:cNvSpPr>
+          <p:nvPr>
+            <p:ph type="title"/>
+          </p:nvPr>
+        </p:nvSpPr>
+        <p:spPr/>
+        <p:txBody>
+          <a:bodyPr/>
+          <a:lstStyle/>
+          <a:p>
+            <a:endParaRPr lang="en-GB"/>
+          </a:p>
+        </p:txBody>
+      </p:sp>
+      <p:sp>
+        <p:nvSpPr>
+          <p:cNvPr id="3" name="Content Placeholder 2">
+            <a:extLst>
+              <a:ext uri="{FF2B5EF4-FFF2-40B4-BE49-F238E27FC236}">
+                <a16:creationId xmlns:a16="http://schemas.microsoft.com/office/drawing/2014/main" id="{D547804F-4C36-4E05-A85C-C0624CAF1BA9}"/>
+              </a:ext>
+            </a:extLst>
+          </p:cNvPr>
+          <p:cNvSpPr>
+            <a:spLocks noGrp="1"/>
+          </p:cNvSpPr>
+          <p:nvPr>
+            <p:ph idx="1"/>
+          </p:nvPr>
+        </p:nvSpPr>
+        <p:spPr/>
+        <p:txBody>
+          <a:bodyPr/>
+          <a:lstStyle/>
+          <a:p>
+            <a:r>
+              <a:rPr lang="en-GB" sz="2000" dirty="0"/>
+              <a:t>Introduction GUIs</a:t>
+            </a:r>
+          </a:p>
+          <a:p>
+            <a:pPr lvl="1"/>
+            <a:r>
+              <a:rPr lang="en-GB" sz="1200" dirty="0"/>
+              <a:t>Why would we want them</a:t>
+            </a:r>
+          </a:p>
+          <a:p>
+            <a:pPr lvl="1"/>
+            <a:r>
+              <a:rPr lang="en-GB" sz="1200" dirty="0"/>
+              <a:t>What sort of thing could they include</a:t>
+            </a:r>
+          </a:p>
+          <a:p>
+            <a:pPr lvl="1"/>
+            <a:endParaRPr lang="en-GB" sz="1200" dirty="0"/>
+          </a:p>
+          <a:p>
+            <a:r>
+              <a:rPr lang="en-GB" sz="2000" dirty="0"/>
+              <a:t>Talk about adding control elements to GUIs in the context of a simple push button</a:t>
+            </a:r>
+          </a:p>
+          <a:p>
+            <a:pPr lvl="1"/>
+            <a:r>
+              <a:rPr lang="en-GB" sz="1100" dirty="0" err="1"/>
+              <a:t>Callback</a:t>
+            </a:r>
+            <a:r>
+              <a:rPr lang="en-GB" sz="1100" dirty="0"/>
+              <a:t> functions</a:t>
+            </a:r>
+          </a:p>
+          <a:p>
+            <a:pPr lvl="1"/>
+            <a:r>
+              <a:rPr lang="en-GB" sz="1100" dirty="0"/>
+              <a:t>Enable/disable</a:t>
+            </a:r>
+          </a:p>
+          <a:p>
+            <a:pPr lvl="1"/>
+            <a:r>
+              <a:rPr lang="en-GB" sz="1100" dirty="0"/>
+              <a:t>Visible/not visible</a:t>
+            </a:r>
+          </a:p>
+          <a:p>
+            <a:pPr lvl="2"/>
+            <a:endParaRPr lang="en-GB" sz="900" dirty="0"/>
+          </a:p>
+          <a:p>
+            <a:pPr lvl="2"/>
+            <a:endParaRPr lang="en-GB" sz="1100" dirty="0"/>
+          </a:p>
+          <a:p>
+            <a:pPr lvl="2"/>
+            <a:endParaRPr lang="en-GB" sz="600" dirty="0"/>
+          </a:p>
+        </p:txBody>
+      </p:sp>
+    </p:spTree>
+    <p:extLst>
+      <p:ext uri="{BB962C8B-B14F-4D97-AF65-F5344CB8AC3E}">
+        <p14:creationId xmlns:p14="http://schemas.microsoft.com/office/powerpoint/2010/main" val="2789544707"/>
+      </p:ext>
+    </p:extLst>
+  </p:cSld>
+  <p:clrMapOvr>
+    <a:masterClrMapping/>
+  </p:clrMapOvr>
+  <mc:AlternateContent xmlns:mc="http://schemas.openxmlformats.org/markup-compatibility/2006" xmlns:p14="http://schemas.microsoft.com/office/powerpoint/2010/main">
+    <mc:Choice Requires="p14">
+      <p:transition p14:dur="300">
+        <p:fade/>
+      </p:transition>
+    </mc:Choice>
+    <mc:Fallback xmlns="">
+      <p:transition>
+        <p:fade/>
+      </p:transition>
+    </mc:Fallback>
+  </mc:AlternateContent>
+</p:sld>
+</file>
+
+<file path=ppt/slides/slide14.xml><?xml version="1.0" encoding="utf-8"?>
+<p:sld xmlns:a="http://schemas.openxmlformats.org/drawingml/2006/main" xmlns:r="http://schemas.openxmlformats.org/officeDocument/2006/relationships" xmlns:p="http://schemas.openxmlformats.org/presentationml/2006/main">
+  <p:cSld>
+    <p:spTree>
+      <p:nvGrpSpPr>
+        <p:cNvPr id="1" name=""/>
+        <p:cNvGrpSpPr/>
+        <p:nvPr/>
+      </p:nvGrpSpPr>
+      <p:grpSpPr>
+        <a:xfrm>
+          <a:off x="0" y="0"/>
+          <a:ext cx="0" cy="0"/>
+          <a:chOff x="0" y="0"/>
+          <a:chExt cx="0" cy="0"/>
+        </a:xfrm>
+      </p:grpSpPr>
+      <p:sp>
+        <p:nvSpPr>
+          <p:cNvPr id="2" name="Title 1">
+            <a:extLst>
+              <a:ext uri="{FF2B5EF4-FFF2-40B4-BE49-F238E27FC236}">
+                <a16:creationId xmlns:a16="http://schemas.microsoft.com/office/drawing/2014/main" id="{8EEF9218-B50A-424A-A99D-57BA08F4A8E3}"/>
+              </a:ext>
+            </a:extLst>
+          </p:cNvPr>
+          <p:cNvSpPr>
+            <a:spLocks noGrp="1"/>
+          </p:cNvSpPr>
+          <p:nvPr>
+            <p:ph type="title"/>
+          </p:nvPr>
+        </p:nvSpPr>
+        <p:spPr/>
+        <p:txBody>
+          <a:bodyPr/>
+          <a:lstStyle/>
+          <a:p>
+            <a:endParaRPr lang="en-GB" dirty="0"/>
+          </a:p>
+        </p:txBody>
+      </p:sp>
+      <p:sp>
+        <p:nvSpPr>
+          <p:cNvPr id="4" name="TextBox 3">
+            <a:extLst>
+              <a:ext uri="{FF2B5EF4-FFF2-40B4-BE49-F238E27FC236}">
+                <a16:creationId xmlns:a16="http://schemas.microsoft.com/office/drawing/2014/main" id="{31426854-EE0B-4A5A-AC6D-2BF50C4B1D90}"/>
+              </a:ext>
+            </a:extLst>
+          </p:cNvPr>
+          <p:cNvSpPr txBox="1"/>
+          <p:nvPr/>
+        </p:nvSpPr>
+        <p:spPr>
+          <a:xfrm>
+            <a:off x="2052408" y="3136612"/>
+            <a:ext cx="8087183" cy="584775"/>
+          </a:xfrm>
+          <a:prstGeom prst="rect">
+            <a:avLst/>
+          </a:prstGeom>
+          <a:noFill/>
+        </p:spPr>
+        <p:txBody>
+          <a:bodyPr wrap="square" rtlCol="0">
+            <a:spAutoFit/>
+          </a:bodyPr>
+          <a:lstStyle/>
+          <a:p>
+            <a:pPr algn="ctr"/>
+            <a:r>
+              <a:rPr lang="en-GB" sz="3200" dirty="0"/>
               <a:t>Questions?!</a:t>
             </a:r>
             <a:endParaRPr lang="en-GB" sz="2800" dirty="0">
@@ -2520,7 +3368,7 @@
 </p:sld>
 </file>
 
-<file path=ppt/slides/slide12.xml><?xml version="1.0" encoding="utf-8"?>
+<file path=ppt/slides/slide15.xml><?xml version="1.0" encoding="utf-8"?>
 <p:sld xmlns:a="http://schemas.openxmlformats.org/drawingml/2006/main" xmlns:r="http://schemas.openxmlformats.org/officeDocument/2006/relationships" xmlns:p="http://schemas.openxmlformats.org/presentationml/2006/main">
   <p:cSld>
     <p:spTree>
@@ -4190,28 +5038,21 @@
           <a:lstStyle/>
           <a:p>
             <a:r>
-              <a:rPr lang="en-GB" sz="1800" dirty="0"/>
+              <a:rPr lang="en-GB" sz="1800" strike="sngStrike" dirty="0"/>
               <a:t>Already seen the figure window</a:t>
             </a:r>
           </a:p>
           <a:p>
             <a:pPr lvl="1"/>
             <a:r>
-              <a:rPr lang="en-GB" sz="1600" dirty="0"/>
+              <a:rPr lang="en-GB" sz="1600" strike="sngStrike" dirty="0"/>
               <a:t>This is main component of all GUI elements.</a:t>
             </a:r>
           </a:p>
           <a:p>
             <a:pPr lvl="1"/>
             <a:r>
-              <a:rPr lang="en-GB" sz="1600" dirty="0"/>
-              <a:t>Includes key window handling elements (minimize, maximize, close, drag to move)</a:t>
-            </a:r>
-          </a:p>
-          <a:p>
-            <a:pPr lvl="1"/>
-            <a:r>
-              <a:rPr lang="en-GB" sz="1600" dirty="0"/>
+              <a:rPr lang="en-GB" sz="1600" strike="sngStrike" dirty="0"/>
               <a:t>Figures are objects (as covered in Session 3).  Mention some properties</a:t>
             </a:r>
           </a:p>
@@ -4224,21 +5065,21 @@
           <a:p>
             <a:pPr lvl="1"/>
             <a:r>
-              <a:rPr lang="en-GB" sz="1600" dirty="0"/>
+              <a:rPr lang="en-GB" sz="1600" strike="sngStrike" dirty="0"/>
               <a:t>Images</a:t>
             </a:r>
           </a:p>
           <a:p>
             <a:pPr lvl="2"/>
             <a:r>
-              <a:rPr lang="en-GB" sz="1400" dirty="0"/>
+              <a:rPr lang="en-GB" sz="1400" strike="sngStrike" dirty="0"/>
               <a:t>Display array of pixels by their intensity</a:t>
             </a:r>
           </a:p>
           <a:p>
             <a:pPr lvl="2"/>
             <a:r>
-              <a:rPr lang="en-GB" sz="1400" dirty="0"/>
+              <a:rPr lang="en-GB" sz="1400" strike="sngStrike" dirty="0"/>
               <a:t>Maybe cover some extra functionality?  Not sure if there’s anything particularly interesting</a:t>
             </a:r>
           </a:p>
@@ -4271,6 +5112,13 @@
             </a:r>
           </a:p>
           <a:p>
+            <a:pPr lvl="2"/>
+            <a:r>
+              <a:rPr lang="en-GB" sz="1400" dirty="0"/>
+              <a:t>When talking about properties include axis labels, title, tick marks</a:t>
+            </a:r>
+          </a:p>
+          <a:p>
             <a:pPr lvl="1"/>
             <a:r>
               <a:rPr lang="en-GB" sz="1800" dirty="0"/>
@@ -4298,8 +5146,11 @@
             </a:r>
           </a:p>
           <a:p>
-            <a:pPr lvl="2"/>
-            <a:endParaRPr lang="en-GB" sz="1400" dirty="0"/>
+            <a:pPr lvl="1"/>
+            <a:r>
+              <a:rPr lang="en-GB" sz="1800" dirty="0"/>
+              <a:t>Talk about graphical element hierarchy (parent-child relationship)</a:t>
+            </a:r>
           </a:p>
         </p:txBody>
       </p:sp>
@@ -4350,7 +5201,7 @@
           <p:cNvPr id="2" name="Title 1">
             <a:extLst>
               <a:ext uri="{FF2B5EF4-FFF2-40B4-BE49-F238E27FC236}">
-                <a16:creationId xmlns:a16="http://schemas.microsoft.com/office/drawing/2014/main" id="{FA63CE58-31D3-4CE4-B980-300475A8D6AB}"/>
+                <a16:creationId xmlns:a16="http://schemas.microsoft.com/office/drawing/2014/main" id="{75D50EB5-46DE-4076-9A04-453EF016722F}"/>
               </a:ext>
             </a:extLst>
           </p:cNvPr>
@@ -4366,7 +5217,10 @@
           <a:bodyPr/>
           <a:lstStyle/>
           <a:p>
-            <a:endParaRPr lang="en-GB"/>
+            <a:r>
+              <a:rPr lang="en-GB" dirty="0"/>
+              <a:t>Introduction to figures</a:t>
+            </a:r>
           </a:p>
         </p:txBody>
       </p:sp>
@@ -4375,7 +5229,7 @@
           <p:cNvPr id="3" name="Content Placeholder 2">
             <a:extLst>
               <a:ext uri="{FF2B5EF4-FFF2-40B4-BE49-F238E27FC236}">
-                <a16:creationId xmlns:a16="http://schemas.microsoft.com/office/drawing/2014/main" id="{D547804F-4C36-4E05-A85C-C0624CAF1BA9}"/>
+                <a16:creationId xmlns:a16="http://schemas.microsoft.com/office/drawing/2014/main" id="{4863AB74-B352-493F-BE21-42319B6CF008}"/>
               </a:ext>
             </a:extLst>
           </p:cNvPr>
@@ -4392,35 +5246,312 @@
           <a:lstStyle/>
           <a:p>
             <a:r>
-              <a:rPr lang="en-GB" sz="1800" dirty="0"/>
-              <a:t>Recap using images in figures</a:t>
-            </a:r>
-          </a:p>
-          <a:p>
-            <a:r>
-              <a:rPr lang="en-GB" sz="1800" dirty="0"/>
-              <a:t>Mention </a:t>
-            </a:r>
-            <a:r>
-              <a:rPr lang="en-GB" sz="1800" dirty="0" err="1"/>
-              <a:t>imshow</a:t>
-            </a:r>
-            <a:r>
-              <a:rPr lang="en-GB" sz="1800" dirty="0"/>
-              <a:t> will write into most recently-opened window</a:t>
-            </a:r>
-            <a:endParaRPr lang="en-GB" sz="1600" dirty="0"/>
+              <a:rPr lang="en-GB" dirty="0"/>
+              <a:t>All graphical components live within a figure</a:t>
+            </a:r>
+          </a:p>
+          <a:p>
+            <a:pPr lvl="1"/>
+            <a:r>
+              <a:rPr lang="en-GB" dirty="0"/>
+              <a:t>The </a:t>
+            </a:r>
+            <a:r>
+              <a:rPr lang="en-GB" i="1" dirty="0">
+                <a:solidFill>
+                  <a:schemeClr val="accent1"/>
+                </a:solidFill>
+              </a:rPr>
+              <a:t>figure</a:t>
+            </a:r>
+            <a:r>
+              <a:rPr lang="en-GB" dirty="0"/>
+              <a:t> object is simply a container window</a:t>
+            </a:r>
+          </a:p>
+          <a:p>
+            <a:pPr lvl="1"/>
+            <a:endParaRPr lang="en-GB" sz="1200" dirty="0"/>
+          </a:p>
+          <a:p>
+            <a:r>
+              <a:rPr lang="en-GB" dirty="0"/>
+              <a:t>A figure is an object (Session 3)</a:t>
+            </a:r>
+          </a:p>
+          <a:p>
+            <a:pPr lvl="1"/>
+            <a:r>
+              <a:rPr lang="en-GB" dirty="0"/>
+              <a:t>Properties include</a:t>
+            </a:r>
           </a:p>
           <a:p>
             <a:pPr lvl="2"/>
-            <a:endParaRPr lang="en-GB" sz="1400" dirty="0"/>
+            <a:r>
+              <a:rPr lang="en-GB" dirty="0"/>
+              <a:t>Name (title)</a:t>
+            </a:r>
+          </a:p>
+          <a:p>
+            <a:pPr lvl="2"/>
+            <a:r>
+              <a:rPr lang="en-GB" dirty="0"/>
+              <a:t>Position</a:t>
+            </a:r>
+          </a:p>
+          <a:p>
+            <a:pPr lvl="1"/>
+            <a:r>
+              <a:rPr lang="en-GB" dirty="0"/>
+              <a:t>Methods include</a:t>
+            </a:r>
+          </a:p>
+          <a:p>
+            <a:pPr lvl="2"/>
+            <a:r>
+              <a:rPr lang="en-GB" dirty="0"/>
+              <a:t>delete (close window)</a:t>
+            </a:r>
+          </a:p>
+          <a:p>
+            <a:pPr lvl="2"/>
+            <a:endParaRPr lang="en-GB" sz="1200" dirty="0"/>
+          </a:p>
+          <a:p>
+            <a:r>
+              <a:rPr lang="en-GB" dirty="0"/>
+              <a:t>We’ve used figures when viewing images</a:t>
+            </a:r>
+          </a:p>
+          <a:p>
+            <a:pPr lvl="1"/>
+            <a:endParaRPr lang="en-GB" dirty="0"/>
+          </a:p>
+          <a:p>
+            <a:pPr lvl="1"/>
+            <a:endParaRPr lang="en-GB" dirty="0"/>
           </a:p>
         </p:txBody>
       </p:sp>
+      <p:grpSp>
+        <p:nvGrpSpPr>
+          <p:cNvPr id="11" name="Group 10">
+            <a:extLst>
+              <a:ext uri="{FF2B5EF4-FFF2-40B4-BE49-F238E27FC236}">
+                <a16:creationId xmlns:a16="http://schemas.microsoft.com/office/drawing/2014/main" id="{B5B14166-21E1-405F-8DE1-33B9B26EAEDB}"/>
+              </a:ext>
+            </a:extLst>
+          </p:cNvPr>
+          <p:cNvGrpSpPr/>
+          <p:nvPr/>
+        </p:nvGrpSpPr>
+        <p:grpSpPr>
+          <a:xfrm>
+            <a:off x="7627904" y="1502891"/>
+            <a:ext cx="4293659" cy="4198718"/>
+            <a:chOff x="7627904" y="1329641"/>
+            <a:chExt cx="4293659" cy="4198718"/>
+          </a:xfrm>
+        </p:grpSpPr>
+        <p:pic>
+          <p:nvPicPr>
+            <p:cNvPr id="6" name="Picture 5">
+              <a:extLst>
+                <a:ext uri="{FF2B5EF4-FFF2-40B4-BE49-F238E27FC236}">
+                  <a16:creationId xmlns:a16="http://schemas.microsoft.com/office/drawing/2014/main" id="{D6404EE0-28F7-41D7-8C3D-AFA856BA805B}"/>
+                </a:ext>
+              </a:extLst>
+            </p:cNvPr>
+            <p:cNvPicPr>
+              <a:picLocks noChangeAspect="1"/>
+            </p:cNvPicPr>
+            <p:nvPr/>
+          </p:nvPicPr>
+          <p:blipFill>
+            <a:blip r:embed="rId2"/>
+            <a:stretch>
+              <a:fillRect/>
+            </a:stretch>
+          </p:blipFill>
+          <p:spPr>
+            <a:xfrm>
+              <a:off x="7793534" y="1794559"/>
+              <a:ext cx="3962400" cy="3733800"/>
+            </a:xfrm>
+            <a:prstGeom prst="rect">
+              <a:avLst/>
+            </a:prstGeom>
+          </p:spPr>
+        </p:pic>
+        <p:sp>
+          <p:nvSpPr>
+            <p:cNvPr id="7" name="TextBox 6">
+              <a:extLst>
+                <a:ext uri="{FF2B5EF4-FFF2-40B4-BE49-F238E27FC236}">
+                  <a16:creationId xmlns:a16="http://schemas.microsoft.com/office/drawing/2014/main" id="{ADA550D8-92F7-4DFB-94B4-961CBEDD9540}"/>
+                </a:ext>
+              </a:extLst>
+            </p:cNvPr>
+            <p:cNvSpPr txBox="1"/>
+            <p:nvPr/>
+          </p:nvSpPr>
+          <p:spPr>
+            <a:xfrm>
+              <a:off x="7627904" y="1329641"/>
+              <a:ext cx="4293659" cy="461665"/>
+            </a:xfrm>
+            <a:prstGeom prst="rect">
+              <a:avLst/>
+            </a:prstGeom>
+            <a:noFill/>
+          </p:spPr>
+          <p:txBody>
+            <a:bodyPr wrap="square" rtlCol="0">
+              <a:spAutoFit/>
+            </a:bodyPr>
+            <a:lstStyle/>
+            <a:p>
+              <a:pPr algn="ctr"/>
+              <a:r>
+                <a:rPr lang="en-GB" sz="2400" i="1" dirty="0" err="1">
+                  <a:solidFill>
+                    <a:schemeClr val="accent1"/>
+                  </a:solidFill>
+                </a:rPr>
+                <a:t>my_fig</a:t>
+              </a:r>
+              <a:r>
+                <a:rPr lang="en-GB" sz="2400" i="1" dirty="0">
+                  <a:solidFill>
+                    <a:schemeClr val="accent1"/>
+                  </a:solidFill>
+                </a:rPr>
+                <a:t> = figure()</a:t>
+              </a:r>
+            </a:p>
+          </p:txBody>
+        </p:sp>
+      </p:grpSp>
+      <p:grpSp>
+        <p:nvGrpSpPr>
+          <p:cNvPr id="8" name="Group 7">
+            <a:extLst>
+              <a:ext uri="{FF2B5EF4-FFF2-40B4-BE49-F238E27FC236}">
+                <a16:creationId xmlns:a16="http://schemas.microsoft.com/office/drawing/2014/main" id="{AC97AE24-DA52-4AFC-AD93-39609E8F1285}"/>
+              </a:ext>
+            </a:extLst>
+          </p:cNvPr>
+          <p:cNvGrpSpPr/>
+          <p:nvPr/>
+        </p:nvGrpSpPr>
+        <p:grpSpPr>
+          <a:xfrm>
+            <a:off x="7627904" y="1502891"/>
+            <a:ext cx="4293659" cy="4198718"/>
+            <a:chOff x="7627904" y="1329641"/>
+            <a:chExt cx="4293659" cy="4198718"/>
+          </a:xfrm>
+        </p:grpSpPr>
+        <p:pic>
+          <p:nvPicPr>
+            <p:cNvPr id="9" name="Picture 8">
+              <a:extLst>
+                <a:ext uri="{FF2B5EF4-FFF2-40B4-BE49-F238E27FC236}">
+                  <a16:creationId xmlns:a16="http://schemas.microsoft.com/office/drawing/2014/main" id="{A36E4B39-FE4F-4F6B-84EA-CE5063ABE2B9}"/>
+                </a:ext>
+              </a:extLst>
+            </p:cNvPr>
+            <p:cNvPicPr>
+              <a:picLocks noChangeAspect="1"/>
+            </p:cNvPicPr>
+            <p:nvPr/>
+          </p:nvPicPr>
+          <p:blipFill>
+            <a:blip r:embed="rId3"/>
+            <a:stretch>
+              <a:fillRect/>
+            </a:stretch>
+          </p:blipFill>
+          <p:spPr>
+            <a:xfrm>
+              <a:off x="7793534" y="1794559"/>
+              <a:ext cx="3962400" cy="3733800"/>
+            </a:xfrm>
+            <a:prstGeom prst="rect">
+              <a:avLst/>
+            </a:prstGeom>
+          </p:spPr>
+        </p:pic>
+        <p:sp>
+          <p:nvSpPr>
+            <p:cNvPr id="10" name="TextBox 9">
+              <a:extLst>
+                <a:ext uri="{FF2B5EF4-FFF2-40B4-BE49-F238E27FC236}">
+                  <a16:creationId xmlns:a16="http://schemas.microsoft.com/office/drawing/2014/main" id="{55BF7ECA-2638-4787-9329-BE5C2980F730}"/>
+                </a:ext>
+              </a:extLst>
+            </p:cNvPr>
+            <p:cNvSpPr txBox="1"/>
+            <p:nvPr/>
+          </p:nvSpPr>
+          <p:spPr>
+            <a:xfrm>
+              <a:off x="7627904" y="1329641"/>
+              <a:ext cx="4293659" cy="461665"/>
+            </a:xfrm>
+            <a:prstGeom prst="rect">
+              <a:avLst/>
+            </a:prstGeom>
+            <a:noFill/>
+          </p:spPr>
+          <p:txBody>
+            <a:bodyPr wrap="square" rtlCol="0">
+              <a:spAutoFit/>
+            </a:bodyPr>
+            <a:lstStyle/>
+            <a:p>
+              <a:pPr algn="ctr"/>
+              <a:r>
+                <a:rPr lang="en-GB" sz="2400" i="1" dirty="0" err="1">
+                  <a:solidFill>
+                    <a:schemeClr val="accent1"/>
+                  </a:solidFill>
+                </a:rPr>
+                <a:t>imshow</a:t>
+              </a:r>
+              <a:r>
+                <a:rPr lang="en-GB" sz="2400" i="1" dirty="0">
+                  <a:solidFill>
+                    <a:schemeClr val="accent1"/>
+                  </a:solidFill>
+                </a:rPr>
+                <a:t>(</a:t>
+              </a:r>
+              <a:r>
+                <a:rPr lang="en-GB" sz="2400" i="1" dirty="0" err="1">
+                  <a:solidFill>
+                    <a:schemeClr val="accent1"/>
+                  </a:solidFill>
+                </a:rPr>
+                <a:t>some_image</a:t>
+              </a:r>
+              <a:r>
+                <a:rPr lang="en-GB" sz="2400" i="1" dirty="0">
+                  <a:solidFill>
+                    <a:schemeClr val="accent1"/>
+                  </a:solidFill>
+                </a:rPr>
+                <a:t>, [])</a:t>
+              </a:r>
+            </a:p>
+          </p:txBody>
+        </p:sp>
+      </p:grpSp>
     </p:spTree>
     <p:extLst>
       <p:ext uri="{BB962C8B-B14F-4D97-AF65-F5344CB8AC3E}">
-        <p14:creationId xmlns:p14="http://schemas.microsoft.com/office/powerpoint/2010/main" val="1649494502"/>
+        <p14:creationId xmlns:p14="http://schemas.microsoft.com/office/powerpoint/2010/main" val="3783631094"/>
       </p:ext>
     </p:extLst>
   </p:cSld>
@@ -4439,6 +5570,124 @@
       </p:transition>
     </mc:Fallback>
   </mc:AlternateContent>
+  <p:timing>
+    <p:tnLst>
+      <p:par>
+        <p:cTn id="1" dur="indefinite" restart="never" nodeType="tmRoot">
+          <p:childTnLst>
+            <p:seq concurrent="1" nextAc="seek">
+              <p:cTn id="2" dur="indefinite" nodeType="mainSeq">
+                <p:childTnLst>
+                  <p:par>
+                    <p:cTn id="3" fill="hold">
+                      <p:stCondLst>
+                        <p:cond delay="indefinite"/>
+                      </p:stCondLst>
+                      <p:childTnLst>
+                        <p:par>
+                          <p:cTn id="4" fill="hold">
+                            <p:stCondLst>
+                              <p:cond delay="0"/>
+                            </p:stCondLst>
+                            <p:childTnLst>
+                              <p:par>
+                                <p:cTn id="5" presetID="10" presetClass="entr" presetSubtype="0" fill="hold" nodeType="clickEffect">
+                                  <p:stCondLst>
+                                    <p:cond delay="0"/>
+                                  </p:stCondLst>
+                                  <p:childTnLst>
+                                    <p:set>
+                                      <p:cBhvr>
+                                        <p:cTn id="6" dur="1" fill="hold">
+                                          <p:stCondLst>
+                                            <p:cond delay="0"/>
+                                          </p:stCondLst>
+                                        </p:cTn>
+                                        <p:tgtEl>
+                                          <p:spTgt spid="8"/>
+                                        </p:tgtEl>
+                                        <p:attrNameLst>
+                                          <p:attrName>style.visibility</p:attrName>
+                                        </p:attrNameLst>
+                                      </p:cBhvr>
+                                      <p:to>
+                                        <p:strVal val="visible"/>
+                                      </p:to>
+                                    </p:set>
+                                    <p:animEffect transition="in" filter="fade">
+                                      <p:cBhvr>
+                                        <p:cTn id="7" dur="300"/>
+                                        <p:tgtEl>
+                                          <p:spTgt spid="8"/>
+                                        </p:tgtEl>
+                                      </p:cBhvr>
+                                    </p:animEffect>
+                                  </p:childTnLst>
+                                </p:cTn>
+                              </p:par>
+                              <p:par>
+                                <p:cTn id="8" presetID="10" presetClass="exit" presetSubtype="0" fill="hold" nodeType="withEffect">
+                                  <p:stCondLst>
+                                    <p:cond delay="0"/>
+                                  </p:stCondLst>
+                                  <p:childTnLst>
+                                    <p:animEffect transition="out" filter="fade">
+                                      <p:cBhvr>
+                                        <p:cTn id="9" dur="300"/>
+                                        <p:tgtEl>
+                                          <p:spTgt spid="11"/>
+                                        </p:tgtEl>
+                                      </p:cBhvr>
+                                    </p:animEffect>
+                                    <p:set>
+                                      <p:cBhvr>
+                                        <p:cTn id="10" dur="1" fill="hold">
+                                          <p:stCondLst>
+                                            <p:cond delay="299"/>
+                                          </p:stCondLst>
+                                        </p:cTn>
+                                        <p:tgtEl>
+                                          <p:spTgt spid="11"/>
+                                        </p:tgtEl>
+                                        <p:attrNameLst>
+                                          <p:attrName>style.visibility</p:attrName>
+                                        </p:attrNameLst>
+                                      </p:cBhvr>
+                                      <p:to>
+                                        <p:strVal val="hidden"/>
+                                      </p:to>
+                                    </p:set>
+                                  </p:childTnLst>
+                                </p:cTn>
+                              </p:par>
+                            </p:childTnLst>
+                          </p:cTn>
+                        </p:par>
+                      </p:childTnLst>
+                    </p:cTn>
+                  </p:par>
+                </p:childTnLst>
+              </p:cTn>
+              <p:prevCondLst>
+                <p:cond evt="onPrev" delay="0">
+                  <p:tgtEl>
+                    <p:sldTgt/>
+                  </p:tgtEl>
+                </p:cond>
+              </p:prevCondLst>
+              <p:nextCondLst>
+                <p:cond evt="onNext" delay="0">
+                  <p:tgtEl>
+                    <p:sldTgt/>
+                  </p:tgtEl>
+                </p:cond>
+              </p:nextCondLst>
+            </p:seq>
+          </p:childTnLst>
+        </p:cTn>
+      </p:par>
+    </p:tnLst>
+  </p:timing>
 </p:sld>
 </file>
 
@@ -4459,12 +5708,42 @@
           <a:chExt cx="0" cy="0"/>
         </a:xfrm>
       </p:grpSpPr>
+      <p:pic>
+        <p:nvPicPr>
+          <p:cNvPr id="13" name="Picture 12">
+            <a:extLst>
+              <a:ext uri="{FF2B5EF4-FFF2-40B4-BE49-F238E27FC236}">
+                <a16:creationId xmlns:a16="http://schemas.microsoft.com/office/drawing/2014/main" id="{A7549F0A-DD55-4E0B-BD01-643956E6A4C4}"/>
+              </a:ext>
+            </a:extLst>
+          </p:cNvPr>
+          <p:cNvPicPr>
+            <a:picLocks noChangeAspect="1"/>
+          </p:cNvPicPr>
+          <p:nvPr/>
+        </p:nvPicPr>
+        <p:blipFill>
+          <a:blip r:embed="rId3"/>
+          <a:stretch>
+            <a:fillRect/>
+          </a:stretch>
+        </p:blipFill>
+        <p:spPr>
+          <a:xfrm>
+            <a:off x="4114802" y="1958184"/>
+            <a:ext cx="3962400" cy="3733800"/>
+          </a:xfrm>
+          <a:prstGeom prst="rect">
+            <a:avLst/>
+          </a:prstGeom>
+        </p:spPr>
+      </p:pic>
       <p:sp>
         <p:nvSpPr>
           <p:cNvPr id="2" name="Title 1">
             <a:extLst>
               <a:ext uri="{FF2B5EF4-FFF2-40B4-BE49-F238E27FC236}">
-                <a16:creationId xmlns:a16="http://schemas.microsoft.com/office/drawing/2014/main" id="{8EEF9218-B50A-424A-A99D-57BA08F4A8E3}"/>
+                <a16:creationId xmlns:a16="http://schemas.microsoft.com/office/drawing/2014/main" id="{CA51F0EF-B0EE-450F-8AD0-F623966A7898}"/>
               </a:ext>
             </a:extLst>
           </p:cNvPr>
@@ -4480,16 +5759,110 @@
           <a:bodyPr/>
           <a:lstStyle/>
           <a:p>
-            <a:endParaRPr lang="en-GB" dirty="0"/>
+            <a:r>
+              <a:rPr lang="en-GB" dirty="0"/>
+              <a:t>What can go in a figure?</a:t>
+            </a:r>
           </a:p>
         </p:txBody>
       </p:sp>
+      <p:grpSp>
+        <p:nvGrpSpPr>
+          <p:cNvPr id="4" name="Group 3">
+            <a:extLst>
+              <a:ext uri="{FF2B5EF4-FFF2-40B4-BE49-F238E27FC236}">
+                <a16:creationId xmlns:a16="http://schemas.microsoft.com/office/drawing/2014/main" id="{4CF62D61-C4DA-49BE-B5CF-FA4C2B70B5E4}"/>
+              </a:ext>
+            </a:extLst>
+          </p:cNvPr>
+          <p:cNvGrpSpPr/>
+          <p:nvPr/>
+        </p:nvGrpSpPr>
+        <p:grpSpPr>
+          <a:xfrm>
+            <a:off x="91323" y="1493266"/>
+            <a:ext cx="4293659" cy="4198718"/>
+            <a:chOff x="7627904" y="1329641"/>
+            <a:chExt cx="4293659" cy="4198718"/>
+          </a:xfrm>
+        </p:grpSpPr>
+        <p:pic>
+          <p:nvPicPr>
+            <p:cNvPr id="5" name="Picture 4">
+              <a:extLst>
+                <a:ext uri="{FF2B5EF4-FFF2-40B4-BE49-F238E27FC236}">
+                  <a16:creationId xmlns:a16="http://schemas.microsoft.com/office/drawing/2014/main" id="{E63D4C95-E9E7-44B5-9A70-9774535E5A65}"/>
+                </a:ext>
+              </a:extLst>
+            </p:cNvPr>
+            <p:cNvPicPr>
+              <a:picLocks noChangeAspect="1"/>
+            </p:cNvPicPr>
+            <p:nvPr/>
+          </p:nvPicPr>
+          <p:blipFill>
+            <a:blip r:embed="rId4"/>
+            <a:stretch>
+              <a:fillRect/>
+            </a:stretch>
+          </p:blipFill>
+          <p:spPr>
+            <a:xfrm>
+              <a:off x="7793534" y="1794559"/>
+              <a:ext cx="3962400" cy="3733800"/>
+            </a:xfrm>
+            <a:prstGeom prst="rect">
+              <a:avLst/>
+            </a:prstGeom>
+          </p:spPr>
+        </p:pic>
+        <p:sp>
+          <p:nvSpPr>
+            <p:cNvPr id="6" name="TextBox 5">
+              <a:extLst>
+                <a:ext uri="{FF2B5EF4-FFF2-40B4-BE49-F238E27FC236}">
+                  <a16:creationId xmlns:a16="http://schemas.microsoft.com/office/drawing/2014/main" id="{29833A48-E011-4932-918C-D7BA7FC631B2}"/>
+                </a:ext>
+              </a:extLst>
+            </p:cNvPr>
+            <p:cNvSpPr txBox="1"/>
+            <p:nvPr/>
+          </p:nvSpPr>
+          <p:spPr>
+            <a:xfrm>
+              <a:off x="7627904" y="1329641"/>
+              <a:ext cx="4293659" cy="461665"/>
+            </a:xfrm>
+            <a:prstGeom prst="rect">
+              <a:avLst/>
+            </a:prstGeom>
+            <a:noFill/>
+          </p:spPr>
+          <p:txBody>
+            <a:bodyPr wrap="square" rtlCol="0">
+              <a:spAutoFit/>
+            </a:bodyPr>
+            <a:lstStyle/>
+            <a:p>
+              <a:pPr algn="ctr"/>
+              <a:r>
+                <a:rPr lang="en-GB" sz="2400" i="1" dirty="0">
+                  <a:solidFill>
+                    <a:schemeClr val="accent1"/>
+                  </a:solidFill>
+                </a:rPr>
+                <a:t>Images</a:t>
+              </a:r>
+            </a:p>
+          </p:txBody>
+        </p:sp>
+      </p:grpSp>
       <p:sp>
         <p:nvSpPr>
-          <p:cNvPr id="4" name="TextBox 3">
+          <p:cNvPr id="9" name="TextBox 8">
             <a:extLst>
               <a:ext uri="{FF2B5EF4-FFF2-40B4-BE49-F238E27FC236}">
-                <a16:creationId xmlns:a16="http://schemas.microsoft.com/office/drawing/2014/main" id="{31426854-EE0B-4A5A-AC6D-2BF50C4B1D90}"/>
+                <a16:creationId xmlns:a16="http://schemas.microsoft.com/office/drawing/2014/main" id="{60C1348B-849E-4AC2-AA52-28B28F16B914}"/>
               </a:ext>
             </a:extLst>
           </p:cNvPr>
@@ -4498,8 +5871,8 @@
         </p:nvSpPr>
         <p:spPr>
           <a:xfrm>
-            <a:off x="2052408" y="3136612"/>
-            <a:ext cx="8087183" cy="584775"/>
+            <a:off x="3949172" y="1493266"/>
+            <a:ext cx="4293659" cy="461665"/>
           </a:xfrm>
           <a:prstGeom prst="rect">
             <a:avLst/>
@@ -4514,21 +5887,171 @@
           <a:p>
             <a:pPr algn="ctr"/>
             <a:r>
-              <a:rPr lang="en-GB" sz="3200" dirty="0"/>
-              <a:t>Plotting</a:t>
-            </a:r>
-            <a:endParaRPr lang="en-GB" sz="2800" dirty="0">
-              <a:solidFill>
-                <a:schemeClr val="tx1"/>
-              </a:solidFill>
-            </a:endParaRPr>
+              <a:rPr lang="en-GB" sz="2400" i="1" dirty="0">
+                <a:solidFill>
+                  <a:schemeClr val="accent1"/>
+                </a:solidFill>
+              </a:rPr>
+              <a:t>Data plots</a:t>
+            </a:r>
           </a:p>
         </p:txBody>
       </p:sp>
+      <p:grpSp>
+        <p:nvGrpSpPr>
+          <p:cNvPr id="10" name="Group 9">
+            <a:extLst>
+              <a:ext uri="{FF2B5EF4-FFF2-40B4-BE49-F238E27FC236}">
+                <a16:creationId xmlns:a16="http://schemas.microsoft.com/office/drawing/2014/main" id="{045EA7EA-4307-4986-89EB-D4DC7F8CF533}"/>
+              </a:ext>
+            </a:extLst>
+          </p:cNvPr>
+          <p:cNvGrpSpPr/>
+          <p:nvPr/>
+        </p:nvGrpSpPr>
+        <p:grpSpPr>
+          <a:xfrm>
+            <a:off x="7807020" y="1493266"/>
+            <a:ext cx="4293659" cy="4198718"/>
+            <a:chOff x="7627904" y="1329641"/>
+            <a:chExt cx="4293659" cy="4198718"/>
+          </a:xfrm>
+        </p:grpSpPr>
+        <p:pic>
+          <p:nvPicPr>
+            <p:cNvPr id="11" name="Picture 10">
+              <a:extLst>
+                <a:ext uri="{FF2B5EF4-FFF2-40B4-BE49-F238E27FC236}">
+                  <a16:creationId xmlns:a16="http://schemas.microsoft.com/office/drawing/2014/main" id="{0D17DF4F-D9A9-49B9-AC00-23AED26979DA}"/>
+                </a:ext>
+              </a:extLst>
+            </p:cNvPr>
+            <p:cNvPicPr>
+              <a:picLocks noChangeAspect="1"/>
+            </p:cNvPicPr>
+            <p:nvPr/>
+          </p:nvPicPr>
+          <p:blipFill>
+            <a:blip r:embed="rId4"/>
+            <a:stretch>
+              <a:fillRect/>
+            </a:stretch>
+          </p:blipFill>
+          <p:spPr>
+            <a:xfrm>
+              <a:off x="7793534" y="1794559"/>
+              <a:ext cx="3962400" cy="3733800"/>
+            </a:xfrm>
+            <a:prstGeom prst="rect">
+              <a:avLst/>
+            </a:prstGeom>
+          </p:spPr>
+        </p:pic>
+        <p:sp>
+          <p:nvSpPr>
+            <p:cNvPr id="12" name="TextBox 11">
+              <a:extLst>
+                <a:ext uri="{FF2B5EF4-FFF2-40B4-BE49-F238E27FC236}">
+                  <a16:creationId xmlns:a16="http://schemas.microsoft.com/office/drawing/2014/main" id="{7ADBE9CF-E30F-4670-8E73-5FFAB22C472E}"/>
+                </a:ext>
+              </a:extLst>
+            </p:cNvPr>
+            <p:cNvSpPr txBox="1"/>
+            <p:nvPr/>
+          </p:nvSpPr>
+          <p:spPr>
+            <a:xfrm>
+              <a:off x="7627904" y="1329641"/>
+              <a:ext cx="4293659" cy="461665"/>
+            </a:xfrm>
+            <a:prstGeom prst="rect">
+              <a:avLst/>
+            </a:prstGeom>
+            <a:noFill/>
+          </p:spPr>
+          <p:txBody>
+            <a:bodyPr wrap="square" rtlCol="0">
+              <a:spAutoFit/>
+            </a:bodyPr>
+            <a:lstStyle/>
+            <a:p>
+              <a:pPr algn="ctr"/>
+              <a:r>
+                <a:rPr lang="en-GB" sz="2400" i="1" dirty="0">
+                  <a:solidFill>
+                    <a:schemeClr val="accent1"/>
+                  </a:solidFill>
+                </a:rPr>
+                <a:t>Controls</a:t>
+              </a:r>
+            </a:p>
+          </p:txBody>
+        </p:sp>
+      </p:grpSp>
+      <p:pic>
+        <p:nvPicPr>
+          <p:cNvPr id="14" name="Picture 13">
+            <a:extLst>
+              <a:ext uri="{FF2B5EF4-FFF2-40B4-BE49-F238E27FC236}">
+                <a16:creationId xmlns:a16="http://schemas.microsoft.com/office/drawing/2014/main" id="{500E79FF-BB31-4812-B440-78CA01749E95}"/>
+              </a:ext>
+            </a:extLst>
+          </p:cNvPr>
+          <p:cNvPicPr>
+            <a:picLocks noChangeAspect="1"/>
+          </p:cNvPicPr>
+          <p:nvPr/>
+        </p:nvPicPr>
+        <p:blipFill>
+          <a:blip r:embed="rId5"/>
+          <a:stretch>
+            <a:fillRect/>
+          </a:stretch>
+        </p:blipFill>
+        <p:spPr>
+          <a:xfrm>
+            <a:off x="4384982" y="2382754"/>
+            <a:ext cx="3962400" cy="3733800"/>
+          </a:xfrm>
+          <a:prstGeom prst="rect">
+            <a:avLst/>
+          </a:prstGeom>
+        </p:spPr>
+      </p:pic>
+      <p:pic>
+        <p:nvPicPr>
+          <p:cNvPr id="15" name="Picture 14">
+            <a:extLst>
+              <a:ext uri="{FF2B5EF4-FFF2-40B4-BE49-F238E27FC236}">
+                <a16:creationId xmlns:a16="http://schemas.microsoft.com/office/drawing/2014/main" id="{AC65F24A-ACA0-4171-8E29-98A7A94BF36C}"/>
+              </a:ext>
+            </a:extLst>
+          </p:cNvPr>
+          <p:cNvPicPr>
+            <a:picLocks noChangeAspect="1"/>
+          </p:cNvPicPr>
+          <p:nvPr/>
+        </p:nvPicPr>
+        <p:blipFill>
+          <a:blip r:embed="rId6"/>
+          <a:stretch>
+            <a:fillRect/>
+          </a:stretch>
+        </p:blipFill>
+        <p:spPr>
+          <a:xfrm>
+            <a:off x="4729842" y="2774835"/>
+            <a:ext cx="3962400" cy="3733800"/>
+          </a:xfrm>
+          <a:prstGeom prst="rect">
+            <a:avLst/>
+          </a:prstGeom>
+        </p:spPr>
+      </p:pic>
     </p:spTree>
     <p:extLst>
       <p:ext uri="{BB962C8B-B14F-4D97-AF65-F5344CB8AC3E}">
-        <p14:creationId xmlns:p14="http://schemas.microsoft.com/office/powerpoint/2010/main" val="2395051032"/>
+        <p14:creationId xmlns:p14="http://schemas.microsoft.com/office/powerpoint/2010/main" val="3757621911"/>
       </p:ext>
     </p:extLst>
   </p:cSld>
@@ -4572,7 +6095,7 @@
           <p:cNvPr id="2" name="Title 1">
             <a:extLst>
               <a:ext uri="{FF2B5EF4-FFF2-40B4-BE49-F238E27FC236}">
-                <a16:creationId xmlns:a16="http://schemas.microsoft.com/office/drawing/2014/main" id="{FA63CE58-31D3-4CE4-B980-300475A8D6AB}"/>
+                <a16:creationId xmlns:a16="http://schemas.microsoft.com/office/drawing/2014/main" id="{ED9B5A03-494F-4276-A82C-E68720BD23C2}"/>
               </a:ext>
             </a:extLst>
           </p:cNvPr>
@@ -4588,7 +6111,10 @@
           <a:bodyPr/>
           <a:lstStyle/>
           <a:p>
-            <a:endParaRPr lang="en-GB"/>
+            <a:r>
+              <a:rPr lang="en-GB" dirty="0"/>
+              <a:t>Some handy figure functions</a:t>
+            </a:r>
           </a:p>
         </p:txBody>
       </p:sp>
@@ -4597,7 +6123,7 @@
           <p:cNvPr id="3" name="Content Placeholder 2">
             <a:extLst>
               <a:ext uri="{FF2B5EF4-FFF2-40B4-BE49-F238E27FC236}">
-                <a16:creationId xmlns:a16="http://schemas.microsoft.com/office/drawing/2014/main" id="{D547804F-4C36-4E05-A85C-C0624CAF1BA9}"/>
+                <a16:creationId xmlns:a16="http://schemas.microsoft.com/office/drawing/2014/main" id="{96796997-C7A7-4A65-A25A-0A5EBA69645B}"/>
               </a:ext>
             </a:extLst>
           </p:cNvPr>
@@ -4614,78 +6140,30 @@
           <a:lstStyle/>
           <a:p>
             <a:r>
-              <a:rPr lang="en-GB" sz="2000" dirty="0"/>
-              <a:t>Talk about plotting</a:t>
-            </a:r>
-          </a:p>
-          <a:p>
-            <a:pPr lvl="1"/>
-            <a:r>
-              <a:rPr lang="en-GB" sz="1800" dirty="0"/>
-              <a:t>Talk about main concepts using scatter plot</a:t>
-            </a:r>
-          </a:p>
-          <a:p>
-            <a:pPr lvl="2"/>
-            <a:r>
-              <a:rPr lang="en-GB" sz="1400" dirty="0"/>
-              <a:t>The axes objects</a:t>
-            </a:r>
-          </a:p>
-          <a:p>
-            <a:pPr lvl="2"/>
-            <a:r>
-              <a:rPr lang="en-GB" sz="1400" dirty="0"/>
-              <a:t>Changing line properties</a:t>
-            </a:r>
-          </a:p>
-          <a:p>
-            <a:pPr lvl="2"/>
-            <a:r>
-              <a:rPr lang="en-GB" sz="1400" dirty="0"/>
-              <a:t>Changing marker types</a:t>
-            </a:r>
-          </a:p>
-          <a:p>
-            <a:pPr lvl="2"/>
-            <a:r>
-              <a:rPr lang="en-GB" sz="1400" dirty="0"/>
-              <a:t>The shorthand colour names (‘</a:t>
-            </a:r>
-            <a:r>
-              <a:rPr lang="en-GB" sz="1400" dirty="0" err="1"/>
-              <a:t>b’,’g’,’k</a:t>
-            </a:r>
-            <a:r>
-              <a:rPr lang="en-GB" sz="1400" dirty="0"/>
-              <a:t>’, etc.)</a:t>
-            </a:r>
-          </a:p>
-          <a:p>
-            <a:pPr lvl="2"/>
-            <a:r>
-              <a:rPr lang="en-GB" sz="1400" dirty="0"/>
-              <a:t>Using hold on and hold off to add elements to a plot</a:t>
-            </a:r>
-          </a:p>
-          <a:p>
-            <a:pPr lvl="2"/>
-            <a:endParaRPr lang="en-GB" sz="800" dirty="0"/>
-          </a:p>
-          <a:p>
-            <a:pPr lvl="2"/>
-            <a:endParaRPr lang="en-GB" sz="1100" dirty="0"/>
-          </a:p>
-          <a:p>
-            <a:pPr lvl="2"/>
-            <a:endParaRPr lang="en-GB" sz="600" dirty="0"/>
+              <a:rPr lang="en-GB" dirty="0" err="1"/>
+              <a:t>clf</a:t>
+            </a:r>
+            <a:endParaRPr lang="en-GB" dirty="0"/>
+          </a:p>
+          <a:p>
+            <a:r>
+              <a:rPr lang="en-GB" dirty="0" err="1"/>
+              <a:t>gcf</a:t>
+            </a:r>
+            <a:endParaRPr lang="en-GB" dirty="0"/>
+          </a:p>
+          <a:p>
+            <a:r>
+              <a:rPr lang="en-GB" dirty="0"/>
+              <a:t>close all</a:t>
+            </a:r>
           </a:p>
         </p:txBody>
       </p:sp>
     </p:spTree>
     <p:extLst>
       <p:ext uri="{BB962C8B-B14F-4D97-AF65-F5344CB8AC3E}">
-        <p14:creationId xmlns:p14="http://schemas.microsoft.com/office/powerpoint/2010/main" val="616477775"/>
+        <p14:creationId xmlns:p14="http://schemas.microsoft.com/office/powerpoint/2010/main" val="2028804257"/>
       </p:ext>
     </p:extLst>
   </p:cSld>
@@ -4780,11 +6258,7 @@
             <a:pPr algn="ctr"/>
             <a:r>
               <a:rPr lang="en-GB" sz="3200" dirty="0"/>
-              <a:t>Designing a </a:t>
-            </a:r>
-            <a:r>
-              <a:rPr lang="en-GB" sz="3200"/>
-              <a:t>user interface</a:t>
+              <a:t>Plotting</a:t>
             </a:r>
             <a:endParaRPr lang="en-GB" sz="2800" dirty="0">
               <a:solidFill>
@@ -4797,7 +6271,7 @@
     </p:spTree>
     <p:extLst>
       <p:ext uri="{BB962C8B-B14F-4D97-AF65-F5344CB8AC3E}">
-        <p14:creationId xmlns:p14="http://schemas.microsoft.com/office/powerpoint/2010/main" val="2590606000"/>
+        <p14:creationId xmlns:p14="http://schemas.microsoft.com/office/powerpoint/2010/main" val="2395051032"/>
       </p:ext>
     </p:extLst>
   </p:cSld>

--- a/Session 4 - Figures and plotting/MATLAB Session 4.pptx
+++ b/Session 4 - Figures and plotting/MATLAB Session 4.pptx
@@ -5,24 +5,29 @@
     <p:sldMasterId id="2147483678" r:id="rId1"/>
   </p:sldMasterIdLst>
   <p:notesMasterIdLst>
-    <p:notesMasterId r:id="rId17"/>
+    <p:notesMasterId r:id="rId22"/>
   </p:notesMasterIdLst>
   <p:sldIdLst>
     <p:sldId id="316" r:id="rId2"/>
     <p:sldId id="351" r:id="rId3"/>
     <p:sldId id="407" r:id="rId4"/>
     <p:sldId id="445" r:id="rId5"/>
-    <p:sldId id="447" r:id="rId6"/>
-    <p:sldId id="453" r:id="rId7"/>
-    <p:sldId id="456" r:id="rId8"/>
-    <p:sldId id="457" r:id="rId9"/>
-    <p:sldId id="450" r:id="rId10"/>
-    <p:sldId id="454" r:id="rId11"/>
-    <p:sldId id="449" r:id="rId12"/>
-    <p:sldId id="451" r:id="rId13"/>
-    <p:sldId id="452" r:id="rId14"/>
-    <p:sldId id="444" r:id="rId15"/>
-    <p:sldId id="443" r:id="rId16"/>
+    <p:sldId id="453" r:id="rId6"/>
+    <p:sldId id="456" r:id="rId7"/>
+    <p:sldId id="457" r:id="rId8"/>
+    <p:sldId id="450" r:id="rId9"/>
+    <p:sldId id="447" r:id="rId10"/>
+    <p:sldId id="459" r:id="rId11"/>
+    <p:sldId id="458" r:id="rId12"/>
+    <p:sldId id="463" r:id="rId13"/>
+    <p:sldId id="464" r:id="rId14"/>
+    <p:sldId id="461" r:id="rId15"/>
+    <p:sldId id="462" r:id="rId16"/>
+    <p:sldId id="449" r:id="rId17"/>
+    <p:sldId id="451" r:id="rId18"/>
+    <p:sldId id="452" r:id="rId19"/>
+    <p:sldId id="444" r:id="rId20"/>
+    <p:sldId id="443" r:id="rId21"/>
   </p:sldIdLst>
   <p:sldSz cx="12192000" cy="6858000"/>
   <p:notesSz cx="6669088" cy="9926638"/>
@@ -2345,7 +2350,7 @@
           <p:cNvPr id="2" name="Title 1">
             <a:extLst>
               <a:ext uri="{FF2B5EF4-FFF2-40B4-BE49-F238E27FC236}">
-                <a16:creationId xmlns:a16="http://schemas.microsoft.com/office/drawing/2014/main" id="{75D50EB5-46DE-4076-9A04-453EF016722F}"/>
+                <a16:creationId xmlns:a16="http://schemas.microsoft.com/office/drawing/2014/main" id="{E0C3FFB3-8FA6-4283-B978-C97FEDCF8629}"/>
               </a:ext>
             </a:extLst>
           </p:cNvPr>
@@ -2363,7 +2368,7 @@
           <a:p>
             <a:r>
               <a:rPr lang="en-GB" dirty="0"/>
-              <a:t>Plotting data</a:t>
+              <a:t>Axes</a:t>
             </a:r>
           </a:p>
         </p:txBody>
@@ -2373,7 +2378,7 @@
           <p:cNvPr id="3" name="Content Placeholder 2">
             <a:extLst>
               <a:ext uri="{FF2B5EF4-FFF2-40B4-BE49-F238E27FC236}">
-                <a16:creationId xmlns:a16="http://schemas.microsoft.com/office/drawing/2014/main" id="{4863AB74-B352-493F-BE21-42319B6CF008}"/>
+                <a16:creationId xmlns:a16="http://schemas.microsoft.com/office/drawing/2014/main" id="{E5E20577-7C2A-40F7-B0DD-EB9541ABD2C5}"/>
               </a:ext>
             </a:extLst>
           </p:cNvPr>
@@ -2391,56 +2396,88 @@
           <a:p>
             <a:r>
               <a:rPr lang="en-GB" dirty="0"/>
-              <a:t>All graphical components live within a figure</a:t>
+              <a:t>Plots are drawn inside axes</a:t>
             </a:r>
           </a:p>
           <a:p>
             <a:pPr lvl="1"/>
             <a:r>
               <a:rPr lang="en-GB" dirty="0"/>
-              <a:t>The </a:t>
-            </a:r>
+              <a:t>Automatically created when plotting</a:t>
+            </a:r>
+          </a:p>
+          <a:p>
+            <a:pPr lvl="1"/>
+            <a:r>
+              <a:rPr lang="en-GB" dirty="0"/>
+              <a:t>Get reference to active axes using </a:t>
+            </a:r>
+            <a:r>
+              <a:rPr lang="en-GB" i="1" dirty="0" err="1">
+                <a:solidFill>
+                  <a:schemeClr val="accent1"/>
+                </a:solidFill>
+              </a:rPr>
+              <a:t>gca</a:t>
+            </a:r>
+            <a:endParaRPr lang="en-GB" i="1" dirty="0">
+              <a:solidFill>
+                <a:schemeClr val="accent1"/>
+              </a:solidFill>
+            </a:endParaRPr>
+          </a:p>
+          <a:p>
+            <a:pPr lvl="1"/>
+            <a:endParaRPr lang="en-GB" sz="1200" dirty="0"/>
+          </a:p>
+          <a:p>
+            <a:r>
+              <a:rPr lang="en-GB" dirty="0"/>
+              <a:t>Axes are an object</a:t>
+            </a:r>
+          </a:p>
+          <a:p>
+            <a:pPr lvl="1"/>
+            <a:r>
+              <a:rPr lang="en-GB" dirty="0"/>
+              <a:t>Properties include</a:t>
+            </a:r>
+          </a:p>
+          <a:p>
+            <a:pPr lvl="2"/>
+            <a:r>
+              <a:rPr lang="en-GB" i="1" dirty="0" err="1">
+                <a:solidFill>
+                  <a:schemeClr val="accent1"/>
+                </a:solidFill>
+              </a:rPr>
+              <a:t>XLim</a:t>
+            </a:r>
+            <a:r>
+              <a:rPr lang="en-GB" dirty="0"/>
+              <a:t> and </a:t>
+            </a:r>
+            <a:r>
+              <a:rPr lang="en-GB" i="1" dirty="0" err="1">
+                <a:solidFill>
+                  <a:schemeClr val="accent1"/>
+                </a:solidFill>
+              </a:rPr>
+              <a:t>YLim</a:t>
+            </a:r>
+            <a:r>
+              <a:rPr lang="en-GB" dirty="0"/>
+              <a:t> (axis limits)</a:t>
+            </a:r>
+          </a:p>
+          <a:p>
+            <a:pPr lvl="2"/>
             <a:r>
               <a:rPr lang="en-GB" i="1" dirty="0">
                 <a:solidFill>
                   <a:schemeClr val="accent1"/>
                 </a:solidFill>
               </a:rPr>
-              <a:t>figure</a:t>
-            </a:r>
-            <a:r>
-              <a:rPr lang="en-GB" dirty="0"/>
-              <a:t> object is simply a container window</a:t>
-            </a:r>
-          </a:p>
-          <a:p>
-            <a:pPr lvl="1"/>
-            <a:endParaRPr lang="en-GB" sz="1200" dirty="0"/>
-          </a:p>
-          <a:p>
-            <a:r>
-              <a:rPr lang="en-GB" dirty="0"/>
-              <a:t>A figure is an object (Session 3)</a:t>
-            </a:r>
-          </a:p>
-          <a:p>
-            <a:pPr lvl="1"/>
-            <a:r>
-              <a:rPr lang="en-GB" dirty="0"/>
-              <a:t>Properties include</a:t>
-            </a:r>
-          </a:p>
-          <a:p>
-            <a:pPr lvl="2"/>
-            <a:r>
-              <a:rPr lang="en-GB" dirty="0"/>
-              <a:t>Name (title)</a:t>
-            </a:r>
-          </a:p>
-          <a:p>
-            <a:pPr lvl="2"/>
-            <a:r>
-              <a:rPr lang="en-GB" dirty="0"/>
               <a:t>Position</a:t>
             </a:r>
           </a:p>
@@ -2454,18 +2491,31 @@
           <a:p>
             <a:pPr lvl="2"/>
             <a:r>
+              <a:rPr lang="en-GB" i="1" dirty="0">
+                <a:solidFill>
+                  <a:schemeClr val="accent1"/>
+                </a:solidFill>
+              </a:rPr>
+              <a:t>delete</a:t>
+            </a:r>
+            <a:r>
               <a:rPr lang="en-GB" dirty="0"/>
-              <a:t>delete (close window)</a:t>
+              <a:t> (remove axes)</a:t>
             </a:r>
           </a:p>
           <a:p>
             <a:pPr lvl="2"/>
-            <a:endParaRPr lang="en-GB" sz="1200" dirty="0"/>
-          </a:p>
-          <a:p>
+            <a:r>
+              <a:rPr lang="en-GB" i="1" dirty="0">
+                <a:solidFill>
+                  <a:schemeClr val="accent1"/>
+                </a:solidFill>
+              </a:rPr>
+              <a:t>Reset</a:t>
+            </a:r>
             <a:r>
               <a:rPr lang="en-GB" dirty="0"/>
-              <a:t>We’ve used figures when viewing images</a:t>
+              <a:t> (return to default settings)</a:t>
             </a:r>
           </a:p>
           <a:p>
@@ -2473,229 +2523,84 @@
             <a:endParaRPr lang="en-GB" dirty="0"/>
           </a:p>
           <a:p>
-            <a:pPr lvl="1"/>
             <a:endParaRPr lang="en-GB" dirty="0"/>
           </a:p>
         </p:txBody>
       </p:sp>
-      <p:grpSp>
-        <p:nvGrpSpPr>
-          <p:cNvPr id="11" name="Group 10">
+      <p:sp>
+        <p:nvSpPr>
+          <p:cNvPr id="4" name="TextBox 3">
             <a:extLst>
               <a:ext uri="{FF2B5EF4-FFF2-40B4-BE49-F238E27FC236}">
-                <a16:creationId xmlns:a16="http://schemas.microsoft.com/office/drawing/2014/main" id="{B5B14166-21E1-405F-8DE1-33B9B26EAEDB}"/>
+                <a16:creationId xmlns:a16="http://schemas.microsoft.com/office/drawing/2014/main" id="{1E21296E-70F5-46FE-8A50-7139ED411145}"/>
               </a:ext>
             </a:extLst>
           </p:cNvPr>
-          <p:cNvGrpSpPr/>
+          <p:cNvSpPr txBox="1"/>
           <p:nvPr/>
-        </p:nvGrpSpPr>
-        <p:grpSpPr>
+        </p:nvSpPr>
+        <p:spPr>
           <a:xfrm>
-            <a:off x="7627904" y="1502891"/>
-            <a:ext cx="4293659" cy="4198718"/>
-            <a:chOff x="7627904" y="1329641"/>
-            <a:chExt cx="4293659" cy="4198718"/>
+            <a:off x="7434486" y="2876629"/>
+            <a:ext cx="4293659" cy="1569660"/>
           </a:xfrm>
-        </p:grpSpPr>
-        <p:pic>
-          <p:nvPicPr>
-            <p:cNvPr id="6" name="Picture 5">
-              <a:extLst>
-                <a:ext uri="{FF2B5EF4-FFF2-40B4-BE49-F238E27FC236}">
-                  <a16:creationId xmlns:a16="http://schemas.microsoft.com/office/drawing/2014/main" id="{D6404EE0-28F7-41D7-8C3D-AFA856BA805B}"/>
-                </a:ext>
-              </a:extLst>
-            </p:cNvPr>
-            <p:cNvPicPr>
-              <a:picLocks noChangeAspect="1"/>
-            </p:cNvPicPr>
-            <p:nvPr/>
-          </p:nvPicPr>
-          <p:blipFill>
-            <a:blip r:embed="rId2"/>
-            <a:stretch>
-              <a:fillRect/>
-            </a:stretch>
-          </p:blipFill>
-          <p:spPr>
-            <a:xfrm>
-              <a:off x="7793534" y="1794559"/>
-              <a:ext cx="3962400" cy="3733800"/>
-            </a:xfrm>
-            <a:prstGeom prst="rect">
-              <a:avLst/>
-            </a:prstGeom>
-          </p:spPr>
-        </p:pic>
-        <p:sp>
-          <p:nvSpPr>
-            <p:cNvPr id="7" name="TextBox 6">
-              <a:extLst>
-                <a:ext uri="{FF2B5EF4-FFF2-40B4-BE49-F238E27FC236}">
-                  <a16:creationId xmlns:a16="http://schemas.microsoft.com/office/drawing/2014/main" id="{ADA550D8-92F7-4DFB-94B4-961CBEDD9540}"/>
-                </a:ext>
-              </a:extLst>
-            </p:cNvPr>
-            <p:cNvSpPr txBox="1"/>
-            <p:nvPr/>
-          </p:nvSpPr>
-          <p:spPr>
-            <a:xfrm>
-              <a:off x="7627904" y="1329641"/>
-              <a:ext cx="4293659" cy="461665"/>
-            </a:xfrm>
-            <a:prstGeom prst="rect">
-              <a:avLst/>
-            </a:prstGeom>
-            <a:noFill/>
-          </p:spPr>
-          <p:txBody>
-            <a:bodyPr wrap="square" rtlCol="0">
-              <a:spAutoFit/>
-            </a:bodyPr>
-            <a:lstStyle/>
-            <a:p>
-              <a:pPr algn="ctr"/>
-              <a:r>
-                <a:rPr lang="en-GB" sz="2400" i="1" dirty="0" err="1">
-                  <a:solidFill>
-                    <a:schemeClr val="accent1"/>
-                  </a:solidFill>
-                </a:rPr>
-                <a:t>my_fig</a:t>
-              </a:r>
-              <a:r>
-                <a:rPr lang="en-GB" sz="2400" i="1" dirty="0">
-                  <a:solidFill>
-                    <a:schemeClr val="accent1"/>
-                  </a:solidFill>
-                </a:rPr>
-                <a:t> = figure()</a:t>
-              </a:r>
-            </a:p>
-          </p:txBody>
-        </p:sp>
-      </p:grpSp>
-      <p:grpSp>
-        <p:nvGrpSpPr>
-          <p:cNvPr id="8" name="Group 7">
-            <a:extLst>
-              <a:ext uri="{FF2B5EF4-FFF2-40B4-BE49-F238E27FC236}">
-                <a16:creationId xmlns:a16="http://schemas.microsoft.com/office/drawing/2014/main" id="{AC97AE24-DA52-4AFC-AD93-39609E8F1285}"/>
-              </a:ext>
-            </a:extLst>
-          </p:cNvPr>
-          <p:cNvGrpSpPr/>
-          <p:nvPr/>
-        </p:nvGrpSpPr>
-        <p:grpSpPr>
-          <a:xfrm>
-            <a:off x="7627904" y="1502891"/>
-            <a:ext cx="4293659" cy="4198718"/>
-            <a:chOff x="7627904" y="1329641"/>
-            <a:chExt cx="4293659" cy="4198718"/>
-          </a:xfrm>
-        </p:grpSpPr>
-        <p:pic>
-          <p:nvPicPr>
-            <p:cNvPr id="9" name="Picture 8">
-              <a:extLst>
-                <a:ext uri="{FF2B5EF4-FFF2-40B4-BE49-F238E27FC236}">
-                  <a16:creationId xmlns:a16="http://schemas.microsoft.com/office/drawing/2014/main" id="{A36E4B39-FE4F-4F6B-84EA-CE5063ABE2B9}"/>
-                </a:ext>
-              </a:extLst>
-            </p:cNvPr>
-            <p:cNvPicPr>
-              <a:picLocks noChangeAspect="1"/>
-            </p:cNvPicPr>
-            <p:nvPr/>
-          </p:nvPicPr>
-          <p:blipFill>
-            <a:blip r:embed="rId3"/>
-            <a:stretch>
-              <a:fillRect/>
-            </a:stretch>
-          </p:blipFill>
-          <p:spPr>
-            <a:xfrm>
-              <a:off x="7793534" y="1794559"/>
-              <a:ext cx="3962400" cy="3733800"/>
-            </a:xfrm>
-            <a:prstGeom prst="rect">
-              <a:avLst/>
-            </a:prstGeom>
-          </p:spPr>
-        </p:pic>
-        <p:sp>
-          <p:nvSpPr>
-            <p:cNvPr id="10" name="TextBox 9">
-              <a:extLst>
-                <a:ext uri="{FF2B5EF4-FFF2-40B4-BE49-F238E27FC236}">
-                  <a16:creationId xmlns:a16="http://schemas.microsoft.com/office/drawing/2014/main" id="{55BF7ECA-2638-4787-9329-BE5C2980F730}"/>
-                </a:ext>
-              </a:extLst>
-            </p:cNvPr>
-            <p:cNvSpPr txBox="1"/>
-            <p:nvPr/>
-          </p:nvSpPr>
-          <p:spPr>
-            <a:xfrm>
-              <a:off x="7627904" y="1329641"/>
-              <a:ext cx="4293659" cy="461665"/>
-            </a:xfrm>
-            <a:prstGeom prst="rect">
-              <a:avLst/>
-            </a:prstGeom>
-            <a:noFill/>
-          </p:spPr>
-          <p:txBody>
-            <a:bodyPr wrap="square" rtlCol="0">
-              <a:spAutoFit/>
-            </a:bodyPr>
-            <a:lstStyle/>
-            <a:p>
-              <a:pPr algn="ctr"/>
-              <a:r>
-                <a:rPr lang="en-GB" sz="2400" i="1" dirty="0" err="1">
-                  <a:solidFill>
-                    <a:schemeClr val="accent1"/>
-                  </a:solidFill>
-                </a:rPr>
-                <a:t>imshow</a:t>
-              </a:r>
-              <a:r>
-                <a:rPr lang="en-GB" sz="2400" i="1" dirty="0">
-                  <a:solidFill>
-                    <a:schemeClr val="accent1"/>
-                  </a:solidFill>
-                </a:rPr>
-                <a:t>(</a:t>
-              </a:r>
-              <a:r>
-                <a:rPr lang="en-GB" sz="2400" i="1" dirty="0" err="1">
-                  <a:solidFill>
-                    <a:schemeClr val="accent1"/>
-                  </a:solidFill>
-                </a:rPr>
-                <a:t>some_image</a:t>
-              </a:r>
-              <a:r>
-                <a:rPr lang="en-GB" sz="2400" i="1" dirty="0">
-                  <a:solidFill>
-                    <a:schemeClr val="accent1"/>
-                  </a:solidFill>
-                </a:rPr>
-                <a:t>, [])</a:t>
-              </a:r>
-            </a:p>
-          </p:txBody>
-        </p:sp>
-      </p:grpSp>
+          <a:prstGeom prst="rect">
+            <a:avLst/>
+          </a:prstGeom>
+          <a:noFill/>
+        </p:spPr>
+        <p:txBody>
+          <a:bodyPr wrap="square" rtlCol="0">
+            <a:spAutoFit/>
+          </a:bodyPr>
+          <a:lstStyle/>
+          <a:p>
+            <a:pPr algn="ctr"/>
+            <a:r>
+              <a:rPr lang="en-GB" sz="2400" i="1" dirty="0">
+                <a:solidFill>
+                  <a:srgbClr val="FF0000"/>
+                </a:solidFill>
+              </a:rPr>
+              <a:t>[Show figure with axes on </a:t>
+            </a:r>
+          </a:p>
+          <a:p>
+            <a:pPr algn="ctr"/>
+            <a:r>
+              <a:rPr lang="en-GB" sz="2400" i="1" dirty="0">
+                <a:solidFill>
+                  <a:srgbClr val="FF0000"/>
+                </a:solidFill>
+              </a:rPr>
+              <a:t>basic plot</a:t>
+            </a:r>
+          </a:p>
+          <a:p>
+            <a:pPr algn="ctr"/>
+            <a:endParaRPr lang="en-GB" sz="2400" i="1" dirty="0">
+              <a:solidFill>
+                <a:srgbClr val="FF0000"/>
+              </a:solidFill>
+            </a:endParaRPr>
+          </a:p>
+          <a:p>
+            <a:pPr algn="ctr"/>
+            <a:r>
+              <a:rPr lang="en-GB" sz="2400" i="1" dirty="0">
+                <a:solidFill>
+                  <a:srgbClr val="FF0000"/>
+                </a:solidFill>
+              </a:rPr>
+              <a:t>Change limits, then reset]</a:t>
+            </a:r>
+          </a:p>
+        </p:txBody>
+      </p:sp>
     </p:spTree>
     <p:extLst>
       <p:ext uri="{BB962C8B-B14F-4D97-AF65-F5344CB8AC3E}">
-        <p14:creationId xmlns:p14="http://schemas.microsoft.com/office/powerpoint/2010/main" val="3398333505"/>
+        <p14:creationId xmlns:p14="http://schemas.microsoft.com/office/powerpoint/2010/main" val="1688843905"/>
       </p:ext>
     </p:extLst>
   </p:cSld>
@@ -2726,6 +2631,9 @@
                     <p:cTn id="3" fill="hold">
                       <p:stCondLst>
                         <p:cond delay="indefinite"/>
+                        <p:cond evt="onBegin" delay="0">
+                          <p:tn val="2"/>
+                        </p:cond>
                       </p:stCondLst>
                       <p:childTnLst>
                         <p:par>
@@ -2735,7 +2643,7 @@
                             </p:stCondLst>
                             <p:childTnLst>
                               <p:par>
-                                <p:cTn id="5" presetID="10" presetClass="entr" presetSubtype="0" fill="hold" nodeType="clickEffect">
+                                <p:cTn id="5" presetID="10" presetClass="entr" presetSubtype="0" fill="hold" grpId="0" nodeType="withEffect">
                                   <p:stCondLst>
                                     <p:cond delay="0"/>
                                   </p:stCondLst>
@@ -2748,7 +2656,7 @@
                                           </p:stCondLst>
                                         </p:cTn>
                                         <p:tgtEl>
-                                          <p:spTgt spid="8"/>
+                                          <p:spTgt spid="4"/>
                                         </p:tgtEl>
                                         <p:attrNameLst>
                                           <p:attrName>style.visibility</p:attrName>
@@ -2762,45 +2670,10 @@
                                       <p:cBhvr>
                                         <p:cTn id="7" dur="300"/>
                                         <p:tgtEl>
-                                          <p:spTgt spid="8"/>
+                                          <p:spTgt spid="4"/>
                                         </p:tgtEl>
                                       </p:cBhvr>
                                     </p:animEffect>
-                                  </p:childTnLst>
-                                </p:cTn>
-                              </p:par>
-                              <p:par>
-                                <p:cTn id="8" presetID="10" presetClass="exit" presetSubtype="0" fill="hold" nodeType="withEffect">
-                                  <p:stCondLst>
-                                    <p:cond delay="0"/>
-                                  </p:stCondLst>
-                                  <p:childTnLst>
-                                    <p:animEffect transition="out" filter="fade">
-                                      <p:cBhvr>
-                                        <p:cTn id="9" dur="300"/>
-                                        <p:tgtEl>
-                                          <p:spTgt spid="11"/>
-                                        </p:tgtEl>
-                                      </p:cBhvr>
-                                    </p:animEffect>
-                                    <p:set>
-                                      <p:cBhvr>
-                                        <p:cTn id="10" dur="1" fill="hold">
-                                          <p:stCondLst>
-                                            <p:cond delay="299"/>
-                                          </p:stCondLst>
-                                        </p:cTn>
-                                        <p:tgtEl>
-                                          <p:spTgt spid="11"/>
-                                        </p:tgtEl>
-                                        <p:attrNameLst>
-                                          <p:attrName>style.visibility</p:attrName>
-                                        </p:attrNameLst>
-                                      </p:cBhvr>
-                                      <p:to>
-                                        <p:strVal val="hidden"/>
-                                      </p:to>
-                                    </p:set>
                                   </p:childTnLst>
                                 </p:cTn>
                               </p:par>
@@ -2831,11 +2704,1225 @@
         </p:cTn>
       </p:par>
     </p:tnLst>
+    <p:bldLst>
+      <p:bldP spid="4" grpId="0"/>
+    </p:bldLst>
   </p:timing>
 </p:sld>
 </file>
 
 <file path=ppt/slides/slide11.xml><?xml version="1.0" encoding="utf-8"?>
+<p:sld xmlns:a="http://schemas.openxmlformats.org/drawingml/2006/main" xmlns:r="http://schemas.openxmlformats.org/officeDocument/2006/relationships" xmlns:p="http://schemas.openxmlformats.org/presentationml/2006/main">
+  <p:cSld>
+    <p:spTree>
+      <p:nvGrpSpPr>
+        <p:cNvPr id="1" name=""/>
+        <p:cNvGrpSpPr/>
+        <p:nvPr/>
+      </p:nvGrpSpPr>
+      <p:grpSpPr>
+        <a:xfrm>
+          <a:off x="0" y="0"/>
+          <a:ext cx="0" cy="0"/>
+          <a:chOff x="0" y="0"/>
+          <a:chExt cx="0" cy="0"/>
+        </a:xfrm>
+      </p:grpSpPr>
+      <p:sp>
+        <p:nvSpPr>
+          <p:cNvPr id="2" name="Title 1">
+            <a:extLst>
+              <a:ext uri="{FF2B5EF4-FFF2-40B4-BE49-F238E27FC236}">
+                <a16:creationId xmlns:a16="http://schemas.microsoft.com/office/drawing/2014/main" id="{E0C3FFB3-8FA6-4283-B978-C97FEDCF8629}"/>
+              </a:ext>
+            </a:extLst>
+          </p:cNvPr>
+          <p:cNvSpPr>
+            <a:spLocks noGrp="1"/>
+          </p:cNvSpPr>
+          <p:nvPr>
+            <p:ph type="title"/>
+          </p:nvPr>
+        </p:nvSpPr>
+        <p:spPr/>
+        <p:txBody>
+          <a:bodyPr/>
+          <a:lstStyle/>
+          <a:p>
+            <a:r>
+              <a:rPr lang="en-GB" dirty="0"/>
+              <a:t>Scatter plots</a:t>
+            </a:r>
+          </a:p>
+        </p:txBody>
+      </p:sp>
+      <p:sp>
+        <p:nvSpPr>
+          <p:cNvPr id="3" name="Content Placeholder 2">
+            <a:extLst>
+              <a:ext uri="{FF2B5EF4-FFF2-40B4-BE49-F238E27FC236}">
+                <a16:creationId xmlns:a16="http://schemas.microsoft.com/office/drawing/2014/main" id="{E5E20577-7C2A-40F7-B0DD-EB9541ABD2C5}"/>
+              </a:ext>
+            </a:extLst>
+          </p:cNvPr>
+          <p:cNvSpPr>
+            <a:spLocks noGrp="1"/>
+          </p:cNvSpPr>
+          <p:nvPr>
+            <p:ph idx="1"/>
+          </p:nvPr>
+        </p:nvSpPr>
+        <p:spPr/>
+        <p:txBody>
+          <a:bodyPr/>
+          <a:lstStyle/>
+          <a:p>
+            <a:r>
+              <a:rPr lang="en-GB" dirty="0"/>
+              <a:t>Create a 2D scatter plots with </a:t>
+            </a:r>
+            <a:r>
+              <a:rPr lang="en-GB" i="1" dirty="0">
+                <a:solidFill>
+                  <a:schemeClr val="accent1"/>
+                </a:solidFill>
+              </a:rPr>
+              <a:t>plot</a:t>
+            </a:r>
+          </a:p>
+          <a:p>
+            <a:pPr lvl="1"/>
+            <a:r>
+              <a:rPr lang="en-GB" dirty="0"/>
+              <a:t>Use </a:t>
+            </a:r>
+            <a:r>
+              <a:rPr lang="en-GB" i="1" dirty="0">
+                <a:solidFill>
+                  <a:schemeClr val="accent1"/>
+                </a:solidFill>
+              </a:rPr>
+              <a:t>plot3</a:t>
+            </a:r>
+            <a:r>
+              <a:rPr lang="en-GB" dirty="0"/>
+              <a:t> for a 3D scatter</a:t>
+            </a:r>
+          </a:p>
+          <a:p>
+            <a:pPr lvl="1"/>
+            <a:endParaRPr lang="en-GB" dirty="0"/>
+          </a:p>
+          <a:p>
+            <a:r>
+              <a:rPr lang="en-GB" dirty="0"/>
+              <a:t>Change key plot rendering </a:t>
+            </a:r>
+          </a:p>
+          <a:p>
+            <a:pPr lvl="1"/>
+            <a:endParaRPr lang="en-GB" dirty="0"/>
+          </a:p>
+          <a:p>
+            <a:endParaRPr lang="en-GB" dirty="0"/>
+          </a:p>
+        </p:txBody>
+      </p:sp>
+      <p:sp>
+        <p:nvSpPr>
+          <p:cNvPr id="4" name="TextBox 3">
+            <a:extLst>
+              <a:ext uri="{FF2B5EF4-FFF2-40B4-BE49-F238E27FC236}">
+                <a16:creationId xmlns:a16="http://schemas.microsoft.com/office/drawing/2014/main" id="{1E21296E-70F5-46FE-8A50-7139ED411145}"/>
+              </a:ext>
+            </a:extLst>
+          </p:cNvPr>
+          <p:cNvSpPr txBox="1"/>
+          <p:nvPr/>
+        </p:nvSpPr>
+        <p:spPr>
+          <a:xfrm>
+            <a:off x="7434486" y="2876629"/>
+            <a:ext cx="4293659" cy="830997"/>
+          </a:xfrm>
+          <a:prstGeom prst="rect">
+            <a:avLst/>
+          </a:prstGeom>
+          <a:noFill/>
+        </p:spPr>
+        <p:txBody>
+          <a:bodyPr wrap="square" rtlCol="0">
+            <a:spAutoFit/>
+          </a:bodyPr>
+          <a:lstStyle/>
+          <a:p>
+            <a:pPr algn="ctr"/>
+            <a:r>
+              <a:rPr lang="en-GB" sz="2400" i="1" dirty="0">
+                <a:solidFill>
+                  <a:srgbClr val="FF0000"/>
+                </a:solidFill>
+              </a:rPr>
+              <a:t>[Example 2D and 3D scatter plots]</a:t>
+            </a:r>
+          </a:p>
+        </p:txBody>
+      </p:sp>
+    </p:spTree>
+    <p:extLst>
+      <p:ext uri="{BB962C8B-B14F-4D97-AF65-F5344CB8AC3E}">
+        <p14:creationId xmlns:p14="http://schemas.microsoft.com/office/powerpoint/2010/main" val="1151593698"/>
+      </p:ext>
+    </p:extLst>
+  </p:cSld>
+  <p:clrMapOvr>
+    <a:masterClrMapping/>
+  </p:clrMapOvr>
+  <mc:AlternateContent xmlns:mc="http://schemas.openxmlformats.org/markup-compatibility/2006" xmlns:p14="http://schemas.microsoft.com/office/powerpoint/2010/main">
+    <mc:Choice Requires="p14">
+      <p:transition p14:dur="300">
+        <p:fade/>
+      </p:transition>
+    </mc:Choice>
+    <mc:Fallback xmlns="">
+      <p:transition>
+        <p:fade/>
+      </p:transition>
+    </mc:Fallback>
+  </mc:AlternateContent>
+  <p:timing>
+    <p:tnLst>
+      <p:par>
+        <p:cTn id="1" dur="indefinite" restart="never" nodeType="tmRoot">
+          <p:childTnLst>
+            <p:seq concurrent="1" nextAc="seek">
+              <p:cTn id="2" dur="indefinite" nodeType="mainSeq">
+                <p:childTnLst>
+                  <p:par>
+                    <p:cTn id="3" fill="hold">
+                      <p:stCondLst>
+                        <p:cond delay="indefinite"/>
+                        <p:cond evt="onBegin" delay="0">
+                          <p:tn val="2"/>
+                        </p:cond>
+                      </p:stCondLst>
+                      <p:childTnLst>
+                        <p:par>
+                          <p:cTn id="4" fill="hold">
+                            <p:stCondLst>
+                              <p:cond delay="0"/>
+                            </p:stCondLst>
+                            <p:childTnLst>
+                              <p:par>
+                                <p:cTn id="5" presetID="10" presetClass="entr" presetSubtype="0" fill="hold" grpId="0" nodeType="withEffect">
+                                  <p:stCondLst>
+                                    <p:cond delay="0"/>
+                                  </p:stCondLst>
+                                  <p:childTnLst>
+                                    <p:set>
+                                      <p:cBhvr>
+                                        <p:cTn id="6" dur="1" fill="hold">
+                                          <p:stCondLst>
+                                            <p:cond delay="0"/>
+                                          </p:stCondLst>
+                                        </p:cTn>
+                                        <p:tgtEl>
+                                          <p:spTgt spid="4"/>
+                                        </p:tgtEl>
+                                        <p:attrNameLst>
+                                          <p:attrName>style.visibility</p:attrName>
+                                        </p:attrNameLst>
+                                      </p:cBhvr>
+                                      <p:to>
+                                        <p:strVal val="visible"/>
+                                      </p:to>
+                                    </p:set>
+                                    <p:animEffect transition="in" filter="fade">
+                                      <p:cBhvr>
+                                        <p:cTn id="7" dur="300"/>
+                                        <p:tgtEl>
+                                          <p:spTgt spid="4"/>
+                                        </p:tgtEl>
+                                      </p:cBhvr>
+                                    </p:animEffect>
+                                  </p:childTnLst>
+                                </p:cTn>
+                              </p:par>
+                            </p:childTnLst>
+                          </p:cTn>
+                        </p:par>
+                      </p:childTnLst>
+                    </p:cTn>
+                  </p:par>
+                </p:childTnLst>
+              </p:cTn>
+              <p:prevCondLst>
+                <p:cond evt="onPrev" delay="0">
+                  <p:tgtEl>
+                    <p:sldTgt/>
+                  </p:tgtEl>
+                </p:cond>
+              </p:prevCondLst>
+              <p:nextCondLst>
+                <p:cond evt="onNext" delay="0">
+                  <p:tgtEl>
+                    <p:sldTgt/>
+                  </p:tgtEl>
+                </p:cond>
+              </p:nextCondLst>
+            </p:seq>
+          </p:childTnLst>
+        </p:cTn>
+      </p:par>
+    </p:tnLst>
+    <p:bldLst>
+      <p:bldP spid="4" grpId="0"/>
+    </p:bldLst>
+  </p:timing>
+</p:sld>
+</file>
+
+<file path=ppt/slides/slide12.xml><?xml version="1.0" encoding="utf-8"?>
+<p:sld xmlns:a="http://schemas.openxmlformats.org/drawingml/2006/main" xmlns:r="http://schemas.openxmlformats.org/officeDocument/2006/relationships" xmlns:p="http://schemas.openxmlformats.org/presentationml/2006/main">
+  <p:cSld>
+    <p:spTree>
+      <p:nvGrpSpPr>
+        <p:cNvPr id="1" name=""/>
+        <p:cNvGrpSpPr/>
+        <p:nvPr/>
+      </p:nvGrpSpPr>
+      <p:grpSpPr>
+        <a:xfrm>
+          <a:off x="0" y="0"/>
+          <a:ext cx="0" cy="0"/>
+          <a:chOff x="0" y="0"/>
+          <a:chExt cx="0" cy="0"/>
+        </a:xfrm>
+      </p:grpSpPr>
+      <p:sp>
+        <p:nvSpPr>
+          <p:cNvPr id="2" name="Title 1">
+            <a:extLst>
+              <a:ext uri="{FF2B5EF4-FFF2-40B4-BE49-F238E27FC236}">
+                <a16:creationId xmlns:a16="http://schemas.microsoft.com/office/drawing/2014/main" id="{E0C3FFB3-8FA6-4283-B978-C97FEDCF8629}"/>
+              </a:ext>
+            </a:extLst>
+          </p:cNvPr>
+          <p:cNvSpPr>
+            <a:spLocks noGrp="1"/>
+          </p:cNvSpPr>
+          <p:nvPr>
+            <p:ph type="title"/>
+          </p:nvPr>
+        </p:nvSpPr>
+        <p:spPr/>
+        <p:txBody>
+          <a:bodyPr/>
+          <a:lstStyle/>
+          <a:p>
+            <a:r>
+              <a:rPr lang="en-GB" dirty="0"/>
+              <a:t>Histograms</a:t>
+            </a:r>
+          </a:p>
+        </p:txBody>
+      </p:sp>
+      <p:sp>
+        <p:nvSpPr>
+          <p:cNvPr id="3" name="Content Placeholder 2">
+            <a:extLst>
+              <a:ext uri="{FF2B5EF4-FFF2-40B4-BE49-F238E27FC236}">
+                <a16:creationId xmlns:a16="http://schemas.microsoft.com/office/drawing/2014/main" id="{E5E20577-7C2A-40F7-B0DD-EB9541ABD2C5}"/>
+              </a:ext>
+            </a:extLst>
+          </p:cNvPr>
+          <p:cNvSpPr>
+            <a:spLocks noGrp="1"/>
+          </p:cNvSpPr>
+          <p:nvPr>
+            <p:ph idx="1"/>
+          </p:nvPr>
+        </p:nvSpPr>
+        <p:spPr/>
+        <p:txBody>
+          <a:bodyPr/>
+          <a:lstStyle/>
+          <a:p>
+            <a:r>
+              <a:rPr lang="en-GB" dirty="0" err="1"/>
+              <a:t>sfsdfsfd</a:t>
+            </a:r>
+            <a:endParaRPr lang="en-GB" dirty="0"/>
+          </a:p>
+          <a:p>
+            <a:pPr lvl="1"/>
+            <a:endParaRPr lang="en-GB" dirty="0"/>
+          </a:p>
+          <a:p>
+            <a:endParaRPr lang="en-GB" dirty="0"/>
+          </a:p>
+        </p:txBody>
+      </p:sp>
+      <p:sp>
+        <p:nvSpPr>
+          <p:cNvPr id="4" name="TextBox 3">
+            <a:extLst>
+              <a:ext uri="{FF2B5EF4-FFF2-40B4-BE49-F238E27FC236}">
+                <a16:creationId xmlns:a16="http://schemas.microsoft.com/office/drawing/2014/main" id="{1E21296E-70F5-46FE-8A50-7139ED411145}"/>
+              </a:ext>
+            </a:extLst>
+          </p:cNvPr>
+          <p:cNvSpPr txBox="1"/>
+          <p:nvPr/>
+        </p:nvSpPr>
+        <p:spPr>
+          <a:xfrm>
+            <a:off x="7434486" y="2876629"/>
+            <a:ext cx="4293659" cy="830997"/>
+          </a:xfrm>
+          <a:prstGeom prst="rect">
+            <a:avLst/>
+          </a:prstGeom>
+          <a:noFill/>
+        </p:spPr>
+        <p:txBody>
+          <a:bodyPr wrap="square" rtlCol="0">
+            <a:spAutoFit/>
+          </a:bodyPr>
+          <a:lstStyle/>
+          <a:p>
+            <a:pPr algn="ctr"/>
+            <a:r>
+              <a:rPr lang="en-GB" sz="2400" i="1" dirty="0">
+                <a:solidFill>
+                  <a:srgbClr val="FF0000"/>
+                </a:solidFill>
+              </a:rPr>
+              <a:t>[Example 2D and 3D scatter plots]</a:t>
+            </a:r>
+          </a:p>
+        </p:txBody>
+      </p:sp>
+    </p:spTree>
+    <p:extLst>
+      <p:ext uri="{BB962C8B-B14F-4D97-AF65-F5344CB8AC3E}">
+        <p14:creationId xmlns:p14="http://schemas.microsoft.com/office/powerpoint/2010/main" val="3377995233"/>
+      </p:ext>
+    </p:extLst>
+  </p:cSld>
+  <p:clrMapOvr>
+    <a:masterClrMapping/>
+  </p:clrMapOvr>
+  <mc:AlternateContent xmlns:mc="http://schemas.openxmlformats.org/markup-compatibility/2006" xmlns:p14="http://schemas.microsoft.com/office/powerpoint/2010/main">
+    <mc:Choice Requires="p14">
+      <p:transition p14:dur="300">
+        <p:fade/>
+      </p:transition>
+    </mc:Choice>
+    <mc:Fallback xmlns="">
+      <p:transition>
+        <p:fade/>
+      </p:transition>
+    </mc:Fallback>
+  </mc:AlternateContent>
+  <p:timing>
+    <p:tnLst>
+      <p:par>
+        <p:cTn id="1" dur="indefinite" restart="never" nodeType="tmRoot">
+          <p:childTnLst>
+            <p:seq concurrent="1" nextAc="seek">
+              <p:cTn id="2" dur="indefinite" nodeType="mainSeq">
+                <p:childTnLst>
+                  <p:par>
+                    <p:cTn id="3" fill="hold">
+                      <p:stCondLst>
+                        <p:cond delay="indefinite"/>
+                        <p:cond evt="onBegin" delay="0">
+                          <p:tn val="2"/>
+                        </p:cond>
+                      </p:stCondLst>
+                      <p:childTnLst>
+                        <p:par>
+                          <p:cTn id="4" fill="hold">
+                            <p:stCondLst>
+                              <p:cond delay="0"/>
+                            </p:stCondLst>
+                            <p:childTnLst>
+                              <p:par>
+                                <p:cTn id="5" presetID="10" presetClass="entr" presetSubtype="0" fill="hold" grpId="0" nodeType="withEffect">
+                                  <p:stCondLst>
+                                    <p:cond delay="0"/>
+                                  </p:stCondLst>
+                                  <p:childTnLst>
+                                    <p:set>
+                                      <p:cBhvr>
+                                        <p:cTn id="6" dur="1" fill="hold">
+                                          <p:stCondLst>
+                                            <p:cond delay="0"/>
+                                          </p:stCondLst>
+                                        </p:cTn>
+                                        <p:tgtEl>
+                                          <p:spTgt spid="4"/>
+                                        </p:tgtEl>
+                                        <p:attrNameLst>
+                                          <p:attrName>style.visibility</p:attrName>
+                                        </p:attrNameLst>
+                                      </p:cBhvr>
+                                      <p:to>
+                                        <p:strVal val="visible"/>
+                                      </p:to>
+                                    </p:set>
+                                    <p:animEffect transition="in" filter="fade">
+                                      <p:cBhvr>
+                                        <p:cTn id="7" dur="300"/>
+                                        <p:tgtEl>
+                                          <p:spTgt spid="4"/>
+                                        </p:tgtEl>
+                                      </p:cBhvr>
+                                    </p:animEffect>
+                                  </p:childTnLst>
+                                </p:cTn>
+                              </p:par>
+                            </p:childTnLst>
+                          </p:cTn>
+                        </p:par>
+                      </p:childTnLst>
+                    </p:cTn>
+                  </p:par>
+                </p:childTnLst>
+              </p:cTn>
+              <p:prevCondLst>
+                <p:cond evt="onPrev" delay="0">
+                  <p:tgtEl>
+                    <p:sldTgt/>
+                  </p:tgtEl>
+                </p:cond>
+              </p:prevCondLst>
+              <p:nextCondLst>
+                <p:cond evt="onNext" delay="0">
+                  <p:tgtEl>
+                    <p:sldTgt/>
+                  </p:tgtEl>
+                </p:cond>
+              </p:nextCondLst>
+            </p:seq>
+          </p:childTnLst>
+        </p:cTn>
+      </p:par>
+    </p:tnLst>
+    <p:bldLst>
+      <p:bldP spid="4" grpId="0"/>
+    </p:bldLst>
+  </p:timing>
+</p:sld>
+</file>
+
+<file path=ppt/slides/slide13.xml><?xml version="1.0" encoding="utf-8"?>
+<p:sld xmlns:a="http://schemas.openxmlformats.org/drawingml/2006/main" xmlns:r="http://schemas.openxmlformats.org/officeDocument/2006/relationships" xmlns:p="http://schemas.openxmlformats.org/presentationml/2006/main">
+  <p:cSld>
+    <p:spTree>
+      <p:nvGrpSpPr>
+        <p:cNvPr id="1" name=""/>
+        <p:cNvGrpSpPr/>
+        <p:nvPr/>
+      </p:nvGrpSpPr>
+      <p:grpSpPr>
+        <a:xfrm>
+          <a:off x="0" y="0"/>
+          <a:ext cx="0" cy="0"/>
+          <a:chOff x="0" y="0"/>
+          <a:chExt cx="0" cy="0"/>
+        </a:xfrm>
+      </p:grpSpPr>
+      <p:sp>
+        <p:nvSpPr>
+          <p:cNvPr id="2" name="Title 1">
+            <a:extLst>
+              <a:ext uri="{FF2B5EF4-FFF2-40B4-BE49-F238E27FC236}">
+                <a16:creationId xmlns:a16="http://schemas.microsoft.com/office/drawing/2014/main" id="{E0C3FFB3-8FA6-4283-B978-C97FEDCF8629}"/>
+              </a:ext>
+            </a:extLst>
+          </p:cNvPr>
+          <p:cNvSpPr>
+            <a:spLocks noGrp="1"/>
+          </p:cNvSpPr>
+          <p:nvPr>
+            <p:ph type="title"/>
+          </p:nvPr>
+        </p:nvSpPr>
+        <p:spPr/>
+        <p:txBody>
+          <a:bodyPr/>
+          <a:lstStyle/>
+          <a:p>
+            <a:r>
+              <a:rPr lang="en-GB" dirty="0"/>
+              <a:t>Box and whisker plots</a:t>
+            </a:r>
+          </a:p>
+        </p:txBody>
+      </p:sp>
+      <p:sp>
+        <p:nvSpPr>
+          <p:cNvPr id="3" name="Content Placeholder 2">
+            <a:extLst>
+              <a:ext uri="{FF2B5EF4-FFF2-40B4-BE49-F238E27FC236}">
+                <a16:creationId xmlns:a16="http://schemas.microsoft.com/office/drawing/2014/main" id="{E5E20577-7C2A-40F7-B0DD-EB9541ABD2C5}"/>
+              </a:ext>
+            </a:extLst>
+          </p:cNvPr>
+          <p:cNvSpPr>
+            <a:spLocks noGrp="1"/>
+          </p:cNvSpPr>
+          <p:nvPr>
+            <p:ph idx="1"/>
+          </p:nvPr>
+        </p:nvSpPr>
+        <p:spPr/>
+        <p:txBody>
+          <a:bodyPr/>
+          <a:lstStyle/>
+          <a:p>
+            <a:r>
+              <a:rPr lang="en-GB" dirty="0" err="1"/>
+              <a:t>sfsdfsfd</a:t>
+            </a:r>
+            <a:endParaRPr lang="en-GB" dirty="0"/>
+          </a:p>
+          <a:p>
+            <a:pPr lvl="1"/>
+            <a:endParaRPr lang="en-GB" dirty="0"/>
+          </a:p>
+          <a:p>
+            <a:endParaRPr lang="en-GB" dirty="0"/>
+          </a:p>
+        </p:txBody>
+      </p:sp>
+      <p:sp>
+        <p:nvSpPr>
+          <p:cNvPr id="4" name="TextBox 3">
+            <a:extLst>
+              <a:ext uri="{FF2B5EF4-FFF2-40B4-BE49-F238E27FC236}">
+                <a16:creationId xmlns:a16="http://schemas.microsoft.com/office/drawing/2014/main" id="{1E21296E-70F5-46FE-8A50-7139ED411145}"/>
+              </a:ext>
+            </a:extLst>
+          </p:cNvPr>
+          <p:cNvSpPr txBox="1"/>
+          <p:nvPr/>
+        </p:nvSpPr>
+        <p:spPr>
+          <a:xfrm>
+            <a:off x="7434486" y="2876629"/>
+            <a:ext cx="4293659" cy="830997"/>
+          </a:xfrm>
+          <a:prstGeom prst="rect">
+            <a:avLst/>
+          </a:prstGeom>
+          <a:noFill/>
+        </p:spPr>
+        <p:txBody>
+          <a:bodyPr wrap="square" rtlCol="0">
+            <a:spAutoFit/>
+          </a:bodyPr>
+          <a:lstStyle/>
+          <a:p>
+            <a:pPr algn="ctr"/>
+            <a:r>
+              <a:rPr lang="en-GB" sz="2400" i="1" dirty="0">
+                <a:solidFill>
+                  <a:srgbClr val="FF0000"/>
+                </a:solidFill>
+              </a:rPr>
+              <a:t>[Example 2D and 3D scatter plots]</a:t>
+            </a:r>
+          </a:p>
+        </p:txBody>
+      </p:sp>
+    </p:spTree>
+    <p:extLst>
+      <p:ext uri="{BB962C8B-B14F-4D97-AF65-F5344CB8AC3E}">
+        <p14:creationId xmlns:p14="http://schemas.microsoft.com/office/powerpoint/2010/main" val="1070334628"/>
+      </p:ext>
+    </p:extLst>
+  </p:cSld>
+  <p:clrMapOvr>
+    <a:masterClrMapping/>
+  </p:clrMapOvr>
+  <mc:AlternateContent xmlns:mc="http://schemas.openxmlformats.org/markup-compatibility/2006" xmlns:p14="http://schemas.microsoft.com/office/powerpoint/2010/main">
+    <mc:Choice Requires="p14">
+      <p:transition p14:dur="300">
+        <p:fade/>
+      </p:transition>
+    </mc:Choice>
+    <mc:Fallback xmlns="">
+      <p:transition>
+        <p:fade/>
+      </p:transition>
+    </mc:Fallback>
+  </mc:AlternateContent>
+  <p:timing>
+    <p:tnLst>
+      <p:par>
+        <p:cTn id="1" dur="indefinite" restart="never" nodeType="tmRoot">
+          <p:childTnLst>
+            <p:seq concurrent="1" nextAc="seek">
+              <p:cTn id="2" dur="indefinite" nodeType="mainSeq">
+                <p:childTnLst>
+                  <p:par>
+                    <p:cTn id="3" fill="hold">
+                      <p:stCondLst>
+                        <p:cond delay="indefinite"/>
+                        <p:cond evt="onBegin" delay="0">
+                          <p:tn val="2"/>
+                        </p:cond>
+                      </p:stCondLst>
+                      <p:childTnLst>
+                        <p:par>
+                          <p:cTn id="4" fill="hold">
+                            <p:stCondLst>
+                              <p:cond delay="0"/>
+                            </p:stCondLst>
+                            <p:childTnLst>
+                              <p:par>
+                                <p:cTn id="5" presetID="10" presetClass="entr" presetSubtype="0" fill="hold" grpId="0" nodeType="withEffect">
+                                  <p:stCondLst>
+                                    <p:cond delay="0"/>
+                                  </p:stCondLst>
+                                  <p:childTnLst>
+                                    <p:set>
+                                      <p:cBhvr>
+                                        <p:cTn id="6" dur="1" fill="hold">
+                                          <p:stCondLst>
+                                            <p:cond delay="0"/>
+                                          </p:stCondLst>
+                                        </p:cTn>
+                                        <p:tgtEl>
+                                          <p:spTgt spid="4"/>
+                                        </p:tgtEl>
+                                        <p:attrNameLst>
+                                          <p:attrName>style.visibility</p:attrName>
+                                        </p:attrNameLst>
+                                      </p:cBhvr>
+                                      <p:to>
+                                        <p:strVal val="visible"/>
+                                      </p:to>
+                                    </p:set>
+                                    <p:animEffect transition="in" filter="fade">
+                                      <p:cBhvr>
+                                        <p:cTn id="7" dur="300"/>
+                                        <p:tgtEl>
+                                          <p:spTgt spid="4"/>
+                                        </p:tgtEl>
+                                      </p:cBhvr>
+                                    </p:animEffect>
+                                  </p:childTnLst>
+                                </p:cTn>
+                              </p:par>
+                            </p:childTnLst>
+                          </p:cTn>
+                        </p:par>
+                      </p:childTnLst>
+                    </p:cTn>
+                  </p:par>
+                </p:childTnLst>
+              </p:cTn>
+              <p:prevCondLst>
+                <p:cond evt="onPrev" delay="0">
+                  <p:tgtEl>
+                    <p:sldTgt/>
+                  </p:tgtEl>
+                </p:cond>
+              </p:prevCondLst>
+              <p:nextCondLst>
+                <p:cond evt="onNext" delay="0">
+                  <p:tgtEl>
+                    <p:sldTgt/>
+                  </p:tgtEl>
+                </p:cond>
+              </p:nextCondLst>
+            </p:seq>
+          </p:childTnLst>
+        </p:cTn>
+      </p:par>
+    </p:tnLst>
+    <p:bldLst>
+      <p:bldP spid="4" grpId="0"/>
+    </p:bldLst>
+  </p:timing>
+</p:sld>
+</file>
+
+<file path=ppt/slides/slide14.xml><?xml version="1.0" encoding="utf-8"?>
+<p:sld xmlns:a="http://schemas.openxmlformats.org/drawingml/2006/main" xmlns:r="http://schemas.openxmlformats.org/officeDocument/2006/relationships" xmlns:p="http://schemas.openxmlformats.org/presentationml/2006/main">
+  <p:cSld>
+    <p:spTree>
+      <p:nvGrpSpPr>
+        <p:cNvPr id="1" name=""/>
+        <p:cNvGrpSpPr/>
+        <p:nvPr/>
+      </p:nvGrpSpPr>
+      <p:grpSpPr>
+        <a:xfrm>
+          <a:off x="0" y="0"/>
+          <a:ext cx="0" cy="0"/>
+          <a:chOff x="0" y="0"/>
+          <a:chExt cx="0" cy="0"/>
+        </a:xfrm>
+      </p:grpSpPr>
+      <p:sp>
+        <p:nvSpPr>
+          <p:cNvPr id="2" name="Title 1">
+            <a:extLst>
+              <a:ext uri="{FF2B5EF4-FFF2-40B4-BE49-F238E27FC236}">
+                <a16:creationId xmlns:a16="http://schemas.microsoft.com/office/drawing/2014/main" id="{E0C3FFB3-8FA6-4283-B978-C97FEDCF8629}"/>
+              </a:ext>
+            </a:extLst>
+          </p:cNvPr>
+          <p:cNvSpPr>
+            <a:spLocks noGrp="1"/>
+          </p:cNvSpPr>
+          <p:nvPr>
+            <p:ph type="title"/>
+          </p:nvPr>
+        </p:nvSpPr>
+        <p:spPr/>
+        <p:txBody>
+          <a:bodyPr/>
+          <a:lstStyle/>
+          <a:p>
+            <a:r>
+              <a:rPr lang="en-GB" dirty="0"/>
+              <a:t>Surface plots</a:t>
+            </a:r>
+          </a:p>
+        </p:txBody>
+      </p:sp>
+      <p:sp>
+        <p:nvSpPr>
+          <p:cNvPr id="3" name="Content Placeholder 2">
+            <a:extLst>
+              <a:ext uri="{FF2B5EF4-FFF2-40B4-BE49-F238E27FC236}">
+                <a16:creationId xmlns:a16="http://schemas.microsoft.com/office/drawing/2014/main" id="{E5E20577-7C2A-40F7-B0DD-EB9541ABD2C5}"/>
+              </a:ext>
+            </a:extLst>
+          </p:cNvPr>
+          <p:cNvSpPr>
+            <a:spLocks noGrp="1"/>
+          </p:cNvSpPr>
+          <p:nvPr>
+            <p:ph idx="1"/>
+          </p:nvPr>
+        </p:nvSpPr>
+        <p:spPr/>
+        <p:txBody>
+          <a:bodyPr/>
+          <a:lstStyle/>
+          <a:p>
+            <a:r>
+              <a:rPr lang="en-GB" dirty="0" err="1"/>
+              <a:t>sfsdfsfd</a:t>
+            </a:r>
+            <a:endParaRPr lang="en-GB" dirty="0"/>
+          </a:p>
+          <a:p>
+            <a:pPr lvl="1"/>
+            <a:endParaRPr lang="en-GB" dirty="0"/>
+          </a:p>
+          <a:p>
+            <a:endParaRPr lang="en-GB" dirty="0"/>
+          </a:p>
+        </p:txBody>
+      </p:sp>
+      <p:sp>
+        <p:nvSpPr>
+          <p:cNvPr id="4" name="TextBox 3">
+            <a:extLst>
+              <a:ext uri="{FF2B5EF4-FFF2-40B4-BE49-F238E27FC236}">
+                <a16:creationId xmlns:a16="http://schemas.microsoft.com/office/drawing/2014/main" id="{1E21296E-70F5-46FE-8A50-7139ED411145}"/>
+              </a:ext>
+            </a:extLst>
+          </p:cNvPr>
+          <p:cNvSpPr txBox="1"/>
+          <p:nvPr/>
+        </p:nvSpPr>
+        <p:spPr>
+          <a:xfrm>
+            <a:off x="7434486" y="2876629"/>
+            <a:ext cx="4293659" cy="830997"/>
+          </a:xfrm>
+          <a:prstGeom prst="rect">
+            <a:avLst/>
+          </a:prstGeom>
+          <a:noFill/>
+        </p:spPr>
+        <p:txBody>
+          <a:bodyPr wrap="square" rtlCol="0">
+            <a:spAutoFit/>
+          </a:bodyPr>
+          <a:lstStyle/>
+          <a:p>
+            <a:pPr algn="ctr"/>
+            <a:r>
+              <a:rPr lang="en-GB" sz="2400" i="1" dirty="0">
+                <a:solidFill>
+                  <a:srgbClr val="FF0000"/>
+                </a:solidFill>
+              </a:rPr>
+              <a:t>[Example 2D and 3D scatter plots]</a:t>
+            </a:r>
+          </a:p>
+        </p:txBody>
+      </p:sp>
+    </p:spTree>
+    <p:extLst>
+      <p:ext uri="{BB962C8B-B14F-4D97-AF65-F5344CB8AC3E}">
+        <p14:creationId xmlns:p14="http://schemas.microsoft.com/office/powerpoint/2010/main" val="3308609387"/>
+      </p:ext>
+    </p:extLst>
+  </p:cSld>
+  <p:clrMapOvr>
+    <a:masterClrMapping/>
+  </p:clrMapOvr>
+  <mc:AlternateContent xmlns:mc="http://schemas.openxmlformats.org/markup-compatibility/2006" xmlns:p14="http://schemas.microsoft.com/office/powerpoint/2010/main">
+    <mc:Choice Requires="p14">
+      <p:transition p14:dur="300">
+        <p:fade/>
+      </p:transition>
+    </mc:Choice>
+    <mc:Fallback xmlns="">
+      <p:transition>
+        <p:fade/>
+      </p:transition>
+    </mc:Fallback>
+  </mc:AlternateContent>
+  <p:timing>
+    <p:tnLst>
+      <p:par>
+        <p:cTn id="1" dur="indefinite" restart="never" nodeType="tmRoot">
+          <p:childTnLst>
+            <p:seq concurrent="1" nextAc="seek">
+              <p:cTn id="2" dur="indefinite" nodeType="mainSeq">
+                <p:childTnLst>
+                  <p:par>
+                    <p:cTn id="3" fill="hold">
+                      <p:stCondLst>
+                        <p:cond delay="indefinite"/>
+                        <p:cond evt="onBegin" delay="0">
+                          <p:tn val="2"/>
+                        </p:cond>
+                      </p:stCondLst>
+                      <p:childTnLst>
+                        <p:par>
+                          <p:cTn id="4" fill="hold">
+                            <p:stCondLst>
+                              <p:cond delay="0"/>
+                            </p:stCondLst>
+                            <p:childTnLst>
+                              <p:par>
+                                <p:cTn id="5" presetID="10" presetClass="entr" presetSubtype="0" fill="hold" grpId="0" nodeType="withEffect">
+                                  <p:stCondLst>
+                                    <p:cond delay="0"/>
+                                  </p:stCondLst>
+                                  <p:childTnLst>
+                                    <p:set>
+                                      <p:cBhvr>
+                                        <p:cTn id="6" dur="1" fill="hold">
+                                          <p:stCondLst>
+                                            <p:cond delay="0"/>
+                                          </p:stCondLst>
+                                        </p:cTn>
+                                        <p:tgtEl>
+                                          <p:spTgt spid="4"/>
+                                        </p:tgtEl>
+                                        <p:attrNameLst>
+                                          <p:attrName>style.visibility</p:attrName>
+                                        </p:attrNameLst>
+                                      </p:cBhvr>
+                                      <p:to>
+                                        <p:strVal val="visible"/>
+                                      </p:to>
+                                    </p:set>
+                                    <p:animEffect transition="in" filter="fade">
+                                      <p:cBhvr>
+                                        <p:cTn id="7" dur="300"/>
+                                        <p:tgtEl>
+                                          <p:spTgt spid="4"/>
+                                        </p:tgtEl>
+                                      </p:cBhvr>
+                                    </p:animEffect>
+                                  </p:childTnLst>
+                                </p:cTn>
+                              </p:par>
+                            </p:childTnLst>
+                          </p:cTn>
+                        </p:par>
+                      </p:childTnLst>
+                    </p:cTn>
+                  </p:par>
+                </p:childTnLst>
+              </p:cTn>
+              <p:prevCondLst>
+                <p:cond evt="onPrev" delay="0">
+                  <p:tgtEl>
+                    <p:sldTgt/>
+                  </p:tgtEl>
+                </p:cond>
+              </p:prevCondLst>
+              <p:nextCondLst>
+                <p:cond evt="onNext" delay="0">
+                  <p:tgtEl>
+                    <p:sldTgt/>
+                  </p:tgtEl>
+                </p:cond>
+              </p:nextCondLst>
+            </p:seq>
+          </p:childTnLst>
+        </p:cTn>
+      </p:par>
+    </p:tnLst>
+    <p:bldLst>
+      <p:bldP spid="4" grpId="0"/>
+    </p:bldLst>
+  </p:timing>
+</p:sld>
+</file>
+
+<file path=ppt/slides/slide15.xml><?xml version="1.0" encoding="utf-8"?>
+<p:sld xmlns:a="http://schemas.openxmlformats.org/drawingml/2006/main" xmlns:r="http://schemas.openxmlformats.org/officeDocument/2006/relationships" xmlns:p="http://schemas.openxmlformats.org/presentationml/2006/main">
+  <p:cSld>
+    <p:spTree>
+      <p:nvGrpSpPr>
+        <p:cNvPr id="1" name=""/>
+        <p:cNvGrpSpPr/>
+        <p:nvPr/>
+      </p:nvGrpSpPr>
+      <p:grpSpPr>
+        <a:xfrm>
+          <a:off x="0" y="0"/>
+          <a:ext cx="0" cy="0"/>
+          <a:chOff x="0" y="0"/>
+          <a:chExt cx="0" cy="0"/>
+        </a:xfrm>
+      </p:grpSpPr>
+      <p:sp>
+        <p:nvSpPr>
+          <p:cNvPr id="2" name="Title 1">
+            <a:extLst>
+              <a:ext uri="{FF2B5EF4-FFF2-40B4-BE49-F238E27FC236}">
+                <a16:creationId xmlns:a16="http://schemas.microsoft.com/office/drawing/2014/main" id="{E0C3FFB3-8FA6-4283-B978-C97FEDCF8629}"/>
+              </a:ext>
+            </a:extLst>
+          </p:cNvPr>
+          <p:cNvSpPr>
+            <a:spLocks noGrp="1"/>
+          </p:cNvSpPr>
+          <p:nvPr>
+            <p:ph type="title"/>
+          </p:nvPr>
+        </p:nvSpPr>
+        <p:spPr/>
+        <p:txBody>
+          <a:bodyPr/>
+          <a:lstStyle/>
+          <a:p>
+            <a:r>
+              <a:rPr lang="en-GB" dirty="0"/>
+              <a:t>Combining plot types</a:t>
+            </a:r>
+          </a:p>
+        </p:txBody>
+      </p:sp>
+      <p:sp>
+        <p:nvSpPr>
+          <p:cNvPr id="3" name="Content Placeholder 2">
+            <a:extLst>
+              <a:ext uri="{FF2B5EF4-FFF2-40B4-BE49-F238E27FC236}">
+                <a16:creationId xmlns:a16="http://schemas.microsoft.com/office/drawing/2014/main" id="{E5E20577-7C2A-40F7-B0DD-EB9541ABD2C5}"/>
+              </a:ext>
+            </a:extLst>
+          </p:cNvPr>
+          <p:cNvSpPr>
+            <a:spLocks noGrp="1"/>
+          </p:cNvSpPr>
+          <p:nvPr>
+            <p:ph idx="1"/>
+          </p:nvPr>
+        </p:nvSpPr>
+        <p:spPr/>
+        <p:txBody>
+          <a:bodyPr/>
+          <a:lstStyle/>
+          <a:p>
+            <a:r>
+              <a:rPr lang="en-GB" dirty="0" err="1"/>
+              <a:t>sfsdfsfd</a:t>
+            </a:r>
+            <a:endParaRPr lang="en-GB" dirty="0"/>
+          </a:p>
+          <a:p>
+            <a:pPr lvl="1"/>
+            <a:endParaRPr lang="en-GB" dirty="0"/>
+          </a:p>
+          <a:p>
+            <a:endParaRPr lang="en-GB" dirty="0"/>
+          </a:p>
+        </p:txBody>
+      </p:sp>
+      <p:sp>
+        <p:nvSpPr>
+          <p:cNvPr id="4" name="TextBox 3">
+            <a:extLst>
+              <a:ext uri="{FF2B5EF4-FFF2-40B4-BE49-F238E27FC236}">
+                <a16:creationId xmlns:a16="http://schemas.microsoft.com/office/drawing/2014/main" id="{1E21296E-70F5-46FE-8A50-7139ED411145}"/>
+              </a:ext>
+            </a:extLst>
+          </p:cNvPr>
+          <p:cNvSpPr txBox="1"/>
+          <p:nvPr/>
+        </p:nvSpPr>
+        <p:spPr>
+          <a:xfrm>
+            <a:off x="7434486" y="2876629"/>
+            <a:ext cx="4293659" cy="830997"/>
+          </a:xfrm>
+          <a:prstGeom prst="rect">
+            <a:avLst/>
+          </a:prstGeom>
+          <a:noFill/>
+        </p:spPr>
+        <p:txBody>
+          <a:bodyPr wrap="square" rtlCol="0">
+            <a:spAutoFit/>
+          </a:bodyPr>
+          <a:lstStyle/>
+          <a:p>
+            <a:pPr algn="ctr"/>
+            <a:r>
+              <a:rPr lang="en-GB" sz="2400" i="1" dirty="0">
+                <a:solidFill>
+                  <a:srgbClr val="FF0000"/>
+                </a:solidFill>
+              </a:rPr>
+              <a:t>[Example 2D and 3D scatter plots]</a:t>
+            </a:r>
+          </a:p>
+        </p:txBody>
+      </p:sp>
+    </p:spTree>
+    <p:extLst>
+      <p:ext uri="{BB962C8B-B14F-4D97-AF65-F5344CB8AC3E}">
+        <p14:creationId xmlns:p14="http://schemas.microsoft.com/office/powerpoint/2010/main" val="3332332377"/>
+      </p:ext>
+    </p:extLst>
+  </p:cSld>
+  <p:clrMapOvr>
+    <a:masterClrMapping/>
+  </p:clrMapOvr>
+  <mc:AlternateContent xmlns:mc="http://schemas.openxmlformats.org/markup-compatibility/2006" xmlns:p14="http://schemas.microsoft.com/office/powerpoint/2010/main">
+    <mc:Choice Requires="p14">
+      <p:transition p14:dur="300">
+        <p:fade/>
+      </p:transition>
+    </mc:Choice>
+    <mc:Fallback xmlns="">
+      <p:transition>
+        <p:fade/>
+      </p:transition>
+    </mc:Fallback>
+  </mc:AlternateContent>
+  <p:timing>
+    <p:tnLst>
+      <p:par>
+        <p:cTn id="1" dur="indefinite" restart="never" nodeType="tmRoot">
+          <p:childTnLst>
+            <p:seq concurrent="1" nextAc="seek">
+              <p:cTn id="2" dur="indefinite" nodeType="mainSeq">
+                <p:childTnLst>
+                  <p:par>
+                    <p:cTn id="3" fill="hold">
+                      <p:stCondLst>
+                        <p:cond delay="indefinite"/>
+                        <p:cond evt="onBegin" delay="0">
+                          <p:tn val="2"/>
+                        </p:cond>
+                      </p:stCondLst>
+                      <p:childTnLst>
+                        <p:par>
+                          <p:cTn id="4" fill="hold">
+                            <p:stCondLst>
+                              <p:cond delay="0"/>
+                            </p:stCondLst>
+                            <p:childTnLst>
+                              <p:par>
+                                <p:cTn id="5" presetID="10" presetClass="entr" presetSubtype="0" fill="hold" grpId="0" nodeType="withEffect">
+                                  <p:stCondLst>
+                                    <p:cond delay="0"/>
+                                  </p:stCondLst>
+                                  <p:childTnLst>
+                                    <p:set>
+                                      <p:cBhvr>
+                                        <p:cTn id="6" dur="1" fill="hold">
+                                          <p:stCondLst>
+                                            <p:cond delay="0"/>
+                                          </p:stCondLst>
+                                        </p:cTn>
+                                        <p:tgtEl>
+                                          <p:spTgt spid="4"/>
+                                        </p:tgtEl>
+                                        <p:attrNameLst>
+                                          <p:attrName>style.visibility</p:attrName>
+                                        </p:attrNameLst>
+                                      </p:cBhvr>
+                                      <p:to>
+                                        <p:strVal val="visible"/>
+                                      </p:to>
+                                    </p:set>
+                                    <p:animEffect transition="in" filter="fade">
+                                      <p:cBhvr>
+                                        <p:cTn id="7" dur="300"/>
+                                        <p:tgtEl>
+                                          <p:spTgt spid="4"/>
+                                        </p:tgtEl>
+                                      </p:cBhvr>
+                                    </p:animEffect>
+                                  </p:childTnLst>
+                                </p:cTn>
+                              </p:par>
+                            </p:childTnLst>
+                          </p:cTn>
+                        </p:par>
+                      </p:childTnLst>
+                    </p:cTn>
+                  </p:par>
+                </p:childTnLst>
+              </p:cTn>
+              <p:prevCondLst>
+                <p:cond evt="onPrev" delay="0">
+                  <p:tgtEl>
+                    <p:sldTgt/>
+                  </p:tgtEl>
+                </p:cond>
+              </p:prevCondLst>
+              <p:nextCondLst>
+                <p:cond evt="onNext" delay="0">
+                  <p:tgtEl>
+                    <p:sldTgt/>
+                  </p:tgtEl>
+                </p:cond>
+              </p:nextCondLst>
+            </p:seq>
+          </p:childTnLst>
+        </p:cTn>
+      </p:par>
+    </p:tnLst>
+    <p:bldLst>
+      <p:bldP spid="4" grpId="0"/>
+    </p:bldLst>
+  </p:timing>
+</p:sld>
+</file>
+
+<file path=ppt/slides/slide16.xml><?xml version="1.0" encoding="utf-8"?>
 <p:sld xmlns:a="http://schemas.openxmlformats.org/drawingml/2006/main" xmlns:r="http://schemas.openxmlformats.org/officeDocument/2006/relationships" xmlns:p="http://schemas.openxmlformats.org/presentationml/2006/main">
   <p:cSld>
     <p:spTree>
@@ -2914,13 +4001,6 @@
             <a:pPr lvl="2"/>
             <a:r>
               <a:rPr lang="en-GB" sz="1400" dirty="0"/>
-              <a:t>The axes objects</a:t>
-            </a:r>
-          </a:p>
-          <a:p>
-            <a:pPr lvl="2"/>
-            <a:r>
-              <a:rPr lang="en-GB" sz="1400" dirty="0"/>
               <a:t>Changing line properties</a:t>
             </a:r>
           </a:p>
@@ -2992,7 +4072,7 @@
 </p:sld>
 </file>
 
-<file path=ppt/slides/slide12.xml><?xml version="1.0" encoding="utf-8"?>
+<file path=ppt/slides/slide17.xml><?xml version="1.0" encoding="utf-8"?>
 <p:sld xmlns:a="http://schemas.openxmlformats.org/drawingml/2006/main" xmlns:r="http://schemas.openxmlformats.org/officeDocument/2006/relationships" xmlns:p="http://schemas.openxmlformats.org/presentationml/2006/main">
   <p:cSld>
     <p:spTree>
@@ -3104,7 +4184,7 @@
 </p:sld>
 </file>
 
-<file path=ppt/slides/slide13.xml><?xml version="1.0" encoding="utf-8"?>
+<file path=ppt/slides/slide18.xml><?xml version="1.0" encoding="utf-8"?>
 <p:sld xmlns:a="http://schemas.openxmlformats.org/drawingml/2006/main" xmlns:r="http://schemas.openxmlformats.org/officeDocument/2006/relationships" xmlns:p="http://schemas.openxmlformats.org/presentationml/2006/main">
   <p:cSld>
     <p:spTree>
@@ -3168,70 +4248,89 @@
           <a:lstStyle/>
           <a:p>
             <a:r>
-              <a:rPr lang="en-GB" sz="2000" dirty="0"/>
+              <a:rPr lang="en-GB" sz="1600" dirty="0"/>
               <a:t>Introduction GUIs</a:t>
             </a:r>
           </a:p>
           <a:p>
             <a:pPr lvl="1"/>
             <a:r>
-              <a:rPr lang="en-GB" sz="1200" dirty="0"/>
+              <a:rPr lang="en-GB" sz="1600" dirty="0"/>
               <a:t>Why would we want them</a:t>
             </a:r>
           </a:p>
           <a:p>
             <a:pPr lvl="1"/>
             <a:r>
-              <a:rPr lang="en-GB" sz="1200" dirty="0"/>
+              <a:rPr lang="en-GB" sz="1600" dirty="0"/>
               <a:t>What sort of thing could they include</a:t>
             </a:r>
           </a:p>
           <a:p>
             <a:pPr lvl="1"/>
-            <a:endParaRPr lang="en-GB" sz="1200" dirty="0"/>
-          </a:p>
-          <a:p>
-            <a:r>
-              <a:rPr lang="en-GB" sz="2000" dirty="0"/>
+            <a:endParaRPr lang="en-GB" sz="1600" dirty="0"/>
+          </a:p>
+          <a:p>
+            <a:r>
+              <a:rPr lang="en-GB" sz="1600" dirty="0"/>
               <a:t>Talk about adding control elements to GUIs in the context of a simple push button</a:t>
             </a:r>
           </a:p>
           <a:p>
             <a:pPr lvl="1"/>
             <a:r>
-              <a:rPr lang="en-GB" sz="1100" dirty="0" err="1"/>
+              <a:rPr lang="en-GB" sz="1600" dirty="0" err="1"/>
               <a:t>Callback</a:t>
             </a:r>
             <a:r>
-              <a:rPr lang="en-GB" sz="1100" dirty="0"/>
+              <a:rPr lang="en-GB" sz="1600" dirty="0"/>
               <a:t> functions</a:t>
             </a:r>
           </a:p>
           <a:p>
             <a:pPr lvl="1"/>
             <a:r>
-              <a:rPr lang="en-GB" sz="1100" dirty="0"/>
+              <a:rPr lang="en-GB" sz="1600" dirty="0"/>
               <a:t>Enable/disable</a:t>
             </a:r>
           </a:p>
           <a:p>
             <a:pPr lvl="1"/>
             <a:r>
-              <a:rPr lang="en-GB" sz="1100" dirty="0"/>
+              <a:rPr lang="en-GB" sz="1600" dirty="0"/>
               <a:t>Visible/not visible</a:t>
             </a:r>
           </a:p>
           <a:p>
+            <a:pPr marL="914400" lvl="2" indent="0">
+              <a:buNone/>
+            </a:pPr>
+            <a:endParaRPr lang="en-GB" sz="1600" dirty="0"/>
+          </a:p>
+          <a:p>
+            <a:r>
+              <a:rPr lang="en-GB" sz="1600" dirty="0"/>
+              <a:t>Don’t use GUIDE</a:t>
+            </a:r>
+          </a:p>
+          <a:p>
+            <a:pPr lvl="1"/>
+            <a:r>
+              <a:rPr lang="en-GB" sz="1600" dirty="0"/>
+              <a:t>This will be removed from MATLAB in the future</a:t>
+            </a:r>
+          </a:p>
+          <a:p>
+            <a:pPr lvl="1"/>
+            <a:endParaRPr lang="en-GB" sz="2000" dirty="0"/>
+          </a:p>
+          <a:p>
             <a:pPr lvl="2"/>
-            <a:endParaRPr lang="en-GB" sz="900" dirty="0"/>
+            <a:endParaRPr lang="en-GB" dirty="0"/>
           </a:p>
           <a:p>
             <a:pPr lvl="2"/>
-            <a:endParaRPr lang="en-GB" sz="1100" dirty="0"/>
-          </a:p>
-          <a:p>
-            <a:pPr lvl="2"/>
-            <a:endParaRPr lang="en-GB" sz="600" dirty="0"/>
+            <a:endParaRPr lang="en-GB" dirty="0"/>
           </a:p>
         </p:txBody>
       </p:sp>
@@ -3260,7 +4359,7 @@
 </p:sld>
 </file>
 
-<file path=ppt/slides/slide14.xml><?xml version="1.0" encoding="utf-8"?>
+<file path=ppt/slides/slide19.xml><?xml version="1.0" encoding="utf-8"?>
 <p:sld xmlns:a="http://schemas.openxmlformats.org/drawingml/2006/main" xmlns:r="http://schemas.openxmlformats.org/officeDocument/2006/relationships" xmlns:p="http://schemas.openxmlformats.org/presentationml/2006/main">
   <p:cSld>
     <p:spTree>
@@ -3368,7 +4467,599 @@
 </p:sld>
 </file>
 
-<file path=ppt/slides/slide15.xml><?xml version="1.0" encoding="utf-8"?>
+<file path=ppt/slides/slide2.xml><?xml version="1.0" encoding="utf-8"?>
+<p:sld xmlns:a="http://schemas.openxmlformats.org/drawingml/2006/main" xmlns:r="http://schemas.openxmlformats.org/officeDocument/2006/relationships" xmlns:p="http://schemas.openxmlformats.org/presentationml/2006/main">
+  <p:cSld>
+    <p:spTree>
+      <p:nvGrpSpPr>
+        <p:cNvPr id="1" name=""/>
+        <p:cNvGrpSpPr/>
+        <p:nvPr/>
+      </p:nvGrpSpPr>
+      <p:grpSpPr>
+        <a:xfrm>
+          <a:off x="0" y="0"/>
+          <a:ext cx="0" cy="0"/>
+          <a:chOff x="0" y="0"/>
+          <a:chExt cx="0" cy="0"/>
+        </a:xfrm>
+      </p:grpSpPr>
+      <p:sp>
+        <p:nvSpPr>
+          <p:cNvPr id="2" name="Title 1">
+            <a:extLst>
+              <a:ext uri="{FF2B5EF4-FFF2-40B4-BE49-F238E27FC236}">
+                <a16:creationId xmlns:a16="http://schemas.microsoft.com/office/drawing/2014/main" id="{98B3C4F8-6083-4C32-A0D4-15ED3BB43F78}"/>
+              </a:ext>
+            </a:extLst>
+          </p:cNvPr>
+          <p:cNvSpPr>
+            <a:spLocks noGrp="1"/>
+          </p:cNvSpPr>
+          <p:nvPr>
+            <p:ph type="title"/>
+          </p:nvPr>
+        </p:nvSpPr>
+        <p:spPr/>
+        <p:txBody>
+          <a:bodyPr/>
+          <a:lstStyle/>
+          <a:p>
+            <a:r>
+              <a:rPr lang="en-GB" dirty="0"/>
+              <a:t>Course structure</a:t>
+            </a:r>
+          </a:p>
+        </p:txBody>
+      </p:sp>
+      <p:sp>
+        <p:nvSpPr>
+          <p:cNvPr id="3" name="Content Placeholder 2">
+            <a:extLst>
+              <a:ext uri="{FF2B5EF4-FFF2-40B4-BE49-F238E27FC236}">
+                <a16:creationId xmlns:a16="http://schemas.microsoft.com/office/drawing/2014/main" id="{71B4E4A7-CBDD-4C3F-9BC8-05BB491F14AB}"/>
+              </a:ext>
+            </a:extLst>
+          </p:cNvPr>
+          <p:cNvSpPr>
+            <a:spLocks noGrp="1"/>
+          </p:cNvSpPr>
+          <p:nvPr>
+            <p:ph idx="1"/>
+          </p:nvPr>
+        </p:nvSpPr>
+        <p:spPr>
+          <a:xfrm>
+            <a:off x="335360" y="1196754"/>
+            <a:ext cx="5760640" cy="4929411"/>
+          </a:xfrm>
+        </p:spPr>
+        <p:txBody>
+          <a:bodyPr/>
+          <a:lstStyle/>
+          <a:p>
+            <a:r>
+              <a:rPr lang="en-GB" sz="2800" dirty="0"/>
+              <a:t>Session 1</a:t>
+            </a:r>
+          </a:p>
+          <a:p>
+            <a:pPr lvl="1"/>
+            <a:r>
+              <a:rPr lang="en-GB" sz="2400" dirty="0"/>
+              <a:t>Introduction to MATLAB</a:t>
+            </a:r>
+          </a:p>
+          <a:p>
+            <a:pPr lvl="1"/>
+            <a:r>
+              <a:rPr lang="en-GB" sz="2400" dirty="0"/>
+              <a:t>Data types</a:t>
+            </a:r>
+          </a:p>
+          <a:p>
+            <a:pPr lvl="1"/>
+            <a:r>
+              <a:rPr lang="en-GB" sz="2400" dirty="0"/>
+              <a:t>Conditional statements and loops</a:t>
+            </a:r>
+          </a:p>
+          <a:p>
+            <a:pPr lvl="1"/>
+            <a:endParaRPr lang="en-GB" sz="2400" dirty="0"/>
+          </a:p>
+          <a:p>
+            <a:pPr lvl="1"/>
+            <a:endParaRPr lang="en-GB" sz="1200" dirty="0"/>
+          </a:p>
+          <a:p>
+            <a:r>
+              <a:rPr lang="en-GB" sz="2800" dirty="0"/>
+              <a:t>Session 3</a:t>
+            </a:r>
+          </a:p>
+          <a:p>
+            <a:pPr lvl="1"/>
+            <a:r>
+              <a:rPr lang="en-GB" sz="2400" dirty="0"/>
+              <a:t>Advanced data structures</a:t>
+            </a:r>
+          </a:p>
+          <a:p>
+            <a:pPr lvl="1"/>
+            <a:r>
+              <a:rPr lang="en-GB" sz="2400" dirty="0"/>
+              <a:t>Object-oriented programming</a:t>
+            </a:r>
+          </a:p>
+          <a:p>
+            <a:pPr lvl="1"/>
+            <a:r>
+              <a:rPr lang="en-GB" dirty="0"/>
+              <a:t>Advanced image reading (Bio-Formats)</a:t>
+            </a:r>
+            <a:endParaRPr lang="en-GB" sz="2000" dirty="0"/>
+          </a:p>
+          <a:p>
+            <a:pPr lvl="1"/>
+            <a:endParaRPr lang="en-GB" sz="2400" dirty="0"/>
+          </a:p>
+          <a:p>
+            <a:pPr lvl="1"/>
+            <a:endParaRPr lang="en-GB" sz="2400" dirty="0"/>
+          </a:p>
+        </p:txBody>
+      </p:sp>
+      <p:sp>
+        <p:nvSpPr>
+          <p:cNvPr id="4" name="Content Placeholder 2">
+            <a:extLst>
+              <a:ext uri="{FF2B5EF4-FFF2-40B4-BE49-F238E27FC236}">
+                <a16:creationId xmlns:a16="http://schemas.microsoft.com/office/drawing/2014/main" id="{C6368441-D1D8-40DF-8257-0B2FE0BFC97F}"/>
+              </a:ext>
+            </a:extLst>
+          </p:cNvPr>
+          <p:cNvSpPr txBox="1">
+            <a:spLocks/>
+          </p:cNvSpPr>
+          <p:nvPr/>
+        </p:nvSpPr>
+        <p:spPr>
+          <a:xfrm>
+            <a:off x="6096000" y="1196942"/>
+            <a:ext cx="5760640" cy="4929411"/>
+          </a:xfrm>
+          <a:prstGeom prst="rect">
+            <a:avLst/>
+          </a:prstGeom>
+        </p:spPr>
+        <p:txBody>
+          <a:bodyPr/>
+          <a:lstStyle>
+            <a:lvl1pPr marL="342900" indent="-342900" algn="l" rtl="0" eaLnBrk="1" fontAlgn="base" hangingPunct="1">
+              <a:spcBef>
+                <a:spcPct val="20000"/>
+              </a:spcBef>
+              <a:spcAft>
+                <a:spcPct val="0"/>
+              </a:spcAft>
+              <a:buFont typeface="Arial" panose="020B0604020202020204" pitchFamily="34" charset="0"/>
+              <a:buChar char="•"/>
+              <a:defRPr sz="3200" kern="1200">
+                <a:solidFill>
+                  <a:schemeClr val="tx1"/>
+                </a:solidFill>
+                <a:latin typeface="+mn-lt"/>
+                <a:ea typeface="+mn-ea"/>
+                <a:cs typeface="+mn-cs"/>
+              </a:defRPr>
+            </a:lvl1pPr>
+            <a:lvl2pPr marL="742950" indent="-285750" algn="l" rtl="0" eaLnBrk="1" fontAlgn="base" hangingPunct="1">
+              <a:spcBef>
+                <a:spcPct val="20000"/>
+              </a:spcBef>
+              <a:spcAft>
+                <a:spcPct val="0"/>
+              </a:spcAft>
+              <a:buFont typeface="Arial" panose="020B0604020202020204" pitchFamily="34" charset="0"/>
+              <a:buChar char="•"/>
+              <a:defRPr sz="2800" kern="1200">
+                <a:solidFill>
+                  <a:srgbClr val="BF2F37"/>
+                </a:solidFill>
+                <a:latin typeface="+mn-lt"/>
+                <a:ea typeface="+mn-ea"/>
+                <a:cs typeface="+mn-cs"/>
+              </a:defRPr>
+            </a:lvl2pPr>
+            <a:lvl3pPr marL="1143000" indent="-228600" algn="l" rtl="0" eaLnBrk="1" fontAlgn="base" hangingPunct="1">
+              <a:spcBef>
+                <a:spcPct val="20000"/>
+              </a:spcBef>
+              <a:spcAft>
+                <a:spcPct val="0"/>
+              </a:spcAft>
+              <a:buFont typeface="Arial" panose="020B0604020202020204" pitchFamily="34" charset="0"/>
+              <a:buChar char="•"/>
+              <a:defRPr sz="2400" kern="1200">
+                <a:solidFill>
+                  <a:schemeClr val="tx1"/>
+                </a:solidFill>
+                <a:latin typeface="+mn-lt"/>
+                <a:ea typeface="+mn-ea"/>
+                <a:cs typeface="+mn-cs"/>
+              </a:defRPr>
+            </a:lvl3pPr>
+            <a:lvl4pPr marL="1600200" indent="-228600" algn="l" rtl="0" eaLnBrk="1" fontAlgn="base" hangingPunct="1">
+              <a:spcBef>
+                <a:spcPct val="20000"/>
+              </a:spcBef>
+              <a:spcAft>
+                <a:spcPct val="0"/>
+              </a:spcAft>
+              <a:buFont typeface="Arial" panose="020B0604020202020204" pitchFamily="34" charset="0"/>
+              <a:buChar char="–"/>
+              <a:defRPr sz="2000" kern="1200">
+                <a:solidFill>
+                  <a:schemeClr val="tx1"/>
+                </a:solidFill>
+                <a:latin typeface="+mn-lt"/>
+                <a:ea typeface="+mn-ea"/>
+                <a:cs typeface="+mn-cs"/>
+              </a:defRPr>
+            </a:lvl4pPr>
+            <a:lvl5pPr marL="2057400" indent="-228600" algn="l" rtl="0" eaLnBrk="1" fontAlgn="base" hangingPunct="1">
+              <a:spcBef>
+                <a:spcPct val="20000"/>
+              </a:spcBef>
+              <a:spcAft>
+                <a:spcPct val="0"/>
+              </a:spcAft>
+              <a:buFont typeface="Arial" pitchFamily="34" charset="0"/>
+              <a:buChar char="­"/>
+              <a:defRPr sz="2000" kern="1200">
+                <a:solidFill>
+                  <a:schemeClr val="tx1"/>
+                </a:solidFill>
+                <a:latin typeface="+mn-lt"/>
+                <a:ea typeface="+mn-ea"/>
+                <a:cs typeface="+mn-cs"/>
+              </a:defRPr>
+            </a:lvl5pPr>
+            <a:lvl6pPr marL="2514600" indent="-228600" algn="l" defTabSz="914400" rtl="0" eaLnBrk="1" latinLnBrk="0" hangingPunct="1">
+              <a:spcBef>
+                <a:spcPct val="20000"/>
+              </a:spcBef>
+              <a:buFont typeface="Arial" pitchFamily="34" charset="0"/>
+              <a:buChar char="•"/>
+              <a:defRPr sz="2000" kern="1200">
+                <a:solidFill>
+                  <a:schemeClr val="tx1"/>
+                </a:solidFill>
+                <a:latin typeface="+mn-lt"/>
+                <a:ea typeface="+mn-ea"/>
+                <a:cs typeface="+mn-cs"/>
+              </a:defRPr>
+            </a:lvl6pPr>
+            <a:lvl7pPr marL="2971800" indent="-228600" algn="l" defTabSz="914400" rtl="0" eaLnBrk="1" latinLnBrk="0" hangingPunct="1">
+              <a:spcBef>
+                <a:spcPct val="20000"/>
+              </a:spcBef>
+              <a:buFont typeface="Arial" pitchFamily="34" charset="0"/>
+              <a:buChar char="•"/>
+              <a:defRPr sz="2000" kern="1200">
+                <a:solidFill>
+                  <a:schemeClr val="tx1"/>
+                </a:solidFill>
+                <a:latin typeface="+mn-lt"/>
+                <a:ea typeface="+mn-ea"/>
+                <a:cs typeface="+mn-cs"/>
+              </a:defRPr>
+            </a:lvl7pPr>
+            <a:lvl8pPr marL="3429000" indent="-228600" algn="l" defTabSz="914400" rtl="0" eaLnBrk="1" latinLnBrk="0" hangingPunct="1">
+              <a:spcBef>
+                <a:spcPct val="20000"/>
+              </a:spcBef>
+              <a:buFont typeface="Arial" pitchFamily="34" charset="0"/>
+              <a:buChar char="•"/>
+              <a:defRPr sz="2000" kern="1200">
+                <a:solidFill>
+                  <a:schemeClr val="tx1"/>
+                </a:solidFill>
+                <a:latin typeface="+mn-lt"/>
+                <a:ea typeface="+mn-ea"/>
+                <a:cs typeface="+mn-cs"/>
+              </a:defRPr>
+            </a:lvl8pPr>
+            <a:lvl9pPr marL="3886200" indent="-228600" algn="l" defTabSz="914400" rtl="0" eaLnBrk="1" latinLnBrk="0" hangingPunct="1">
+              <a:spcBef>
+                <a:spcPct val="20000"/>
+              </a:spcBef>
+              <a:buFont typeface="Arial" pitchFamily="34" charset="0"/>
+              <a:buChar char="•"/>
+              <a:defRPr sz="2000" kern="1200">
+                <a:solidFill>
+                  <a:schemeClr val="tx1"/>
+                </a:solidFill>
+                <a:latin typeface="+mn-lt"/>
+                <a:ea typeface="+mn-ea"/>
+                <a:cs typeface="+mn-cs"/>
+              </a:defRPr>
+            </a:lvl9pPr>
+          </a:lstStyle>
+          <a:p>
+            <a:r>
+              <a:rPr lang="en-GB" sz="2800" dirty="0"/>
+              <a:t>Session 2</a:t>
+            </a:r>
+          </a:p>
+          <a:p>
+            <a:pPr lvl="1"/>
+            <a:r>
+              <a:rPr lang="en-GB" sz="2400" dirty="0"/>
+              <a:t>Arrays and matrices</a:t>
+            </a:r>
+          </a:p>
+          <a:p>
+            <a:pPr lvl="1"/>
+            <a:r>
+              <a:rPr lang="en-GB" sz="2400" dirty="0"/>
+              <a:t>Image processing</a:t>
+            </a:r>
+          </a:p>
+          <a:p>
+            <a:pPr lvl="1"/>
+            <a:endParaRPr lang="en-GB" sz="2400" dirty="0"/>
+          </a:p>
+          <a:p>
+            <a:pPr lvl="1"/>
+            <a:endParaRPr lang="en-GB" sz="2400" dirty="0"/>
+          </a:p>
+          <a:p>
+            <a:pPr lvl="1"/>
+            <a:endParaRPr lang="en-GB" sz="1200" dirty="0"/>
+          </a:p>
+          <a:p>
+            <a:r>
+              <a:rPr lang="en-GB" sz="2800" dirty="0"/>
+              <a:t>Session 4</a:t>
+            </a:r>
+          </a:p>
+          <a:p>
+            <a:pPr lvl="1"/>
+            <a:r>
+              <a:rPr lang="en-GB" sz="2400" dirty="0"/>
+              <a:t>Figures and plotting</a:t>
+            </a:r>
+          </a:p>
+          <a:p>
+            <a:pPr lvl="1"/>
+            <a:r>
+              <a:rPr lang="en-GB" sz="2400" dirty="0"/>
+              <a:t>Designing a user interface</a:t>
+            </a:r>
+          </a:p>
+          <a:p>
+            <a:pPr lvl="1"/>
+            <a:endParaRPr lang="en-GB" sz="2400" dirty="0"/>
+          </a:p>
+          <a:p>
+            <a:pPr lvl="1"/>
+            <a:endParaRPr lang="en-GB" sz="2400" dirty="0"/>
+          </a:p>
+        </p:txBody>
+      </p:sp>
+      <p:sp>
+        <p:nvSpPr>
+          <p:cNvPr id="5" name="Content Placeholder 2">
+            <a:extLst>
+              <a:ext uri="{FF2B5EF4-FFF2-40B4-BE49-F238E27FC236}">
+                <a16:creationId xmlns:a16="http://schemas.microsoft.com/office/drawing/2014/main" id="{745436AD-830D-4C1D-80FA-646A4CAA0142}"/>
+              </a:ext>
+            </a:extLst>
+          </p:cNvPr>
+          <p:cNvSpPr txBox="1">
+            <a:spLocks/>
+          </p:cNvSpPr>
+          <p:nvPr/>
+        </p:nvSpPr>
+        <p:spPr>
+          <a:xfrm>
+            <a:off x="7341201" y="5060757"/>
+            <a:ext cx="4431297" cy="535461"/>
+          </a:xfrm>
+          <a:prstGeom prst="rect">
+            <a:avLst/>
+          </a:prstGeom>
+        </p:spPr>
+        <p:txBody>
+          <a:bodyPr/>
+          <a:lstStyle>
+            <a:lvl1pPr marL="342900" indent="-342900" algn="l" rtl="0" eaLnBrk="1" fontAlgn="base" hangingPunct="1">
+              <a:spcBef>
+                <a:spcPct val="20000"/>
+              </a:spcBef>
+              <a:spcAft>
+                <a:spcPct val="0"/>
+              </a:spcAft>
+              <a:buFont typeface="Arial" panose="020B0604020202020204" pitchFamily="34" charset="0"/>
+              <a:buChar char="•"/>
+              <a:defRPr sz="3200" kern="1200">
+                <a:solidFill>
+                  <a:schemeClr val="tx1"/>
+                </a:solidFill>
+                <a:latin typeface="+mn-lt"/>
+                <a:ea typeface="+mn-ea"/>
+                <a:cs typeface="+mn-cs"/>
+              </a:defRPr>
+            </a:lvl1pPr>
+            <a:lvl2pPr marL="742950" indent="-285750" algn="l" rtl="0" eaLnBrk="1" fontAlgn="base" hangingPunct="1">
+              <a:spcBef>
+                <a:spcPct val="20000"/>
+              </a:spcBef>
+              <a:spcAft>
+                <a:spcPct val="0"/>
+              </a:spcAft>
+              <a:buFont typeface="Arial" panose="020B0604020202020204" pitchFamily="34" charset="0"/>
+              <a:buChar char="•"/>
+              <a:defRPr sz="2800" kern="1200">
+                <a:solidFill>
+                  <a:srgbClr val="BF2F37"/>
+                </a:solidFill>
+                <a:latin typeface="+mn-lt"/>
+                <a:ea typeface="+mn-ea"/>
+                <a:cs typeface="+mn-cs"/>
+              </a:defRPr>
+            </a:lvl2pPr>
+            <a:lvl3pPr marL="1143000" indent="-228600" algn="l" rtl="0" eaLnBrk="1" fontAlgn="base" hangingPunct="1">
+              <a:spcBef>
+                <a:spcPct val="20000"/>
+              </a:spcBef>
+              <a:spcAft>
+                <a:spcPct val="0"/>
+              </a:spcAft>
+              <a:buFont typeface="Arial" panose="020B0604020202020204" pitchFamily="34" charset="0"/>
+              <a:buChar char="•"/>
+              <a:defRPr sz="2400" kern="1200">
+                <a:solidFill>
+                  <a:schemeClr val="tx1"/>
+                </a:solidFill>
+                <a:latin typeface="+mn-lt"/>
+                <a:ea typeface="+mn-ea"/>
+                <a:cs typeface="+mn-cs"/>
+              </a:defRPr>
+            </a:lvl3pPr>
+            <a:lvl4pPr marL="1600200" indent="-228600" algn="l" rtl="0" eaLnBrk="1" fontAlgn="base" hangingPunct="1">
+              <a:spcBef>
+                <a:spcPct val="20000"/>
+              </a:spcBef>
+              <a:spcAft>
+                <a:spcPct val="0"/>
+              </a:spcAft>
+              <a:buFont typeface="Arial" panose="020B0604020202020204" pitchFamily="34" charset="0"/>
+              <a:buChar char="–"/>
+              <a:defRPr sz="2000" kern="1200">
+                <a:solidFill>
+                  <a:schemeClr val="tx1"/>
+                </a:solidFill>
+                <a:latin typeface="+mn-lt"/>
+                <a:ea typeface="+mn-ea"/>
+                <a:cs typeface="+mn-cs"/>
+              </a:defRPr>
+            </a:lvl4pPr>
+            <a:lvl5pPr marL="2057400" indent="-228600" algn="l" rtl="0" eaLnBrk="1" fontAlgn="base" hangingPunct="1">
+              <a:spcBef>
+                <a:spcPct val="20000"/>
+              </a:spcBef>
+              <a:spcAft>
+                <a:spcPct val="0"/>
+              </a:spcAft>
+              <a:buFont typeface="Arial" pitchFamily="34" charset="0"/>
+              <a:buChar char="­"/>
+              <a:defRPr sz="2000" kern="1200">
+                <a:solidFill>
+                  <a:schemeClr val="tx1"/>
+                </a:solidFill>
+                <a:latin typeface="+mn-lt"/>
+                <a:ea typeface="+mn-ea"/>
+                <a:cs typeface="+mn-cs"/>
+              </a:defRPr>
+            </a:lvl5pPr>
+            <a:lvl6pPr marL="2514600" indent="-228600" algn="l" defTabSz="914400" rtl="0" eaLnBrk="1" latinLnBrk="0" hangingPunct="1">
+              <a:spcBef>
+                <a:spcPct val="20000"/>
+              </a:spcBef>
+              <a:buFont typeface="Arial" pitchFamily="34" charset="0"/>
+              <a:buChar char="•"/>
+              <a:defRPr sz="2000" kern="1200">
+                <a:solidFill>
+                  <a:schemeClr val="tx1"/>
+                </a:solidFill>
+                <a:latin typeface="+mn-lt"/>
+                <a:ea typeface="+mn-ea"/>
+                <a:cs typeface="+mn-cs"/>
+              </a:defRPr>
+            </a:lvl6pPr>
+            <a:lvl7pPr marL="2971800" indent="-228600" algn="l" defTabSz="914400" rtl="0" eaLnBrk="1" latinLnBrk="0" hangingPunct="1">
+              <a:spcBef>
+                <a:spcPct val="20000"/>
+              </a:spcBef>
+              <a:buFont typeface="Arial" pitchFamily="34" charset="0"/>
+              <a:buChar char="•"/>
+              <a:defRPr sz="2000" kern="1200">
+                <a:solidFill>
+                  <a:schemeClr val="tx1"/>
+                </a:solidFill>
+                <a:latin typeface="+mn-lt"/>
+                <a:ea typeface="+mn-ea"/>
+                <a:cs typeface="+mn-cs"/>
+              </a:defRPr>
+            </a:lvl7pPr>
+            <a:lvl8pPr marL="3429000" indent="-228600" algn="l" defTabSz="914400" rtl="0" eaLnBrk="1" latinLnBrk="0" hangingPunct="1">
+              <a:spcBef>
+                <a:spcPct val="20000"/>
+              </a:spcBef>
+              <a:buFont typeface="Arial" pitchFamily="34" charset="0"/>
+              <a:buChar char="•"/>
+              <a:defRPr sz="2000" kern="1200">
+                <a:solidFill>
+                  <a:schemeClr val="tx1"/>
+                </a:solidFill>
+                <a:latin typeface="+mn-lt"/>
+                <a:ea typeface="+mn-ea"/>
+                <a:cs typeface="+mn-cs"/>
+              </a:defRPr>
+            </a:lvl8pPr>
+            <a:lvl9pPr marL="3886200" indent="-228600" algn="l" defTabSz="914400" rtl="0" eaLnBrk="1" latinLnBrk="0" hangingPunct="1">
+              <a:spcBef>
+                <a:spcPct val="20000"/>
+              </a:spcBef>
+              <a:buFont typeface="Arial" pitchFamily="34" charset="0"/>
+              <a:buChar char="•"/>
+              <a:defRPr sz="2000" kern="1200">
+                <a:solidFill>
+                  <a:schemeClr val="tx1"/>
+                </a:solidFill>
+                <a:latin typeface="+mn-lt"/>
+                <a:ea typeface="+mn-ea"/>
+                <a:cs typeface="+mn-cs"/>
+              </a:defRPr>
+            </a:lvl9pPr>
+          </a:lstStyle>
+          <a:p>
+            <a:pPr marL="0" indent="0">
+              <a:buNone/>
+            </a:pPr>
+            <a:endParaRPr lang="en-GB" sz="2400" dirty="0"/>
+          </a:p>
+        </p:txBody>
+      </p:sp>
+    </p:spTree>
+    <p:extLst>
+      <p:ext uri="{BB962C8B-B14F-4D97-AF65-F5344CB8AC3E}">
+        <p14:creationId xmlns:p14="http://schemas.microsoft.com/office/powerpoint/2010/main" val="844134463"/>
+      </p:ext>
+    </p:extLst>
+  </p:cSld>
+  <p:clrMapOvr>
+    <a:masterClrMapping/>
+  </p:clrMapOvr>
+  <mc:AlternateContent xmlns:mc="http://schemas.openxmlformats.org/markup-compatibility/2006" xmlns:p14="http://schemas.microsoft.com/office/powerpoint/2010/main">
+    <mc:Choice Requires="p14">
+      <p:transition p14:dur="300">
+        <p:fade/>
+      </p:transition>
+    </mc:Choice>
+    <mc:Fallback xmlns="">
+      <p:transition>
+        <p:fade/>
+      </p:transition>
+    </mc:Fallback>
+  </mc:AlternateContent>
+</p:sld>
+</file>
+
+<file path=ppt/slides/slide20.xml><?xml version="1.0" encoding="utf-8"?>
 <p:sld xmlns:a="http://schemas.openxmlformats.org/drawingml/2006/main" xmlns:r="http://schemas.openxmlformats.org/officeDocument/2006/relationships" xmlns:p="http://schemas.openxmlformats.org/presentationml/2006/main">
   <p:cSld>
     <p:spTree>
@@ -3800,598 +5491,6 @@
     <p:extLst>
       <p:ext uri="{BB962C8B-B14F-4D97-AF65-F5344CB8AC3E}">
         <p14:creationId xmlns:p14="http://schemas.microsoft.com/office/powerpoint/2010/main" val="1299104037"/>
-      </p:ext>
-    </p:extLst>
-  </p:cSld>
-  <p:clrMapOvr>
-    <a:masterClrMapping/>
-  </p:clrMapOvr>
-  <mc:AlternateContent xmlns:mc="http://schemas.openxmlformats.org/markup-compatibility/2006" xmlns:p14="http://schemas.microsoft.com/office/powerpoint/2010/main">
-    <mc:Choice Requires="p14">
-      <p:transition p14:dur="300">
-        <p:fade/>
-      </p:transition>
-    </mc:Choice>
-    <mc:Fallback xmlns="">
-      <p:transition>
-        <p:fade/>
-      </p:transition>
-    </mc:Fallback>
-  </mc:AlternateContent>
-</p:sld>
-</file>
-
-<file path=ppt/slides/slide2.xml><?xml version="1.0" encoding="utf-8"?>
-<p:sld xmlns:a="http://schemas.openxmlformats.org/drawingml/2006/main" xmlns:r="http://schemas.openxmlformats.org/officeDocument/2006/relationships" xmlns:p="http://schemas.openxmlformats.org/presentationml/2006/main">
-  <p:cSld>
-    <p:spTree>
-      <p:nvGrpSpPr>
-        <p:cNvPr id="1" name=""/>
-        <p:cNvGrpSpPr/>
-        <p:nvPr/>
-      </p:nvGrpSpPr>
-      <p:grpSpPr>
-        <a:xfrm>
-          <a:off x="0" y="0"/>
-          <a:ext cx="0" cy="0"/>
-          <a:chOff x="0" y="0"/>
-          <a:chExt cx="0" cy="0"/>
-        </a:xfrm>
-      </p:grpSpPr>
-      <p:sp>
-        <p:nvSpPr>
-          <p:cNvPr id="2" name="Title 1">
-            <a:extLst>
-              <a:ext uri="{FF2B5EF4-FFF2-40B4-BE49-F238E27FC236}">
-                <a16:creationId xmlns:a16="http://schemas.microsoft.com/office/drawing/2014/main" id="{98B3C4F8-6083-4C32-A0D4-15ED3BB43F78}"/>
-              </a:ext>
-            </a:extLst>
-          </p:cNvPr>
-          <p:cNvSpPr>
-            <a:spLocks noGrp="1"/>
-          </p:cNvSpPr>
-          <p:nvPr>
-            <p:ph type="title"/>
-          </p:nvPr>
-        </p:nvSpPr>
-        <p:spPr/>
-        <p:txBody>
-          <a:bodyPr/>
-          <a:lstStyle/>
-          <a:p>
-            <a:r>
-              <a:rPr lang="en-GB" dirty="0"/>
-              <a:t>Course structure</a:t>
-            </a:r>
-          </a:p>
-        </p:txBody>
-      </p:sp>
-      <p:sp>
-        <p:nvSpPr>
-          <p:cNvPr id="3" name="Content Placeholder 2">
-            <a:extLst>
-              <a:ext uri="{FF2B5EF4-FFF2-40B4-BE49-F238E27FC236}">
-                <a16:creationId xmlns:a16="http://schemas.microsoft.com/office/drawing/2014/main" id="{71B4E4A7-CBDD-4C3F-9BC8-05BB491F14AB}"/>
-              </a:ext>
-            </a:extLst>
-          </p:cNvPr>
-          <p:cNvSpPr>
-            <a:spLocks noGrp="1"/>
-          </p:cNvSpPr>
-          <p:nvPr>
-            <p:ph idx="1"/>
-          </p:nvPr>
-        </p:nvSpPr>
-        <p:spPr>
-          <a:xfrm>
-            <a:off x="335360" y="1196754"/>
-            <a:ext cx="5760640" cy="4929411"/>
-          </a:xfrm>
-        </p:spPr>
-        <p:txBody>
-          <a:bodyPr/>
-          <a:lstStyle/>
-          <a:p>
-            <a:r>
-              <a:rPr lang="en-GB" sz="2800" dirty="0"/>
-              <a:t>Session 1</a:t>
-            </a:r>
-          </a:p>
-          <a:p>
-            <a:pPr lvl="1"/>
-            <a:r>
-              <a:rPr lang="en-GB" sz="2400" dirty="0"/>
-              <a:t>Introduction to MATLAB</a:t>
-            </a:r>
-          </a:p>
-          <a:p>
-            <a:pPr lvl="1"/>
-            <a:r>
-              <a:rPr lang="en-GB" sz="2400" dirty="0"/>
-              <a:t>Data types</a:t>
-            </a:r>
-          </a:p>
-          <a:p>
-            <a:pPr lvl="1"/>
-            <a:r>
-              <a:rPr lang="en-GB" sz="2400" dirty="0"/>
-              <a:t>Conditional statements and loops</a:t>
-            </a:r>
-          </a:p>
-          <a:p>
-            <a:pPr lvl="1"/>
-            <a:endParaRPr lang="en-GB" sz="2400" dirty="0"/>
-          </a:p>
-          <a:p>
-            <a:pPr lvl="1"/>
-            <a:endParaRPr lang="en-GB" sz="1200" dirty="0"/>
-          </a:p>
-          <a:p>
-            <a:r>
-              <a:rPr lang="en-GB" sz="2800" dirty="0"/>
-              <a:t>Session 3</a:t>
-            </a:r>
-          </a:p>
-          <a:p>
-            <a:pPr lvl="1"/>
-            <a:r>
-              <a:rPr lang="en-GB" sz="2400" dirty="0"/>
-              <a:t>Advanced data structures</a:t>
-            </a:r>
-          </a:p>
-          <a:p>
-            <a:pPr lvl="1"/>
-            <a:r>
-              <a:rPr lang="en-GB" sz="2400" dirty="0"/>
-              <a:t>Object-oriented programming</a:t>
-            </a:r>
-          </a:p>
-          <a:p>
-            <a:pPr lvl="1"/>
-            <a:r>
-              <a:rPr lang="en-GB" dirty="0"/>
-              <a:t>Advanced image reading (Bio-Formats)</a:t>
-            </a:r>
-            <a:endParaRPr lang="en-GB" sz="2000" dirty="0"/>
-          </a:p>
-          <a:p>
-            <a:pPr lvl="1"/>
-            <a:endParaRPr lang="en-GB" sz="2400" dirty="0"/>
-          </a:p>
-          <a:p>
-            <a:pPr lvl="1"/>
-            <a:endParaRPr lang="en-GB" sz="2400" dirty="0"/>
-          </a:p>
-        </p:txBody>
-      </p:sp>
-      <p:sp>
-        <p:nvSpPr>
-          <p:cNvPr id="4" name="Content Placeholder 2">
-            <a:extLst>
-              <a:ext uri="{FF2B5EF4-FFF2-40B4-BE49-F238E27FC236}">
-                <a16:creationId xmlns:a16="http://schemas.microsoft.com/office/drawing/2014/main" id="{C6368441-D1D8-40DF-8257-0B2FE0BFC97F}"/>
-              </a:ext>
-            </a:extLst>
-          </p:cNvPr>
-          <p:cNvSpPr txBox="1">
-            <a:spLocks/>
-          </p:cNvSpPr>
-          <p:nvPr/>
-        </p:nvSpPr>
-        <p:spPr>
-          <a:xfrm>
-            <a:off x="6096000" y="1196942"/>
-            <a:ext cx="5760640" cy="4929411"/>
-          </a:xfrm>
-          <a:prstGeom prst="rect">
-            <a:avLst/>
-          </a:prstGeom>
-        </p:spPr>
-        <p:txBody>
-          <a:bodyPr/>
-          <a:lstStyle>
-            <a:lvl1pPr marL="342900" indent="-342900" algn="l" rtl="0" eaLnBrk="1" fontAlgn="base" hangingPunct="1">
-              <a:spcBef>
-                <a:spcPct val="20000"/>
-              </a:spcBef>
-              <a:spcAft>
-                <a:spcPct val="0"/>
-              </a:spcAft>
-              <a:buFont typeface="Arial" panose="020B0604020202020204" pitchFamily="34" charset="0"/>
-              <a:buChar char="•"/>
-              <a:defRPr sz="3200" kern="1200">
-                <a:solidFill>
-                  <a:schemeClr val="tx1"/>
-                </a:solidFill>
-                <a:latin typeface="+mn-lt"/>
-                <a:ea typeface="+mn-ea"/>
-                <a:cs typeface="+mn-cs"/>
-              </a:defRPr>
-            </a:lvl1pPr>
-            <a:lvl2pPr marL="742950" indent="-285750" algn="l" rtl="0" eaLnBrk="1" fontAlgn="base" hangingPunct="1">
-              <a:spcBef>
-                <a:spcPct val="20000"/>
-              </a:spcBef>
-              <a:spcAft>
-                <a:spcPct val="0"/>
-              </a:spcAft>
-              <a:buFont typeface="Arial" panose="020B0604020202020204" pitchFamily="34" charset="0"/>
-              <a:buChar char="•"/>
-              <a:defRPr sz="2800" kern="1200">
-                <a:solidFill>
-                  <a:srgbClr val="BF2F37"/>
-                </a:solidFill>
-                <a:latin typeface="+mn-lt"/>
-                <a:ea typeface="+mn-ea"/>
-                <a:cs typeface="+mn-cs"/>
-              </a:defRPr>
-            </a:lvl2pPr>
-            <a:lvl3pPr marL="1143000" indent="-228600" algn="l" rtl="0" eaLnBrk="1" fontAlgn="base" hangingPunct="1">
-              <a:spcBef>
-                <a:spcPct val="20000"/>
-              </a:spcBef>
-              <a:spcAft>
-                <a:spcPct val="0"/>
-              </a:spcAft>
-              <a:buFont typeface="Arial" panose="020B0604020202020204" pitchFamily="34" charset="0"/>
-              <a:buChar char="•"/>
-              <a:defRPr sz="2400" kern="1200">
-                <a:solidFill>
-                  <a:schemeClr val="tx1"/>
-                </a:solidFill>
-                <a:latin typeface="+mn-lt"/>
-                <a:ea typeface="+mn-ea"/>
-                <a:cs typeface="+mn-cs"/>
-              </a:defRPr>
-            </a:lvl3pPr>
-            <a:lvl4pPr marL="1600200" indent="-228600" algn="l" rtl="0" eaLnBrk="1" fontAlgn="base" hangingPunct="1">
-              <a:spcBef>
-                <a:spcPct val="20000"/>
-              </a:spcBef>
-              <a:spcAft>
-                <a:spcPct val="0"/>
-              </a:spcAft>
-              <a:buFont typeface="Arial" panose="020B0604020202020204" pitchFamily="34" charset="0"/>
-              <a:buChar char="–"/>
-              <a:defRPr sz="2000" kern="1200">
-                <a:solidFill>
-                  <a:schemeClr val="tx1"/>
-                </a:solidFill>
-                <a:latin typeface="+mn-lt"/>
-                <a:ea typeface="+mn-ea"/>
-                <a:cs typeface="+mn-cs"/>
-              </a:defRPr>
-            </a:lvl4pPr>
-            <a:lvl5pPr marL="2057400" indent="-228600" algn="l" rtl="0" eaLnBrk="1" fontAlgn="base" hangingPunct="1">
-              <a:spcBef>
-                <a:spcPct val="20000"/>
-              </a:spcBef>
-              <a:spcAft>
-                <a:spcPct val="0"/>
-              </a:spcAft>
-              <a:buFont typeface="Arial" pitchFamily="34" charset="0"/>
-              <a:buChar char="­"/>
-              <a:defRPr sz="2000" kern="1200">
-                <a:solidFill>
-                  <a:schemeClr val="tx1"/>
-                </a:solidFill>
-                <a:latin typeface="+mn-lt"/>
-                <a:ea typeface="+mn-ea"/>
-                <a:cs typeface="+mn-cs"/>
-              </a:defRPr>
-            </a:lvl5pPr>
-            <a:lvl6pPr marL="2514600" indent="-228600" algn="l" defTabSz="914400" rtl="0" eaLnBrk="1" latinLnBrk="0" hangingPunct="1">
-              <a:spcBef>
-                <a:spcPct val="20000"/>
-              </a:spcBef>
-              <a:buFont typeface="Arial" pitchFamily="34" charset="0"/>
-              <a:buChar char="•"/>
-              <a:defRPr sz="2000" kern="1200">
-                <a:solidFill>
-                  <a:schemeClr val="tx1"/>
-                </a:solidFill>
-                <a:latin typeface="+mn-lt"/>
-                <a:ea typeface="+mn-ea"/>
-                <a:cs typeface="+mn-cs"/>
-              </a:defRPr>
-            </a:lvl6pPr>
-            <a:lvl7pPr marL="2971800" indent="-228600" algn="l" defTabSz="914400" rtl="0" eaLnBrk="1" latinLnBrk="0" hangingPunct="1">
-              <a:spcBef>
-                <a:spcPct val="20000"/>
-              </a:spcBef>
-              <a:buFont typeface="Arial" pitchFamily="34" charset="0"/>
-              <a:buChar char="•"/>
-              <a:defRPr sz="2000" kern="1200">
-                <a:solidFill>
-                  <a:schemeClr val="tx1"/>
-                </a:solidFill>
-                <a:latin typeface="+mn-lt"/>
-                <a:ea typeface="+mn-ea"/>
-                <a:cs typeface="+mn-cs"/>
-              </a:defRPr>
-            </a:lvl7pPr>
-            <a:lvl8pPr marL="3429000" indent="-228600" algn="l" defTabSz="914400" rtl="0" eaLnBrk="1" latinLnBrk="0" hangingPunct="1">
-              <a:spcBef>
-                <a:spcPct val="20000"/>
-              </a:spcBef>
-              <a:buFont typeface="Arial" pitchFamily="34" charset="0"/>
-              <a:buChar char="•"/>
-              <a:defRPr sz="2000" kern="1200">
-                <a:solidFill>
-                  <a:schemeClr val="tx1"/>
-                </a:solidFill>
-                <a:latin typeface="+mn-lt"/>
-                <a:ea typeface="+mn-ea"/>
-                <a:cs typeface="+mn-cs"/>
-              </a:defRPr>
-            </a:lvl8pPr>
-            <a:lvl9pPr marL="3886200" indent="-228600" algn="l" defTabSz="914400" rtl="0" eaLnBrk="1" latinLnBrk="0" hangingPunct="1">
-              <a:spcBef>
-                <a:spcPct val="20000"/>
-              </a:spcBef>
-              <a:buFont typeface="Arial" pitchFamily="34" charset="0"/>
-              <a:buChar char="•"/>
-              <a:defRPr sz="2000" kern="1200">
-                <a:solidFill>
-                  <a:schemeClr val="tx1"/>
-                </a:solidFill>
-                <a:latin typeface="+mn-lt"/>
-                <a:ea typeface="+mn-ea"/>
-                <a:cs typeface="+mn-cs"/>
-              </a:defRPr>
-            </a:lvl9pPr>
-          </a:lstStyle>
-          <a:p>
-            <a:r>
-              <a:rPr lang="en-GB" sz="2800" dirty="0"/>
-              <a:t>Session 2</a:t>
-            </a:r>
-          </a:p>
-          <a:p>
-            <a:pPr lvl="1"/>
-            <a:r>
-              <a:rPr lang="en-GB" sz="2400" dirty="0"/>
-              <a:t>Arrays and matrices</a:t>
-            </a:r>
-          </a:p>
-          <a:p>
-            <a:pPr lvl="1"/>
-            <a:r>
-              <a:rPr lang="en-GB" sz="2400" dirty="0"/>
-              <a:t>Image processing</a:t>
-            </a:r>
-          </a:p>
-          <a:p>
-            <a:pPr lvl="1"/>
-            <a:endParaRPr lang="en-GB" sz="2400" dirty="0"/>
-          </a:p>
-          <a:p>
-            <a:pPr lvl="1"/>
-            <a:endParaRPr lang="en-GB" sz="2400" dirty="0"/>
-          </a:p>
-          <a:p>
-            <a:pPr lvl="1"/>
-            <a:endParaRPr lang="en-GB" sz="1200" dirty="0"/>
-          </a:p>
-          <a:p>
-            <a:r>
-              <a:rPr lang="en-GB" sz="2800" dirty="0"/>
-              <a:t>Session 4</a:t>
-            </a:r>
-          </a:p>
-          <a:p>
-            <a:pPr lvl="1"/>
-            <a:r>
-              <a:rPr lang="en-GB" sz="2400" dirty="0"/>
-              <a:t>Figures and plotting</a:t>
-            </a:r>
-          </a:p>
-          <a:p>
-            <a:pPr lvl="1"/>
-            <a:r>
-              <a:rPr lang="en-GB" sz="2400" dirty="0"/>
-              <a:t>Designing a user interface</a:t>
-            </a:r>
-          </a:p>
-          <a:p>
-            <a:pPr lvl="1"/>
-            <a:endParaRPr lang="en-GB" sz="2400" dirty="0"/>
-          </a:p>
-          <a:p>
-            <a:pPr lvl="1"/>
-            <a:endParaRPr lang="en-GB" sz="2400" dirty="0"/>
-          </a:p>
-        </p:txBody>
-      </p:sp>
-      <p:sp>
-        <p:nvSpPr>
-          <p:cNvPr id="5" name="Content Placeholder 2">
-            <a:extLst>
-              <a:ext uri="{FF2B5EF4-FFF2-40B4-BE49-F238E27FC236}">
-                <a16:creationId xmlns:a16="http://schemas.microsoft.com/office/drawing/2014/main" id="{745436AD-830D-4C1D-80FA-646A4CAA0142}"/>
-              </a:ext>
-            </a:extLst>
-          </p:cNvPr>
-          <p:cNvSpPr txBox="1">
-            <a:spLocks/>
-          </p:cNvSpPr>
-          <p:nvPr/>
-        </p:nvSpPr>
-        <p:spPr>
-          <a:xfrm>
-            <a:off x="7341201" y="5060757"/>
-            <a:ext cx="4431297" cy="535461"/>
-          </a:xfrm>
-          <a:prstGeom prst="rect">
-            <a:avLst/>
-          </a:prstGeom>
-        </p:spPr>
-        <p:txBody>
-          <a:bodyPr/>
-          <a:lstStyle>
-            <a:lvl1pPr marL="342900" indent="-342900" algn="l" rtl="0" eaLnBrk="1" fontAlgn="base" hangingPunct="1">
-              <a:spcBef>
-                <a:spcPct val="20000"/>
-              </a:spcBef>
-              <a:spcAft>
-                <a:spcPct val="0"/>
-              </a:spcAft>
-              <a:buFont typeface="Arial" panose="020B0604020202020204" pitchFamily="34" charset="0"/>
-              <a:buChar char="•"/>
-              <a:defRPr sz="3200" kern="1200">
-                <a:solidFill>
-                  <a:schemeClr val="tx1"/>
-                </a:solidFill>
-                <a:latin typeface="+mn-lt"/>
-                <a:ea typeface="+mn-ea"/>
-                <a:cs typeface="+mn-cs"/>
-              </a:defRPr>
-            </a:lvl1pPr>
-            <a:lvl2pPr marL="742950" indent="-285750" algn="l" rtl="0" eaLnBrk="1" fontAlgn="base" hangingPunct="1">
-              <a:spcBef>
-                <a:spcPct val="20000"/>
-              </a:spcBef>
-              <a:spcAft>
-                <a:spcPct val="0"/>
-              </a:spcAft>
-              <a:buFont typeface="Arial" panose="020B0604020202020204" pitchFamily="34" charset="0"/>
-              <a:buChar char="•"/>
-              <a:defRPr sz="2800" kern="1200">
-                <a:solidFill>
-                  <a:srgbClr val="BF2F37"/>
-                </a:solidFill>
-                <a:latin typeface="+mn-lt"/>
-                <a:ea typeface="+mn-ea"/>
-                <a:cs typeface="+mn-cs"/>
-              </a:defRPr>
-            </a:lvl2pPr>
-            <a:lvl3pPr marL="1143000" indent="-228600" algn="l" rtl="0" eaLnBrk="1" fontAlgn="base" hangingPunct="1">
-              <a:spcBef>
-                <a:spcPct val="20000"/>
-              </a:spcBef>
-              <a:spcAft>
-                <a:spcPct val="0"/>
-              </a:spcAft>
-              <a:buFont typeface="Arial" panose="020B0604020202020204" pitchFamily="34" charset="0"/>
-              <a:buChar char="•"/>
-              <a:defRPr sz="2400" kern="1200">
-                <a:solidFill>
-                  <a:schemeClr val="tx1"/>
-                </a:solidFill>
-                <a:latin typeface="+mn-lt"/>
-                <a:ea typeface="+mn-ea"/>
-                <a:cs typeface="+mn-cs"/>
-              </a:defRPr>
-            </a:lvl3pPr>
-            <a:lvl4pPr marL="1600200" indent="-228600" algn="l" rtl="0" eaLnBrk="1" fontAlgn="base" hangingPunct="1">
-              <a:spcBef>
-                <a:spcPct val="20000"/>
-              </a:spcBef>
-              <a:spcAft>
-                <a:spcPct val="0"/>
-              </a:spcAft>
-              <a:buFont typeface="Arial" panose="020B0604020202020204" pitchFamily="34" charset="0"/>
-              <a:buChar char="–"/>
-              <a:defRPr sz="2000" kern="1200">
-                <a:solidFill>
-                  <a:schemeClr val="tx1"/>
-                </a:solidFill>
-                <a:latin typeface="+mn-lt"/>
-                <a:ea typeface="+mn-ea"/>
-                <a:cs typeface="+mn-cs"/>
-              </a:defRPr>
-            </a:lvl4pPr>
-            <a:lvl5pPr marL="2057400" indent="-228600" algn="l" rtl="0" eaLnBrk="1" fontAlgn="base" hangingPunct="1">
-              <a:spcBef>
-                <a:spcPct val="20000"/>
-              </a:spcBef>
-              <a:spcAft>
-                <a:spcPct val="0"/>
-              </a:spcAft>
-              <a:buFont typeface="Arial" pitchFamily="34" charset="0"/>
-              <a:buChar char="­"/>
-              <a:defRPr sz="2000" kern="1200">
-                <a:solidFill>
-                  <a:schemeClr val="tx1"/>
-                </a:solidFill>
-                <a:latin typeface="+mn-lt"/>
-                <a:ea typeface="+mn-ea"/>
-                <a:cs typeface="+mn-cs"/>
-              </a:defRPr>
-            </a:lvl5pPr>
-            <a:lvl6pPr marL="2514600" indent="-228600" algn="l" defTabSz="914400" rtl="0" eaLnBrk="1" latinLnBrk="0" hangingPunct="1">
-              <a:spcBef>
-                <a:spcPct val="20000"/>
-              </a:spcBef>
-              <a:buFont typeface="Arial" pitchFamily="34" charset="0"/>
-              <a:buChar char="•"/>
-              <a:defRPr sz="2000" kern="1200">
-                <a:solidFill>
-                  <a:schemeClr val="tx1"/>
-                </a:solidFill>
-                <a:latin typeface="+mn-lt"/>
-                <a:ea typeface="+mn-ea"/>
-                <a:cs typeface="+mn-cs"/>
-              </a:defRPr>
-            </a:lvl6pPr>
-            <a:lvl7pPr marL="2971800" indent="-228600" algn="l" defTabSz="914400" rtl="0" eaLnBrk="1" latinLnBrk="0" hangingPunct="1">
-              <a:spcBef>
-                <a:spcPct val="20000"/>
-              </a:spcBef>
-              <a:buFont typeface="Arial" pitchFamily="34" charset="0"/>
-              <a:buChar char="•"/>
-              <a:defRPr sz="2000" kern="1200">
-                <a:solidFill>
-                  <a:schemeClr val="tx1"/>
-                </a:solidFill>
-                <a:latin typeface="+mn-lt"/>
-                <a:ea typeface="+mn-ea"/>
-                <a:cs typeface="+mn-cs"/>
-              </a:defRPr>
-            </a:lvl7pPr>
-            <a:lvl8pPr marL="3429000" indent="-228600" algn="l" defTabSz="914400" rtl="0" eaLnBrk="1" latinLnBrk="0" hangingPunct="1">
-              <a:spcBef>
-                <a:spcPct val="20000"/>
-              </a:spcBef>
-              <a:buFont typeface="Arial" pitchFamily="34" charset="0"/>
-              <a:buChar char="•"/>
-              <a:defRPr sz="2000" kern="1200">
-                <a:solidFill>
-                  <a:schemeClr val="tx1"/>
-                </a:solidFill>
-                <a:latin typeface="+mn-lt"/>
-                <a:ea typeface="+mn-ea"/>
-                <a:cs typeface="+mn-cs"/>
-              </a:defRPr>
-            </a:lvl8pPr>
-            <a:lvl9pPr marL="3886200" indent="-228600" algn="l" defTabSz="914400" rtl="0" eaLnBrk="1" latinLnBrk="0" hangingPunct="1">
-              <a:spcBef>
-                <a:spcPct val="20000"/>
-              </a:spcBef>
-              <a:buFont typeface="Arial" pitchFamily="34" charset="0"/>
-              <a:buChar char="•"/>
-              <a:defRPr sz="2000" kern="1200">
-                <a:solidFill>
-                  <a:schemeClr val="tx1"/>
-                </a:solidFill>
-                <a:latin typeface="+mn-lt"/>
-                <a:ea typeface="+mn-ea"/>
-                <a:cs typeface="+mn-cs"/>
-              </a:defRPr>
-            </a:lvl9pPr>
-          </a:lstStyle>
-          <a:p>
-            <a:pPr marL="0" indent="0">
-              <a:buNone/>
-            </a:pPr>
-            <a:endParaRPr lang="en-GB" sz="2400" dirty="0"/>
-          </a:p>
-        </p:txBody>
-      </p:sp>
-    </p:spTree>
-    <p:extLst>
-      <p:ext uri="{BB962C8B-B14F-4D97-AF65-F5344CB8AC3E}">
-        <p14:creationId xmlns:p14="http://schemas.microsoft.com/office/powerpoint/2010/main" val="844134463"/>
       </p:ext>
     </p:extLst>
   </p:cSld>
@@ -4991,211 +6090,66 @@
           <a:chExt cx="0" cy="0"/>
         </a:xfrm>
       </p:grpSpPr>
-      <p:sp>
-        <p:nvSpPr>
-          <p:cNvPr id="2" name="Title 1">
+      <p:pic>
+        <p:nvPicPr>
+          <p:cNvPr id="5" name="Picture 4">
             <a:extLst>
               <a:ext uri="{FF2B5EF4-FFF2-40B4-BE49-F238E27FC236}">
-                <a16:creationId xmlns:a16="http://schemas.microsoft.com/office/drawing/2014/main" id="{FA63CE58-31D3-4CE4-B980-300475A8D6AB}"/>
+                <a16:creationId xmlns:a16="http://schemas.microsoft.com/office/drawing/2014/main" id="{A601D455-E91B-4118-980B-BB6F24D302ED}"/>
               </a:ext>
             </a:extLst>
           </p:cNvPr>
-          <p:cNvSpPr>
-            <a:spLocks noGrp="1"/>
-          </p:cNvSpPr>
-          <p:nvPr>
-            <p:ph type="title"/>
-          </p:nvPr>
-        </p:nvSpPr>
-        <p:spPr/>
-        <p:txBody>
-          <a:bodyPr/>
-          <a:lstStyle/>
-          <a:p>
-            <a:endParaRPr lang="en-GB"/>
-          </a:p>
-        </p:txBody>
-      </p:sp>
-      <p:sp>
-        <p:nvSpPr>
-          <p:cNvPr id="3" name="Content Placeholder 2">
+          <p:cNvPicPr>
+            <a:picLocks noChangeAspect="1"/>
+          </p:cNvPicPr>
+          <p:nvPr/>
+        </p:nvPicPr>
+        <p:blipFill>
+          <a:blip r:embed="rId2"/>
+          <a:stretch>
+            <a:fillRect/>
+          </a:stretch>
+        </p:blipFill>
+        <p:spPr>
+          <a:xfrm>
+            <a:off x="7972650" y="1958184"/>
+            <a:ext cx="3962400" cy="3733800"/>
+          </a:xfrm>
+          <a:prstGeom prst="rect">
+            <a:avLst/>
+          </a:prstGeom>
+        </p:spPr>
+      </p:pic>
+      <p:pic>
+        <p:nvPicPr>
+          <p:cNvPr id="11" name="Picture 10">
             <a:extLst>
               <a:ext uri="{FF2B5EF4-FFF2-40B4-BE49-F238E27FC236}">
-                <a16:creationId xmlns:a16="http://schemas.microsoft.com/office/drawing/2014/main" id="{D547804F-4C36-4E05-A85C-C0624CAF1BA9}"/>
+                <a16:creationId xmlns:a16="http://schemas.microsoft.com/office/drawing/2014/main" id="{50D716BF-E4F8-4951-9FC9-3DE1A6599D90}"/>
               </a:ext>
             </a:extLst>
           </p:cNvPr>
-          <p:cNvSpPr>
-            <a:spLocks noGrp="1"/>
-          </p:cNvSpPr>
-          <p:nvPr>
-            <p:ph idx="1"/>
-          </p:nvPr>
-        </p:nvSpPr>
-        <p:spPr/>
-        <p:txBody>
-          <a:bodyPr/>
-          <a:lstStyle/>
-          <a:p>
-            <a:r>
-              <a:rPr lang="en-GB" sz="1800" strike="sngStrike" dirty="0"/>
-              <a:t>Already seen the figure window</a:t>
-            </a:r>
-          </a:p>
-          <a:p>
-            <a:pPr lvl="1"/>
-            <a:r>
-              <a:rPr lang="en-GB" sz="1600" strike="sngStrike" dirty="0"/>
-              <a:t>This is main component of all GUI elements.</a:t>
-            </a:r>
-          </a:p>
-          <a:p>
-            <a:pPr lvl="1"/>
-            <a:r>
-              <a:rPr lang="en-GB" sz="1600" strike="sngStrike" dirty="0"/>
-              <a:t>Figures are objects (as covered in Session 3).  Mention some properties</a:t>
-            </a:r>
-          </a:p>
-          <a:p>
-            <a:r>
-              <a:rPr lang="en-GB" sz="1800" dirty="0"/>
-              <a:t>List things that may go into a figure (show a few examples)</a:t>
-            </a:r>
-          </a:p>
-          <a:p>
-            <a:pPr lvl="1"/>
-            <a:r>
-              <a:rPr lang="en-GB" sz="1600" strike="sngStrike" dirty="0"/>
-              <a:t>Images</a:t>
-            </a:r>
-          </a:p>
-          <a:p>
-            <a:pPr lvl="2"/>
-            <a:r>
-              <a:rPr lang="en-GB" sz="1400" strike="sngStrike" dirty="0"/>
-              <a:t>Display array of pixels by their intensity</a:t>
-            </a:r>
-          </a:p>
-          <a:p>
-            <a:pPr lvl="2"/>
-            <a:r>
-              <a:rPr lang="en-GB" sz="1400" strike="sngStrike" dirty="0"/>
-              <a:t>Maybe cover some extra functionality?  Not sure if there’s anything particularly interesting</a:t>
-            </a:r>
-          </a:p>
-          <a:p>
-            <a:pPr lvl="1"/>
-            <a:r>
-              <a:rPr lang="en-GB" sz="1600" dirty="0"/>
-              <a:t>Plots</a:t>
-            </a:r>
-          </a:p>
-          <a:p>
-            <a:pPr lvl="2"/>
-            <a:r>
-              <a:rPr lang="en-GB" sz="1400" dirty="0"/>
-              <a:t>Drawn inside axes</a:t>
-            </a:r>
-          </a:p>
-          <a:p>
-            <a:pPr lvl="2"/>
-            <a:r>
-              <a:rPr lang="en-GB" sz="1400" dirty="0"/>
-              <a:t>Many built-in plotting types (histograms, line graphs, point graphs, 3D plots)</a:t>
-            </a:r>
-          </a:p>
-          <a:p>
-            <a:pPr lvl="3"/>
-            <a:r>
-              <a:rPr lang="en-GB" sz="1200" dirty="0"/>
-              <a:t>Would be nice to have a short video showing a 3D graph being manipulated</a:t>
-            </a:r>
-          </a:p>
-          <a:p>
-            <a:pPr lvl="2"/>
-            <a:r>
-              <a:rPr lang="en-GB" sz="1400" dirty="0"/>
-              <a:t>When talking about properties include axis labels, title, tick marks</a:t>
-            </a:r>
-          </a:p>
-          <a:p>
-            <a:pPr lvl="1"/>
-            <a:r>
-              <a:rPr lang="en-GB" sz="1800" dirty="0"/>
-              <a:t>Control elements</a:t>
-            </a:r>
-          </a:p>
-          <a:p>
-            <a:pPr lvl="2"/>
-            <a:r>
-              <a:rPr lang="en-GB" sz="1400" dirty="0"/>
-              <a:t>Buttons, sliders, menus</a:t>
-            </a:r>
-          </a:p>
-          <a:p>
-            <a:r>
-              <a:rPr lang="en-GB" sz="1800" dirty="0"/>
-              <a:t>Can combine different elements within the same figure window</a:t>
-            </a:r>
-          </a:p>
-          <a:p>
-            <a:pPr lvl="1"/>
-            <a:r>
-              <a:rPr lang="en-GB" sz="1600" dirty="0"/>
-              <a:t>Maybe show an example window from one or two of my early programs</a:t>
-            </a:r>
-          </a:p>
-          <a:p>
-            <a:pPr lvl="1"/>
-            <a:r>
-              <a:rPr lang="en-GB" sz="1800" dirty="0"/>
-              <a:t>Talk about graphical element hierarchy (parent-child relationship)</a:t>
-            </a:r>
-          </a:p>
-        </p:txBody>
-      </p:sp>
-    </p:spTree>
-    <p:extLst>
-      <p:ext uri="{BB962C8B-B14F-4D97-AF65-F5344CB8AC3E}">
-        <p14:creationId xmlns:p14="http://schemas.microsoft.com/office/powerpoint/2010/main" val="626270697"/>
-      </p:ext>
-    </p:extLst>
-  </p:cSld>
-  <p:clrMapOvr>
-    <a:masterClrMapping/>
-  </p:clrMapOvr>
-  <mc:AlternateContent xmlns:mc="http://schemas.openxmlformats.org/markup-compatibility/2006" xmlns:p14="http://schemas.microsoft.com/office/powerpoint/2010/main">
-    <mc:Choice Requires="p14">
-      <p:transition p14:dur="300">
-        <p:fade/>
-      </p:transition>
-    </mc:Choice>
-    <mc:Fallback xmlns="">
-      <p:transition>
-        <p:fade/>
-      </p:transition>
-    </mc:Fallback>
-  </mc:AlternateContent>
-</p:sld>
-</file>
-
-<file path=ppt/slides/slide6.xml><?xml version="1.0" encoding="utf-8"?>
-<p:sld xmlns:a="http://schemas.openxmlformats.org/drawingml/2006/main" xmlns:r="http://schemas.openxmlformats.org/officeDocument/2006/relationships" xmlns:p="http://schemas.openxmlformats.org/presentationml/2006/main">
-  <p:cSld>
-    <p:spTree>
-      <p:nvGrpSpPr>
-        <p:cNvPr id="1" name=""/>
-        <p:cNvGrpSpPr/>
-        <p:nvPr/>
-      </p:nvGrpSpPr>
-      <p:grpSpPr>
-        <a:xfrm>
-          <a:off x="0" y="0"/>
-          <a:ext cx="0" cy="0"/>
-          <a:chOff x="0" y="0"/>
-          <a:chExt cx="0" cy="0"/>
-        </a:xfrm>
-      </p:grpSpPr>
+          <p:cNvPicPr>
+            <a:picLocks noChangeAspect="1"/>
+          </p:cNvPicPr>
+          <p:nvPr/>
+        </p:nvPicPr>
+        <p:blipFill>
+          <a:blip r:embed="rId3"/>
+          <a:stretch>
+            <a:fillRect/>
+          </a:stretch>
+        </p:blipFill>
+        <p:spPr>
+          <a:xfrm>
+            <a:off x="7972650" y="1958184"/>
+            <a:ext cx="3962400" cy="3733800"/>
+          </a:xfrm>
+          <a:prstGeom prst="rect">
+            <a:avLst/>
+          </a:prstGeom>
+        </p:spPr>
+      </p:pic>
       <p:sp>
         <p:nvSpPr>
           <p:cNvPr id="2" name="Title 1">
@@ -5289,14 +6243,26 @@
           <a:p>
             <a:pPr lvl="2"/>
             <a:r>
+              <a:rPr lang="en-GB" i="1" dirty="0">
+                <a:solidFill>
+                  <a:schemeClr val="accent1"/>
+                </a:solidFill>
+              </a:rPr>
+              <a:t>Name</a:t>
+            </a:r>
+            <a:r>
               <a:rPr lang="en-GB" dirty="0"/>
-              <a:t>Name (title)</a:t>
+              <a:t> (title)</a:t>
             </a:r>
           </a:p>
           <a:p>
             <a:pPr lvl="2"/>
             <a:r>
-              <a:rPr lang="en-GB" dirty="0"/>
+              <a:rPr lang="en-GB" i="1" dirty="0">
+                <a:solidFill>
+                  <a:schemeClr val="accent1"/>
+                </a:solidFill>
+              </a:rPr>
               <a:t>Position</a:t>
             </a:r>
           </a:p>
@@ -5310,8 +6276,16 @@
           <a:p>
             <a:pPr lvl="2"/>
             <a:r>
+              <a:rPr lang="en-GB" i="1" dirty="0">
+                <a:solidFill>
+                  <a:schemeClr val="accent1"/>
+                </a:solidFill>
+              </a:rPr>
+              <a:t>delete</a:t>
+            </a:r>
+            <a:r>
               <a:rPr lang="en-GB" dirty="0"/>
-              <a:t>delete (close window)</a:t>
+              <a:t> (close window)</a:t>
             </a:r>
           </a:p>
           <a:p>
@@ -5334,224 +6308,729 @@
           </a:p>
         </p:txBody>
       </p:sp>
-      <p:grpSp>
-        <p:nvGrpSpPr>
-          <p:cNvPr id="11" name="Group 10">
+      <p:sp>
+        <p:nvSpPr>
+          <p:cNvPr id="7" name="TextBox 6">
             <a:extLst>
               <a:ext uri="{FF2B5EF4-FFF2-40B4-BE49-F238E27FC236}">
-                <a16:creationId xmlns:a16="http://schemas.microsoft.com/office/drawing/2014/main" id="{B5B14166-21E1-405F-8DE1-33B9B26EAEDB}"/>
+                <a16:creationId xmlns:a16="http://schemas.microsoft.com/office/drawing/2014/main" id="{ADA550D8-92F7-4DFB-94B4-961CBEDD9540}"/>
               </a:ext>
             </a:extLst>
           </p:cNvPr>
-          <p:cNvGrpSpPr/>
+          <p:cNvSpPr txBox="1"/>
           <p:nvPr/>
-        </p:nvGrpSpPr>
-        <p:grpSpPr>
+        </p:nvSpPr>
+        <p:spPr>
           <a:xfrm>
-            <a:off x="7627904" y="1502891"/>
-            <a:ext cx="4293659" cy="4198718"/>
-            <a:chOff x="7627904" y="1329641"/>
-            <a:chExt cx="4293659" cy="4198718"/>
+            <a:off x="7807020" y="1493266"/>
+            <a:ext cx="4293659" cy="461665"/>
           </a:xfrm>
-        </p:grpSpPr>
-        <p:pic>
-          <p:nvPicPr>
-            <p:cNvPr id="6" name="Picture 5">
-              <a:extLst>
-                <a:ext uri="{FF2B5EF4-FFF2-40B4-BE49-F238E27FC236}">
-                  <a16:creationId xmlns:a16="http://schemas.microsoft.com/office/drawing/2014/main" id="{D6404EE0-28F7-41D7-8C3D-AFA856BA805B}"/>
-                </a:ext>
-              </a:extLst>
-            </p:cNvPr>
-            <p:cNvPicPr>
-              <a:picLocks noChangeAspect="1"/>
-            </p:cNvPicPr>
-            <p:nvPr/>
-          </p:nvPicPr>
-          <p:blipFill>
-            <a:blip r:embed="rId2"/>
-            <a:stretch>
-              <a:fillRect/>
-            </a:stretch>
-          </p:blipFill>
-          <p:spPr>
-            <a:xfrm>
-              <a:off x="7793534" y="1794559"/>
-              <a:ext cx="3962400" cy="3733800"/>
-            </a:xfrm>
-            <a:prstGeom prst="rect">
-              <a:avLst/>
-            </a:prstGeom>
-          </p:spPr>
-        </p:pic>
-        <p:sp>
-          <p:nvSpPr>
-            <p:cNvPr id="7" name="TextBox 6">
-              <a:extLst>
-                <a:ext uri="{FF2B5EF4-FFF2-40B4-BE49-F238E27FC236}">
-                  <a16:creationId xmlns:a16="http://schemas.microsoft.com/office/drawing/2014/main" id="{ADA550D8-92F7-4DFB-94B4-961CBEDD9540}"/>
-                </a:ext>
-              </a:extLst>
-            </p:cNvPr>
-            <p:cNvSpPr txBox="1"/>
-            <p:nvPr/>
-          </p:nvSpPr>
-          <p:spPr>
-            <a:xfrm>
-              <a:off x="7627904" y="1329641"/>
-              <a:ext cx="4293659" cy="461665"/>
-            </a:xfrm>
-            <a:prstGeom prst="rect">
-              <a:avLst/>
-            </a:prstGeom>
-            <a:noFill/>
-          </p:spPr>
-          <p:txBody>
-            <a:bodyPr wrap="square" rtlCol="0">
-              <a:spAutoFit/>
-            </a:bodyPr>
-            <a:lstStyle/>
-            <a:p>
-              <a:pPr algn="ctr"/>
-              <a:r>
-                <a:rPr lang="en-GB" sz="2400" i="1" dirty="0" err="1">
-                  <a:solidFill>
-                    <a:schemeClr val="accent1"/>
-                  </a:solidFill>
-                </a:rPr>
-                <a:t>my_fig</a:t>
-              </a:r>
-              <a:r>
-                <a:rPr lang="en-GB" sz="2400" i="1" dirty="0">
-                  <a:solidFill>
-                    <a:schemeClr val="accent1"/>
-                  </a:solidFill>
-                </a:rPr>
-                <a:t> = figure()</a:t>
-              </a:r>
-            </a:p>
-          </p:txBody>
-        </p:sp>
-      </p:grpSp>
-      <p:grpSp>
-        <p:nvGrpSpPr>
-          <p:cNvPr id="8" name="Group 7">
+          <a:prstGeom prst="rect">
+            <a:avLst/>
+          </a:prstGeom>
+          <a:noFill/>
+        </p:spPr>
+        <p:txBody>
+          <a:bodyPr wrap="square" rtlCol="0">
+            <a:spAutoFit/>
+          </a:bodyPr>
+          <a:lstStyle/>
+          <a:p>
+            <a:pPr algn="ctr"/>
+            <a:r>
+              <a:rPr lang="en-GB" sz="2400" i="1" dirty="0" err="1">
+                <a:solidFill>
+                  <a:schemeClr val="accent1"/>
+                </a:solidFill>
+              </a:rPr>
+              <a:t>my_fig</a:t>
+            </a:r>
+            <a:r>
+              <a:rPr lang="en-GB" sz="2400" i="1" dirty="0">
+                <a:solidFill>
+                  <a:schemeClr val="accent1"/>
+                </a:solidFill>
+              </a:rPr>
+              <a:t> = figure()</a:t>
+            </a:r>
+          </a:p>
+        </p:txBody>
+      </p:sp>
+      <p:sp>
+        <p:nvSpPr>
+          <p:cNvPr id="10" name="TextBox 9">
             <a:extLst>
               <a:ext uri="{FF2B5EF4-FFF2-40B4-BE49-F238E27FC236}">
-                <a16:creationId xmlns:a16="http://schemas.microsoft.com/office/drawing/2014/main" id="{AC97AE24-DA52-4AFC-AD93-39609E8F1285}"/>
+                <a16:creationId xmlns:a16="http://schemas.microsoft.com/office/drawing/2014/main" id="{55BF7ECA-2638-4787-9329-BE5C2980F730}"/>
               </a:ext>
             </a:extLst>
           </p:cNvPr>
-          <p:cNvGrpSpPr/>
+          <p:cNvSpPr txBox="1"/>
           <p:nvPr/>
-        </p:nvGrpSpPr>
-        <p:grpSpPr>
+        </p:nvSpPr>
+        <p:spPr>
           <a:xfrm>
-            <a:off x="7627904" y="1502891"/>
-            <a:ext cx="4293659" cy="4198718"/>
-            <a:chOff x="7627904" y="1329641"/>
-            <a:chExt cx="4293659" cy="4198718"/>
+            <a:off x="7807020" y="1493266"/>
+            <a:ext cx="4293659" cy="461665"/>
           </a:xfrm>
-        </p:grpSpPr>
-        <p:pic>
-          <p:nvPicPr>
-            <p:cNvPr id="9" name="Picture 8">
-              <a:extLst>
-                <a:ext uri="{FF2B5EF4-FFF2-40B4-BE49-F238E27FC236}">
-                  <a16:creationId xmlns:a16="http://schemas.microsoft.com/office/drawing/2014/main" id="{A36E4B39-FE4F-4F6B-84EA-CE5063ABE2B9}"/>
-                </a:ext>
-              </a:extLst>
-            </p:cNvPr>
-            <p:cNvPicPr>
-              <a:picLocks noChangeAspect="1"/>
-            </p:cNvPicPr>
-            <p:nvPr/>
-          </p:nvPicPr>
-          <p:blipFill>
-            <a:blip r:embed="rId3"/>
-            <a:stretch>
-              <a:fillRect/>
-            </a:stretch>
-          </p:blipFill>
-          <p:spPr>
-            <a:xfrm>
-              <a:off x="7793534" y="1794559"/>
-              <a:ext cx="3962400" cy="3733800"/>
-            </a:xfrm>
-            <a:prstGeom prst="rect">
-              <a:avLst/>
-            </a:prstGeom>
-          </p:spPr>
-        </p:pic>
-        <p:sp>
-          <p:nvSpPr>
-            <p:cNvPr id="10" name="TextBox 9">
-              <a:extLst>
-                <a:ext uri="{FF2B5EF4-FFF2-40B4-BE49-F238E27FC236}">
-                  <a16:creationId xmlns:a16="http://schemas.microsoft.com/office/drawing/2014/main" id="{55BF7ECA-2638-4787-9329-BE5C2980F730}"/>
-                </a:ext>
-              </a:extLst>
-            </p:cNvPr>
-            <p:cNvSpPr txBox="1"/>
-            <p:nvPr/>
-          </p:nvSpPr>
-          <p:spPr>
-            <a:xfrm>
-              <a:off x="7627904" y="1329641"/>
-              <a:ext cx="4293659" cy="461665"/>
-            </a:xfrm>
-            <a:prstGeom prst="rect">
-              <a:avLst/>
-            </a:prstGeom>
-            <a:noFill/>
-          </p:spPr>
-          <p:txBody>
-            <a:bodyPr wrap="square" rtlCol="0">
-              <a:spAutoFit/>
-            </a:bodyPr>
-            <a:lstStyle/>
-            <a:p>
-              <a:pPr algn="ctr"/>
-              <a:r>
-                <a:rPr lang="en-GB" sz="2400" i="1" dirty="0" err="1">
-                  <a:solidFill>
-                    <a:schemeClr val="accent1"/>
-                  </a:solidFill>
-                </a:rPr>
-                <a:t>imshow</a:t>
-              </a:r>
-              <a:r>
-                <a:rPr lang="en-GB" sz="2400" i="1" dirty="0">
-                  <a:solidFill>
-                    <a:schemeClr val="accent1"/>
-                  </a:solidFill>
-                </a:rPr>
-                <a:t>(</a:t>
-              </a:r>
-              <a:r>
-                <a:rPr lang="en-GB" sz="2400" i="1" dirty="0" err="1">
-                  <a:solidFill>
-                    <a:schemeClr val="accent1"/>
-                  </a:solidFill>
-                </a:rPr>
-                <a:t>some_image</a:t>
-              </a:r>
-              <a:r>
-                <a:rPr lang="en-GB" sz="2400" i="1" dirty="0">
-                  <a:solidFill>
-                    <a:schemeClr val="accent1"/>
-                  </a:solidFill>
-                </a:rPr>
-                <a:t>, [])</a:t>
-              </a:r>
-            </a:p>
-          </p:txBody>
-        </p:sp>
-      </p:grpSp>
+          <a:prstGeom prst="rect">
+            <a:avLst/>
+          </a:prstGeom>
+          <a:noFill/>
+        </p:spPr>
+        <p:txBody>
+          <a:bodyPr wrap="square" rtlCol="0">
+            <a:spAutoFit/>
+          </a:bodyPr>
+          <a:lstStyle/>
+          <a:p>
+            <a:pPr algn="ctr"/>
+            <a:r>
+              <a:rPr lang="en-GB" sz="2400" i="1" dirty="0" err="1">
+                <a:solidFill>
+                  <a:schemeClr val="accent1"/>
+                </a:solidFill>
+              </a:rPr>
+              <a:t>imshow</a:t>
+            </a:r>
+            <a:r>
+              <a:rPr lang="en-GB" sz="2400" i="1" dirty="0">
+                <a:solidFill>
+                  <a:schemeClr val="accent1"/>
+                </a:solidFill>
+              </a:rPr>
+              <a:t>(</a:t>
+            </a:r>
+            <a:r>
+              <a:rPr lang="en-GB" sz="2400" i="1" dirty="0" err="1">
+                <a:solidFill>
+                  <a:schemeClr val="accent1"/>
+                </a:solidFill>
+              </a:rPr>
+              <a:t>some_image</a:t>
+            </a:r>
+            <a:r>
+              <a:rPr lang="en-GB" sz="2400" i="1" dirty="0">
+                <a:solidFill>
+                  <a:schemeClr val="accent1"/>
+                </a:solidFill>
+              </a:rPr>
+              <a:t>, [])</a:t>
+            </a:r>
+          </a:p>
+        </p:txBody>
+      </p:sp>
     </p:spTree>
     <p:extLst>
       <p:ext uri="{BB962C8B-B14F-4D97-AF65-F5344CB8AC3E}">
         <p14:creationId xmlns:p14="http://schemas.microsoft.com/office/powerpoint/2010/main" val="3783631094"/>
+      </p:ext>
+    </p:extLst>
+  </p:cSld>
+  <p:clrMapOvr>
+    <a:masterClrMapping/>
+  </p:clrMapOvr>
+  <mc:AlternateContent xmlns:mc="http://schemas.openxmlformats.org/markup-compatibility/2006" xmlns:p14="http://schemas.microsoft.com/office/powerpoint/2010/main">
+    <mc:Choice Requires="p14">
+      <p:transition p14:dur="300">
+        <p:fade/>
+      </p:transition>
+    </mc:Choice>
+    <mc:Fallback xmlns="">
+      <p:transition>
+        <p:fade/>
+      </p:transition>
+    </mc:Fallback>
+  </mc:AlternateContent>
+  <p:timing>
+    <p:tnLst>
+      <p:par>
+        <p:cTn id="1" dur="indefinite" restart="never" nodeType="tmRoot">
+          <p:childTnLst>
+            <p:seq concurrent="1" nextAc="seek">
+              <p:cTn id="2" dur="indefinite" nodeType="mainSeq">
+                <p:childTnLst>
+                  <p:par>
+                    <p:cTn id="3" fill="hold">
+                      <p:stCondLst>
+                        <p:cond delay="indefinite"/>
+                      </p:stCondLst>
+                      <p:childTnLst>
+                        <p:par>
+                          <p:cTn id="4" fill="hold">
+                            <p:stCondLst>
+                              <p:cond delay="0"/>
+                            </p:stCondLst>
+                            <p:childTnLst>
+                              <p:par>
+                                <p:cTn id="5" presetID="10" presetClass="entr" presetSubtype="0" fill="hold" nodeType="clickEffect">
+                                  <p:stCondLst>
+                                    <p:cond delay="0"/>
+                                  </p:stCondLst>
+                                  <p:childTnLst>
+                                    <p:set>
+                                      <p:cBhvr>
+                                        <p:cTn id="6" dur="1" fill="hold">
+                                          <p:stCondLst>
+                                            <p:cond delay="0"/>
+                                          </p:stCondLst>
+                                        </p:cTn>
+                                        <p:tgtEl>
+                                          <p:spTgt spid="11"/>
+                                        </p:tgtEl>
+                                        <p:attrNameLst>
+                                          <p:attrName>style.visibility</p:attrName>
+                                        </p:attrNameLst>
+                                      </p:cBhvr>
+                                      <p:to>
+                                        <p:strVal val="visible"/>
+                                      </p:to>
+                                    </p:set>
+                                    <p:animEffect transition="in" filter="fade">
+                                      <p:cBhvr>
+                                        <p:cTn id="7" dur="300"/>
+                                        <p:tgtEl>
+                                          <p:spTgt spid="11"/>
+                                        </p:tgtEl>
+                                      </p:cBhvr>
+                                    </p:animEffect>
+                                  </p:childTnLst>
+                                </p:cTn>
+                              </p:par>
+                              <p:par>
+                                <p:cTn id="8" presetID="10" presetClass="entr" presetSubtype="0" fill="hold" grpId="0" nodeType="withEffect">
+                                  <p:stCondLst>
+                                    <p:cond delay="0"/>
+                                  </p:stCondLst>
+                                  <p:childTnLst>
+                                    <p:set>
+                                      <p:cBhvr>
+                                        <p:cTn id="9" dur="1" fill="hold">
+                                          <p:stCondLst>
+                                            <p:cond delay="0"/>
+                                          </p:stCondLst>
+                                        </p:cTn>
+                                        <p:tgtEl>
+                                          <p:spTgt spid="10"/>
+                                        </p:tgtEl>
+                                        <p:attrNameLst>
+                                          <p:attrName>style.visibility</p:attrName>
+                                        </p:attrNameLst>
+                                      </p:cBhvr>
+                                      <p:to>
+                                        <p:strVal val="visible"/>
+                                      </p:to>
+                                    </p:set>
+                                    <p:animEffect transition="in" filter="fade">
+                                      <p:cBhvr>
+                                        <p:cTn id="10" dur="300"/>
+                                        <p:tgtEl>
+                                          <p:spTgt spid="10"/>
+                                        </p:tgtEl>
+                                      </p:cBhvr>
+                                    </p:animEffect>
+                                  </p:childTnLst>
+                                </p:cTn>
+                              </p:par>
+                              <p:par>
+                                <p:cTn id="11" presetID="10" presetClass="exit" presetSubtype="0" fill="hold" grpId="0" nodeType="withEffect">
+                                  <p:stCondLst>
+                                    <p:cond delay="0"/>
+                                  </p:stCondLst>
+                                  <p:childTnLst>
+                                    <p:animEffect transition="out" filter="fade">
+                                      <p:cBhvr>
+                                        <p:cTn id="12" dur="300"/>
+                                        <p:tgtEl>
+                                          <p:spTgt spid="7"/>
+                                        </p:tgtEl>
+                                      </p:cBhvr>
+                                    </p:animEffect>
+                                    <p:set>
+                                      <p:cBhvr>
+                                        <p:cTn id="13" dur="1" fill="hold">
+                                          <p:stCondLst>
+                                            <p:cond delay="299"/>
+                                          </p:stCondLst>
+                                        </p:cTn>
+                                        <p:tgtEl>
+                                          <p:spTgt spid="7"/>
+                                        </p:tgtEl>
+                                        <p:attrNameLst>
+                                          <p:attrName>style.visibility</p:attrName>
+                                        </p:attrNameLst>
+                                      </p:cBhvr>
+                                      <p:to>
+                                        <p:strVal val="hidden"/>
+                                      </p:to>
+                                    </p:set>
+                                  </p:childTnLst>
+                                </p:cTn>
+                              </p:par>
+                            </p:childTnLst>
+                          </p:cTn>
+                        </p:par>
+                        <p:par>
+                          <p:cTn id="14" fill="hold">
+                            <p:stCondLst>
+                              <p:cond delay="300"/>
+                            </p:stCondLst>
+                            <p:childTnLst>
+                              <p:par>
+                                <p:cTn id="15" presetID="10" presetClass="exit" presetSubtype="0" fill="hold" nodeType="afterEffect">
+                                  <p:stCondLst>
+                                    <p:cond delay="0"/>
+                                  </p:stCondLst>
+                                  <p:childTnLst>
+                                    <p:animEffect transition="out" filter="fade">
+                                      <p:cBhvr>
+                                        <p:cTn id="16" dur="300"/>
+                                        <p:tgtEl>
+                                          <p:spTgt spid="5"/>
+                                        </p:tgtEl>
+                                      </p:cBhvr>
+                                    </p:animEffect>
+                                    <p:set>
+                                      <p:cBhvr>
+                                        <p:cTn id="17" dur="1" fill="hold">
+                                          <p:stCondLst>
+                                            <p:cond delay="299"/>
+                                          </p:stCondLst>
+                                        </p:cTn>
+                                        <p:tgtEl>
+                                          <p:spTgt spid="5"/>
+                                        </p:tgtEl>
+                                        <p:attrNameLst>
+                                          <p:attrName>style.visibility</p:attrName>
+                                        </p:attrNameLst>
+                                      </p:cBhvr>
+                                      <p:to>
+                                        <p:strVal val="hidden"/>
+                                      </p:to>
+                                    </p:set>
+                                  </p:childTnLst>
+                                </p:cTn>
+                              </p:par>
+                            </p:childTnLst>
+                          </p:cTn>
+                        </p:par>
+                      </p:childTnLst>
+                    </p:cTn>
+                  </p:par>
+                </p:childTnLst>
+              </p:cTn>
+              <p:prevCondLst>
+                <p:cond evt="onPrev" delay="0">
+                  <p:tgtEl>
+                    <p:sldTgt/>
+                  </p:tgtEl>
+                </p:cond>
+              </p:prevCondLst>
+              <p:nextCondLst>
+                <p:cond evt="onNext" delay="0">
+                  <p:tgtEl>
+                    <p:sldTgt/>
+                  </p:tgtEl>
+                </p:cond>
+              </p:nextCondLst>
+            </p:seq>
+          </p:childTnLst>
+        </p:cTn>
+      </p:par>
+    </p:tnLst>
+    <p:bldLst>
+      <p:bldP spid="7" grpId="0"/>
+      <p:bldP spid="10" grpId="0"/>
+    </p:bldLst>
+  </p:timing>
+</p:sld>
+</file>
+
+<file path=ppt/slides/slide6.xml><?xml version="1.0" encoding="utf-8"?>
+<p:sld xmlns:a="http://schemas.openxmlformats.org/drawingml/2006/main" xmlns:r="http://schemas.openxmlformats.org/officeDocument/2006/relationships" xmlns:p="http://schemas.openxmlformats.org/presentationml/2006/main">
+  <p:cSld>
+    <p:spTree>
+      <p:nvGrpSpPr>
+        <p:cNvPr id="1" name=""/>
+        <p:cNvGrpSpPr/>
+        <p:nvPr/>
+      </p:nvGrpSpPr>
+      <p:grpSpPr>
+        <a:xfrm>
+          <a:off x="0" y="0"/>
+          <a:ext cx="0" cy="0"/>
+          <a:chOff x="0" y="0"/>
+          <a:chExt cx="0" cy="0"/>
+        </a:xfrm>
+      </p:grpSpPr>
+      <p:pic>
+        <p:nvPicPr>
+          <p:cNvPr id="8" name="Picture 7">
+            <a:extLst>
+              <a:ext uri="{FF2B5EF4-FFF2-40B4-BE49-F238E27FC236}">
+                <a16:creationId xmlns:a16="http://schemas.microsoft.com/office/drawing/2014/main" id="{C372BE33-85A9-4D37-B7BA-2B6D56872C6C}"/>
+              </a:ext>
+            </a:extLst>
+          </p:cNvPr>
+          <p:cNvPicPr>
+            <a:picLocks noChangeAspect="1"/>
+          </p:cNvPicPr>
+          <p:nvPr/>
+        </p:nvPicPr>
+        <p:blipFill>
+          <a:blip r:embed="rId3"/>
+          <a:stretch>
+            <a:fillRect/>
+          </a:stretch>
+        </p:blipFill>
+        <p:spPr>
+          <a:xfrm>
+            <a:off x="4114802" y="1958184"/>
+            <a:ext cx="3962400" cy="3733800"/>
+          </a:xfrm>
+          <a:prstGeom prst="rect">
+            <a:avLst/>
+          </a:prstGeom>
+        </p:spPr>
+      </p:pic>
+      <p:pic>
+        <p:nvPicPr>
+          <p:cNvPr id="3" name="Picture 2">
+            <a:extLst>
+              <a:ext uri="{FF2B5EF4-FFF2-40B4-BE49-F238E27FC236}">
+                <a16:creationId xmlns:a16="http://schemas.microsoft.com/office/drawing/2014/main" id="{C91C5E44-4915-4E42-AF95-BD01270D888E}"/>
+              </a:ext>
+            </a:extLst>
+          </p:cNvPr>
+          <p:cNvPicPr>
+            <a:picLocks noChangeAspect="1"/>
+          </p:cNvPicPr>
+          <p:nvPr/>
+        </p:nvPicPr>
+        <p:blipFill>
+          <a:blip r:embed="rId4"/>
+          <a:stretch>
+            <a:fillRect/>
+          </a:stretch>
+        </p:blipFill>
+        <p:spPr>
+          <a:xfrm>
+            <a:off x="256953" y="1958184"/>
+            <a:ext cx="3962400" cy="3733800"/>
+          </a:xfrm>
+          <a:prstGeom prst="rect">
+            <a:avLst/>
+          </a:prstGeom>
+        </p:spPr>
+      </p:pic>
+      <p:sp>
+        <p:nvSpPr>
+          <p:cNvPr id="2" name="Title 1">
+            <a:extLst>
+              <a:ext uri="{FF2B5EF4-FFF2-40B4-BE49-F238E27FC236}">
+                <a16:creationId xmlns:a16="http://schemas.microsoft.com/office/drawing/2014/main" id="{CA51F0EF-B0EE-450F-8AD0-F623966A7898}"/>
+              </a:ext>
+            </a:extLst>
+          </p:cNvPr>
+          <p:cNvSpPr>
+            <a:spLocks noGrp="1"/>
+          </p:cNvSpPr>
+          <p:nvPr>
+            <p:ph type="title"/>
+          </p:nvPr>
+        </p:nvSpPr>
+        <p:spPr/>
+        <p:txBody>
+          <a:bodyPr/>
+          <a:lstStyle/>
+          <a:p>
+            <a:r>
+              <a:rPr lang="en-GB" dirty="0"/>
+              <a:t>What can go in a figure?</a:t>
+            </a:r>
+          </a:p>
+        </p:txBody>
+      </p:sp>
+      <p:sp>
+        <p:nvSpPr>
+          <p:cNvPr id="6" name="TextBox 5">
+            <a:extLst>
+              <a:ext uri="{FF2B5EF4-FFF2-40B4-BE49-F238E27FC236}">
+                <a16:creationId xmlns:a16="http://schemas.microsoft.com/office/drawing/2014/main" id="{29833A48-E011-4932-918C-D7BA7FC631B2}"/>
+              </a:ext>
+            </a:extLst>
+          </p:cNvPr>
+          <p:cNvSpPr txBox="1"/>
+          <p:nvPr/>
+        </p:nvSpPr>
+        <p:spPr>
+          <a:xfrm>
+            <a:off x="91323" y="1493266"/>
+            <a:ext cx="4293659" cy="461665"/>
+          </a:xfrm>
+          <a:prstGeom prst="rect">
+            <a:avLst/>
+          </a:prstGeom>
+          <a:noFill/>
+        </p:spPr>
+        <p:txBody>
+          <a:bodyPr wrap="square" rtlCol="0">
+            <a:spAutoFit/>
+          </a:bodyPr>
+          <a:lstStyle/>
+          <a:p>
+            <a:pPr algn="ctr"/>
+            <a:r>
+              <a:rPr lang="en-GB" sz="2400" i="1" dirty="0">
+                <a:solidFill>
+                  <a:schemeClr val="accent1"/>
+                </a:solidFill>
+              </a:rPr>
+              <a:t>Images</a:t>
+            </a:r>
+          </a:p>
+        </p:txBody>
+      </p:sp>
+      <p:sp>
+        <p:nvSpPr>
+          <p:cNvPr id="9" name="TextBox 8">
+            <a:extLst>
+              <a:ext uri="{FF2B5EF4-FFF2-40B4-BE49-F238E27FC236}">
+                <a16:creationId xmlns:a16="http://schemas.microsoft.com/office/drawing/2014/main" id="{60C1348B-849E-4AC2-AA52-28B28F16B914}"/>
+              </a:ext>
+            </a:extLst>
+          </p:cNvPr>
+          <p:cNvSpPr txBox="1"/>
+          <p:nvPr/>
+        </p:nvSpPr>
+        <p:spPr>
+          <a:xfrm>
+            <a:off x="3949172" y="1493266"/>
+            <a:ext cx="4293659" cy="461665"/>
+          </a:xfrm>
+          <a:prstGeom prst="rect">
+            <a:avLst/>
+          </a:prstGeom>
+          <a:noFill/>
+        </p:spPr>
+        <p:txBody>
+          <a:bodyPr wrap="square" rtlCol="0">
+            <a:spAutoFit/>
+          </a:bodyPr>
+          <a:lstStyle/>
+          <a:p>
+            <a:pPr algn="ctr"/>
+            <a:r>
+              <a:rPr lang="en-GB" sz="2400" i="1" dirty="0">
+                <a:solidFill>
+                  <a:schemeClr val="accent1"/>
+                </a:solidFill>
+              </a:rPr>
+              <a:t>Data plots</a:t>
+            </a:r>
+          </a:p>
+        </p:txBody>
+      </p:sp>
+      <p:sp>
+        <p:nvSpPr>
+          <p:cNvPr id="12" name="TextBox 11">
+            <a:extLst>
+              <a:ext uri="{FF2B5EF4-FFF2-40B4-BE49-F238E27FC236}">
+                <a16:creationId xmlns:a16="http://schemas.microsoft.com/office/drawing/2014/main" id="{7ADBE9CF-E30F-4670-8E73-5FFAB22C472E}"/>
+              </a:ext>
+            </a:extLst>
+          </p:cNvPr>
+          <p:cNvSpPr txBox="1"/>
+          <p:nvPr/>
+        </p:nvSpPr>
+        <p:spPr>
+          <a:xfrm>
+            <a:off x="7807020" y="1493266"/>
+            <a:ext cx="4293659" cy="461665"/>
+          </a:xfrm>
+          <a:prstGeom prst="rect">
+            <a:avLst/>
+          </a:prstGeom>
+          <a:noFill/>
+        </p:spPr>
+        <p:txBody>
+          <a:bodyPr wrap="square" rtlCol="0">
+            <a:spAutoFit/>
+          </a:bodyPr>
+          <a:lstStyle/>
+          <a:p>
+            <a:pPr algn="ctr"/>
+            <a:r>
+              <a:rPr lang="en-GB" sz="2400" i="1" dirty="0">
+                <a:solidFill>
+                  <a:schemeClr val="accent1"/>
+                </a:solidFill>
+              </a:rPr>
+              <a:t>User controls</a:t>
+            </a:r>
+          </a:p>
+        </p:txBody>
+      </p:sp>
+      <p:pic>
+        <p:nvPicPr>
+          <p:cNvPr id="21" name="Picture 20">
+            <a:extLst>
+              <a:ext uri="{FF2B5EF4-FFF2-40B4-BE49-F238E27FC236}">
+                <a16:creationId xmlns:a16="http://schemas.microsoft.com/office/drawing/2014/main" id="{E364F511-36C0-4838-A81C-A8F5A8D4E53E}"/>
+              </a:ext>
+            </a:extLst>
+          </p:cNvPr>
+          <p:cNvPicPr>
+            <a:picLocks noChangeAspect="1"/>
+          </p:cNvPicPr>
+          <p:nvPr/>
+        </p:nvPicPr>
+        <p:blipFill>
+          <a:blip r:embed="rId5"/>
+          <a:stretch>
+            <a:fillRect/>
+          </a:stretch>
+        </p:blipFill>
+        <p:spPr>
+          <a:xfrm>
+            <a:off x="4114802" y="1958184"/>
+            <a:ext cx="3962400" cy="3733800"/>
+          </a:xfrm>
+          <a:prstGeom prst="rect">
+            <a:avLst/>
+          </a:prstGeom>
+        </p:spPr>
+      </p:pic>
+      <p:pic>
+        <p:nvPicPr>
+          <p:cNvPr id="20" name="Picture 19">
+            <a:extLst>
+              <a:ext uri="{FF2B5EF4-FFF2-40B4-BE49-F238E27FC236}">
+                <a16:creationId xmlns:a16="http://schemas.microsoft.com/office/drawing/2014/main" id="{C2B276CE-5F50-421C-B8DE-E2B6C8B3CC5B}"/>
+              </a:ext>
+            </a:extLst>
+          </p:cNvPr>
+          <p:cNvPicPr>
+            <a:picLocks noChangeAspect="1"/>
+          </p:cNvPicPr>
+          <p:nvPr/>
+        </p:nvPicPr>
+        <p:blipFill>
+          <a:blip r:embed="rId6"/>
+          <a:stretch>
+            <a:fillRect/>
+          </a:stretch>
+        </p:blipFill>
+        <p:spPr>
+          <a:xfrm>
+            <a:off x="4114802" y="1958184"/>
+            <a:ext cx="3962400" cy="3733800"/>
+          </a:xfrm>
+          <a:prstGeom prst="rect">
+            <a:avLst/>
+          </a:prstGeom>
+        </p:spPr>
+      </p:pic>
+      <p:pic>
+        <p:nvPicPr>
+          <p:cNvPr id="7" name="Picture 6" descr="A close up of a map&#10;&#10;Description automatically generated">
+            <a:extLst>
+              <a:ext uri="{FF2B5EF4-FFF2-40B4-BE49-F238E27FC236}">
+                <a16:creationId xmlns:a16="http://schemas.microsoft.com/office/drawing/2014/main" id="{7DB80F42-90E8-40B1-9440-058C0D053A51}"/>
+              </a:ext>
+            </a:extLst>
+          </p:cNvPr>
+          <p:cNvPicPr>
+            <a:picLocks noChangeAspect="1"/>
+          </p:cNvPicPr>
+          <p:nvPr/>
+        </p:nvPicPr>
+        <p:blipFill>
+          <a:blip r:embed="rId7">
+            <a:extLst>
+              <a:ext uri="{28A0092B-C50C-407E-A947-70E740481C1C}">
+                <a14:useLocalDpi xmlns:a14="http://schemas.microsoft.com/office/drawing/2010/main" val="0"/>
+              </a:ext>
+            </a:extLst>
+          </a:blip>
+          <a:stretch>
+            <a:fillRect/>
+          </a:stretch>
+        </p:blipFill>
+        <p:spPr>
+          <a:xfrm>
+            <a:off x="4114802" y="1958184"/>
+            <a:ext cx="3962400" cy="3733800"/>
+          </a:xfrm>
+          <a:prstGeom prst="rect">
+            <a:avLst/>
+          </a:prstGeom>
+        </p:spPr>
+      </p:pic>
+      <p:pic>
+        <p:nvPicPr>
+          <p:cNvPr id="23" name="Picture 22">
+            <a:extLst>
+              <a:ext uri="{FF2B5EF4-FFF2-40B4-BE49-F238E27FC236}">
+                <a16:creationId xmlns:a16="http://schemas.microsoft.com/office/drawing/2014/main" id="{C6B40B99-D280-4C7C-99BC-72D362D1BD5B}"/>
+              </a:ext>
+            </a:extLst>
+          </p:cNvPr>
+          <p:cNvPicPr>
+            <a:picLocks noChangeAspect="1"/>
+          </p:cNvPicPr>
+          <p:nvPr/>
+        </p:nvPicPr>
+        <p:blipFill>
+          <a:blip r:embed="rId8"/>
+          <a:stretch>
+            <a:fillRect/>
+          </a:stretch>
+        </p:blipFill>
+        <p:spPr>
+          <a:xfrm>
+            <a:off x="4114802" y="1958184"/>
+            <a:ext cx="3962400" cy="3733800"/>
+          </a:xfrm>
+          <a:prstGeom prst="rect">
+            <a:avLst/>
+          </a:prstGeom>
+        </p:spPr>
+      </p:pic>
+      <p:pic>
+        <p:nvPicPr>
+          <p:cNvPr id="25" name="Picture 24">
+            <a:extLst>
+              <a:ext uri="{FF2B5EF4-FFF2-40B4-BE49-F238E27FC236}">
+                <a16:creationId xmlns:a16="http://schemas.microsoft.com/office/drawing/2014/main" id="{08A85081-6AE4-4061-AAA7-023DCBFD9126}"/>
+              </a:ext>
+            </a:extLst>
+          </p:cNvPr>
+          <p:cNvPicPr>
+            <a:picLocks noChangeAspect="1"/>
+          </p:cNvPicPr>
+          <p:nvPr/>
+        </p:nvPicPr>
+        <p:blipFill>
+          <a:blip r:embed="rId9"/>
+          <a:stretch>
+            <a:fillRect/>
+          </a:stretch>
+        </p:blipFill>
+        <p:spPr>
+          <a:xfrm>
+            <a:off x="7972650" y="1958184"/>
+            <a:ext cx="3962400" cy="3733800"/>
+          </a:xfrm>
+          <a:prstGeom prst="rect">
+            <a:avLst/>
+          </a:prstGeom>
+        </p:spPr>
+      </p:pic>
+    </p:spTree>
+    <p:extLst>
+      <p:ext uri="{BB962C8B-B14F-4D97-AF65-F5344CB8AC3E}">
+        <p14:creationId xmlns:p14="http://schemas.microsoft.com/office/powerpoint/2010/main" val="3757621911"/>
       </p:ext>
     </p:extLst>
   </p:cSld>
@@ -5626,28 +7105,486 @@
                                 </p:cTn>
                               </p:par>
                               <p:par>
-                                <p:cTn id="8" presetID="10" presetClass="exit" presetSubtype="0" fill="hold" nodeType="withEffect">
+                                <p:cTn id="8" presetID="10" presetClass="entr" presetSubtype="0" fill="hold" grpId="0" nodeType="withEffect">
+                                  <p:stCondLst>
+                                    <p:cond delay="0"/>
+                                  </p:stCondLst>
+                                  <p:childTnLst>
+                                    <p:set>
+                                      <p:cBhvr>
+                                        <p:cTn id="9" dur="1" fill="hold">
+                                          <p:stCondLst>
+                                            <p:cond delay="0"/>
+                                          </p:stCondLst>
+                                        </p:cTn>
+                                        <p:tgtEl>
+                                          <p:spTgt spid="9"/>
+                                        </p:tgtEl>
+                                        <p:attrNameLst>
+                                          <p:attrName>style.visibility</p:attrName>
+                                        </p:attrNameLst>
+                                      </p:cBhvr>
+                                      <p:to>
+                                        <p:strVal val="visible"/>
+                                      </p:to>
+                                    </p:set>
+                                    <p:animEffect transition="in" filter="fade">
+                                      <p:cBhvr>
+                                        <p:cTn id="10" dur="300"/>
+                                        <p:tgtEl>
+                                          <p:spTgt spid="9"/>
+                                        </p:tgtEl>
+                                      </p:cBhvr>
+                                    </p:animEffect>
+                                  </p:childTnLst>
+                                </p:cTn>
+                              </p:par>
+                            </p:childTnLst>
+                          </p:cTn>
+                        </p:par>
+                      </p:childTnLst>
+                    </p:cTn>
+                  </p:par>
+                  <p:par>
+                    <p:cTn id="11" fill="hold">
+                      <p:stCondLst>
+                        <p:cond delay="indefinite"/>
+                      </p:stCondLst>
+                      <p:childTnLst>
+                        <p:par>
+                          <p:cTn id="12" fill="hold">
+                            <p:stCondLst>
+                              <p:cond delay="0"/>
+                            </p:stCondLst>
+                            <p:childTnLst>
+                              <p:par>
+                                <p:cTn id="13" presetID="10" presetClass="entr" presetSubtype="0" fill="hold" nodeType="clickEffect">
+                                  <p:stCondLst>
+                                    <p:cond delay="0"/>
+                                  </p:stCondLst>
+                                  <p:childTnLst>
+                                    <p:set>
+                                      <p:cBhvr>
+                                        <p:cTn id="14" dur="1" fill="hold">
+                                          <p:stCondLst>
+                                            <p:cond delay="0"/>
+                                          </p:stCondLst>
+                                        </p:cTn>
+                                        <p:tgtEl>
+                                          <p:spTgt spid="21"/>
+                                        </p:tgtEl>
+                                        <p:attrNameLst>
+                                          <p:attrName>style.visibility</p:attrName>
+                                        </p:attrNameLst>
+                                      </p:cBhvr>
+                                      <p:to>
+                                        <p:strVal val="visible"/>
+                                      </p:to>
+                                    </p:set>
+                                    <p:animEffect transition="in" filter="fade">
+                                      <p:cBhvr>
+                                        <p:cTn id="15" dur="300"/>
+                                        <p:tgtEl>
+                                          <p:spTgt spid="21"/>
+                                        </p:tgtEl>
+                                      </p:cBhvr>
+                                    </p:animEffect>
+                                  </p:childTnLst>
+                                </p:cTn>
+                              </p:par>
+                            </p:childTnLst>
+                          </p:cTn>
+                        </p:par>
+                        <p:par>
+                          <p:cTn id="16" fill="hold">
+                            <p:stCondLst>
+                              <p:cond delay="300"/>
+                            </p:stCondLst>
+                            <p:childTnLst>
+                              <p:par>
+                                <p:cTn id="17" presetID="10" presetClass="exit" presetSubtype="0" fill="hold" nodeType="afterEffect">
                                   <p:stCondLst>
                                     <p:cond delay="0"/>
                                   </p:stCondLst>
                                   <p:childTnLst>
                                     <p:animEffect transition="out" filter="fade">
                                       <p:cBhvr>
-                                        <p:cTn id="9" dur="300"/>
+                                        <p:cTn id="18" dur="300"/>
                                         <p:tgtEl>
-                                          <p:spTgt spid="11"/>
+                                          <p:spTgt spid="8"/>
                                         </p:tgtEl>
                                       </p:cBhvr>
                                     </p:animEffect>
                                     <p:set>
                                       <p:cBhvr>
-                                        <p:cTn id="10" dur="1" fill="hold">
+                                        <p:cTn id="19" dur="1" fill="hold">
                                           <p:stCondLst>
                                             <p:cond delay="299"/>
                                           </p:stCondLst>
                                         </p:cTn>
                                         <p:tgtEl>
-                                          <p:spTgt spid="11"/>
+                                          <p:spTgt spid="8"/>
+                                        </p:tgtEl>
+                                        <p:attrNameLst>
+                                          <p:attrName>style.visibility</p:attrName>
+                                        </p:attrNameLst>
+                                      </p:cBhvr>
+                                      <p:to>
+                                        <p:strVal val="hidden"/>
+                                      </p:to>
+                                    </p:set>
+                                  </p:childTnLst>
+                                </p:cTn>
+                              </p:par>
+                            </p:childTnLst>
+                          </p:cTn>
+                        </p:par>
+                      </p:childTnLst>
+                    </p:cTn>
+                  </p:par>
+                  <p:par>
+                    <p:cTn id="20" fill="hold">
+                      <p:stCondLst>
+                        <p:cond delay="indefinite"/>
+                      </p:stCondLst>
+                      <p:childTnLst>
+                        <p:par>
+                          <p:cTn id="21" fill="hold">
+                            <p:stCondLst>
+                              <p:cond delay="0"/>
+                            </p:stCondLst>
+                            <p:childTnLst>
+                              <p:par>
+                                <p:cTn id="22" presetID="10" presetClass="entr" presetSubtype="0" fill="hold" nodeType="clickEffect">
+                                  <p:stCondLst>
+                                    <p:cond delay="0"/>
+                                  </p:stCondLst>
+                                  <p:childTnLst>
+                                    <p:set>
+                                      <p:cBhvr>
+                                        <p:cTn id="23" dur="1" fill="hold">
+                                          <p:stCondLst>
+                                            <p:cond delay="0"/>
+                                          </p:stCondLst>
+                                        </p:cTn>
+                                        <p:tgtEl>
+                                          <p:spTgt spid="20"/>
+                                        </p:tgtEl>
+                                        <p:attrNameLst>
+                                          <p:attrName>style.visibility</p:attrName>
+                                        </p:attrNameLst>
+                                      </p:cBhvr>
+                                      <p:to>
+                                        <p:strVal val="visible"/>
+                                      </p:to>
+                                    </p:set>
+                                    <p:animEffect transition="in" filter="fade">
+                                      <p:cBhvr>
+                                        <p:cTn id="24" dur="300"/>
+                                        <p:tgtEl>
+                                          <p:spTgt spid="20"/>
+                                        </p:tgtEl>
+                                      </p:cBhvr>
+                                    </p:animEffect>
+                                  </p:childTnLst>
+                                </p:cTn>
+                              </p:par>
+                            </p:childTnLst>
+                          </p:cTn>
+                        </p:par>
+                        <p:par>
+                          <p:cTn id="25" fill="hold">
+                            <p:stCondLst>
+                              <p:cond delay="300"/>
+                            </p:stCondLst>
+                            <p:childTnLst>
+                              <p:par>
+                                <p:cTn id="26" presetID="10" presetClass="exit" presetSubtype="0" fill="hold" nodeType="afterEffect">
+                                  <p:stCondLst>
+                                    <p:cond delay="0"/>
+                                  </p:stCondLst>
+                                  <p:childTnLst>
+                                    <p:animEffect transition="out" filter="fade">
+                                      <p:cBhvr>
+                                        <p:cTn id="27" dur="300"/>
+                                        <p:tgtEl>
+                                          <p:spTgt spid="21"/>
+                                        </p:tgtEl>
+                                      </p:cBhvr>
+                                    </p:animEffect>
+                                    <p:set>
+                                      <p:cBhvr>
+                                        <p:cTn id="28" dur="1" fill="hold">
+                                          <p:stCondLst>
+                                            <p:cond delay="299"/>
+                                          </p:stCondLst>
+                                        </p:cTn>
+                                        <p:tgtEl>
+                                          <p:spTgt spid="21"/>
+                                        </p:tgtEl>
+                                        <p:attrNameLst>
+                                          <p:attrName>style.visibility</p:attrName>
+                                        </p:attrNameLst>
+                                      </p:cBhvr>
+                                      <p:to>
+                                        <p:strVal val="hidden"/>
+                                      </p:to>
+                                    </p:set>
+                                  </p:childTnLst>
+                                </p:cTn>
+                              </p:par>
+                            </p:childTnLst>
+                          </p:cTn>
+                        </p:par>
+                      </p:childTnLst>
+                    </p:cTn>
+                  </p:par>
+                  <p:par>
+                    <p:cTn id="29" fill="hold">
+                      <p:stCondLst>
+                        <p:cond delay="indefinite"/>
+                      </p:stCondLst>
+                      <p:childTnLst>
+                        <p:par>
+                          <p:cTn id="30" fill="hold">
+                            <p:stCondLst>
+                              <p:cond delay="0"/>
+                            </p:stCondLst>
+                            <p:childTnLst>
+                              <p:par>
+                                <p:cTn id="31" presetID="10" presetClass="entr" presetSubtype="0" fill="hold" nodeType="clickEffect">
+                                  <p:stCondLst>
+                                    <p:cond delay="0"/>
+                                  </p:stCondLst>
+                                  <p:childTnLst>
+                                    <p:set>
+                                      <p:cBhvr>
+                                        <p:cTn id="32" dur="1" fill="hold">
+                                          <p:stCondLst>
+                                            <p:cond delay="0"/>
+                                          </p:stCondLst>
+                                        </p:cTn>
+                                        <p:tgtEl>
+                                          <p:spTgt spid="7"/>
+                                        </p:tgtEl>
+                                        <p:attrNameLst>
+                                          <p:attrName>style.visibility</p:attrName>
+                                        </p:attrNameLst>
+                                      </p:cBhvr>
+                                      <p:to>
+                                        <p:strVal val="visible"/>
+                                      </p:to>
+                                    </p:set>
+                                    <p:animEffect transition="in" filter="fade">
+                                      <p:cBhvr>
+                                        <p:cTn id="33" dur="300"/>
+                                        <p:tgtEl>
+                                          <p:spTgt spid="7"/>
+                                        </p:tgtEl>
+                                      </p:cBhvr>
+                                    </p:animEffect>
+                                  </p:childTnLst>
+                                </p:cTn>
+                              </p:par>
+                            </p:childTnLst>
+                          </p:cTn>
+                        </p:par>
+                        <p:par>
+                          <p:cTn id="34" fill="hold">
+                            <p:stCondLst>
+                              <p:cond delay="300"/>
+                            </p:stCondLst>
+                            <p:childTnLst>
+                              <p:par>
+                                <p:cTn id="35" presetID="10" presetClass="exit" presetSubtype="0" fill="hold" nodeType="afterEffect">
+                                  <p:stCondLst>
+                                    <p:cond delay="0"/>
+                                  </p:stCondLst>
+                                  <p:childTnLst>
+                                    <p:animEffect transition="out" filter="fade">
+                                      <p:cBhvr>
+                                        <p:cTn id="36" dur="300"/>
+                                        <p:tgtEl>
+                                          <p:spTgt spid="20"/>
+                                        </p:tgtEl>
+                                      </p:cBhvr>
+                                    </p:animEffect>
+                                    <p:set>
+                                      <p:cBhvr>
+                                        <p:cTn id="37" dur="1" fill="hold">
+                                          <p:stCondLst>
+                                            <p:cond delay="299"/>
+                                          </p:stCondLst>
+                                        </p:cTn>
+                                        <p:tgtEl>
+                                          <p:spTgt spid="20"/>
+                                        </p:tgtEl>
+                                        <p:attrNameLst>
+                                          <p:attrName>style.visibility</p:attrName>
+                                        </p:attrNameLst>
+                                      </p:cBhvr>
+                                      <p:to>
+                                        <p:strVal val="hidden"/>
+                                      </p:to>
+                                    </p:set>
+                                  </p:childTnLst>
+                                </p:cTn>
+                              </p:par>
+                            </p:childTnLst>
+                          </p:cTn>
+                        </p:par>
+                      </p:childTnLst>
+                    </p:cTn>
+                  </p:par>
+                  <p:par>
+                    <p:cTn id="38" fill="hold">
+                      <p:stCondLst>
+                        <p:cond delay="indefinite"/>
+                      </p:stCondLst>
+                      <p:childTnLst>
+                        <p:par>
+                          <p:cTn id="39" fill="hold">
+                            <p:stCondLst>
+                              <p:cond delay="0"/>
+                            </p:stCondLst>
+                            <p:childTnLst>
+                              <p:par>
+                                <p:cTn id="40" presetID="10" presetClass="entr" presetSubtype="0" fill="hold" nodeType="clickEffect">
+                                  <p:stCondLst>
+                                    <p:cond delay="0"/>
+                                  </p:stCondLst>
+                                  <p:childTnLst>
+                                    <p:set>
+                                      <p:cBhvr>
+                                        <p:cTn id="41" dur="1" fill="hold">
+                                          <p:stCondLst>
+                                            <p:cond delay="0"/>
+                                          </p:stCondLst>
+                                        </p:cTn>
+                                        <p:tgtEl>
+                                          <p:spTgt spid="25"/>
+                                        </p:tgtEl>
+                                        <p:attrNameLst>
+                                          <p:attrName>style.visibility</p:attrName>
+                                        </p:attrNameLst>
+                                      </p:cBhvr>
+                                      <p:to>
+                                        <p:strVal val="visible"/>
+                                      </p:to>
+                                    </p:set>
+                                    <p:animEffect transition="in" filter="fade">
+                                      <p:cBhvr>
+                                        <p:cTn id="42" dur="300"/>
+                                        <p:tgtEl>
+                                          <p:spTgt spid="25"/>
+                                        </p:tgtEl>
+                                      </p:cBhvr>
+                                    </p:animEffect>
+                                  </p:childTnLst>
+                                </p:cTn>
+                              </p:par>
+                              <p:par>
+                                <p:cTn id="43" presetID="10" presetClass="entr" presetSubtype="0" fill="hold" grpId="0" nodeType="withEffect">
+                                  <p:stCondLst>
+                                    <p:cond delay="0"/>
+                                  </p:stCondLst>
+                                  <p:childTnLst>
+                                    <p:set>
+                                      <p:cBhvr>
+                                        <p:cTn id="44" dur="1" fill="hold">
+                                          <p:stCondLst>
+                                            <p:cond delay="0"/>
+                                          </p:stCondLst>
+                                        </p:cTn>
+                                        <p:tgtEl>
+                                          <p:spTgt spid="12"/>
+                                        </p:tgtEl>
+                                        <p:attrNameLst>
+                                          <p:attrName>style.visibility</p:attrName>
+                                        </p:attrNameLst>
+                                      </p:cBhvr>
+                                      <p:to>
+                                        <p:strVal val="visible"/>
+                                      </p:to>
+                                    </p:set>
+                                    <p:animEffect transition="in" filter="fade">
+                                      <p:cBhvr>
+                                        <p:cTn id="45" dur="300"/>
+                                        <p:tgtEl>
+                                          <p:spTgt spid="12"/>
+                                        </p:tgtEl>
+                                      </p:cBhvr>
+                                    </p:animEffect>
+                                  </p:childTnLst>
+                                </p:cTn>
+                              </p:par>
+                              <p:par>
+                                <p:cTn id="46" presetID="10" presetClass="entr" presetSubtype="0" fill="hold" nodeType="withEffect">
+                                  <p:stCondLst>
+                                    <p:cond delay="0"/>
+                                  </p:stCondLst>
+                                  <p:childTnLst>
+                                    <p:set>
+                                      <p:cBhvr>
+                                        <p:cTn id="47" dur="1" fill="hold">
+                                          <p:stCondLst>
+                                            <p:cond delay="0"/>
+                                          </p:stCondLst>
+                                        </p:cTn>
+                                        <p:tgtEl>
+                                          <p:spTgt spid="23"/>
+                                        </p:tgtEl>
+                                        <p:attrNameLst>
+                                          <p:attrName>style.visibility</p:attrName>
+                                        </p:attrNameLst>
+                                      </p:cBhvr>
+                                      <p:to>
+                                        <p:strVal val="visible"/>
+                                      </p:to>
+                                    </p:set>
+                                    <p:animEffect transition="in" filter="fade">
+                                      <p:cBhvr>
+                                        <p:cTn id="48" dur="300"/>
+                                        <p:tgtEl>
+                                          <p:spTgt spid="23"/>
+                                        </p:tgtEl>
+                                      </p:cBhvr>
+                                    </p:animEffect>
+                                  </p:childTnLst>
+                                </p:cTn>
+                              </p:par>
+                            </p:childTnLst>
+                          </p:cTn>
+                        </p:par>
+                        <p:par>
+                          <p:cTn id="49" fill="hold">
+                            <p:stCondLst>
+                              <p:cond delay="300"/>
+                            </p:stCondLst>
+                            <p:childTnLst>
+                              <p:par>
+                                <p:cTn id="50" presetID="10" presetClass="exit" presetSubtype="0" fill="hold" nodeType="afterEffect">
+                                  <p:stCondLst>
+                                    <p:cond delay="0"/>
+                                  </p:stCondLst>
+                                  <p:childTnLst>
+                                    <p:animEffect transition="out" filter="fade">
+                                      <p:cBhvr>
+                                        <p:cTn id="51" dur="300"/>
+                                        <p:tgtEl>
+                                          <p:spTgt spid="7"/>
+                                        </p:tgtEl>
+                                      </p:cBhvr>
+                                    </p:animEffect>
+                                    <p:set>
+                                      <p:cBhvr>
+                                        <p:cTn id="52" dur="1" fill="hold">
+                                          <p:stCondLst>
+                                            <p:cond delay="299"/>
+                                          </p:stCondLst>
+                                        </p:cTn>
+                                        <p:tgtEl>
+                                          <p:spTgt spid="7"/>
                                         </p:tgtEl>
                                         <p:attrNameLst>
                                           <p:attrName>style.visibility</p:attrName>
@@ -5687,6 +7624,10 @@
         </p:cTn>
       </p:par>
     </p:tnLst>
+    <p:bldLst>
+      <p:bldP spid="9" grpId="0"/>
+      <p:bldP spid="12" grpId="0"/>
+    </p:bldLst>
   </p:timing>
 </p:sld>
 </file>
@@ -5708,42 +7649,12 @@
           <a:chExt cx="0" cy="0"/>
         </a:xfrm>
       </p:grpSpPr>
-      <p:pic>
-        <p:nvPicPr>
-          <p:cNvPr id="13" name="Picture 12">
-            <a:extLst>
-              <a:ext uri="{FF2B5EF4-FFF2-40B4-BE49-F238E27FC236}">
-                <a16:creationId xmlns:a16="http://schemas.microsoft.com/office/drawing/2014/main" id="{A7549F0A-DD55-4E0B-BD01-643956E6A4C4}"/>
-              </a:ext>
-            </a:extLst>
-          </p:cNvPr>
-          <p:cNvPicPr>
-            <a:picLocks noChangeAspect="1"/>
-          </p:cNvPicPr>
-          <p:nvPr/>
-        </p:nvPicPr>
-        <p:blipFill>
-          <a:blip r:embed="rId3"/>
-          <a:stretch>
-            <a:fillRect/>
-          </a:stretch>
-        </p:blipFill>
-        <p:spPr>
-          <a:xfrm>
-            <a:off x="4114802" y="1958184"/>
-            <a:ext cx="3962400" cy="3733800"/>
-          </a:xfrm>
-          <a:prstGeom prst="rect">
-            <a:avLst/>
-          </a:prstGeom>
-        </p:spPr>
-      </p:pic>
       <p:sp>
         <p:nvSpPr>
           <p:cNvPr id="2" name="Title 1">
             <a:extLst>
               <a:ext uri="{FF2B5EF4-FFF2-40B4-BE49-F238E27FC236}">
-                <a16:creationId xmlns:a16="http://schemas.microsoft.com/office/drawing/2014/main" id="{CA51F0EF-B0EE-450F-8AD0-F623966A7898}"/>
+                <a16:creationId xmlns:a16="http://schemas.microsoft.com/office/drawing/2014/main" id="{ED9B5A03-494F-4276-A82C-E68720BD23C2}"/>
               </a:ext>
             </a:extLst>
           </p:cNvPr>
@@ -5761,297 +7672,136 @@
           <a:p>
             <a:r>
               <a:rPr lang="en-GB" dirty="0"/>
-              <a:t>What can go in a figure?</a:t>
+              <a:t>Some handy figure functions</a:t>
             </a:r>
           </a:p>
         </p:txBody>
       </p:sp>
-      <p:grpSp>
-        <p:nvGrpSpPr>
-          <p:cNvPr id="4" name="Group 3">
+      <p:sp>
+        <p:nvSpPr>
+          <p:cNvPr id="3" name="Content Placeholder 2">
             <a:extLst>
               <a:ext uri="{FF2B5EF4-FFF2-40B4-BE49-F238E27FC236}">
-                <a16:creationId xmlns:a16="http://schemas.microsoft.com/office/drawing/2014/main" id="{4CF62D61-C4DA-49BE-B5CF-FA4C2B70B5E4}"/>
+                <a16:creationId xmlns:a16="http://schemas.microsoft.com/office/drawing/2014/main" id="{96796997-C7A7-4A65-A25A-0A5EBA69645B}"/>
               </a:ext>
             </a:extLst>
           </p:cNvPr>
-          <p:cNvGrpSpPr/>
-          <p:nvPr/>
-        </p:nvGrpSpPr>
-        <p:grpSpPr>
-          <a:xfrm>
-            <a:off x="91323" y="1493266"/>
-            <a:ext cx="4293659" cy="4198718"/>
-            <a:chOff x="7627904" y="1329641"/>
-            <a:chExt cx="4293659" cy="4198718"/>
-          </a:xfrm>
-        </p:grpSpPr>
-        <p:pic>
-          <p:nvPicPr>
-            <p:cNvPr id="5" name="Picture 4">
-              <a:extLst>
-                <a:ext uri="{FF2B5EF4-FFF2-40B4-BE49-F238E27FC236}">
-                  <a16:creationId xmlns:a16="http://schemas.microsoft.com/office/drawing/2014/main" id="{E63D4C95-E9E7-44B5-9A70-9774535E5A65}"/>
-                </a:ext>
-              </a:extLst>
-            </p:cNvPr>
-            <p:cNvPicPr>
-              <a:picLocks noChangeAspect="1"/>
-            </p:cNvPicPr>
-            <p:nvPr/>
-          </p:nvPicPr>
-          <p:blipFill>
-            <a:blip r:embed="rId4"/>
-            <a:stretch>
-              <a:fillRect/>
-            </a:stretch>
-          </p:blipFill>
-          <p:spPr>
-            <a:xfrm>
-              <a:off x="7793534" y="1794559"/>
-              <a:ext cx="3962400" cy="3733800"/>
-            </a:xfrm>
-            <a:prstGeom prst="rect">
-              <a:avLst/>
-            </a:prstGeom>
-          </p:spPr>
-        </p:pic>
-        <p:sp>
-          <p:nvSpPr>
-            <p:cNvPr id="6" name="TextBox 5">
-              <a:extLst>
-                <a:ext uri="{FF2B5EF4-FFF2-40B4-BE49-F238E27FC236}">
-                  <a16:creationId xmlns:a16="http://schemas.microsoft.com/office/drawing/2014/main" id="{29833A48-E011-4932-918C-D7BA7FC631B2}"/>
-                </a:ext>
-              </a:extLst>
-            </p:cNvPr>
-            <p:cNvSpPr txBox="1"/>
-            <p:nvPr/>
-          </p:nvSpPr>
-          <p:spPr>
-            <a:xfrm>
-              <a:off x="7627904" y="1329641"/>
-              <a:ext cx="4293659" cy="461665"/>
-            </a:xfrm>
-            <a:prstGeom prst="rect">
-              <a:avLst/>
-            </a:prstGeom>
-            <a:noFill/>
-          </p:spPr>
-          <p:txBody>
-            <a:bodyPr wrap="square" rtlCol="0">
-              <a:spAutoFit/>
-            </a:bodyPr>
-            <a:lstStyle/>
-            <a:p>
-              <a:pPr algn="ctr"/>
-              <a:r>
-                <a:rPr lang="en-GB" sz="2400" i="1" dirty="0">
-                  <a:solidFill>
-                    <a:schemeClr val="accent1"/>
-                  </a:solidFill>
-                </a:rPr>
-                <a:t>Images</a:t>
-              </a:r>
-            </a:p>
-          </p:txBody>
-        </p:sp>
-      </p:grpSp>
-      <p:sp>
-        <p:nvSpPr>
-          <p:cNvPr id="9" name="TextBox 8">
-            <a:extLst>
-              <a:ext uri="{FF2B5EF4-FFF2-40B4-BE49-F238E27FC236}">
-                <a16:creationId xmlns:a16="http://schemas.microsoft.com/office/drawing/2014/main" id="{60C1348B-849E-4AC2-AA52-28B28F16B914}"/>
-              </a:ext>
-            </a:extLst>
-          </p:cNvPr>
-          <p:cNvSpPr txBox="1"/>
-          <p:nvPr/>
+          <p:cNvSpPr>
+            <a:spLocks noGrp="1"/>
+          </p:cNvSpPr>
+          <p:nvPr>
+            <p:ph idx="1"/>
+          </p:nvPr>
         </p:nvSpPr>
-        <p:spPr>
-          <a:xfrm>
-            <a:off x="3949172" y="1493266"/>
-            <a:ext cx="4293659" cy="461665"/>
-          </a:xfrm>
-          <a:prstGeom prst="rect">
-            <a:avLst/>
-          </a:prstGeom>
-          <a:noFill/>
-        </p:spPr>
+        <p:spPr/>
         <p:txBody>
-          <a:bodyPr wrap="square" rtlCol="0">
-            <a:spAutoFit/>
-          </a:bodyPr>
+          <a:bodyPr/>
           <a:lstStyle/>
           <a:p>
-            <a:pPr algn="ctr"/>
-            <a:r>
-              <a:rPr lang="en-GB" sz="2400" i="1" dirty="0">
+            <a:r>
+              <a:rPr lang="en-GB" dirty="0"/>
+              <a:t>Before we go further, here are some handy commands</a:t>
+            </a:r>
+          </a:p>
+          <a:p>
+            <a:endParaRPr lang="en-GB" sz="1200" dirty="0"/>
+          </a:p>
+          <a:p>
+            <a:r>
+              <a:rPr lang="en-GB" dirty="0"/>
+              <a:t>Get current figure (</a:t>
+            </a:r>
+            <a:r>
+              <a:rPr lang="en-GB" i="1" dirty="0" err="1">
                 <a:solidFill>
                   <a:schemeClr val="accent1"/>
                 </a:solidFill>
               </a:rPr>
-              <a:t>Data plots</a:t>
+              <a:t>gcf</a:t>
+            </a:r>
+            <a:r>
+              <a:rPr lang="en-GB" dirty="0"/>
+              <a:t>)</a:t>
+            </a:r>
+          </a:p>
+          <a:p>
+            <a:pPr lvl="1"/>
+            <a:r>
+              <a:rPr lang="en-GB" dirty="0"/>
+              <a:t>Get a reference to the active figure</a:t>
+            </a:r>
+          </a:p>
+          <a:p>
+            <a:pPr lvl="1"/>
+            <a:endParaRPr lang="en-GB" sz="1200" dirty="0"/>
+          </a:p>
+          <a:p>
+            <a:r>
+              <a:rPr lang="en-GB" dirty="0"/>
+              <a:t>Clear current figure (</a:t>
+            </a:r>
+            <a:r>
+              <a:rPr lang="en-GB" i="1" dirty="0" err="1">
+                <a:solidFill>
+                  <a:schemeClr val="accent1"/>
+                </a:solidFill>
+              </a:rPr>
+              <a:t>clf</a:t>
+            </a:r>
+            <a:r>
+              <a:rPr lang="en-GB" dirty="0"/>
+              <a:t>)</a:t>
+            </a:r>
+          </a:p>
+          <a:p>
+            <a:pPr lvl="1"/>
+            <a:r>
+              <a:rPr lang="en-GB" dirty="0"/>
+              <a:t>Go back to a blank figure window</a:t>
+            </a:r>
+          </a:p>
+          <a:p>
+            <a:endParaRPr lang="en-GB" sz="1200" dirty="0"/>
+          </a:p>
+          <a:p>
+            <a:r>
+              <a:rPr lang="en-GB" dirty="0"/>
+              <a:t>Close current figure (</a:t>
+            </a:r>
+            <a:r>
+              <a:rPr lang="en-GB" i="1" dirty="0">
+                <a:solidFill>
+                  <a:schemeClr val="accent1"/>
+                </a:solidFill>
+              </a:rPr>
+              <a:t>close</a:t>
+            </a:r>
+            <a:r>
+              <a:rPr lang="en-GB" dirty="0"/>
+              <a:t>)</a:t>
+            </a:r>
+          </a:p>
+          <a:p>
+            <a:pPr lvl="1"/>
+            <a:r>
+              <a:rPr lang="en-GB" dirty="0"/>
+              <a:t>Close all windows with </a:t>
+            </a:r>
+            <a:r>
+              <a:rPr lang="en-GB" i="1" dirty="0">
+                <a:solidFill>
+                  <a:schemeClr val="accent1"/>
+                </a:solidFill>
+              </a:rPr>
+              <a:t>close all</a:t>
             </a:r>
           </a:p>
         </p:txBody>
       </p:sp>
-      <p:grpSp>
-        <p:nvGrpSpPr>
-          <p:cNvPr id="10" name="Group 9">
-            <a:extLst>
-              <a:ext uri="{FF2B5EF4-FFF2-40B4-BE49-F238E27FC236}">
-                <a16:creationId xmlns:a16="http://schemas.microsoft.com/office/drawing/2014/main" id="{045EA7EA-4307-4986-89EB-D4DC7F8CF533}"/>
-              </a:ext>
-            </a:extLst>
-          </p:cNvPr>
-          <p:cNvGrpSpPr/>
-          <p:nvPr/>
-        </p:nvGrpSpPr>
-        <p:grpSpPr>
-          <a:xfrm>
-            <a:off x="7807020" y="1493266"/>
-            <a:ext cx="4293659" cy="4198718"/>
-            <a:chOff x="7627904" y="1329641"/>
-            <a:chExt cx="4293659" cy="4198718"/>
-          </a:xfrm>
-        </p:grpSpPr>
-        <p:pic>
-          <p:nvPicPr>
-            <p:cNvPr id="11" name="Picture 10">
-              <a:extLst>
-                <a:ext uri="{FF2B5EF4-FFF2-40B4-BE49-F238E27FC236}">
-                  <a16:creationId xmlns:a16="http://schemas.microsoft.com/office/drawing/2014/main" id="{0D17DF4F-D9A9-49B9-AC00-23AED26979DA}"/>
-                </a:ext>
-              </a:extLst>
-            </p:cNvPr>
-            <p:cNvPicPr>
-              <a:picLocks noChangeAspect="1"/>
-            </p:cNvPicPr>
-            <p:nvPr/>
-          </p:nvPicPr>
-          <p:blipFill>
-            <a:blip r:embed="rId4"/>
-            <a:stretch>
-              <a:fillRect/>
-            </a:stretch>
-          </p:blipFill>
-          <p:spPr>
-            <a:xfrm>
-              <a:off x="7793534" y="1794559"/>
-              <a:ext cx="3962400" cy="3733800"/>
-            </a:xfrm>
-            <a:prstGeom prst="rect">
-              <a:avLst/>
-            </a:prstGeom>
-          </p:spPr>
-        </p:pic>
-        <p:sp>
-          <p:nvSpPr>
-            <p:cNvPr id="12" name="TextBox 11">
-              <a:extLst>
-                <a:ext uri="{FF2B5EF4-FFF2-40B4-BE49-F238E27FC236}">
-                  <a16:creationId xmlns:a16="http://schemas.microsoft.com/office/drawing/2014/main" id="{7ADBE9CF-E30F-4670-8E73-5FFAB22C472E}"/>
-                </a:ext>
-              </a:extLst>
-            </p:cNvPr>
-            <p:cNvSpPr txBox="1"/>
-            <p:nvPr/>
-          </p:nvSpPr>
-          <p:spPr>
-            <a:xfrm>
-              <a:off x="7627904" y="1329641"/>
-              <a:ext cx="4293659" cy="461665"/>
-            </a:xfrm>
-            <a:prstGeom prst="rect">
-              <a:avLst/>
-            </a:prstGeom>
-            <a:noFill/>
-          </p:spPr>
-          <p:txBody>
-            <a:bodyPr wrap="square" rtlCol="0">
-              <a:spAutoFit/>
-            </a:bodyPr>
-            <a:lstStyle/>
-            <a:p>
-              <a:pPr algn="ctr"/>
-              <a:r>
-                <a:rPr lang="en-GB" sz="2400" i="1" dirty="0">
-                  <a:solidFill>
-                    <a:schemeClr val="accent1"/>
-                  </a:solidFill>
-                </a:rPr>
-                <a:t>Controls</a:t>
-              </a:r>
-            </a:p>
-          </p:txBody>
-        </p:sp>
-      </p:grpSp>
-      <p:pic>
-        <p:nvPicPr>
-          <p:cNvPr id="14" name="Picture 13">
-            <a:extLst>
-              <a:ext uri="{FF2B5EF4-FFF2-40B4-BE49-F238E27FC236}">
-                <a16:creationId xmlns:a16="http://schemas.microsoft.com/office/drawing/2014/main" id="{500E79FF-BB31-4812-B440-78CA01749E95}"/>
-              </a:ext>
-            </a:extLst>
-          </p:cNvPr>
-          <p:cNvPicPr>
-            <a:picLocks noChangeAspect="1"/>
-          </p:cNvPicPr>
-          <p:nvPr/>
-        </p:nvPicPr>
-        <p:blipFill>
-          <a:blip r:embed="rId5"/>
-          <a:stretch>
-            <a:fillRect/>
-          </a:stretch>
-        </p:blipFill>
-        <p:spPr>
-          <a:xfrm>
-            <a:off x="4384982" y="2382754"/>
-            <a:ext cx="3962400" cy="3733800"/>
-          </a:xfrm>
-          <a:prstGeom prst="rect">
-            <a:avLst/>
-          </a:prstGeom>
-        </p:spPr>
-      </p:pic>
-      <p:pic>
-        <p:nvPicPr>
-          <p:cNvPr id="15" name="Picture 14">
-            <a:extLst>
-              <a:ext uri="{FF2B5EF4-FFF2-40B4-BE49-F238E27FC236}">
-                <a16:creationId xmlns:a16="http://schemas.microsoft.com/office/drawing/2014/main" id="{AC65F24A-ACA0-4171-8E29-98A7A94BF36C}"/>
-              </a:ext>
-            </a:extLst>
-          </p:cNvPr>
-          <p:cNvPicPr>
-            <a:picLocks noChangeAspect="1"/>
-          </p:cNvPicPr>
-          <p:nvPr/>
-        </p:nvPicPr>
-        <p:blipFill>
-          <a:blip r:embed="rId6"/>
-          <a:stretch>
-            <a:fillRect/>
-          </a:stretch>
-        </p:blipFill>
-        <p:spPr>
-          <a:xfrm>
-            <a:off x="4729842" y="2774835"/>
-            <a:ext cx="3962400" cy="3733800"/>
-          </a:xfrm>
-          <a:prstGeom prst="rect">
-            <a:avLst/>
-          </a:prstGeom>
-        </p:spPr>
-      </p:pic>
     </p:spTree>
     <p:extLst>
       <p:ext uri="{BB962C8B-B14F-4D97-AF65-F5344CB8AC3E}">
-        <p14:creationId xmlns:p14="http://schemas.microsoft.com/office/powerpoint/2010/main" val="3757621911"/>
+        <p14:creationId xmlns:p14="http://schemas.microsoft.com/office/powerpoint/2010/main" val="2028804257"/>
       </p:ext>
     </p:extLst>
   </p:cSld>
@@ -6095,7 +7845,7 @@
           <p:cNvPr id="2" name="Title 1">
             <a:extLst>
               <a:ext uri="{FF2B5EF4-FFF2-40B4-BE49-F238E27FC236}">
-                <a16:creationId xmlns:a16="http://schemas.microsoft.com/office/drawing/2014/main" id="{ED9B5A03-494F-4276-A82C-E68720BD23C2}"/>
+                <a16:creationId xmlns:a16="http://schemas.microsoft.com/office/drawing/2014/main" id="{8EEF9218-B50A-424A-A99D-57BA08F4A8E3}"/>
               </a:ext>
             </a:extLst>
           </p:cNvPr>
@@ -6111,59 +7861,55 @@
           <a:bodyPr/>
           <a:lstStyle/>
           <a:p>
-            <a:r>
-              <a:rPr lang="en-GB" dirty="0"/>
-              <a:t>Some handy figure functions</a:t>
-            </a:r>
+            <a:endParaRPr lang="en-GB" dirty="0"/>
           </a:p>
         </p:txBody>
       </p:sp>
       <p:sp>
         <p:nvSpPr>
-          <p:cNvPr id="3" name="Content Placeholder 2">
+          <p:cNvPr id="4" name="TextBox 3">
             <a:extLst>
               <a:ext uri="{FF2B5EF4-FFF2-40B4-BE49-F238E27FC236}">
-                <a16:creationId xmlns:a16="http://schemas.microsoft.com/office/drawing/2014/main" id="{96796997-C7A7-4A65-A25A-0A5EBA69645B}"/>
+                <a16:creationId xmlns:a16="http://schemas.microsoft.com/office/drawing/2014/main" id="{31426854-EE0B-4A5A-AC6D-2BF50C4B1D90}"/>
               </a:ext>
             </a:extLst>
           </p:cNvPr>
-          <p:cNvSpPr>
-            <a:spLocks noGrp="1"/>
-          </p:cNvSpPr>
-          <p:nvPr>
-            <p:ph idx="1"/>
-          </p:nvPr>
+          <p:cNvSpPr txBox="1"/>
+          <p:nvPr/>
         </p:nvSpPr>
-        <p:spPr/>
+        <p:spPr>
+          <a:xfrm>
+            <a:off x="2052408" y="3136612"/>
+            <a:ext cx="8087183" cy="584775"/>
+          </a:xfrm>
+          <a:prstGeom prst="rect">
+            <a:avLst/>
+          </a:prstGeom>
+          <a:noFill/>
+        </p:spPr>
         <p:txBody>
-          <a:bodyPr/>
+          <a:bodyPr wrap="square" rtlCol="0">
+            <a:spAutoFit/>
+          </a:bodyPr>
           <a:lstStyle/>
           <a:p>
-            <a:r>
-              <a:rPr lang="en-GB" dirty="0" err="1"/>
-              <a:t>clf</a:t>
-            </a:r>
-            <a:endParaRPr lang="en-GB" dirty="0"/>
-          </a:p>
-          <a:p>
-            <a:r>
-              <a:rPr lang="en-GB" dirty="0" err="1"/>
-              <a:t>gcf</a:t>
-            </a:r>
-            <a:endParaRPr lang="en-GB" dirty="0"/>
-          </a:p>
-          <a:p>
-            <a:r>
-              <a:rPr lang="en-GB" dirty="0"/>
-              <a:t>close all</a:t>
-            </a:r>
+            <a:pPr algn="ctr"/>
+            <a:r>
+              <a:rPr lang="en-GB" sz="3200" dirty="0"/>
+              <a:t>Plotting</a:t>
+            </a:r>
+            <a:endParaRPr lang="en-GB" sz="2800" dirty="0">
+              <a:solidFill>
+                <a:schemeClr val="tx1"/>
+              </a:solidFill>
+            </a:endParaRPr>
           </a:p>
         </p:txBody>
       </p:sp>
     </p:spTree>
     <p:extLst>
       <p:ext uri="{BB962C8B-B14F-4D97-AF65-F5344CB8AC3E}">
-        <p14:creationId xmlns:p14="http://schemas.microsoft.com/office/powerpoint/2010/main" val="2028804257"/>
+        <p14:creationId xmlns:p14="http://schemas.microsoft.com/office/powerpoint/2010/main" val="2395051032"/>
       </p:ext>
     </p:extLst>
   </p:cSld>
@@ -6207,7 +7953,7 @@
           <p:cNvPr id="2" name="Title 1">
             <a:extLst>
               <a:ext uri="{FF2B5EF4-FFF2-40B4-BE49-F238E27FC236}">
-                <a16:creationId xmlns:a16="http://schemas.microsoft.com/office/drawing/2014/main" id="{8EEF9218-B50A-424A-A99D-57BA08F4A8E3}"/>
+                <a16:creationId xmlns:a16="http://schemas.microsoft.com/office/drawing/2014/main" id="{FA63CE58-31D3-4CE4-B980-300475A8D6AB}"/>
               </a:ext>
             </a:extLst>
           </p:cNvPr>
@@ -6223,55 +7969,152 @@
           <a:bodyPr/>
           <a:lstStyle/>
           <a:p>
-            <a:endParaRPr lang="en-GB" dirty="0"/>
+            <a:endParaRPr lang="en-GB"/>
           </a:p>
         </p:txBody>
       </p:sp>
       <p:sp>
         <p:nvSpPr>
-          <p:cNvPr id="4" name="TextBox 3">
+          <p:cNvPr id="3" name="Content Placeholder 2">
             <a:extLst>
               <a:ext uri="{FF2B5EF4-FFF2-40B4-BE49-F238E27FC236}">
-                <a16:creationId xmlns:a16="http://schemas.microsoft.com/office/drawing/2014/main" id="{31426854-EE0B-4A5A-AC6D-2BF50C4B1D90}"/>
+                <a16:creationId xmlns:a16="http://schemas.microsoft.com/office/drawing/2014/main" id="{D547804F-4C36-4E05-A85C-C0624CAF1BA9}"/>
               </a:ext>
             </a:extLst>
           </p:cNvPr>
-          <p:cNvSpPr txBox="1"/>
-          <p:nvPr/>
+          <p:cNvSpPr>
+            <a:spLocks noGrp="1"/>
+          </p:cNvSpPr>
+          <p:nvPr>
+            <p:ph idx="1"/>
+          </p:nvPr>
         </p:nvSpPr>
-        <p:spPr>
-          <a:xfrm>
-            <a:off x="2052408" y="3136612"/>
-            <a:ext cx="8087183" cy="584775"/>
-          </a:xfrm>
-          <a:prstGeom prst="rect">
-            <a:avLst/>
-          </a:prstGeom>
-          <a:noFill/>
-        </p:spPr>
+        <p:spPr/>
         <p:txBody>
-          <a:bodyPr wrap="square" rtlCol="0">
-            <a:spAutoFit/>
-          </a:bodyPr>
+          <a:bodyPr/>
           <a:lstStyle/>
           <a:p>
-            <a:pPr algn="ctr"/>
-            <a:r>
-              <a:rPr lang="en-GB" sz="3200" dirty="0"/>
-              <a:t>Plotting</a:t>
-            </a:r>
-            <a:endParaRPr lang="en-GB" sz="2800" dirty="0">
-              <a:solidFill>
-                <a:schemeClr val="tx1"/>
-              </a:solidFill>
-            </a:endParaRPr>
+            <a:r>
+              <a:rPr lang="en-GB" sz="1800" strike="sngStrike" dirty="0"/>
+              <a:t>Already seen the figure window</a:t>
+            </a:r>
+          </a:p>
+          <a:p>
+            <a:pPr lvl="1"/>
+            <a:r>
+              <a:rPr lang="en-GB" sz="1600" strike="sngStrike" dirty="0"/>
+              <a:t>This is main component of all GUI elements.</a:t>
+            </a:r>
+          </a:p>
+          <a:p>
+            <a:pPr lvl="1"/>
+            <a:r>
+              <a:rPr lang="en-GB" sz="1600" strike="sngStrike" dirty="0"/>
+              <a:t>Figures are objects (as covered in Session 3).  Mention some properties</a:t>
+            </a:r>
+          </a:p>
+          <a:p>
+            <a:r>
+              <a:rPr lang="en-GB" sz="1800" dirty="0"/>
+              <a:t>List things that may go into a figure (show a few examples)</a:t>
+            </a:r>
+          </a:p>
+          <a:p>
+            <a:pPr lvl="1"/>
+            <a:r>
+              <a:rPr lang="en-GB" sz="1600" strike="sngStrike" dirty="0"/>
+              <a:t>Images</a:t>
+            </a:r>
+          </a:p>
+          <a:p>
+            <a:pPr lvl="2"/>
+            <a:r>
+              <a:rPr lang="en-GB" sz="1400" strike="sngStrike" dirty="0"/>
+              <a:t>Display array of pixels by their intensity</a:t>
+            </a:r>
+          </a:p>
+          <a:p>
+            <a:pPr lvl="2"/>
+            <a:r>
+              <a:rPr lang="en-GB" sz="1400" strike="sngStrike" dirty="0"/>
+              <a:t>Maybe cover some extra functionality?  Not sure if there’s anything particularly interesting</a:t>
+            </a:r>
+          </a:p>
+          <a:p>
+            <a:pPr lvl="1"/>
+            <a:r>
+              <a:rPr lang="en-GB" sz="1600" dirty="0"/>
+              <a:t>Plots</a:t>
+            </a:r>
+          </a:p>
+          <a:p>
+            <a:pPr lvl="2"/>
+            <a:r>
+              <a:rPr lang="en-GB" sz="1400" strike="sngStrike" dirty="0"/>
+              <a:t>Drawn inside axes</a:t>
+            </a:r>
+          </a:p>
+          <a:p>
+            <a:pPr lvl="2"/>
+            <a:r>
+              <a:rPr lang="en-GB" sz="1400" dirty="0"/>
+              <a:t>Many built-in plotting types (histograms, line graphs, point graphs, 3D plots)</a:t>
+            </a:r>
+          </a:p>
+          <a:p>
+            <a:pPr lvl="3"/>
+            <a:r>
+              <a:rPr lang="en-GB" sz="1200" dirty="0"/>
+              <a:t>Would be nice to have a short video showing a 3D graph being manipulated</a:t>
+            </a:r>
+          </a:p>
+          <a:p>
+            <a:pPr lvl="2"/>
+            <a:r>
+              <a:rPr lang="en-GB" sz="1400" dirty="0"/>
+              <a:t>When talking about properties include axis labels, title, tick marks</a:t>
+            </a:r>
+          </a:p>
+          <a:p>
+            <a:pPr lvl="1"/>
+            <a:r>
+              <a:rPr lang="en-GB" sz="1800" dirty="0"/>
+              <a:t>Control elements</a:t>
+            </a:r>
+          </a:p>
+          <a:p>
+            <a:pPr lvl="2"/>
+            <a:r>
+              <a:rPr lang="en-GB" sz="1400" dirty="0"/>
+              <a:t>Buttons, sliders, menus</a:t>
+            </a:r>
+          </a:p>
+          <a:p>
+            <a:r>
+              <a:rPr lang="en-GB" sz="1800" dirty="0"/>
+              <a:t>Can combine different elements within the same figure window</a:t>
+            </a:r>
+          </a:p>
+          <a:p>
+            <a:pPr lvl="1"/>
+            <a:r>
+              <a:rPr lang="en-GB" sz="1600" dirty="0"/>
+              <a:t>Maybe show an example window from one or two of my early programs</a:t>
+            </a:r>
+          </a:p>
+          <a:p>
+            <a:pPr lvl="1"/>
+            <a:r>
+              <a:rPr lang="en-GB" sz="1800" dirty="0"/>
+              <a:t>Talk about graphical element hierarchy (parent-child relationship)</a:t>
+            </a:r>
           </a:p>
         </p:txBody>
       </p:sp>
     </p:spTree>
     <p:extLst>
       <p:ext uri="{BB962C8B-B14F-4D97-AF65-F5344CB8AC3E}">
-        <p14:creationId xmlns:p14="http://schemas.microsoft.com/office/powerpoint/2010/main" val="2395051032"/>
+        <p14:creationId xmlns:p14="http://schemas.microsoft.com/office/powerpoint/2010/main" val="626270697"/>
       </p:ext>
     </p:extLst>
   </p:cSld>

--- a/Session 4 - Figures and plotting/MATLAB Session 4.pptx
+++ b/Session 4 - Figures and plotting/MATLAB Session 4.pptx
@@ -5,7 +5,7 @@
     <p:sldMasterId id="2147483678" r:id="rId1"/>
   </p:sldMasterIdLst>
   <p:notesMasterIdLst>
-    <p:notesMasterId r:id="rId22"/>
+    <p:notesMasterId r:id="rId23"/>
   </p:notesMasterIdLst>
   <p:sldIdLst>
     <p:sldId id="316" r:id="rId2"/>
@@ -18,16 +18,17 @@
     <p:sldId id="450" r:id="rId9"/>
     <p:sldId id="447" r:id="rId10"/>
     <p:sldId id="459" r:id="rId11"/>
-    <p:sldId id="458" r:id="rId12"/>
-    <p:sldId id="463" r:id="rId13"/>
-    <p:sldId id="464" r:id="rId14"/>
-    <p:sldId id="461" r:id="rId15"/>
-    <p:sldId id="462" r:id="rId16"/>
-    <p:sldId id="449" r:id="rId17"/>
-    <p:sldId id="451" r:id="rId18"/>
-    <p:sldId id="452" r:id="rId19"/>
-    <p:sldId id="444" r:id="rId20"/>
-    <p:sldId id="443" r:id="rId21"/>
+    <p:sldId id="465" r:id="rId12"/>
+    <p:sldId id="458" r:id="rId13"/>
+    <p:sldId id="463" r:id="rId14"/>
+    <p:sldId id="464" r:id="rId15"/>
+    <p:sldId id="461" r:id="rId16"/>
+    <p:sldId id="462" r:id="rId17"/>
+    <p:sldId id="449" r:id="rId18"/>
+    <p:sldId id="451" r:id="rId19"/>
+    <p:sldId id="452" r:id="rId20"/>
+    <p:sldId id="444" r:id="rId21"/>
+    <p:sldId id="443" r:id="rId22"/>
   </p:sldIdLst>
   <p:sldSz cx="12192000" cy="6858000"/>
   <p:notesSz cx="6669088" cy="9926638"/>
@@ -119,6 +120,13 @@
     <p:extLst>
       <p:ext uri="{19B8F6BF-5375-455C-9EA6-DF929625EA0E}">
         <p15:presenceInfo xmlns:p15="http://schemas.microsoft.com/office/powerpoint/2012/main" userId="S::sc13967@bristol.ac.uk::95050c75-c08e-47d3-9b9e-088bad4f7f75" providerId="AD"/>
+      </p:ext>
+    </p:extLst>
+  </p:cmAuthor>
+  <p:cmAuthor id="2" name="Stephen Cross" initials="SC [2]" lastIdx="1" clrIdx="1">
+    <p:extLst>
+      <p:ext uri="{19B8F6BF-5375-455C-9EA6-DF929625EA0E}">
+        <p15:presenceInfo xmlns:p15="http://schemas.microsoft.com/office/powerpoint/2012/main" userId="519e86fdfc787ec9" providerId="Windows Live"/>
       </p:ext>
     </p:extLst>
   </p:cmAuthor>
@@ -2527,12 +2535,979 @@
           </a:p>
         </p:txBody>
       </p:sp>
+      <p:pic>
+        <p:nvPicPr>
+          <p:cNvPr id="5" name="Picture 4">
+            <a:extLst>
+              <a:ext uri="{FF2B5EF4-FFF2-40B4-BE49-F238E27FC236}">
+                <a16:creationId xmlns:a16="http://schemas.microsoft.com/office/drawing/2014/main" id="{0346CA3F-913A-42B3-92D5-24D71DE58E87}"/>
+              </a:ext>
+            </a:extLst>
+          </p:cNvPr>
+          <p:cNvPicPr>
+            <a:picLocks noChangeAspect="1"/>
+          </p:cNvPicPr>
+          <p:nvPr/>
+        </p:nvPicPr>
+        <p:blipFill>
+          <a:blip r:embed="rId2"/>
+          <a:stretch>
+            <a:fillRect/>
+          </a:stretch>
+        </p:blipFill>
+        <p:spPr>
+          <a:xfrm>
+            <a:off x="7210625" y="1316877"/>
+            <a:ext cx="4587240" cy="3063240"/>
+          </a:xfrm>
+          <a:prstGeom prst="rect">
+            <a:avLst/>
+          </a:prstGeom>
+        </p:spPr>
+      </p:pic>
+      <p:pic>
+        <p:nvPicPr>
+          <p:cNvPr id="8" name="Picture 7">
+            <a:extLst>
+              <a:ext uri="{FF2B5EF4-FFF2-40B4-BE49-F238E27FC236}">
+                <a16:creationId xmlns:a16="http://schemas.microsoft.com/office/drawing/2014/main" id="{F8B47CAA-7935-4370-9880-970B11FBD489}"/>
+              </a:ext>
+            </a:extLst>
+          </p:cNvPr>
+          <p:cNvPicPr>
+            <a:picLocks noChangeAspect="1"/>
+          </p:cNvPicPr>
+          <p:nvPr/>
+        </p:nvPicPr>
+        <p:blipFill>
+          <a:blip r:embed="rId3"/>
+          <a:stretch>
+            <a:fillRect/>
+          </a:stretch>
+        </p:blipFill>
+        <p:spPr>
+          <a:xfrm>
+            <a:off x="7210625" y="1316877"/>
+            <a:ext cx="4587240" cy="3063240"/>
+          </a:xfrm>
+          <a:prstGeom prst="rect">
+            <a:avLst/>
+          </a:prstGeom>
+        </p:spPr>
+      </p:pic>
+      <p:pic>
+        <p:nvPicPr>
+          <p:cNvPr id="9" name="Picture 8">
+            <a:extLst>
+              <a:ext uri="{FF2B5EF4-FFF2-40B4-BE49-F238E27FC236}">
+                <a16:creationId xmlns:a16="http://schemas.microsoft.com/office/drawing/2014/main" id="{D932F75C-345F-4247-9172-20355D0D4E32}"/>
+              </a:ext>
+            </a:extLst>
+          </p:cNvPr>
+          <p:cNvPicPr>
+            <a:picLocks noChangeAspect="1"/>
+          </p:cNvPicPr>
+          <p:nvPr/>
+        </p:nvPicPr>
+        <p:blipFill>
+          <a:blip r:embed="rId4"/>
+          <a:stretch>
+            <a:fillRect/>
+          </a:stretch>
+        </p:blipFill>
+        <p:spPr>
+          <a:xfrm>
+            <a:off x="7210625" y="1316877"/>
+            <a:ext cx="4587240" cy="3063240"/>
+          </a:xfrm>
+          <a:prstGeom prst="rect">
+            <a:avLst/>
+          </a:prstGeom>
+        </p:spPr>
+      </p:pic>
+      <p:pic>
+        <p:nvPicPr>
+          <p:cNvPr id="10" name="Picture 9">
+            <a:extLst>
+              <a:ext uri="{FF2B5EF4-FFF2-40B4-BE49-F238E27FC236}">
+                <a16:creationId xmlns:a16="http://schemas.microsoft.com/office/drawing/2014/main" id="{1B1B954E-AB09-436C-91CC-105BD81F0019}"/>
+              </a:ext>
+            </a:extLst>
+          </p:cNvPr>
+          <p:cNvPicPr>
+            <a:picLocks noChangeAspect="1"/>
+          </p:cNvPicPr>
+          <p:nvPr/>
+        </p:nvPicPr>
+        <p:blipFill>
+          <a:blip r:embed="rId2"/>
+          <a:stretch>
+            <a:fillRect/>
+          </a:stretch>
+        </p:blipFill>
+        <p:spPr>
+          <a:xfrm>
+            <a:off x="7210625" y="1316877"/>
+            <a:ext cx="4587240" cy="3063240"/>
+          </a:xfrm>
+          <a:prstGeom prst="rect">
+            <a:avLst/>
+          </a:prstGeom>
+        </p:spPr>
+      </p:pic>
+      <p:pic>
+        <p:nvPicPr>
+          <p:cNvPr id="14" name="Picture 13">
+            <a:extLst>
+              <a:ext uri="{FF2B5EF4-FFF2-40B4-BE49-F238E27FC236}">
+                <a16:creationId xmlns:a16="http://schemas.microsoft.com/office/drawing/2014/main" id="{6F335256-70B1-4B37-B3F0-D5C0AFFFCAC2}"/>
+              </a:ext>
+            </a:extLst>
+          </p:cNvPr>
+          <p:cNvPicPr>
+            <a:picLocks noChangeAspect="1"/>
+          </p:cNvPicPr>
+          <p:nvPr/>
+        </p:nvPicPr>
+        <p:blipFill>
+          <a:blip r:embed="rId5"/>
+          <a:stretch>
+            <a:fillRect/>
+          </a:stretch>
+        </p:blipFill>
+        <p:spPr>
+          <a:xfrm>
+            <a:off x="7361120" y="4591840"/>
+            <a:ext cx="4286250" cy="1314450"/>
+          </a:xfrm>
+          <a:prstGeom prst="rect">
+            <a:avLst/>
+          </a:prstGeom>
+          <a:ln w="12700">
+            <a:solidFill>
+              <a:srgbClr val="C00000"/>
+            </a:solidFill>
+          </a:ln>
+        </p:spPr>
+      </p:pic>
+      <p:pic>
+        <p:nvPicPr>
+          <p:cNvPr id="13" name="Picture 12">
+            <a:extLst>
+              <a:ext uri="{FF2B5EF4-FFF2-40B4-BE49-F238E27FC236}">
+                <a16:creationId xmlns:a16="http://schemas.microsoft.com/office/drawing/2014/main" id="{152C2234-1936-45BB-947E-060EBB221AFD}"/>
+              </a:ext>
+            </a:extLst>
+          </p:cNvPr>
+          <p:cNvPicPr>
+            <a:picLocks noChangeAspect="1"/>
+          </p:cNvPicPr>
+          <p:nvPr/>
+        </p:nvPicPr>
+        <p:blipFill>
+          <a:blip r:embed="rId6"/>
+          <a:stretch>
+            <a:fillRect/>
+          </a:stretch>
+        </p:blipFill>
+        <p:spPr>
+          <a:xfrm>
+            <a:off x="7361120" y="4591840"/>
+            <a:ext cx="4286250" cy="1314450"/>
+          </a:xfrm>
+          <a:prstGeom prst="rect">
+            <a:avLst/>
+          </a:prstGeom>
+          <a:ln w="12700">
+            <a:solidFill>
+              <a:srgbClr val="C00000"/>
+            </a:solidFill>
+          </a:ln>
+        </p:spPr>
+      </p:pic>
+      <p:pic>
+        <p:nvPicPr>
+          <p:cNvPr id="11" name="Picture 10">
+            <a:extLst>
+              <a:ext uri="{FF2B5EF4-FFF2-40B4-BE49-F238E27FC236}">
+                <a16:creationId xmlns:a16="http://schemas.microsoft.com/office/drawing/2014/main" id="{ABEE4F42-8FE4-40CC-B265-245A9C5C0D2F}"/>
+              </a:ext>
+            </a:extLst>
+          </p:cNvPr>
+          <p:cNvPicPr>
+            <a:picLocks noChangeAspect="1"/>
+          </p:cNvPicPr>
+          <p:nvPr/>
+        </p:nvPicPr>
+        <p:blipFill>
+          <a:blip r:embed="rId7"/>
+          <a:stretch>
+            <a:fillRect/>
+          </a:stretch>
+        </p:blipFill>
+        <p:spPr>
+          <a:xfrm>
+            <a:off x="7361120" y="4591840"/>
+            <a:ext cx="4286250" cy="1314450"/>
+          </a:xfrm>
+          <a:prstGeom prst="rect">
+            <a:avLst/>
+          </a:prstGeom>
+          <a:ln w="12700">
+            <a:solidFill>
+              <a:srgbClr val="C00000"/>
+            </a:solidFill>
+          </a:ln>
+        </p:spPr>
+      </p:pic>
+      <p:pic>
+        <p:nvPicPr>
+          <p:cNvPr id="7" name="Picture 6">
+            <a:extLst>
+              <a:ext uri="{FF2B5EF4-FFF2-40B4-BE49-F238E27FC236}">
+                <a16:creationId xmlns:a16="http://schemas.microsoft.com/office/drawing/2014/main" id="{ADCD7761-679D-4D1A-A4F5-F3850E5B3E5E}"/>
+              </a:ext>
+            </a:extLst>
+          </p:cNvPr>
+          <p:cNvPicPr>
+            <a:picLocks noChangeAspect="1"/>
+          </p:cNvPicPr>
+          <p:nvPr/>
+        </p:nvPicPr>
+        <p:blipFill>
+          <a:blip r:embed="rId8"/>
+          <a:stretch>
+            <a:fillRect/>
+          </a:stretch>
+        </p:blipFill>
+        <p:spPr>
+          <a:xfrm>
+            <a:off x="7361120" y="4591840"/>
+            <a:ext cx="4286250" cy="1314450"/>
+          </a:xfrm>
+          <a:prstGeom prst="rect">
+            <a:avLst/>
+          </a:prstGeom>
+          <a:ln w="12700">
+            <a:solidFill>
+              <a:srgbClr val="C00000"/>
+            </a:solidFill>
+          </a:ln>
+        </p:spPr>
+      </p:pic>
+    </p:spTree>
+    <p:extLst>
+      <p:ext uri="{BB962C8B-B14F-4D97-AF65-F5344CB8AC3E}">
+        <p14:creationId xmlns:p14="http://schemas.microsoft.com/office/powerpoint/2010/main" val="1688843905"/>
+      </p:ext>
+    </p:extLst>
+  </p:cSld>
+  <p:clrMapOvr>
+    <a:masterClrMapping/>
+  </p:clrMapOvr>
+  <mc:AlternateContent xmlns:mc="http://schemas.openxmlformats.org/markup-compatibility/2006" xmlns:p14="http://schemas.microsoft.com/office/powerpoint/2010/main">
+    <mc:Choice Requires="p14">
+      <p:transition p14:dur="300">
+        <p:fade/>
+      </p:transition>
+    </mc:Choice>
+    <mc:Fallback xmlns="">
+      <p:transition>
+        <p:fade/>
+      </p:transition>
+    </mc:Fallback>
+  </mc:AlternateContent>
+  <p:timing>
+    <p:tnLst>
+      <p:par>
+        <p:cTn id="1" dur="indefinite" restart="never" nodeType="tmRoot">
+          <p:childTnLst>
+            <p:seq concurrent="1" nextAc="seek">
+              <p:cTn id="2" dur="indefinite" nodeType="mainSeq">
+                <p:childTnLst>
+                  <p:par>
+                    <p:cTn id="3" fill="hold">
+                      <p:stCondLst>
+                        <p:cond delay="indefinite"/>
+                      </p:stCondLst>
+                      <p:childTnLst>
+                        <p:par>
+                          <p:cTn id="4" fill="hold">
+                            <p:stCondLst>
+                              <p:cond delay="0"/>
+                            </p:stCondLst>
+                            <p:childTnLst>
+                              <p:par>
+                                <p:cTn id="5" presetID="10" presetClass="entr" presetSubtype="0" fill="hold" nodeType="clickEffect">
+                                  <p:stCondLst>
+                                    <p:cond delay="0"/>
+                                  </p:stCondLst>
+                                  <p:childTnLst>
+                                    <p:set>
+                                      <p:cBhvr>
+                                        <p:cTn id="6" dur="1" fill="hold">
+                                          <p:stCondLst>
+                                            <p:cond delay="0"/>
+                                          </p:stCondLst>
+                                        </p:cTn>
+                                        <p:tgtEl>
+                                          <p:spTgt spid="8"/>
+                                        </p:tgtEl>
+                                        <p:attrNameLst>
+                                          <p:attrName>style.visibility</p:attrName>
+                                        </p:attrNameLst>
+                                      </p:cBhvr>
+                                      <p:to>
+                                        <p:strVal val="visible"/>
+                                      </p:to>
+                                    </p:set>
+                                    <p:animEffect transition="in" filter="fade">
+                                      <p:cBhvr>
+                                        <p:cTn id="7" dur="300"/>
+                                        <p:tgtEl>
+                                          <p:spTgt spid="8"/>
+                                        </p:tgtEl>
+                                      </p:cBhvr>
+                                    </p:animEffect>
+                                  </p:childTnLst>
+                                </p:cTn>
+                              </p:par>
+                              <p:par>
+                                <p:cTn id="8" presetID="10" presetClass="entr" presetSubtype="0" fill="hold" nodeType="withEffect">
+                                  <p:stCondLst>
+                                    <p:cond delay="0"/>
+                                  </p:stCondLst>
+                                  <p:childTnLst>
+                                    <p:set>
+                                      <p:cBhvr>
+                                        <p:cTn id="9" dur="1" fill="hold">
+                                          <p:stCondLst>
+                                            <p:cond delay="0"/>
+                                          </p:stCondLst>
+                                        </p:cTn>
+                                        <p:tgtEl>
+                                          <p:spTgt spid="13"/>
+                                        </p:tgtEl>
+                                        <p:attrNameLst>
+                                          <p:attrName>style.visibility</p:attrName>
+                                        </p:attrNameLst>
+                                      </p:cBhvr>
+                                      <p:to>
+                                        <p:strVal val="visible"/>
+                                      </p:to>
+                                    </p:set>
+                                    <p:animEffect transition="in" filter="fade">
+                                      <p:cBhvr>
+                                        <p:cTn id="10" dur="300"/>
+                                        <p:tgtEl>
+                                          <p:spTgt spid="13"/>
+                                        </p:tgtEl>
+                                      </p:cBhvr>
+                                    </p:animEffect>
+                                  </p:childTnLst>
+                                </p:cTn>
+                              </p:par>
+                            </p:childTnLst>
+                          </p:cTn>
+                        </p:par>
+                        <p:par>
+                          <p:cTn id="11" fill="hold">
+                            <p:stCondLst>
+                              <p:cond delay="300"/>
+                            </p:stCondLst>
+                            <p:childTnLst>
+                              <p:par>
+                                <p:cTn id="12" presetID="10" presetClass="exit" presetSubtype="0" fill="hold" nodeType="afterEffect">
+                                  <p:stCondLst>
+                                    <p:cond delay="0"/>
+                                  </p:stCondLst>
+                                  <p:childTnLst>
+                                    <p:animEffect transition="out" filter="fade">
+                                      <p:cBhvr>
+                                        <p:cTn id="13" dur="300"/>
+                                        <p:tgtEl>
+                                          <p:spTgt spid="5"/>
+                                        </p:tgtEl>
+                                      </p:cBhvr>
+                                    </p:animEffect>
+                                    <p:set>
+                                      <p:cBhvr>
+                                        <p:cTn id="14" dur="1" fill="hold">
+                                          <p:stCondLst>
+                                            <p:cond delay="299"/>
+                                          </p:stCondLst>
+                                        </p:cTn>
+                                        <p:tgtEl>
+                                          <p:spTgt spid="5"/>
+                                        </p:tgtEl>
+                                        <p:attrNameLst>
+                                          <p:attrName>style.visibility</p:attrName>
+                                        </p:attrNameLst>
+                                      </p:cBhvr>
+                                      <p:to>
+                                        <p:strVal val="hidden"/>
+                                      </p:to>
+                                    </p:set>
+                                  </p:childTnLst>
+                                </p:cTn>
+                              </p:par>
+                              <p:par>
+                                <p:cTn id="15" presetID="10" presetClass="exit" presetSubtype="0" fill="hold" nodeType="withEffect">
+                                  <p:stCondLst>
+                                    <p:cond delay="0"/>
+                                  </p:stCondLst>
+                                  <p:childTnLst>
+                                    <p:animEffect transition="out" filter="fade">
+                                      <p:cBhvr>
+                                        <p:cTn id="16" dur="300"/>
+                                        <p:tgtEl>
+                                          <p:spTgt spid="14"/>
+                                        </p:tgtEl>
+                                      </p:cBhvr>
+                                    </p:animEffect>
+                                    <p:set>
+                                      <p:cBhvr>
+                                        <p:cTn id="17" dur="1" fill="hold">
+                                          <p:stCondLst>
+                                            <p:cond delay="299"/>
+                                          </p:stCondLst>
+                                        </p:cTn>
+                                        <p:tgtEl>
+                                          <p:spTgt spid="14"/>
+                                        </p:tgtEl>
+                                        <p:attrNameLst>
+                                          <p:attrName>style.visibility</p:attrName>
+                                        </p:attrNameLst>
+                                      </p:cBhvr>
+                                      <p:to>
+                                        <p:strVal val="hidden"/>
+                                      </p:to>
+                                    </p:set>
+                                  </p:childTnLst>
+                                </p:cTn>
+                              </p:par>
+                            </p:childTnLst>
+                          </p:cTn>
+                        </p:par>
+                      </p:childTnLst>
+                    </p:cTn>
+                  </p:par>
+                  <p:par>
+                    <p:cTn id="18" fill="hold">
+                      <p:stCondLst>
+                        <p:cond delay="indefinite"/>
+                      </p:stCondLst>
+                      <p:childTnLst>
+                        <p:par>
+                          <p:cTn id="19" fill="hold">
+                            <p:stCondLst>
+                              <p:cond delay="0"/>
+                            </p:stCondLst>
+                            <p:childTnLst>
+                              <p:par>
+                                <p:cTn id="20" presetID="10" presetClass="entr" presetSubtype="0" fill="hold" nodeType="clickEffect">
+                                  <p:stCondLst>
+                                    <p:cond delay="0"/>
+                                  </p:stCondLst>
+                                  <p:childTnLst>
+                                    <p:set>
+                                      <p:cBhvr>
+                                        <p:cTn id="21" dur="1" fill="hold">
+                                          <p:stCondLst>
+                                            <p:cond delay="0"/>
+                                          </p:stCondLst>
+                                        </p:cTn>
+                                        <p:tgtEl>
+                                          <p:spTgt spid="9"/>
+                                        </p:tgtEl>
+                                        <p:attrNameLst>
+                                          <p:attrName>style.visibility</p:attrName>
+                                        </p:attrNameLst>
+                                      </p:cBhvr>
+                                      <p:to>
+                                        <p:strVal val="visible"/>
+                                      </p:to>
+                                    </p:set>
+                                    <p:animEffect transition="in" filter="fade">
+                                      <p:cBhvr>
+                                        <p:cTn id="22" dur="300"/>
+                                        <p:tgtEl>
+                                          <p:spTgt spid="9"/>
+                                        </p:tgtEl>
+                                      </p:cBhvr>
+                                    </p:animEffect>
+                                  </p:childTnLst>
+                                </p:cTn>
+                              </p:par>
+                              <p:par>
+                                <p:cTn id="23" presetID="10" presetClass="entr" presetSubtype="0" fill="hold" nodeType="withEffect">
+                                  <p:stCondLst>
+                                    <p:cond delay="0"/>
+                                  </p:stCondLst>
+                                  <p:childTnLst>
+                                    <p:set>
+                                      <p:cBhvr>
+                                        <p:cTn id="24" dur="1" fill="hold">
+                                          <p:stCondLst>
+                                            <p:cond delay="0"/>
+                                          </p:stCondLst>
+                                        </p:cTn>
+                                        <p:tgtEl>
+                                          <p:spTgt spid="11"/>
+                                        </p:tgtEl>
+                                        <p:attrNameLst>
+                                          <p:attrName>style.visibility</p:attrName>
+                                        </p:attrNameLst>
+                                      </p:cBhvr>
+                                      <p:to>
+                                        <p:strVal val="visible"/>
+                                      </p:to>
+                                    </p:set>
+                                    <p:animEffect transition="in" filter="fade">
+                                      <p:cBhvr>
+                                        <p:cTn id="25" dur="300"/>
+                                        <p:tgtEl>
+                                          <p:spTgt spid="11"/>
+                                        </p:tgtEl>
+                                      </p:cBhvr>
+                                    </p:animEffect>
+                                  </p:childTnLst>
+                                </p:cTn>
+                              </p:par>
+                            </p:childTnLst>
+                          </p:cTn>
+                        </p:par>
+                        <p:par>
+                          <p:cTn id="26" fill="hold">
+                            <p:stCondLst>
+                              <p:cond delay="300"/>
+                            </p:stCondLst>
+                            <p:childTnLst>
+                              <p:par>
+                                <p:cTn id="27" presetID="10" presetClass="exit" presetSubtype="0" fill="hold" nodeType="afterEffect">
+                                  <p:stCondLst>
+                                    <p:cond delay="0"/>
+                                  </p:stCondLst>
+                                  <p:childTnLst>
+                                    <p:animEffect transition="out" filter="fade">
+                                      <p:cBhvr>
+                                        <p:cTn id="28" dur="300"/>
+                                        <p:tgtEl>
+                                          <p:spTgt spid="8"/>
+                                        </p:tgtEl>
+                                      </p:cBhvr>
+                                    </p:animEffect>
+                                    <p:set>
+                                      <p:cBhvr>
+                                        <p:cTn id="29" dur="1" fill="hold">
+                                          <p:stCondLst>
+                                            <p:cond delay="299"/>
+                                          </p:stCondLst>
+                                        </p:cTn>
+                                        <p:tgtEl>
+                                          <p:spTgt spid="8"/>
+                                        </p:tgtEl>
+                                        <p:attrNameLst>
+                                          <p:attrName>style.visibility</p:attrName>
+                                        </p:attrNameLst>
+                                      </p:cBhvr>
+                                      <p:to>
+                                        <p:strVal val="hidden"/>
+                                      </p:to>
+                                    </p:set>
+                                  </p:childTnLst>
+                                </p:cTn>
+                              </p:par>
+                              <p:par>
+                                <p:cTn id="30" presetID="10" presetClass="exit" presetSubtype="0" fill="hold" nodeType="withEffect">
+                                  <p:stCondLst>
+                                    <p:cond delay="0"/>
+                                  </p:stCondLst>
+                                  <p:childTnLst>
+                                    <p:animEffect transition="out" filter="fade">
+                                      <p:cBhvr>
+                                        <p:cTn id="31" dur="300"/>
+                                        <p:tgtEl>
+                                          <p:spTgt spid="13"/>
+                                        </p:tgtEl>
+                                      </p:cBhvr>
+                                    </p:animEffect>
+                                    <p:set>
+                                      <p:cBhvr>
+                                        <p:cTn id="32" dur="1" fill="hold">
+                                          <p:stCondLst>
+                                            <p:cond delay="299"/>
+                                          </p:stCondLst>
+                                        </p:cTn>
+                                        <p:tgtEl>
+                                          <p:spTgt spid="13"/>
+                                        </p:tgtEl>
+                                        <p:attrNameLst>
+                                          <p:attrName>style.visibility</p:attrName>
+                                        </p:attrNameLst>
+                                      </p:cBhvr>
+                                      <p:to>
+                                        <p:strVal val="hidden"/>
+                                      </p:to>
+                                    </p:set>
+                                  </p:childTnLst>
+                                </p:cTn>
+                              </p:par>
+                            </p:childTnLst>
+                          </p:cTn>
+                        </p:par>
+                      </p:childTnLst>
+                    </p:cTn>
+                  </p:par>
+                  <p:par>
+                    <p:cTn id="33" fill="hold">
+                      <p:stCondLst>
+                        <p:cond delay="indefinite"/>
+                      </p:stCondLst>
+                      <p:childTnLst>
+                        <p:par>
+                          <p:cTn id="34" fill="hold">
+                            <p:stCondLst>
+                              <p:cond delay="0"/>
+                            </p:stCondLst>
+                            <p:childTnLst>
+                              <p:par>
+                                <p:cTn id="35" presetID="10" presetClass="entr" presetSubtype="0" fill="hold" nodeType="clickEffect">
+                                  <p:stCondLst>
+                                    <p:cond delay="0"/>
+                                  </p:stCondLst>
+                                  <p:childTnLst>
+                                    <p:set>
+                                      <p:cBhvr>
+                                        <p:cTn id="36" dur="1" fill="hold">
+                                          <p:stCondLst>
+                                            <p:cond delay="0"/>
+                                          </p:stCondLst>
+                                        </p:cTn>
+                                        <p:tgtEl>
+                                          <p:spTgt spid="10"/>
+                                        </p:tgtEl>
+                                        <p:attrNameLst>
+                                          <p:attrName>style.visibility</p:attrName>
+                                        </p:attrNameLst>
+                                      </p:cBhvr>
+                                      <p:to>
+                                        <p:strVal val="visible"/>
+                                      </p:to>
+                                    </p:set>
+                                    <p:animEffect transition="in" filter="fade">
+                                      <p:cBhvr>
+                                        <p:cTn id="37" dur="300"/>
+                                        <p:tgtEl>
+                                          <p:spTgt spid="10"/>
+                                        </p:tgtEl>
+                                      </p:cBhvr>
+                                    </p:animEffect>
+                                  </p:childTnLst>
+                                </p:cTn>
+                              </p:par>
+                              <p:par>
+                                <p:cTn id="38" presetID="10" presetClass="entr" presetSubtype="0" fill="hold" nodeType="withEffect">
+                                  <p:stCondLst>
+                                    <p:cond delay="0"/>
+                                  </p:stCondLst>
+                                  <p:childTnLst>
+                                    <p:set>
+                                      <p:cBhvr>
+                                        <p:cTn id="39" dur="1" fill="hold">
+                                          <p:stCondLst>
+                                            <p:cond delay="0"/>
+                                          </p:stCondLst>
+                                        </p:cTn>
+                                        <p:tgtEl>
+                                          <p:spTgt spid="7"/>
+                                        </p:tgtEl>
+                                        <p:attrNameLst>
+                                          <p:attrName>style.visibility</p:attrName>
+                                        </p:attrNameLst>
+                                      </p:cBhvr>
+                                      <p:to>
+                                        <p:strVal val="visible"/>
+                                      </p:to>
+                                    </p:set>
+                                    <p:animEffect transition="in" filter="fade">
+                                      <p:cBhvr>
+                                        <p:cTn id="40" dur="300"/>
+                                        <p:tgtEl>
+                                          <p:spTgt spid="7"/>
+                                        </p:tgtEl>
+                                      </p:cBhvr>
+                                    </p:animEffect>
+                                  </p:childTnLst>
+                                </p:cTn>
+                              </p:par>
+                            </p:childTnLst>
+                          </p:cTn>
+                        </p:par>
+                        <p:par>
+                          <p:cTn id="41" fill="hold">
+                            <p:stCondLst>
+                              <p:cond delay="300"/>
+                            </p:stCondLst>
+                            <p:childTnLst>
+                              <p:par>
+                                <p:cTn id="42" presetID="10" presetClass="exit" presetSubtype="0" fill="hold" nodeType="afterEffect">
+                                  <p:stCondLst>
+                                    <p:cond delay="0"/>
+                                  </p:stCondLst>
+                                  <p:childTnLst>
+                                    <p:animEffect transition="out" filter="fade">
+                                      <p:cBhvr>
+                                        <p:cTn id="43" dur="300"/>
+                                        <p:tgtEl>
+                                          <p:spTgt spid="9"/>
+                                        </p:tgtEl>
+                                      </p:cBhvr>
+                                    </p:animEffect>
+                                    <p:set>
+                                      <p:cBhvr>
+                                        <p:cTn id="44" dur="1" fill="hold">
+                                          <p:stCondLst>
+                                            <p:cond delay="299"/>
+                                          </p:stCondLst>
+                                        </p:cTn>
+                                        <p:tgtEl>
+                                          <p:spTgt spid="9"/>
+                                        </p:tgtEl>
+                                        <p:attrNameLst>
+                                          <p:attrName>style.visibility</p:attrName>
+                                        </p:attrNameLst>
+                                      </p:cBhvr>
+                                      <p:to>
+                                        <p:strVal val="hidden"/>
+                                      </p:to>
+                                    </p:set>
+                                  </p:childTnLst>
+                                </p:cTn>
+                              </p:par>
+                              <p:par>
+                                <p:cTn id="45" presetID="10" presetClass="exit" presetSubtype="0" fill="hold" nodeType="withEffect">
+                                  <p:stCondLst>
+                                    <p:cond delay="0"/>
+                                  </p:stCondLst>
+                                  <p:childTnLst>
+                                    <p:animEffect transition="out" filter="fade">
+                                      <p:cBhvr>
+                                        <p:cTn id="46" dur="300"/>
+                                        <p:tgtEl>
+                                          <p:spTgt spid="11"/>
+                                        </p:tgtEl>
+                                      </p:cBhvr>
+                                    </p:animEffect>
+                                    <p:set>
+                                      <p:cBhvr>
+                                        <p:cTn id="47" dur="1" fill="hold">
+                                          <p:stCondLst>
+                                            <p:cond delay="299"/>
+                                          </p:stCondLst>
+                                        </p:cTn>
+                                        <p:tgtEl>
+                                          <p:spTgt spid="11"/>
+                                        </p:tgtEl>
+                                        <p:attrNameLst>
+                                          <p:attrName>style.visibility</p:attrName>
+                                        </p:attrNameLst>
+                                      </p:cBhvr>
+                                      <p:to>
+                                        <p:strVal val="hidden"/>
+                                      </p:to>
+                                    </p:set>
+                                  </p:childTnLst>
+                                </p:cTn>
+                              </p:par>
+                            </p:childTnLst>
+                          </p:cTn>
+                        </p:par>
+                      </p:childTnLst>
+                    </p:cTn>
+                  </p:par>
+                </p:childTnLst>
+              </p:cTn>
+              <p:prevCondLst>
+                <p:cond evt="onPrev" delay="0">
+                  <p:tgtEl>
+                    <p:sldTgt/>
+                  </p:tgtEl>
+                </p:cond>
+              </p:prevCondLst>
+              <p:nextCondLst>
+                <p:cond evt="onNext" delay="0">
+                  <p:tgtEl>
+                    <p:sldTgt/>
+                  </p:tgtEl>
+                </p:cond>
+              </p:nextCondLst>
+            </p:seq>
+          </p:childTnLst>
+        </p:cTn>
+      </p:par>
+    </p:tnLst>
+  </p:timing>
+</p:sld>
+</file>
+
+<file path=ppt/slides/slide11.xml><?xml version="1.0" encoding="utf-8"?>
+<p:sld xmlns:a="http://schemas.openxmlformats.org/drawingml/2006/main" xmlns:r="http://schemas.openxmlformats.org/officeDocument/2006/relationships" xmlns:p="http://schemas.openxmlformats.org/presentationml/2006/main">
+  <p:cSld>
+    <p:spTree>
+      <p:nvGrpSpPr>
+        <p:cNvPr id="1" name=""/>
+        <p:cNvGrpSpPr/>
+        <p:nvPr/>
+      </p:nvGrpSpPr>
+      <p:grpSpPr>
+        <a:xfrm>
+          <a:off x="0" y="0"/>
+          <a:ext cx="0" cy="0"/>
+          <a:chOff x="0" y="0"/>
+          <a:chExt cx="0" cy="0"/>
+        </a:xfrm>
+      </p:grpSpPr>
       <p:sp>
         <p:nvSpPr>
-          <p:cNvPr id="4" name="TextBox 3">
+          <p:cNvPr id="2" name="Title 1">
             <a:extLst>
               <a:ext uri="{FF2B5EF4-FFF2-40B4-BE49-F238E27FC236}">
-                <a16:creationId xmlns:a16="http://schemas.microsoft.com/office/drawing/2014/main" id="{1E21296E-70F5-46FE-8A50-7139ED411145}"/>
+                <a16:creationId xmlns:a16="http://schemas.microsoft.com/office/drawing/2014/main" id="{E0C3FFB3-8FA6-4283-B978-C97FEDCF8629}"/>
+              </a:ext>
+            </a:extLst>
+          </p:cNvPr>
+          <p:cNvSpPr>
+            <a:spLocks noGrp="1"/>
+          </p:cNvSpPr>
+          <p:nvPr>
+            <p:ph type="title"/>
+          </p:nvPr>
+        </p:nvSpPr>
+        <p:spPr/>
+        <p:txBody>
+          <a:bodyPr/>
+          <a:lstStyle/>
+          <a:p>
+            <a:r>
+              <a:rPr lang="en-GB" dirty="0"/>
+              <a:t>Scatter plots</a:t>
+            </a:r>
+          </a:p>
+        </p:txBody>
+      </p:sp>
+      <p:sp>
+        <p:nvSpPr>
+          <p:cNvPr id="3" name="Content Placeholder 2">
+            <a:extLst>
+              <a:ext uri="{FF2B5EF4-FFF2-40B4-BE49-F238E27FC236}">
+                <a16:creationId xmlns:a16="http://schemas.microsoft.com/office/drawing/2014/main" id="{E5E20577-7C2A-40F7-B0DD-EB9541ABD2C5}"/>
+              </a:ext>
+            </a:extLst>
+          </p:cNvPr>
+          <p:cNvSpPr>
+            <a:spLocks noGrp="1"/>
+          </p:cNvSpPr>
+          <p:nvPr>
+            <p:ph idx="1"/>
+          </p:nvPr>
+        </p:nvSpPr>
+        <p:spPr/>
+        <p:txBody>
+          <a:bodyPr/>
+          <a:lstStyle/>
+          <a:p>
+            <a:r>
+              <a:rPr lang="en-GB" dirty="0"/>
+              <a:t>Create a 2D scatter plot with </a:t>
+            </a:r>
+            <a:r>
+              <a:rPr lang="en-GB" i="1" dirty="0">
+                <a:solidFill>
+                  <a:schemeClr val="accent1"/>
+                </a:solidFill>
+              </a:rPr>
+              <a:t>plot</a:t>
+            </a:r>
+          </a:p>
+          <a:p>
+            <a:pPr lvl="1"/>
+            <a:r>
+              <a:rPr lang="en-GB" dirty="0"/>
+              <a:t>Use </a:t>
+            </a:r>
+            <a:r>
+              <a:rPr lang="en-GB" i="1" dirty="0">
+                <a:solidFill>
+                  <a:schemeClr val="accent1"/>
+                </a:solidFill>
+              </a:rPr>
+              <a:t>plot3</a:t>
+            </a:r>
+            <a:r>
+              <a:rPr lang="en-GB" dirty="0"/>
+              <a:t> for a 3D scatter plot</a:t>
+            </a:r>
+          </a:p>
+          <a:p>
+            <a:pPr lvl="1"/>
+            <a:endParaRPr lang="en-GB" dirty="0"/>
+          </a:p>
+          <a:p>
+            <a:r>
+              <a:rPr lang="en-GB" dirty="0"/>
+              <a:t>Example using Brownian diffusion</a:t>
+            </a:r>
+          </a:p>
+          <a:p>
+            <a:pPr marL="457200" lvl="1" indent="0">
+              <a:buNone/>
+            </a:pPr>
+            <a:endParaRPr lang="en-GB" dirty="0"/>
+          </a:p>
+          <a:p>
+            <a:pPr lvl="1"/>
+            <a:endParaRPr lang="en-GB" dirty="0"/>
+          </a:p>
+          <a:p>
+            <a:pPr lvl="1"/>
+            <a:endParaRPr lang="en-GB" dirty="0"/>
+          </a:p>
+          <a:p>
+            <a:pPr lvl="1"/>
+            <a:endParaRPr lang="en-GB" dirty="0"/>
+          </a:p>
+          <a:p>
+            <a:pPr lvl="1"/>
+            <a:endParaRPr lang="en-GB" dirty="0"/>
+          </a:p>
+          <a:p>
+            <a:pPr lvl="1"/>
+            <a:endParaRPr lang="en-GB" sz="1200" dirty="0"/>
+          </a:p>
+          <a:p>
+            <a:pPr lvl="1"/>
+            <a:endParaRPr lang="en-GB" dirty="0"/>
+          </a:p>
+          <a:p>
+            <a:pPr lvl="2"/>
+            <a:endParaRPr lang="en-GB" dirty="0"/>
+          </a:p>
+          <a:p>
+            <a:pPr lvl="2"/>
+            <a:endParaRPr lang="en-GB" dirty="0"/>
+          </a:p>
+          <a:p>
+            <a:endParaRPr lang="en-GB" dirty="0"/>
+          </a:p>
+        </p:txBody>
+      </p:sp>
+      <p:sp>
+        <p:nvSpPr>
+          <p:cNvPr id="13" name="TextBox 12">
+            <a:extLst>
+              <a:ext uri="{FF2B5EF4-FFF2-40B4-BE49-F238E27FC236}">
+                <a16:creationId xmlns:a16="http://schemas.microsoft.com/office/drawing/2014/main" id="{91B80C2C-54EB-47A9-AB1F-5E3E984172F8}"/>
               </a:ext>
             </a:extLst>
           </p:cNvPr>
@@ -2542,7 +3517,7 @@
         <p:spPr>
           <a:xfrm>
             <a:off x="7434486" y="2876629"/>
-            <a:ext cx="4293659" cy="1569660"/>
+            <a:ext cx="4293659" cy="461665"/>
           </a:xfrm>
           <a:prstGeom prst="rect">
             <a:avLst/>
@@ -2562,37 +3537,7 @@
                   <a:srgbClr val="FF0000"/>
                 </a:solidFill>
               </a:rPr>
-              <a:t>[Show figure with axes on </a:t>
-            </a:r>
-          </a:p>
-          <a:p>
-            <a:pPr algn="ctr"/>
-            <a:r>
-              <a:rPr lang="en-GB" sz="2400" i="1" dirty="0">
-                <a:solidFill>
-                  <a:srgbClr val="FF0000"/>
-                </a:solidFill>
-              </a:rPr>
-              <a:t>basic plot</a:t>
-            </a:r>
-          </a:p>
-          <a:p>
-            <a:pPr algn="ctr"/>
-            <a:endParaRPr lang="en-GB" sz="2400" i="1" dirty="0">
-              <a:solidFill>
-                <a:srgbClr val="FF0000"/>
-              </a:solidFill>
-            </a:endParaRPr>
-          </a:p>
-          <a:p>
-            <a:pPr algn="ctr"/>
-            <a:r>
-              <a:rPr lang="en-GB" sz="2400" i="1" dirty="0">
-                <a:solidFill>
-                  <a:srgbClr val="FF0000"/>
-                </a:solidFill>
-              </a:rPr>
-              <a:t>Change limits, then reset]</a:t>
+              <a:t>[2D and 3D diffusion example?]</a:t>
             </a:r>
           </a:p>
         </p:txBody>
@@ -2600,7 +3545,7 @@
     </p:spTree>
     <p:extLst>
       <p:ext uri="{BB962C8B-B14F-4D97-AF65-F5344CB8AC3E}">
-        <p14:creationId xmlns:p14="http://schemas.microsoft.com/office/powerpoint/2010/main" val="1688843905"/>
+        <p14:creationId xmlns:p14="http://schemas.microsoft.com/office/powerpoint/2010/main" val="421142418"/>
       </p:ext>
     </p:extLst>
   </p:cSld>
@@ -2656,7 +3601,7 @@
                                           </p:stCondLst>
                                         </p:cTn>
                                         <p:tgtEl>
-                                          <p:spTgt spid="4"/>
+                                          <p:spTgt spid="13"/>
                                         </p:tgtEl>
                                         <p:attrNameLst>
                                           <p:attrName>style.visibility</p:attrName>
@@ -2670,7 +3615,7 @@
                                       <p:cBhvr>
                                         <p:cTn id="7" dur="300"/>
                                         <p:tgtEl>
-                                          <p:spTgt spid="4"/>
+                                          <p:spTgt spid="13"/>
                                         </p:tgtEl>
                                       </p:cBhvr>
                                     </p:animEffect>
@@ -2705,278 +3650,7 @@
       </p:par>
     </p:tnLst>
     <p:bldLst>
-      <p:bldP spid="4" grpId="0"/>
-    </p:bldLst>
-  </p:timing>
-</p:sld>
-</file>
-
-<file path=ppt/slides/slide11.xml><?xml version="1.0" encoding="utf-8"?>
-<p:sld xmlns:a="http://schemas.openxmlformats.org/drawingml/2006/main" xmlns:r="http://schemas.openxmlformats.org/officeDocument/2006/relationships" xmlns:p="http://schemas.openxmlformats.org/presentationml/2006/main">
-  <p:cSld>
-    <p:spTree>
-      <p:nvGrpSpPr>
-        <p:cNvPr id="1" name=""/>
-        <p:cNvGrpSpPr/>
-        <p:nvPr/>
-      </p:nvGrpSpPr>
-      <p:grpSpPr>
-        <a:xfrm>
-          <a:off x="0" y="0"/>
-          <a:ext cx="0" cy="0"/>
-          <a:chOff x="0" y="0"/>
-          <a:chExt cx="0" cy="0"/>
-        </a:xfrm>
-      </p:grpSpPr>
-      <p:sp>
-        <p:nvSpPr>
-          <p:cNvPr id="2" name="Title 1">
-            <a:extLst>
-              <a:ext uri="{FF2B5EF4-FFF2-40B4-BE49-F238E27FC236}">
-                <a16:creationId xmlns:a16="http://schemas.microsoft.com/office/drawing/2014/main" id="{E0C3FFB3-8FA6-4283-B978-C97FEDCF8629}"/>
-              </a:ext>
-            </a:extLst>
-          </p:cNvPr>
-          <p:cNvSpPr>
-            <a:spLocks noGrp="1"/>
-          </p:cNvSpPr>
-          <p:nvPr>
-            <p:ph type="title"/>
-          </p:nvPr>
-        </p:nvSpPr>
-        <p:spPr/>
-        <p:txBody>
-          <a:bodyPr/>
-          <a:lstStyle/>
-          <a:p>
-            <a:r>
-              <a:rPr lang="en-GB" dirty="0"/>
-              <a:t>Scatter plots</a:t>
-            </a:r>
-          </a:p>
-        </p:txBody>
-      </p:sp>
-      <p:sp>
-        <p:nvSpPr>
-          <p:cNvPr id="3" name="Content Placeholder 2">
-            <a:extLst>
-              <a:ext uri="{FF2B5EF4-FFF2-40B4-BE49-F238E27FC236}">
-                <a16:creationId xmlns:a16="http://schemas.microsoft.com/office/drawing/2014/main" id="{E5E20577-7C2A-40F7-B0DD-EB9541ABD2C5}"/>
-              </a:ext>
-            </a:extLst>
-          </p:cNvPr>
-          <p:cNvSpPr>
-            <a:spLocks noGrp="1"/>
-          </p:cNvSpPr>
-          <p:nvPr>
-            <p:ph idx="1"/>
-          </p:nvPr>
-        </p:nvSpPr>
-        <p:spPr/>
-        <p:txBody>
-          <a:bodyPr/>
-          <a:lstStyle/>
-          <a:p>
-            <a:r>
-              <a:rPr lang="en-GB" dirty="0"/>
-              <a:t>Create a 2D scatter plots with </a:t>
-            </a:r>
-            <a:r>
-              <a:rPr lang="en-GB" i="1" dirty="0">
-                <a:solidFill>
-                  <a:schemeClr val="accent1"/>
-                </a:solidFill>
-              </a:rPr>
-              <a:t>plot</a:t>
-            </a:r>
-          </a:p>
-          <a:p>
-            <a:pPr lvl="1"/>
-            <a:r>
-              <a:rPr lang="en-GB" dirty="0"/>
-              <a:t>Use </a:t>
-            </a:r>
-            <a:r>
-              <a:rPr lang="en-GB" i="1" dirty="0">
-                <a:solidFill>
-                  <a:schemeClr val="accent1"/>
-                </a:solidFill>
-              </a:rPr>
-              <a:t>plot3</a:t>
-            </a:r>
-            <a:r>
-              <a:rPr lang="en-GB" dirty="0"/>
-              <a:t> for a 3D scatter</a:t>
-            </a:r>
-          </a:p>
-          <a:p>
-            <a:pPr lvl="1"/>
-            <a:endParaRPr lang="en-GB" dirty="0"/>
-          </a:p>
-          <a:p>
-            <a:r>
-              <a:rPr lang="en-GB" dirty="0"/>
-              <a:t>Change key plot rendering </a:t>
-            </a:r>
-          </a:p>
-          <a:p>
-            <a:pPr lvl="1"/>
-            <a:endParaRPr lang="en-GB" dirty="0"/>
-          </a:p>
-          <a:p>
-            <a:endParaRPr lang="en-GB" dirty="0"/>
-          </a:p>
-        </p:txBody>
-      </p:sp>
-      <p:sp>
-        <p:nvSpPr>
-          <p:cNvPr id="4" name="TextBox 3">
-            <a:extLst>
-              <a:ext uri="{FF2B5EF4-FFF2-40B4-BE49-F238E27FC236}">
-                <a16:creationId xmlns:a16="http://schemas.microsoft.com/office/drawing/2014/main" id="{1E21296E-70F5-46FE-8A50-7139ED411145}"/>
-              </a:ext>
-            </a:extLst>
-          </p:cNvPr>
-          <p:cNvSpPr txBox="1"/>
-          <p:nvPr/>
-        </p:nvSpPr>
-        <p:spPr>
-          <a:xfrm>
-            <a:off x="7434486" y="2876629"/>
-            <a:ext cx="4293659" cy="830997"/>
-          </a:xfrm>
-          <a:prstGeom prst="rect">
-            <a:avLst/>
-          </a:prstGeom>
-          <a:noFill/>
-        </p:spPr>
-        <p:txBody>
-          <a:bodyPr wrap="square" rtlCol="0">
-            <a:spAutoFit/>
-          </a:bodyPr>
-          <a:lstStyle/>
-          <a:p>
-            <a:pPr algn="ctr"/>
-            <a:r>
-              <a:rPr lang="en-GB" sz="2400" i="1" dirty="0">
-                <a:solidFill>
-                  <a:srgbClr val="FF0000"/>
-                </a:solidFill>
-              </a:rPr>
-              <a:t>[Example 2D and 3D scatter plots]</a:t>
-            </a:r>
-          </a:p>
-        </p:txBody>
-      </p:sp>
-    </p:spTree>
-    <p:extLst>
-      <p:ext uri="{BB962C8B-B14F-4D97-AF65-F5344CB8AC3E}">
-        <p14:creationId xmlns:p14="http://schemas.microsoft.com/office/powerpoint/2010/main" val="1151593698"/>
-      </p:ext>
-    </p:extLst>
-  </p:cSld>
-  <p:clrMapOvr>
-    <a:masterClrMapping/>
-  </p:clrMapOvr>
-  <mc:AlternateContent xmlns:mc="http://schemas.openxmlformats.org/markup-compatibility/2006" xmlns:p14="http://schemas.microsoft.com/office/powerpoint/2010/main">
-    <mc:Choice Requires="p14">
-      <p:transition p14:dur="300">
-        <p:fade/>
-      </p:transition>
-    </mc:Choice>
-    <mc:Fallback xmlns="">
-      <p:transition>
-        <p:fade/>
-      </p:transition>
-    </mc:Fallback>
-  </mc:AlternateContent>
-  <p:timing>
-    <p:tnLst>
-      <p:par>
-        <p:cTn id="1" dur="indefinite" restart="never" nodeType="tmRoot">
-          <p:childTnLst>
-            <p:seq concurrent="1" nextAc="seek">
-              <p:cTn id="2" dur="indefinite" nodeType="mainSeq">
-                <p:childTnLst>
-                  <p:par>
-                    <p:cTn id="3" fill="hold">
-                      <p:stCondLst>
-                        <p:cond delay="indefinite"/>
-                        <p:cond evt="onBegin" delay="0">
-                          <p:tn val="2"/>
-                        </p:cond>
-                      </p:stCondLst>
-                      <p:childTnLst>
-                        <p:par>
-                          <p:cTn id="4" fill="hold">
-                            <p:stCondLst>
-                              <p:cond delay="0"/>
-                            </p:stCondLst>
-                            <p:childTnLst>
-                              <p:par>
-                                <p:cTn id="5" presetID="10" presetClass="entr" presetSubtype="0" fill="hold" grpId="0" nodeType="withEffect">
-                                  <p:stCondLst>
-                                    <p:cond delay="0"/>
-                                  </p:stCondLst>
-                                  <p:childTnLst>
-                                    <p:set>
-                                      <p:cBhvr>
-                                        <p:cTn id="6" dur="1" fill="hold">
-                                          <p:stCondLst>
-                                            <p:cond delay="0"/>
-                                          </p:stCondLst>
-                                        </p:cTn>
-                                        <p:tgtEl>
-                                          <p:spTgt spid="4"/>
-                                        </p:tgtEl>
-                                        <p:attrNameLst>
-                                          <p:attrName>style.visibility</p:attrName>
-                                        </p:attrNameLst>
-                                      </p:cBhvr>
-                                      <p:to>
-                                        <p:strVal val="visible"/>
-                                      </p:to>
-                                    </p:set>
-                                    <p:animEffect transition="in" filter="fade">
-                                      <p:cBhvr>
-                                        <p:cTn id="7" dur="300"/>
-                                        <p:tgtEl>
-                                          <p:spTgt spid="4"/>
-                                        </p:tgtEl>
-                                      </p:cBhvr>
-                                    </p:animEffect>
-                                  </p:childTnLst>
-                                </p:cTn>
-                              </p:par>
-                            </p:childTnLst>
-                          </p:cTn>
-                        </p:par>
-                      </p:childTnLst>
-                    </p:cTn>
-                  </p:par>
-                </p:childTnLst>
-              </p:cTn>
-              <p:prevCondLst>
-                <p:cond evt="onPrev" delay="0">
-                  <p:tgtEl>
-                    <p:sldTgt/>
-                  </p:tgtEl>
-                </p:cond>
-              </p:prevCondLst>
-              <p:nextCondLst>
-                <p:cond evt="onNext" delay="0">
-                  <p:tgtEl>
-                    <p:sldTgt/>
-                  </p:tgtEl>
-                </p:cond>
-              </p:nextCondLst>
-            </p:seq>
-          </p:childTnLst>
-        </p:cTn>
-      </p:par>
-    </p:tnLst>
-    <p:bldLst>
-      <p:bldP spid="4" grpId="0"/>
+      <p:bldP spid="13" grpId="0"/>
     </p:bldLst>
   </p:timing>
 </p:sld>
@@ -3022,7 +3696,7 @@
           <a:p>
             <a:r>
               <a:rPr lang="en-GB" dirty="0"/>
-              <a:t>Histograms</a:t>
+              <a:t>Scatter plots</a:t>
             </a:r>
           </a:p>
         </p:txBody>
@@ -3043,32 +3717,1104 @@
             <p:ph idx="1"/>
           </p:nvPr>
         </p:nvSpPr>
-        <p:spPr/>
+        <p:spPr>
+          <a:xfrm>
+            <a:off x="335360" y="1196754"/>
+            <a:ext cx="6498577" cy="4929411"/>
+          </a:xfrm>
+        </p:spPr>
         <p:txBody>
           <a:bodyPr/>
           <a:lstStyle/>
           <a:p>
             <a:r>
-              <a:rPr lang="en-GB" dirty="0" err="1"/>
-              <a:t>sfsdfsfd</a:t>
-            </a:r>
-            <a:endParaRPr lang="en-GB" dirty="0"/>
+              <a:rPr lang="en-GB" dirty="0"/>
+              <a:t>String argument controls plot rendering</a:t>
+            </a:r>
+          </a:p>
+          <a:p>
+            <a:pPr lvl="1"/>
+            <a:r>
+              <a:rPr lang="en-GB" dirty="0"/>
+              <a:t>Only one of each (at most)</a:t>
+            </a:r>
           </a:p>
           <a:p>
             <a:pPr lvl="1"/>
             <a:endParaRPr lang="en-GB" dirty="0"/>
           </a:p>
           <a:p>
+            <a:pPr lvl="2"/>
+            <a:endParaRPr lang="en-GB" dirty="0"/>
+          </a:p>
+          <a:p>
+            <a:pPr lvl="2"/>
+            <a:endParaRPr lang="en-GB" dirty="0"/>
+          </a:p>
+          <a:p>
             <a:endParaRPr lang="en-GB" dirty="0"/>
           </a:p>
         </p:txBody>
       </p:sp>
+      <p:graphicFrame>
+        <p:nvGraphicFramePr>
+          <p:cNvPr id="5" name="Table 5">
+            <a:extLst>
+              <a:ext uri="{FF2B5EF4-FFF2-40B4-BE49-F238E27FC236}">
+                <a16:creationId xmlns:a16="http://schemas.microsoft.com/office/drawing/2014/main" id="{86B17C43-BD8E-4CE1-B8C2-7C6A18FA1E20}"/>
+              </a:ext>
+            </a:extLst>
+          </p:cNvPr>
+          <p:cNvGraphicFramePr>
+            <a:graphicFrameLocks noGrp="1"/>
+          </p:cNvGraphicFramePr>
+          <p:nvPr>
+            <p:extLst>
+              <p:ext uri="{D42A27DB-BD31-4B8C-83A1-F6EECF244321}">
+                <p14:modId xmlns:p14="http://schemas.microsoft.com/office/powerpoint/2010/main" val="1245489146"/>
+              </p:ext>
+            </p:extLst>
+          </p:nvPr>
+        </p:nvGraphicFramePr>
+        <p:xfrm>
+          <a:off x="658765" y="2482302"/>
+          <a:ext cx="1795859" cy="1854200"/>
+        </p:xfrm>
+        <a:graphic>
+          <a:graphicData uri="http://schemas.openxmlformats.org/drawingml/2006/table">
+            <a:tbl>
+              <a:tblPr firstRow="1" bandRow="1">
+                <a:tableStyleId>{5940675A-B579-460E-94D1-54222C63F5DA}</a:tableStyleId>
+              </a:tblPr>
+              <a:tblGrid>
+                <a:gridCol w="713017">
+                  <a:extLst>
+                    <a:ext uri="{9D8B030D-6E8A-4147-A177-3AD203B41FA5}">
+                      <a16:colId xmlns:a16="http://schemas.microsoft.com/office/drawing/2014/main" val="2421591533"/>
+                    </a:ext>
+                  </a:extLst>
+                </a:gridCol>
+                <a:gridCol w="1082842">
+                  <a:extLst>
+                    <a:ext uri="{9D8B030D-6E8A-4147-A177-3AD203B41FA5}">
+                      <a16:colId xmlns:a16="http://schemas.microsoft.com/office/drawing/2014/main" val="2894215301"/>
+                    </a:ext>
+                  </a:extLst>
+                </a:gridCol>
+              </a:tblGrid>
+              <a:tr h="370840">
+                <a:tc>
+                  <a:txBody>
+                    <a:bodyPr/>
+                    <a:lstStyle/>
+                    <a:p>
+                      <a:r>
+                        <a:rPr lang="en-GB" dirty="0">
+                          <a:solidFill>
+                            <a:srgbClr val="C00000"/>
+                          </a:solidFill>
+                        </a:rPr>
+                        <a:t>Spec.</a:t>
+                      </a:r>
+                    </a:p>
+                  </a:txBody>
+                  <a:tcPr/>
+                </a:tc>
+                <a:tc>
+                  <a:txBody>
+                    <a:bodyPr/>
+                    <a:lstStyle/>
+                    <a:p>
+                      <a:r>
+                        <a:rPr lang="en-GB" dirty="0">
+                          <a:solidFill>
+                            <a:srgbClr val="C00000"/>
+                          </a:solidFill>
+                        </a:rPr>
+                        <a:t>Line style</a:t>
+                      </a:r>
+                    </a:p>
+                  </a:txBody>
+                  <a:tcPr/>
+                </a:tc>
+                <a:extLst>
+                  <a:ext uri="{0D108BD9-81ED-4DB2-BD59-A6C34878D82A}">
+                    <a16:rowId xmlns:a16="http://schemas.microsoft.com/office/drawing/2014/main" val="434023770"/>
+                  </a:ext>
+                </a:extLst>
+              </a:tr>
+              <a:tr h="370840">
+                <a:tc>
+                  <a:txBody>
+                    <a:bodyPr/>
+                    <a:lstStyle/>
+                    <a:p>
+                      <a:r>
+                        <a:rPr lang="en-GB" dirty="0"/>
+                        <a:t>-</a:t>
+                      </a:r>
+                    </a:p>
+                  </a:txBody>
+                  <a:tcPr/>
+                </a:tc>
+                <a:tc>
+                  <a:txBody>
+                    <a:bodyPr/>
+                    <a:lstStyle/>
+                    <a:p>
+                      <a:r>
+                        <a:rPr lang="en-GB" dirty="0"/>
+                        <a:t>Solid</a:t>
+                      </a:r>
+                    </a:p>
+                  </a:txBody>
+                  <a:tcPr/>
+                </a:tc>
+                <a:extLst>
+                  <a:ext uri="{0D108BD9-81ED-4DB2-BD59-A6C34878D82A}">
+                    <a16:rowId xmlns:a16="http://schemas.microsoft.com/office/drawing/2014/main" val="609000405"/>
+                  </a:ext>
+                </a:extLst>
+              </a:tr>
+              <a:tr h="370840">
+                <a:tc>
+                  <a:txBody>
+                    <a:bodyPr/>
+                    <a:lstStyle/>
+                    <a:p>
+                      <a:r>
+                        <a:rPr lang="en-GB" dirty="0"/>
+                        <a:t>--</a:t>
+                      </a:r>
+                    </a:p>
+                  </a:txBody>
+                  <a:tcPr/>
+                </a:tc>
+                <a:tc>
+                  <a:txBody>
+                    <a:bodyPr/>
+                    <a:lstStyle/>
+                    <a:p>
+                      <a:r>
+                        <a:rPr lang="en-GB" dirty="0"/>
+                        <a:t>Dashed</a:t>
+                      </a:r>
+                    </a:p>
+                  </a:txBody>
+                  <a:tcPr/>
+                </a:tc>
+                <a:extLst>
+                  <a:ext uri="{0D108BD9-81ED-4DB2-BD59-A6C34878D82A}">
+                    <a16:rowId xmlns:a16="http://schemas.microsoft.com/office/drawing/2014/main" val="3396132046"/>
+                  </a:ext>
+                </a:extLst>
+              </a:tr>
+              <a:tr h="370840">
+                <a:tc>
+                  <a:txBody>
+                    <a:bodyPr/>
+                    <a:lstStyle/>
+                    <a:p>
+                      <a:r>
+                        <a:rPr lang="en-GB" dirty="0"/>
+                        <a:t>:</a:t>
+                      </a:r>
+                    </a:p>
+                  </a:txBody>
+                  <a:tcPr/>
+                </a:tc>
+                <a:tc>
+                  <a:txBody>
+                    <a:bodyPr/>
+                    <a:lstStyle/>
+                    <a:p>
+                      <a:r>
+                        <a:rPr lang="en-GB" dirty="0"/>
+                        <a:t>Dotted</a:t>
+                      </a:r>
+                    </a:p>
+                  </a:txBody>
+                  <a:tcPr/>
+                </a:tc>
+                <a:extLst>
+                  <a:ext uri="{0D108BD9-81ED-4DB2-BD59-A6C34878D82A}">
+                    <a16:rowId xmlns:a16="http://schemas.microsoft.com/office/drawing/2014/main" val="1151615992"/>
+                  </a:ext>
+                </a:extLst>
+              </a:tr>
+              <a:tr h="370840">
+                <a:tc>
+                  <a:txBody>
+                    <a:bodyPr/>
+                    <a:lstStyle/>
+                    <a:p>
+                      <a:r>
+                        <a:rPr lang="en-GB" dirty="0"/>
+                        <a:t>-.</a:t>
+                      </a:r>
+                    </a:p>
+                  </a:txBody>
+                  <a:tcPr/>
+                </a:tc>
+                <a:tc>
+                  <a:txBody>
+                    <a:bodyPr/>
+                    <a:lstStyle/>
+                    <a:p>
+                      <a:r>
+                        <a:rPr lang="en-GB" dirty="0"/>
+                        <a:t>Dash-dot</a:t>
+                      </a:r>
+                    </a:p>
+                  </a:txBody>
+                  <a:tcPr/>
+                </a:tc>
+                <a:extLst>
+                  <a:ext uri="{0D108BD9-81ED-4DB2-BD59-A6C34878D82A}">
+                    <a16:rowId xmlns:a16="http://schemas.microsoft.com/office/drawing/2014/main" val="888958179"/>
+                  </a:ext>
+                </a:extLst>
+              </a:tr>
+            </a:tbl>
+          </a:graphicData>
+        </a:graphic>
+      </p:graphicFrame>
+      <p:graphicFrame>
+        <p:nvGraphicFramePr>
+          <p:cNvPr id="9" name="Table 5">
+            <a:extLst>
+              <a:ext uri="{FF2B5EF4-FFF2-40B4-BE49-F238E27FC236}">
+                <a16:creationId xmlns:a16="http://schemas.microsoft.com/office/drawing/2014/main" id="{A81E53EC-B763-41A9-83F3-18175351702C}"/>
+              </a:ext>
+            </a:extLst>
+          </p:cNvPr>
+          <p:cNvGraphicFramePr>
+            <a:graphicFrameLocks noGrp="1"/>
+          </p:cNvGraphicFramePr>
+          <p:nvPr>
+            <p:extLst>
+              <p:ext uri="{D42A27DB-BD31-4B8C-83A1-F6EECF244321}">
+                <p14:modId xmlns:p14="http://schemas.microsoft.com/office/powerpoint/2010/main" val="2122238696"/>
+              </p:ext>
+            </p:extLst>
+          </p:nvPr>
+        </p:nvGraphicFramePr>
+        <p:xfrm>
+          <a:off x="2632450" y="2482302"/>
+          <a:ext cx="1795859" cy="3337560"/>
+        </p:xfrm>
+        <a:graphic>
+          <a:graphicData uri="http://schemas.openxmlformats.org/drawingml/2006/table">
+            <a:tbl>
+              <a:tblPr firstRow="1" bandRow="1">
+                <a:tableStyleId>{5940675A-B579-460E-94D1-54222C63F5DA}</a:tableStyleId>
+              </a:tblPr>
+              <a:tblGrid>
+                <a:gridCol w="713017">
+                  <a:extLst>
+                    <a:ext uri="{9D8B030D-6E8A-4147-A177-3AD203B41FA5}">
+                      <a16:colId xmlns:a16="http://schemas.microsoft.com/office/drawing/2014/main" val="2421591533"/>
+                    </a:ext>
+                  </a:extLst>
+                </a:gridCol>
+                <a:gridCol w="1082842">
+                  <a:extLst>
+                    <a:ext uri="{9D8B030D-6E8A-4147-A177-3AD203B41FA5}">
+                      <a16:colId xmlns:a16="http://schemas.microsoft.com/office/drawing/2014/main" val="2894215301"/>
+                    </a:ext>
+                  </a:extLst>
+                </a:gridCol>
+              </a:tblGrid>
+              <a:tr h="370840">
+                <a:tc>
+                  <a:txBody>
+                    <a:bodyPr/>
+                    <a:lstStyle/>
+                    <a:p>
+                      <a:r>
+                        <a:rPr lang="en-GB" dirty="0">
+                          <a:solidFill>
+                            <a:srgbClr val="C00000"/>
+                          </a:solidFill>
+                        </a:rPr>
+                        <a:t>Spec.</a:t>
+                      </a:r>
+                    </a:p>
+                  </a:txBody>
+                  <a:tcPr/>
+                </a:tc>
+                <a:tc>
+                  <a:txBody>
+                    <a:bodyPr/>
+                    <a:lstStyle/>
+                    <a:p>
+                      <a:r>
+                        <a:rPr lang="en-GB" dirty="0">
+                          <a:solidFill>
+                            <a:srgbClr val="C00000"/>
+                          </a:solidFill>
+                        </a:rPr>
+                        <a:t>Marker</a:t>
+                      </a:r>
+                    </a:p>
+                  </a:txBody>
+                  <a:tcPr/>
+                </a:tc>
+                <a:extLst>
+                  <a:ext uri="{0D108BD9-81ED-4DB2-BD59-A6C34878D82A}">
+                    <a16:rowId xmlns:a16="http://schemas.microsoft.com/office/drawing/2014/main" val="434023770"/>
+                  </a:ext>
+                </a:extLst>
+              </a:tr>
+              <a:tr h="370840">
+                <a:tc>
+                  <a:txBody>
+                    <a:bodyPr/>
+                    <a:lstStyle/>
+                    <a:p>
+                      <a:r>
+                        <a:rPr lang="en-GB" dirty="0"/>
+                        <a:t>o</a:t>
+                      </a:r>
+                    </a:p>
+                  </a:txBody>
+                  <a:tcPr/>
+                </a:tc>
+                <a:tc>
+                  <a:txBody>
+                    <a:bodyPr/>
+                    <a:lstStyle/>
+                    <a:p>
+                      <a:r>
+                        <a:rPr lang="en-GB" dirty="0"/>
+                        <a:t>Circle</a:t>
+                      </a:r>
+                    </a:p>
+                  </a:txBody>
+                  <a:tcPr/>
+                </a:tc>
+                <a:extLst>
+                  <a:ext uri="{0D108BD9-81ED-4DB2-BD59-A6C34878D82A}">
+                    <a16:rowId xmlns:a16="http://schemas.microsoft.com/office/drawing/2014/main" val="609000405"/>
+                  </a:ext>
+                </a:extLst>
+              </a:tr>
+              <a:tr h="370840">
+                <a:tc>
+                  <a:txBody>
+                    <a:bodyPr/>
+                    <a:lstStyle/>
+                    <a:p>
+                      <a:r>
+                        <a:rPr lang="en-GB" dirty="0"/>
+                        <a:t>+</a:t>
+                      </a:r>
+                    </a:p>
+                  </a:txBody>
+                  <a:tcPr/>
+                </a:tc>
+                <a:tc>
+                  <a:txBody>
+                    <a:bodyPr/>
+                    <a:lstStyle/>
+                    <a:p>
+                      <a:r>
+                        <a:rPr lang="en-GB" dirty="0"/>
+                        <a:t>Plus sign</a:t>
+                      </a:r>
+                    </a:p>
+                  </a:txBody>
+                  <a:tcPr/>
+                </a:tc>
+                <a:extLst>
+                  <a:ext uri="{0D108BD9-81ED-4DB2-BD59-A6C34878D82A}">
+                    <a16:rowId xmlns:a16="http://schemas.microsoft.com/office/drawing/2014/main" val="3396132046"/>
+                  </a:ext>
+                </a:extLst>
+              </a:tr>
+              <a:tr h="370840">
+                <a:tc>
+                  <a:txBody>
+                    <a:bodyPr/>
+                    <a:lstStyle/>
+                    <a:p>
+                      <a:r>
+                        <a:rPr lang="en-GB" dirty="0"/>
+                        <a:t>d</a:t>
+                      </a:r>
+                    </a:p>
+                  </a:txBody>
+                  <a:tcPr/>
+                </a:tc>
+                <a:tc>
+                  <a:txBody>
+                    <a:bodyPr/>
+                    <a:lstStyle/>
+                    <a:p>
+                      <a:r>
+                        <a:rPr lang="en-GB" dirty="0"/>
+                        <a:t>Diamond</a:t>
+                      </a:r>
+                    </a:p>
+                  </a:txBody>
+                  <a:tcPr/>
+                </a:tc>
+                <a:extLst>
+                  <a:ext uri="{0D108BD9-81ED-4DB2-BD59-A6C34878D82A}">
+                    <a16:rowId xmlns:a16="http://schemas.microsoft.com/office/drawing/2014/main" val="1151615992"/>
+                  </a:ext>
+                </a:extLst>
+              </a:tr>
+              <a:tr h="370840">
+                <a:tc>
+                  <a:txBody>
+                    <a:bodyPr/>
+                    <a:lstStyle/>
+                    <a:p>
+                      <a:r>
+                        <a:rPr lang="en-GB" dirty="0"/>
+                        <a:t>s</a:t>
+                      </a:r>
+                    </a:p>
+                  </a:txBody>
+                  <a:tcPr/>
+                </a:tc>
+                <a:tc>
+                  <a:txBody>
+                    <a:bodyPr/>
+                    <a:lstStyle/>
+                    <a:p>
+                      <a:r>
+                        <a:rPr lang="en-GB" dirty="0"/>
+                        <a:t>Square</a:t>
+                      </a:r>
+                    </a:p>
+                  </a:txBody>
+                  <a:tcPr/>
+                </a:tc>
+                <a:extLst>
+                  <a:ext uri="{0D108BD9-81ED-4DB2-BD59-A6C34878D82A}">
+                    <a16:rowId xmlns:a16="http://schemas.microsoft.com/office/drawing/2014/main" val="888958179"/>
+                  </a:ext>
+                </a:extLst>
+              </a:tr>
+              <a:tr h="370840">
+                <a:tc>
+                  <a:txBody>
+                    <a:bodyPr/>
+                    <a:lstStyle/>
+                    <a:p>
+                      <a:r>
+                        <a:rPr lang="en-GB" dirty="0"/>
+                        <a:t>*</a:t>
+                      </a:r>
+                    </a:p>
+                  </a:txBody>
+                  <a:tcPr/>
+                </a:tc>
+                <a:tc>
+                  <a:txBody>
+                    <a:bodyPr/>
+                    <a:lstStyle/>
+                    <a:p>
+                      <a:r>
+                        <a:rPr lang="en-GB" dirty="0"/>
+                        <a:t>Asterisk</a:t>
+                      </a:r>
+                    </a:p>
+                  </a:txBody>
+                  <a:tcPr/>
+                </a:tc>
+                <a:extLst>
+                  <a:ext uri="{0D108BD9-81ED-4DB2-BD59-A6C34878D82A}">
+                    <a16:rowId xmlns:a16="http://schemas.microsoft.com/office/drawing/2014/main" val="185116314"/>
+                  </a:ext>
+                </a:extLst>
+              </a:tr>
+              <a:tr h="370840">
+                <a:tc>
+                  <a:txBody>
+                    <a:bodyPr/>
+                    <a:lstStyle/>
+                    <a:p>
+                      <a:r>
+                        <a:rPr lang="en-GB" dirty="0"/>
+                        <a:t>.</a:t>
+                      </a:r>
+                    </a:p>
+                  </a:txBody>
+                  <a:tcPr/>
+                </a:tc>
+                <a:tc>
+                  <a:txBody>
+                    <a:bodyPr/>
+                    <a:lstStyle/>
+                    <a:p>
+                      <a:r>
+                        <a:rPr lang="en-GB" dirty="0"/>
+                        <a:t>Point</a:t>
+                      </a:r>
+                    </a:p>
+                  </a:txBody>
+                  <a:tcPr/>
+                </a:tc>
+                <a:extLst>
+                  <a:ext uri="{0D108BD9-81ED-4DB2-BD59-A6C34878D82A}">
+                    <a16:rowId xmlns:a16="http://schemas.microsoft.com/office/drawing/2014/main" val="2905190044"/>
+                  </a:ext>
+                </a:extLst>
+              </a:tr>
+              <a:tr h="370840">
+                <a:tc>
+                  <a:txBody>
+                    <a:bodyPr/>
+                    <a:lstStyle/>
+                    <a:p>
+                      <a:r>
+                        <a:rPr lang="en-GB" dirty="0"/>
+                        <a:t>x</a:t>
+                      </a:r>
+                    </a:p>
+                  </a:txBody>
+                  <a:tcPr/>
+                </a:tc>
+                <a:tc>
+                  <a:txBody>
+                    <a:bodyPr/>
+                    <a:lstStyle/>
+                    <a:p>
+                      <a:r>
+                        <a:rPr lang="en-GB" dirty="0"/>
+                        <a:t>Cross</a:t>
+                      </a:r>
+                    </a:p>
+                  </a:txBody>
+                  <a:tcPr/>
+                </a:tc>
+                <a:extLst>
+                  <a:ext uri="{0D108BD9-81ED-4DB2-BD59-A6C34878D82A}">
+                    <a16:rowId xmlns:a16="http://schemas.microsoft.com/office/drawing/2014/main" val="3423409850"/>
+                  </a:ext>
+                </a:extLst>
+              </a:tr>
+              <a:tr h="370840">
+                <a:tc>
+                  <a:txBody>
+                    <a:bodyPr/>
+                    <a:lstStyle/>
+                    <a:p>
+                      <a:r>
+                        <a:rPr lang="en-GB" dirty="0"/>
+                        <a:t>^</a:t>
+                      </a:r>
+                    </a:p>
+                  </a:txBody>
+                  <a:tcPr/>
+                </a:tc>
+                <a:tc>
+                  <a:txBody>
+                    <a:bodyPr/>
+                    <a:lstStyle/>
+                    <a:p>
+                      <a:r>
+                        <a:rPr lang="en-GB" dirty="0"/>
+                        <a:t>Triangle</a:t>
+                      </a:r>
+                    </a:p>
+                  </a:txBody>
+                  <a:tcPr/>
+                </a:tc>
+                <a:extLst>
+                  <a:ext uri="{0D108BD9-81ED-4DB2-BD59-A6C34878D82A}">
+                    <a16:rowId xmlns:a16="http://schemas.microsoft.com/office/drawing/2014/main" val="232102347"/>
+                  </a:ext>
+                </a:extLst>
+              </a:tr>
+            </a:tbl>
+          </a:graphicData>
+        </a:graphic>
+      </p:graphicFrame>
+      <p:graphicFrame>
+        <p:nvGraphicFramePr>
+          <p:cNvPr id="10" name="Table 5">
+            <a:extLst>
+              <a:ext uri="{FF2B5EF4-FFF2-40B4-BE49-F238E27FC236}">
+                <a16:creationId xmlns:a16="http://schemas.microsoft.com/office/drawing/2014/main" id="{7D3C7F59-FF7E-4274-BD28-B4F3DE6C686C}"/>
+              </a:ext>
+            </a:extLst>
+          </p:cNvPr>
+          <p:cNvGraphicFramePr>
+            <a:graphicFrameLocks noGrp="1"/>
+          </p:cNvGraphicFramePr>
+          <p:nvPr>
+            <p:extLst>
+              <p:ext uri="{D42A27DB-BD31-4B8C-83A1-F6EECF244321}">
+                <p14:modId xmlns:p14="http://schemas.microsoft.com/office/powerpoint/2010/main" val="2475934971"/>
+              </p:ext>
+            </p:extLst>
+          </p:nvPr>
+        </p:nvGraphicFramePr>
+        <p:xfrm>
+          <a:off x="4606135" y="2494120"/>
+          <a:ext cx="1795859" cy="3337560"/>
+        </p:xfrm>
+        <a:graphic>
+          <a:graphicData uri="http://schemas.openxmlformats.org/drawingml/2006/table">
+            <a:tbl>
+              <a:tblPr firstRow="1" bandRow="1">
+                <a:tableStyleId>{5940675A-B579-460E-94D1-54222C63F5DA}</a:tableStyleId>
+              </a:tblPr>
+              <a:tblGrid>
+                <a:gridCol w="713017">
+                  <a:extLst>
+                    <a:ext uri="{9D8B030D-6E8A-4147-A177-3AD203B41FA5}">
+                      <a16:colId xmlns:a16="http://schemas.microsoft.com/office/drawing/2014/main" val="2421591533"/>
+                    </a:ext>
+                  </a:extLst>
+                </a:gridCol>
+                <a:gridCol w="1082842">
+                  <a:extLst>
+                    <a:ext uri="{9D8B030D-6E8A-4147-A177-3AD203B41FA5}">
+                      <a16:colId xmlns:a16="http://schemas.microsoft.com/office/drawing/2014/main" val="2894215301"/>
+                    </a:ext>
+                  </a:extLst>
+                </a:gridCol>
+              </a:tblGrid>
+              <a:tr h="370840">
+                <a:tc>
+                  <a:txBody>
+                    <a:bodyPr/>
+                    <a:lstStyle/>
+                    <a:p>
+                      <a:r>
+                        <a:rPr lang="en-GB" dirty="0">
+                          <a:solidFill>
+                            <a:srgbClr val="C00000"/>
+                          </a:solidFill>
+                        </a:rPr>
+                        <a:t>Spec.</a:t>
+                      </a:r>
+                    </a:p>
+                  </a:txBody>
+                  <a:tcPr/>
+                </a:tc>
+                <a:tc>
+                  <a:txBody>
+                    <a:bodyPr/>
+                    <a:lstStyle/>
+                    <a:p>
+                      <a:r>
+                        <a:rPr lang="en-GB" dirty="0">
+                          <a:solidFill>
+                            <a:srgbClr val="C00000"/>
+                          </a:solidFill>
+                        </a:rPr>
+                        <a:t>Colour</a:t>
+                      </a:r>
+                    </a:p>
+                  </a:txBody>
+                  <a:tcPr/>
+                </a:tc>
+                <a:extLst>
+                  <a:ext uri="{0D108BD9-81ED-4DB2-BD59-A6C34878D82A}">
+                    <a16:rowId xmlns:a16="http://schemas.microsoft.com/office/drawing/2014/main" val="434023770"/>
+                  </a:ext>
+                </a:extLst>
+              </a:tr>
+              <a:tr h="370840">
+                <a:tc>
+                  <a:txBody>
+                    <a:bodyPr/>
+                    <a:lstStyle/>
+                    <a:p>
+                      <a:r>
+                        <a:rPr lang="en-GB" dirty="0"/>
+                        <a:t>k</a:t>
+                      </a:r>
+                    </a:p>
+                  </a:txBody>
+                  <a:tcPr/>
+                </a:tc>
+                <a:tc>
+                  <a:txBody>
+                    <a:bodyPr/>
+                    <a:lstStyle/>
+                    <a:p>
+                      <a:r>
+                        <a:rPr lang="en-GB" dirty="0"/>
+                        <a:t>Black</a:t>
+                      </a:r>
+                    </a:p>
+                  </a:txBody>
+                  <a:tcPr/>
+                </a:tc>
+                <a:extLst>
+                  <a:ext uri="{0D108BD9-81ED-4DB2-BD59-A6C34878D82A}">
+                    <a16:rowId xmlns:a16="http://schemas.microsoft.com/office/drawing/2014/main" val="609000405"/>
+                  </a:ext>
+                </a:extLst>
+              </a:tr>
+              <a:tr h="370840">
+                <a:tc>
+                  <a:txBody>
+                    <a:bodyPr/>
+                    <a:lstStyle/>
+                    <a:p>
+                      <a:r>
+                        <a:rPr lang="en-GB" dirty="0"/>
+                        <a:t>w</a:t>
+                      </a:r>
+                    </a:p>
+                  </a:txBody>
+                  <a:tcPr/>
+                </a:tc>
+                <a:tc>
+                  <a:txBody>
+                    <a:bodyPr/>
+                    <a:lstStyle/>
+                    <a:p>
+                      <a:r>
+                        <a:rPr lang="en-GB" dirty="0"/>
+                        <a:t>White</a:t>
+                      </a:r>
+                    </a:p>
+                  </a:txBody>
+                  <a:tcPr/>
+                </a:tc>
+                <a:extLst>
+                  <a:ext uri="{0D108BD9-81ED-4DB2-BD59-A6C34878D82A}">
+                    <a16:rowId xmlns:a16="http://schemas.microsoft.com/office/drawing/2014/main" val="4095601109"/>
+                  </a:ext>
+                </a:extLst>
+              </a:tr>
+              <a:tr h="370840">
+                <a:tc>
+                  <a:txBody>
+                    <a:bodyPr/>
+                    <a:lstStyle/>
+                    <a:p>
+                      <a:r>
+                        <a:rPr lang="en-GB" dirty="0"/>
+                        <a:t>r</a:t>
+                      </a:r>
+                    </a:p>
+                  </a:txBody>
+                  <a:tcPr/>
+                </a:tc>
+                <a:tc>
+                  <a:txBody>
+                    <a:bodyPr/>
+                    <a:lstStyle/>
+                    <a:p>
+                      <a:r>
+                        <a:rPr lang="en-GB" dirty="0"/>
+                        <a:t>Red</a:t>
+                      </a:r>
+                    </a:p>
+                  </a:txBody>
+                  <a:tcPr/>
+                </a:tc>
+                <a:extLst>
+                  <a:ext uri="{0D108BD9-81ED-4DB2-BD59-A6C34878D82A}">
+                    <a16:rowId xmlns:a16="http://schemas.microsoft.com/office/drawing/2014/main" val="2839071108"/>
+                  </a:ext>
+                </a:extLst>
+              </a:tr>
+              <a:tr h="370840">
+                <a:tc>
+                  <a:txBody>
+                    <a:bodyPr/>
+                    <a:lstStyle/>
+                    <a:p>
+                      <a:r>
+                        <a:rPr lang="en-GB" dirty="0"/>
+                        <a:t>g</a:t>
+                      </a:r>
+                    </a:p>
+                  </a:txBody>
+                  <a:tcPr/>
+                </a:tc>
+                <a:tc>
+                  <a:txBody>
+                    <a:bodyPr/>
+                    <a:lstStyle/>
+                    <a:p>
+                      <a:r>
+                        <a:rPr lang="en-GB" dirty="0"/>
+                        <a:t>Green</a:t>
+                      </a:r>
+                    </a:p>
+                  </a:txBody>
+                  <a:tcPr/>
+                </a:tc>
+                <a:extLst>
+                  <a:ext uri="{0D108BD9-81ED-4DB2-BD59-A6C34878D82A}">
+                    <a16:rowId xmlns:a16="http://schemas.microsoft.com/office/drawing/2014/main" val="2268933713"/>
+                  </a:ext>
+                </a:extLst>
+              </a:tr>
+              <a:tr h="370840">
+                <a:tc>
+                  <a:txBody>
+                    <a:bodyPr/>
+                    <a:lstStyle/>
+                    <a:p>
+                      <a:r>
+                        <a:rPr lang="en-GB" dirty="0"/>
+                        <a:t>b</a:t>
+                      </a:r>
+                    </a:p>
+                  </a:txBody>
+                  <a:tcPr/>
+                </a:tc>
+                <a:tc>
+                  <a:txBody>
+                    <a:bodyPr/>
+                    <a:lstStyle/>
+                    <a:p>
+                      <a:r>
+                        <a:rPr lang="en-GB" dirty="0"/>
+                        <a:t>Blue</a:t>
+                      </a:r>
+                    </a:p>
+                  </a:txBody>
+                  <a:tcPr/>
+                </a:tc>
+                <a:extLst>
+                  <a:ext uri="{0D108BD9-81ED-4DB2-BD59-A6C34878D82A}">
+                    <a16:rowId xmlns:a16="http://schemas.microsoft.com/office/drawing/2014/main" val="543980804"/>
+                  </a:ext>
+                </a:extLst>
+              </a:tr>
+              <a:tr h="370840">
+                <a:tc>
+                  <a:txBody>
+                    <a:bodyPr/>
+                    <a:lstStyle/>
+                    <a:p>
+                      <a:r>
+                        <a:rPr lang="en-GB" dirty="0"/>
+                        <a:t>y</a:t>
+                      </a:r>
+                    </a:p>
+                  </a:txBody>
+                  <a:tcPr/>
+                </a:tc>
+                <a:tc>
+                  <a:txBody>
+                    <a:bodyPr/>
+                    <a:lstStyle/>
+                    <a:p>
+                      <a:r>
+                        <a:rPr lang="en-GB" dirty="0"/>
+                        <a:t>Yellow</a:t>
+                      </a:r>
+                    </a:p>
+                  </a:txBody>
+                  <a:tcPr/>
+                </a:tc>
+                <a:extLst>
+                  <a:ext uri="{0D108BD9-81ED-4DB2-BD59-A6C34878D82A}">
+                    <a16:rowId xmlns:a16="http://schemas.microsoft.com/office/drawing/2014/main" val="759254166"/>
+                  </a:ext>
+                </a:extLst>
+              </a:tr>
+              <a:tr h="370840">
+                <a:tc>
+                  <a:txBody>
+                    <a:bodyPr/>
+                    <a:lstStyle/>
+                    <a:p>
+                      <a:r>
+                        <a:rPr lang="en-GB" dirty="0"/>
+                        <a:t>m</a:t>
+                      </a:r>
+                    </a:p>
+                  </a:txBody>
+                  <a:tcPr/>
+                </a:tc>
+                <a:tc>
+                  <a:txBody>
+                    <a:bodyPr/>
+                    <a:lstStyle/>
+                    <a:p>
+                      <a:r>
+                        <a:rPr lang="en-GB" dirty="0"/>
+                        <a:t>Magenta</a:t>
+                      </a:r>
+                    </a:p>
+                  </a:txBody>
+                  <a:tcPr/>
+                </a:tc>
+                <a:extLst>
+                  <a:ext uri="{0D108BD9-81ED-4DB2-BD59-A6C34878D82A}">
+                    <a16:rowId xmlns:a16="http://schemas.microsoft.com/office/drawing/2014/main" val="3853202185"/>
+                  </a:ext>
+                </a:extLst>
+              </a:tr>
+              <a:tr h="370840">
+                <a:tc>
+                  <a:txBody>
+                    <a:bodyPr/>
+                    <a:lstStyle/>
+                    <a:p>
+                      <a:r>
+                        <a:rPr lang="en-GB" dirty="0"/>
+                        <a:t>c</a:t>
+                      </a:r>
+                    </a:p>
+                  </a:txBody>
+                  <a:tcPr/>
+                </a:tc>
+                <a:tc>
+                  <a:txBody>
+                    <a:bodyPr/>
+                    <a:lstStyle/>
+                    <a:p>
+                      <a:r>
+                        <a:rPr lang="en-GB" dirty="0"/>
+                        <a:t>Cyan</a:t>
+                      </a:r>
+                    </a:p>
+                  </a:txBody>
+                  <a:tcPr/>
+                </a:tc>
+                <a:extLst>
+                  <a:ext uri="{0D108BD9-81ED-4DB2-BD59-A6C34878D82A}">
+                    <a16:rowId xmlns:a16="http://schemas.microsoft.com/office/drawing/2014/main" val="1371758270"/>
+                  </a:ext>
+                </a:extLst>
+              </a:tr>
+            </a:tbl>
+          </a:graphicData>
+        </a:graphic>
+      </p:graphicFrame>
+      <p:pic>
+        <p:nvPicPr>
+          <p:cNvPr id="11" name="Picture 10">
+            <a:extLst>
+              <a:ext uri="{FF2B5EF4-FFF2-40B4-BE49-F238E27FC236}">
+                <a16:creationId xmlns:a16="http://schemas.microsoft.com/office/drawing/2014/main" id="{00D29111-89BE-4115-9143-1284E141CF82}"/>
+              </a:ext>
+            </a:extLst>
+          </p:cNvPr>
+          <p:cNvPicPr>
+            <a:picLocks noChangeAspect="1"/>
+          </p:cNvPicPr>
+          <p:nvPr/>
+        </p:nvPicPr>
+        <p:blipFill>
+          <a:blip r:embed="rId2"/>
+          <a:stretch>
+            <a:fillRect/>
+          </a:stretch>
+        </p:blipFill>
+        <p:spPr>
+          <a:xfrm>
+            <a:off x="7210625" y="1890247"/>
+            <a:ext cx="4587240" cy="3063240"/>
+          </a:xfrm>
+          <a:prstGeom prst="rect">
+            <a:avLst/>
+          </a:prstGeom>
+        </p:spPr>
+      </p:pic>
+      <p:pic>
+        <p:nvPicPr>
+          <p:cNvPr id="12" name="Picture 11">
+            <a:extLst>
+              <a:ext uri="{FF2B5EF4-FFF2-40B4-BE49-F238E27FC236}">
+                <a16:creationId xmlns:a16="http://schemas.microsoft.com/office/drawing/2014/main" id="{BA2AE06C-A064-43AE-AF9D-17374B522ECF}"/>
+              </a:ext>
+            </a:extLst>
+          </p:cNvPr>
+          <p:cNvPicPr>
+            <a:picLocks noChangeAspect="1"/>
+          </p:cNvPicPr>
+          <p:nvPr/>
+        </p:nvPicPr>
+        <p:blipFill>
+          <a:blip r:embed="rId3"/>
+          <a:stretch>
+            <a:fillRect/>
+          </a:stretch>
+        </p:blipFill>
+        <p:spPr>
+          <a:xfrm>
+            <a:off x="7210625" y="1890247"/>
+            <a:ext cx="4587240" cy="3063240"/>
+          </a:xfrm>
+          <a:prstGeom prst="rect">
+            <a:avLst/>
+          </a:prstGeom>
+        </p:spPr>
+      </p:pic>
+      <p:pic>
+        <p:nvPicPr>
+          <p:cNvPr id="13" name="Picture 12">
+            <a:extLst>
+              <a:ext uri="{FF2B5EF4-FFF2-40B4-BE49-F238E27FC236}">
+                <a16:creationId xmlns:a16="http://schemas.microsoft.com/office/drawing/2014/main" id="{CD252300-6BBC-45A0-B24A-21E71D104937}"/>
+              </a:ext>
+            </a:extLst>
+          </p:cNvPr>
+          <p:cNvPicPr>
+            <a:picLocks noChangeAspect="1"/>
+          </p:cNvPicPr>
+          <p:nvPr/>
+        </p:nvPicPr>
+        <p:blipFill>
+          <a:blip r:embed="rId4"/>
+          <a:stretch>
+            <a:fillRect/>
+          </a:stretch>
+        </p:blipFill>
+        <p:spPr>
+          <a:xfrm>
+            <a:off x="7210625" y="1890247"/>
+            <a:ext cx="4587240" cy="3063240"/>
+          </a:xfrm>
+          <a:prstGeom prst="rect">
+            <a:avLst/>
+          </a:prstGeom>
+        </p:spPr>
+      </p:pic>
+      <p:pic>
+        <p:nvPicPr>
+          <p:cNvPr id="14" name="Picture 13">
+            <a:extLst>
+              <a:ext uri="{FF2B5EF4-FFF2-40B4-BE49-F238E27FC236}">
+                <a16:creationId xmlns:a16="http://schemas.microsoft.com/office/drawing/2014/main" id="{BA5DDC21-06FF-4F2D-B813-EC880C9EEAD2}"/>
+              </a:ext>
+            </a:extLst>
+          </p:cNvPr>
+          <p:cNvPicPr>
+            <a:picLocks noChangeAspect="1"/>
+          </p:cNvPicPr>
+          <p:nvPr/>
+        </p:nvPicPr>
+        <p:blipFill>
+          <a:blip r:embed="rId5"/>
+          <a:stretch>
+            <a:fillRect/>
+          </a:stretch>
+        </p:blipFill>
+        <p:spPr>
+          <a:xfrm>
+            <a:off x="7210625" y="1890247"/>
+            <a:ext cx="4587240" cy="3063240"/>
+          </a:xfrm>
+          <a:prstGeom prst="rect">
+            <a:avLst/>
+          </a:prstGeom>
+        </p:spPr>
+      </p:pic>
       <p:sp>
         <p:nvSpPr>
-          <p:cNvPr id="4" name="TextBox 3">
+          <p:cNvPr id="15" name="TextBox 14">
             <a:extLst>
               <a:ext uri="{FF2B5EF4-FFF2-40B4-BE49-F238E27FC236}">
-                <a16:creationId xmlns:a16="http://schemas.microsoft.com/office/drawing/2014/main" id="{1E21296E-70F5-46FE-8A50-7139ED411145}"/>
+                <a16:creationId xmlns:a16="http://schemas.microsoft.com/office/drawing/2014/main" id="{6314AB03-B879-4639-9EA9-D8DA9610667A}"/>
               </a:ext>
             </a:extLst>
           </p:cNvPr>
@@ -3077,8 +4823,8 @@
         </p:nvSpPr>
         <p:spPr>
           <a:xfrm>
-            <a:off x="7434486" y="2876629"/>
-            <a:ext cx="4293659" cy="830997"/>
+            <a:off x="7357415" y="4955143"/>
+            <a:ext cx="4293659" cy="461665"/>
           </a:xfrm>
           <a:prstGeom prst="rect">
             <a:avLst/>
@@ -3095,18 +4841,621 @@
             <a:r>
               <a:rPr lang="en-GB" sz="2400" i="1" dirty="0">
                 <a:solidFill>
-                  <a:srgbClr val="FF0000"/>
+                  <a:schemeClr val="accent1"/>
                 </a:solidFill>
               </a:rPr>
-              <a:t>[Example 2D and 3D scatter plots]</a:t>
+              <a:t>plot(0:10, (0:10).^2)</a:t>
             </a:r>
           </a:p>
         </p:txBody>
       </p:sp>
+      <p:sp>
+        <p:nvSpPr>
+          <p:cNvPr id="16" name="TextBox 15">
+            <a:extLst>
+              <a:ext uri="{FF2B5EF4-FFF2-40B4-BE49-F238E27FC236}">
+                <a16:creationId xmlns:a16="http://schemas.microsoft.com/office/drawing/2014/main" id="{4FB105C8-6123-4A9B-ADE3-2750AD03117A}"/>
+              </a:ext>
+            </a:extLst>
+          </p:cNvPr>
+          <p:cNvSpPr txBox="1"/>
+          <p:nvPr/>
+        </p:nvSpPr>
+        <p:spPr>
+          <a:xfrm>
+            <a:off x="7357415" y="4955143"/>
+            <a:ext cx="4293659" cy="461665"/>
+          </a:xfrm>
+          <a:prstGeom prst="rect">
+            <a:avLst/>
+          </a:prstGeom>
+          <a:noFill/>
+        </p:spPr>
+        <p:txBody>
+          <a:bodyPr wrap="square" rtlCol="0">
+            <a:spAutoFit/>
+          </a:bodyPr>
+          <a:lstStyle/>
+          <a:p>
+            <a:pPr algn="ctr"/>
+            <a:r>
+              <a:rPr lang="en-GB" sz="2400" i="1" dirty="0">
+                <a:solidFill>
+                  <a:schemeClr val="accent1"/>
+                </a:solidFill>
+              </a:rPr>
+              <a:t>plot(0:10, (0:10).^2, ‘</a:t>
+            </a:r>
+            <a:r>
+              <a:rPr lang="en-GB" sz="2400" i="1" dirty="0" err="1">
+                <a:solidFill>
+                  <a:schemeClr val="accent1"/>
+                </a:solidFill>
+              </a:rPr>
+              <a:t>ro</a:t>
+            </a:r>
+            <a:r>
+              <a:rPr lang="en-GB" sz="2400" i="1" dirty="0">
+                <a:solidFill>
+                  <a:schemeClr val="accent1"/>
+                </a:solidFill>
+              </a:rPr>
+              <a:t>-’)</a:t>
+            </a:r>
+          </a:p>
+        </p:txBody>
+      </p:sp>
+      <p:sp>
+        <p:nvSpPr>
+          <p:cNvPr id="17" name="TextBox 16">
+            <a:extLst>
+              <a:ext uri="{FF2B5EF4-FFF2-40B4-BE49-F238E27FC236}">
+                <a16:creationId xmlns:a16="http://schemas.microsoft.com/office/drawing/2014/main" id="{10023D1A-9B0A-4D71-A368-201D2BA79E7B}"/>
+              </a:ext>
+            </a:extLst>
+          </p:cNvPr>
+          <p:cNvSpPr txBox="1"/>
+          <p:nvPr/>
+        </p:nvSpPr>
+        <p:spPr>
+          <a:xfrm>
+            <a:off x="7357414" y="4955143"/>
+            <a:ext cx="4293659" cy="461665"/>
+          </a:xfrm>
+          <a:prstGeom prst="rect">
+            <a:avLst/>
+          </a:prstGeom>
+          <a:noFill/>
+        </p:spPr>
+        <p:txBody>
+          <a:bodyPr wrap="square" rtlCol="0">
+            <a:spAutoFit/>
+          </a:bodyPr>
+          <a:lstStyle/>
+          <a:p>
+            <a:pPr algn="ctr"/>
+            <a:r>
+              <a:rPr lang="en-GB" sz="2400" i="1" dirty="0">
+                <a:solidFill>
+                  <a:schemeClr val="accent1"/>
+                </a:solidFill>
+              </a:rPr>
+              <a:t>plot(0:10, (0:10).^2, ‘m^’)</a:t>
+            </a:r>
+            <a:endParaRPr lang="en-GB" sz="2400" dirty="0">
+              <a:solidFill>
+                <a:schemeClr val="tx1"/>
+              </a:solidFill>
+            </a:endParaRPr>
+          </a:p>
+        </p:txBody>
+      </p:sp>
+      <p:sp>
+        <p:nvSpPr>
+          <p:cNvPr id="18" name="TextBox 17">
+            <a:extLst>
+              <a:ext uri="{FF2B5EF4-FFF2-40B4-BE49-F238E27FC236}">
+                <a16:creationId xmlns:a16="http://schemas.microsoft.com/office/drawing/2014/main" id="{A1EED576-2D2F-4E3F-BFA7-F6F7F1E2E88D}"/>
+              </a:ext>
+            </a:extLst>
+          </p:cNvPr>
+          <p:cNvSpPr txBox="1"/>
+          <p:nvPr/>
+        </p:nvSpPr>
+        <p:spPr>
+          <a:xfrm>
+            <a:off x="7357413" y="4955143"/>
+            <a:ext cx="4293659" cy="461665"/>
+          </a:xfrm>
+          <a:prstGeom prst="rect">
+            <a:avLst/>
+          </a:prstGeom>
+          <a:noFill/>
+        </p:spPr>
+        <p:txBody>
+          <a:bodyPr wrap="square" rtlCol="0">
+            <a:spAutoFit/>
+          </a:bodyPr>
+          <a:lstStyle/>
+          <a:p>
+            <a:pPr algn="ctr"/>
+            <a:r>
+              <a:rPr lang="en-GB" sz="2400" i="1" dirty="0">
+                <a:solidFill>
+                  <a:schemeClr val="accent1"/>
+                </a:solidFill>
+              </a:rPr>
+              <a:t>plot(0:10, (0:10).^2, ‘--k’)</a:t>
+            </a:r>
+            <a:endParaRPr lang="en-GB" sz="2400" dirty="0">
+              <a:solidFill>
+                <a:schemeClr val="tx1"/>
+              </a:solidFill>
+            </a:endParaRPr>
+          </a:p>
+        </p:txBody>
+      </p:sp>
+      <p:grpSp>
+        <p:nvGrpSpPr>
+          <p:cNvPr id="22" name="Group 21">
+            <a:extLst>
+              <a:ext uri="{FF2B5EF4-FFF2-40B4-BE49-F238E27FC236}">
+                <a16:creationId xmlns:a16="http://schemas.microsoft.com/office/drawing/2014/main" id="{E4577C02-1E90-4199-A73F-BBCF18E80338}"/>
+              </a:ext>
+            </a:extLst>
+          </p:cNvPr>
+          <p:cNvGrpSpPr/>
+          <p:nvPr/>
+        </p:nvGrpSpPr>
+        <p:grpSpPr>
+          <a:xfrm>
+            <a:off x="693691" y="2889858"/>
+            <a:ext cx="5675336" cy="1053568"/>
+            <a:chOff x="693691" y="2889858"/>
+            <a:chExt cx="5675336" cy="1053568"/>
+          </a:xfrm>
+        </p:grpSpPr>
+        <p:sp>
+          <p:nvSpPr>
+            <p:cNvPr id="19" name="Rectangle 18">
+              <a:extLst>
+                <a:ext uri="{FF2B5EF4-FFF2-40B4-BE49-F238E27FC236}">
+                  <a16:creationId xmlns:a16="http://schemas.microsoft.com/office/drawing/2014/main" id="{87AAF8D5-5F1A-4C91-9449-E2586719E674}"/>
+                </a:ext>
+              </a:extLst>
+            </p:cNvPr>
+            <p:cNvSpPr/>
+            <p:nvPr/>
+          </p:nvSpPr>
+          <p:spPr>
+            <a:xfrm>
+              <a:off x="693691" y="2889858"/>
+              <a:ext cx="1729926" cy="301017"/>
+            </a:xfrm>
+            <a:prstGeom prst="rect">
+              <a:avLst/>
+            </a:prstGeom>
+            <a:noFill/>
+            <a:ln>
+              <a:solidFill>
+                <a:srgbClr val="FF0000"/>
+              </a:solidFill>
+            </a:ln>
+          </p:spPr>
+          <p:style>
+            <a:lnRef idx="2">
+              <a:schemeClr val="accent1">
+                <a:shade val="50000"/>
+              </a:schemeClr>
+            </a:lnRef>
+            <a:fillRef idx="1">
+              <a:schemeClr val="accent1"/>
+            </a:fillRef>
+            <a:effectRef idx="0">
+              <a:schemeClr val="accent1"/>
+            </a:effectRef>
+            <a:fontRef idx="minor">
+              <a:schemeClr val="lt1"/>
+            </a:fontRef>
+          </p:style>
+          <p:txBody>
+            <a:bodyPr rtlCol="0" anchor="ctr"/>
+            <a:lstStyle/>
+            <a:p>
+              <a:pPr algn="ctr"/>
+              <a:endParaRPr lang="en-GB"/>
+            </a:p>
+          </p:txBody>
+        </p:sp>
+        <p:sp>
+          <p:nvSpPr>
+            <p:cNvPr id="20" name="Rectangle 19">
+              <a:extLst>
+                <a:ext uri="{FF2B5EF4-FFF2-40B4-BE49-F238E27FC236}">
+                  <a16:creationId xmlns:a16="http://schemas.microsoft.com/office/drawing/2014/main" id="{4B1F9148-A10D-4BF0-AA2A-293C27CEB06D}"/>
+                </a:ext>
+              </a:extLst>
+            </p:cNvPr>
+            <p:cNvSpPr/>
+            <p:nvPr/>
+          </p:nvSpPr>
+          <p:spPr>
+            <a:xfrm>
+              <a:off x="2668815" y="2889858"/>
+              <a:ext cx="1729926" cy="301017"/>
+            </a:xfrm>
+            <a:prstGeom prst="rect">
+              <a:avLst/>
+            </a:prstGeom>
+            <a:noFill/>
+            <a:ln>
+              <a:solidFill>
+                <a:srgbClr val="FF0000"/>
+              </a:solidFill>
+            </a:ln>
+          </p:spPr>
+          <p:style>
+            <a:lnRef idx="2">
+              <a:schemeClr val="accent1">
+                <a:shade val="50000"/>
+              </a:schemeClr>
+            </a:lnRef>
+            <a:fillRef idx="1">
+              <a:schemeClr val="accent1"/>
+            </a:fillRef>
+            <a:effectRef idx="0">
+              <a:schemeClr val="accent1"/>
+            </a:effectRef>
+            <a:fontRef idx="minor">
+              <a:schemeClr val="lt1"/>
+            </a:fontRef>
+          </p:style>
+          <p:txBody>
+            <a:bodyPr rtlCol="0" anchor="ctr"/>
+            <a:lstStyle/>
+            <a:p>
+              <a:pPr algn="ctr"/>
+              <a:endParaRPr lang="en-GB"/>
+            </a:p>
+          </p:txBody>
+        </p:sp>
+        <p:sp>
+          <p:nvSpPr>
+            <p:cNvPr id="21" name="Rectangle 20">
+              <a:extLst>
+                <a:ext uri="{FF2B5EF4-FFF2-40B4-BE49-F238E27FC236}">
+                  <a16:creationId xmlns:a16="http://schemas.microsoft.com/office/drawing/2014/main" id="{62AAD59D-8C62-4AD7-BBFD-63A170684138}"/>
+                </a:ext>
+              </a:extLst>
+            </p:cNvPr>
+            <p:cNvSpPr/>
+            <p:nvPr/>
+          </p:nvSpPr>
+          <p:spPr>
+            <a:xfrm>
+              <a:off x="4639101" y="3642409"/>
+              <a:ext cx="1729926" cy="301017"/>
+            </a:xfrm>
+            <a:prstGeom prst="rect">
+              <a:avLst/>
+            </a:prstGeom>
+            <a:noFill/>
+            <a:ln>
+              <a:solidFill>
+                <a:srgbClr val="FF0000"/>
+              </a:solidFill>
+            </a:ln>
+          </p:spPr>
+          <p:style>
+            <a:lnRef idx="2">
+              <a:schemeClr val="accent1">
+                <a:shade val="50000"/>
+              </a:schemeClr>
+            </a:lnRef>
+            <a:fillRef idx="1">
+              <a:schemeClr val="accent1"/>
+            </a:fillRef>
+            <a:effectRef idx="0">
+              <a:schemeClr val="accent1"/>
+            </a:effectRef>
+            <a:fontRef idx="minor">
+              <a:schemeClr val="lt1"/>
+            </a:fontRef>
+          </p:style>
+          <p:txBody>
+            <a:bodyPr rtlCol="0" anchor="ctr"/>
+            <a:lstStyle/>
+            <a:p>
+              <a:pPr algn="ctr"/>
+              <a:endParaRPr lang="en-GB"/>
+            </a:p>
+          </p:txBody>
+        </p:sp>
+      </p:grpSp>
+      <p:grpSp>
+        <p:nvGrpSpPr>
+          <p:cNvPr id="27" name="Group 26">
+            <a:extLst>
+              <a:ext uri="{FF2B5EF4-FFF2-40B4-BE49-F238E27FC236}">
+                <a16:creationId xmlns:a16="http://schemas.microsoft.com/office/drawing/2014/main" id="{BA386507-BE2F-4E8D-8E24-A3432A967E05}"/>
+              </a:ext>
+            </a:extLst>
+          </p:cNvPr>
+          <p:cNvGrpSpPr/>
+          <p:nvPr/>
+        </p:nvGrpSpPr>
+        <p:grpSpPr>
+          <a:xfrm>
+            <a:off x="2668815" y="5123561"/>
+            <a:ext cx="3700212" cy="659702"/>
+            <a:chOff x="2668815" y="5123561"/>
+            <a:chExt cx="3700212" cy="659702"/>
+          </a:xfrm>
+        </p:grpSpPr>
+        <p:sp>
+          <p:nvSpPr>
+            <p:cNvPr id="25" name="Rectangle 24">
+              <a:extLst>
+                <a:ext uri="{FF2B5EF4-FFF2-40B4-BE49-F238E27FC236}">
+                  <a16:creationId xmlns:a16="http://schemas.microsoft.com/office/drawing/2014/main" id="{A97A9073-0D1A-4C56-A203-64FBB1B5DB86}"/>
+                </a:ext>
+              </a:extLst>
+            </p:cNvPr>
+            <p:cNvSpPr/>
+            <p:nvPr/>
+          </p:nvSpPr>
+          <p:spPr>
+            <a:xfrm>
+              <a:off x="2668815" y="5482246"/>
+              <a:ext cx="1729926" cy="301017"/>
+            </a:xfrm>
+            <a:prstGeom prst="rect">
+              <a:avLst/>
+            </a:prstGeom>
+            <a:noFill/>
+            <a:ln>
+              <a:solidFill>
+                <a:srgbClr val="FF0000"/>
+              </a:solidFill>
+            </a:ln>
+          </p:spPr>
+          <p:style>
+            <a:lnRef idx="2">
+              <a:schemeClr val="accent1">
+                <a:shade val="50000"/>
+              </a:schemeClr>
+            </a:lnRef>
+            <a:fillRef idx="1">
+              <a:schemeClr val="accent1"/>
+            </a:fillRef>
+            <a:effectRef idx="0">
+              <a:schemeClr val="accent1"/>
+            </a:effectRef>
+            <a:fontRef idx="minor">
+              <a:schemeClr val="lt1"/>
+            </a:fontRef>
+          </p:style>
+          <p:txBody>
+            <a:bodyPr rtlCol="0" anchor="ctr"/>
+            <a:lstStyle/>
+            <a:p>
+              <a:pPr algn="ctr"/>
+              <a:endParaRPr lang="en-GB"/>
+            </a:p>
+          </p:txBody>
+        </p:sp>
+        <p:sp>
+          <p:nvSpPr>
+            <p:cNvPr id="26" name="Rectangle 25">
+              <a:extLst>
+                <a:ext uri="{FF2B5EF4-FFF2-40B4-BE49-F238E27FC236}">
+                  <a16:creationId xmlns:a16="http://schemas.microsoft.com/office/drawing/2014/main" id="{39B07222-5781-46C1-802A-6F570D5F9A0A}"/>
+                </a:ext>
+              </a:extLst>
+            </p:cNvPr>
+            <p:cNvSpPr/>
+            <p:nvPr/>
+          </p:nvSpPr>
+          <p:spPr>
+            <a:xfrm>
+              <a:off x="4639101" y="5123561"/>
+              <a:ext cx="1729926" cy="301017"/>
+            </a:xfrm>
+            <a:prstGeom prst="rect">
+              <a:avLst/>
+            </a:prstGeom>
+            <a:noFill/>
+            <a:ln>
+              <a:solidFill>
+                <a:srgbClr val="FF0000"/>
+              </a:solidFill>
+            </a:ln>
+          </p:spPr>
+          <p:style>
+            <a:lnRef idx="2">
+              <a:schemeClr val="accent1">
+                <a:shade val="50000"/>
+              </a:schemeClr>
+            </a:lnRef>
+            <a:fillRef idx="1">
+              <a:schemeClr val="accent1"/>
+            </a:fillRef>
+            <a:effectRef idx="0">
+              <a:schemeClr val="accent1"/>
+            </a:effectRef>
+            <a:fontRef idx="minor">
+              <a:schemeClr val="lt1"/>
+            </a:fontRef>
+          </p:style>
+          <p:txBody>
+            <a:bodyPr rtlCol="0" anchor="ctr"/>
+            <a:lstStyle/>
+            <a:p>
+              <a:pPr algn="ctr"/>
+              <a:endParaRPr lang="en-GB"/>
+            </a:p>
+          </p:txBody>
+        </p:sp>
+      </p:grpSp>
+      <p:grpSp>
+        <p:nvGrpSpPr>
+          <p:cNvPr id="32" name="Group 31">
+            <a:extLst>
+              <a:ext uri="{FF2B5EF4-FFF2-40B4-BE49-F238E27FC236}">
+                <a16:creationId xmlns:a16="http://schemas.microsoft.com/office/drawing/2014/main" id="{96EE8EF0-2F62-4A57-9878-9BB0D5A9E979}"/>
+              </a:ext>
+            </a:extLst>
+          </p:cNvPr>
+          <p:cNvGrpSpPr/>
+          <p:nvPr/>
+        </p:nvGrpSpPr>
+        <p:grpSpPr>
+          <a:xfrm>
+            <a:off x="693691" y="2901833"/>
+            <a:ext cx="5675336" cy="657661"/>
+            <a:chOff x="693691" y="2901833"/>
+            <a:chExt cx="5675336" cy="657661"/>
+          </a:xfrm>
+        </p:grpSpPr>
+        <p:sp>
+          <p:nvSpPr>
+            <p:cNvPr id="29" name="Rectangle 28">
+              <a:extLst>
+                <a:ext uri="{FF2B5EF4-FFF2-40B4-BE49-F238E27FC236}">
+                  <a16:creationId xmlns:a16="http://schemas.microsoft.com/office/drawing/2014/main" id="{789168D8-AC72-4A7F-BA58-E7D1C2178526}"/>
+                </a:ext>
+              </a:extLst>
+            </p:cNvPr>
+            <p:cNvSpPr/>
+            <p:nvPr/>
+          </p:nvSpPr>
+          <p:spPr>
+            <a:xfrm>
+              <a:off x="693691" y="3258477"/>
+              <a:ext cx="1729926" cy="301017"/>
+            </a:xfrm>
+            <a:prstGeom prst="rect">
+              <a:avLst/>
+            </a:prstGeom>
+            <a:noFill/>
+            <a:ln>
+              <a:solidFill>
+                <a:srgbClr val="FF0000"/>
+              </a:solidFill>
+            </a:ln>
+          </p:spPr>
+          <p:style>
+            <a:lnRef idx="2">
+              <a:schemeClr val="accent1">
+                <a:shade val="50000"/>
+              </a:schemeClr>
+            </a:lnRef>
+            <a:fillRef idx="1">
+              <a:schemeClr val="accent1"/>
+            </a:fillRef>
+            <a:effectRef idx="0">
+              <a:schemeClr val="accent1"/>
+            </a:effectRef>
+            <a:fontRef idx="minor">
+              <a:schemeClr val="lt1"/>
+            </a:fontRef>
+          </p:style>
+          <p:txBody>
+            <a:bodyPr rtlCol="0" anchor="ctr"/>
+            <a:lstStyle/>
+            <a:p>
+              <a:pPr algn="ctr"/>
+              <a:endParaRPr lang="en-GB"/>
+            </a:p>
+          </p:txBody>
+        </p:sp>
+        <p:sp>
+          <p:nvSpPr>
+            <p:cNvPr id="31" name="Rectangle 30">
+              <a:extLst>
+                <a:ext uri="{FF2B5EF4-FFF2-40B4-BE49-F238E27FC236}">
+                  <a16:creationId xmlns:a16="http://schemas.microsoft.com/office/drawing/2014/main" id="{794DC935-4D11-42C2-AC7B-3F98AB47EA61}"/>
+                </a:ext>
+              </a:extLst>
+            </p:cNvPr>
+            <p:cNvSpPr/>
+            <p:nvPr/>
+          </p:nvSpPr>
+          <p:spPr>
+            <a:xfrm>
+              <a:off x="4639101" y="2901833"/>
+              <a:ext cx="1729926" cy="301017"/>
+            </a:xfrm>
+            <a:prstGeom prst="rect">
+              <a:avLst/>
+            </a:prstGeom>
+            <a:noFill/>
+            <a:ln>
+              <a:solidFill>
+                <a:srgbClr val="FF0000"/>
+              </a:solidFill>
+            </a:ln>
+          </p:spPr>
+          <p:style>
+            <a:lnRef idx="2">
+              <a:schemeClr val="accent1">
+                <a:shade val="50000"/>
+              </a:schemeClr>
+            </a:lnRef>
+            <a:fillRef idx="1">
+              <a:schemeClr val="accent1"/>
+            </a:fillRef>
+            <a:effectRef idx="0">
+              <a:schemeClr val="accent1"/>
+            </a:effectRef>
+            <a:fontRef idx="minor">
+              <a:schemeClr val="lt1"/>
+            </a:fontRef>
+          </p:style>
+          <p:txBody>
+            <a:bodyPr rtlCol="0" anchor="ctr"/>
+            <a:lstStyle/>
+            <a:p>
+              <a:pPr algn="ctr"/>
+              <a:endParaRPr lang="en-GB"/>
+            </a:p>
+          </p:txBody>
+        </p:sp>
+      </p:grpSp>
+      <p:pic>
+        <p:nvPicPr>
+          <p:cNvPr id="33" name="Picture 32">
+            <a:extLst>
+              <a:ext uri="{FF2B5EF4-FFF2-40B4-BE49-F238E27FC236}">
+                <a16:creationId xmlns:a16="http://schemas.microsoft.com/office/drawing/2014/main" id="{818A160B-2CB0-484D-8BDE-CED48E28AB68}"/>
+              </a:ext>
+            </a:extLst>
+          </p:cNvPr>
+          <p:cNvPicPr>
+            <a:picLocks noChangeAspect="1"/>
+          </p:cNvPicPr>
+          <p:nvPr/>
+        </p:nvPicPr>
+        <p:blipFill>
+          <a:blip r:embed="rId6"/>
+          <a:stretch>
+            <a:fillRect/>
+          </a:stretch>
+        </p:blipFill>
+        <p:spPr>
+          <a:xfrm>
+            <a:off x="7578350" y="1573141"/>
+            <a:ext cx="3962400" cy="3733800"/>
+          </a:xfrm>
+          <a:prstGeom prst="rect">
+            <a:avLst/>
+          </a:prstGeom>
+        </p:spPr>
+      </p:pic>
     </p:spTree>
     <p:extLst>
       <p:ext uri="{BB962C8B-B14F-4D97-AF65-F5344CB8AC3E}">
-        <p14:creationId xmlns:p14="http://schemas.microsoft.com/office/powerpoint/2010/main" val="3377995233"/>
+        <p14:creationId xmlns:p14="http://schemas.microsoft.com/office/powerpoint/2010/main" val="1151593698"/>
       </p:ext>
     </p:extLst>
   </p:cSld>
@@ -3137,9 +5486,6 @@
                     <p:cTn id="3" fill="hold">
                       <p:stCondLst>
                         <p:cond delay="indefinite"/>
-                        <p:cond evt="onBegin" delay="0">
-                          <p:tn val="2"/>
-                        </p:cond>
                       </p:stCondLst>
                       <p:childTnLst>
                         <p:par>
@@ -3149,7 +5495,7 @@
                             </p:stCondLst>
                             <p:childTnLst>
                               <p:par>
-                                <p:cTn id="5" presetID="10" presetClass="entr" presetSubtype="0" fill="hold" grpId="0" nodeType="withEffect">
+                                <p:cTn id="5" presetID="10" presetClass="entr" presetSubtype="0" fill="hold" nodeType="clickEffect">
                                   <p:stCondLst>
                                     <p:cond delay="0"/>
                                   </p:stCondLst>
@@ -3162,7 +5508,7 @@
                                           </p:stCondLst>
                                         </p:cTn>
                                         <p:tgtEl>
-                                          <p:spTgt spid="4"/>
+                                          <p:spTgt spid="12"/>
                                         </p:tgtEl>
                                         <p:attrNameLst>
                                           <p:attrName>style.visibility</p:attrName>
@@ -3176,10 +5522,633 @@
                                       <p:cBhvr>
                                         <p:cTn id="7" dur="300"/>
                                         <p:tgtEl>
-                                          <p:spTgt spid="4"/>
+                                          <p:spTgt spid="12"/>
                                         </p:tgtEl>
                                       </p:cBhvr>
                                     </p:animEffect>
+                                  </p:childTnLst>
+                                </p:cTn>
+                              </p:par>
+                              <p:par>
+                                <p:cTn id="8" presetID="10" presetClass="entr" presetSubtype="0" fill="hold" grpId="0" nodeType="withEffect">
+                                  <p:stCondLst>
+                                    <p:cond delay="0"/>
+                                  </p:stCondLst>
+                                  <p:childTnLst>
+                                    <p:set>
+                                      <p:cBhvr>
+                                        <p:cTn id="9" dur="1" fill="hold">
+                                          <p:stCondLst>
+                                            <p:cond delay="0"/>
+                                          </p:stCondLst>
+                                        </p:cTn>
+                                        <p:tgtEl>
+                                          <p:spTgt spid="16"/>
+                                        </p:tgtEl>
+                                        <p:attrNameLst>
+                                          <p:attrName>style.visibility</p:attrName>
+                                        </p:attrNameLst>
+                                      </p:cBhvr>
+                                      <p:to>
+                                        <p:strVal val="visible"/>
+                                      </p:to>
+                                    </p:set>
+                                    <p:animEffect transition="in" filter="fade">
+                                      <p:cBhvr>
+                                        <p:cTn id="10" dur="300"/>
+                                        <p:tgtEl>
+                                          <p:spTgt spid="16"/>
+                                        </p:tgtEl>
+                                      </p:cBhvr>
+                                    </p:animEffect>
+                                  </p:childTnLst>
+                                </p:cTn>
+                              </p:par>
+                              <p:par>
+                                <p:cTn id="11" presetID="10" presetClass="entr" presetSubtype="0" fill="hold" nodeType="withEffect">
+                                  <p:stCondLst>
+                                    <p:cond delay="0"/>
+                                  </p:stCondLst>
+                                  <p:childTnLst>
+                                    <p:set>
+                                      <p:cBhvr>
+                                        <p:cTn id="12" dur="1" fill="hold">
+                                          <p:stCondLst>
+                                            <p:cond delay="0"/>
+                                          </p:stCondLst>
+                                        </p:cTn>
+                                        <p:tgtEl>
+                                          <p:spTgt spid="22"/>
+                                        </p:tgtEl>
+                                        <p:attrNameLst>
+                                          <p:attrName>style.visibility</p:attrName>
+                                        </p:attrNameLst>
+                                      </p:cBhvr>
+                                      <p:to>
+                                        <p:strVal val="visible"/>
+                                      </p:to>
+                                    </p:set>
+                                    <p:animEffect transition="in" filter="fade">
+                                      <p:cBhvr>
+                                        <p:cTn id="13" dur="300"/>
+                                        <p:tgtEl>
+                                          <p:spTgt spid="22"/>
+                                        </p:tgtEl>
+                                      </p:cBhvr>
+                                    </p:animEffect>
+                                  </p:childTnLst>
+                                </p:cTn>
+                              </p:par>
+                              <p:par>
+                                <p:cTn id="14" presetID="10" presetClass="exit" presetSubtype="0" fill="hold" grpId="1" nodeType="withEffect">
+                                  <p:stCondLst>
+                                    <p:cond delay="0"/>
+                                  </p:stCondLst>
+                                  <p:childTnLst>
+                                    <p:animEffect transition="out" filter="fade">
+                                      <p:cBhvr>
+                                        <p:cTn id="15" dur="300"/>
+                                        <p:tgtEl>
+                                          <p:spTgt spid="15"/>
+                                        </p:tgtEl>
+                                      </p:cBhvr>
+                                    </p:animEffect>
+                                    <p:set>
+                                      <p:cBhvr>
+                                        <p:cTn id="16" dur="1" fill="hold">
+                                          <p:stCondLst>
+                                            <p:cond delay="299"/>
+                                          </p:stCondLst>
+                                        </p:cTn>
+                                        <p:tgtEl>
+                                          <p:spTgt spid="15"/>
+                                        </p:tgtEl>
+                                        <p:attrNameLst>
+                                          <p:attrName>style.visibility</p:attrName>
+                                        </p:attrNameLst>
+                                      </p:cBhvr>
+                                      <p:to>
+                                        <p:strVal val="hidden"/>
+                                      </p:to>
+                                    </p:set>
+                                  </p:childTnLst>
+                                </p:cTn>
+                              </p:par>
+                            </p:childTnLst>
+                          </p:cTn>
+                        </p:par>
+                        <p:par>
+                          <p:cTn id="17" fill="hold">
+                            <p:stCondLst>
+                              <p:cond delay="300"/>
+                            </p:stCondLst>
+                            <p:childTnLst>
+                              <p:par>
+                                <p:cTn id="18" presetID="10" presetClass="exit" presetSubtype="0" fill="hold" nodeType="afterEffect">
+                                  <p:stCondLst>
+                                    <p:cond delay="0"/>
+                                  </p:stCondLst>
+                                  <p:childTnLst>
+                                    <p:animEffect transition="out" filter="fade">
+                                      <p:cBhvr>
+                                        <p:cTn id="19" dur="300"/>
+                                        <p:tgtEl>
+                                          <p:spTgt spid="11"/>
+                                        </p:tgtEl>
+                                      </p:cBhvr>
+                                    </p:animEffect>
+                                    <p:set>
+                                      <p:cBhvr>
+                                        <p:cTn id="20" dur="1" fill="hold">
+                                          <p:stCondLst>
+                                            <p:cond delay="299"/>
+                                          </p:stCondLst>
+                                        </p:cTn>
+                                        <p:tgtEl>
+                                          <p:spTgt spid="11"/>
+                                        </p:tgtEl>
+                                        <p:attrNameLst>
+                                          <p:attrName>style.visibility</p:attrName>
+                                        </p:attrNameLst>
+                                      </p:cBhvr>
+                                      <p:to>
+                                        <p:strVal val="hidden"/>
+                                      </p:to>
+                                    </p:set>
+                                  </p:childTnLst>
+                                </p:cTn>
+                              </p:par>
+                            </p:childTnLst>
+                          </p:cTn>
+                        </p:par>
+                      </p:childTnLst>
+                    </p:cTn>
+                  </p:par>
+                  <p:par>
+                    <p:cTn id="21" fill="hold">
+                      <p:stCondLst>
+                        <p:cond delay="indefinite"/>
+                      </p:stCondLst>
+                      <p:childTnLst>
+                        <p:par>
+                          <p:cTn id="22" fill="hold">
+                            <p:stCondLst>
+                              <p:cond delay="0"/>
+                            </p:stCondLst>
+                            <p:childTnLst>
+                              <p:par>
+                                <p:cTn id="23" presetID="10" presetClass="entr" presetSubtype="0" fill="hold" nodeType="clickEffect">
+                                  <p:stCondLst>
+                                    <p:cond delay="0"/>
+                                  </p:stCondLst>
+                                  <p:childTnLst>
+                                    <p:set>
+                                      <p:cBhvr>
+                                        <p:cTn id="24" dur="1" fill="hold">
+                                          <p:stCondLst>
+                                            <p:cond delay="0"/>
+                                          </p:stCondLst>
+                                        </p:cTn>
+                                        <p:tgtEl>
+                                          <p:spTgt spid="13"/>
+                                        </p:tgtEl>
+                                        <p:attrNameLst>
+                                          <p:attrName>style.visibility</p:attrName>
+                                        </p:attrNameLst>
+                                      </p:cBhvr>
+                                      <p:to>
+                                        <p:strVal val="visible"/>
+                                      </p:to>
+                                    </p:set>
+                                    <p:animEffect transition="in" filter="fade">
+                                      <p:cBhvr>
+                                        <p:cTn id="25" dur="300"/>
+                                        <p:tgtEl>
+                                          <p:spTgt spid="13"/>
+                                        </p:tgtEl>
+                                      </p:cBhvr>
+                                    </p:animEffect>
+                                  </p:childTnLst>
+                                </p:cTn>
+                              </p:par>
+                              <p:par>
+                                <p:cTn id="26" presetID="10" presetClass="entr" presetSubtype="0" fill="hold" grpId="0" nodeType="withEffect">
+                                  <p:stCondLst>
+                                    <p:cond delay="0"/>
+                                  </p:stCondLst>
+                                  <p:childTnLst>
+                                    <p:set>
+                                      <p:cBhvr>
+                                        <p:cTn id="27" dur="1" fill="hold">
+                                          <p:stCondLst>
+                                            <p:cond delay="0"/>
+                                          </p:stCondLst>
+                                        </p:cTn>
+                                        <p:tgtEl>
+                                          <p:spTgt spid="17"/>
+                                        </p:tgtEl>
+                                        <p:attrNameLst>
+                                          <p:attrName>style.visibility</p:attrName>
+                                        </p:attrNameLst>
+                                      </p:cBhvr>
+                                      <p:to>
+                                        <p:strVal val="visible"/>
+                                      </p:to>
+                                    </p:set>
+                                    <p:animEffect transition="in" filter="fade">
+                                      <p:cBhvr>
+                                        <p:cTn id="28" dur="300"/>
+                                        <p:tgtEl>
+                                          <p:spTgt spid="17"/>
+                                        </p:tgtEl>
+                                      </p:cBhvr>
+                                    </p:animEffect>
+                                  </p:childTnLst>
+                                </p:cTn>
+                              </p:par>
+                              <p:par>
+                                <p:cTn id="29" presetID="10" presetClass="entr" presetSubtype="0" fill="hold" nodeType="withEffect">
+                                  <p:stCondLst>
+                                    <p:cond delay="0"/>
+                                  </p:stCondLst>
+                                  <p:childTnLst>
+                                    <p:set>
+                                      <p:cBhvr>
+                                        <p:cTn id="30" dur="1" fill="hold">
+                                          <p:stCondLst>
+                                            <p:cond delay="0"/>
+                                          </p:stCondLst>
+                                        </p:cTn>
+                                        <p:tgtEl>
+                                          <p:spTgt spid="27"/>
+                                        </p:tgtEl>
+                                        <p:attrNameLst>
+                                          <p:attrName>style.visibility</p:attrName>
+                                        </p:attrNameLst>
+                                      </p:cBhvr>
+                                      <p:to>
+                                        <p:strVal val="visible"/>
+                                      </p:to>
+                                    </p:set>
+                                    <p:animEffect transition="in" filter="fade">
+                                      <p:cBhvr>
+                                        <p:cTn id="31" dur="300"/>
+                                        <p:tgtEl>
+                                          <p:spTgt spid="27"/>
+                                        </p:tgtEl>
+                                      </p:cBhvr>
+                                    </p:animEffect>
+                                  </p:childTnLst>
+                                </p:cTn>
+                              </p:par>
+                              <p:par>
+                                <p:cTn id="32" presetID="10" presetClass="exit" presetSubtype="0" fill="hold" grpId="1" nodeType="withEffect">
+                                  <p:stCondLst>
+                                    <p:cond delay="0"/>
+                                  </p:stCondLst>
+                                  <p:childTnLst>
+                                    <p:animEffect transition="out" filter="fade">
+                                      <p:cBhvr>
+                                        <p:cTn id="33" dur="300"/>
+                                        <p:tgtEl>
+                                          <p:spTgt spid="16"/>
+                                        </p:tgtEl>
+                                      </p:cBhvr>
+                                    </p:animEffect>
+                                    <p:set>
+                                      <p:cBhvr>
+                                        <p:cTn id="34" dur="1" fill="hold">
+                                          <p:stCondLst>
+                                            <p:cond delay="299"/>
+                                          </p:stCondLst>
+                                        </p:cTn>
+                                        <p:tgtEl>
+                                          <p:spTgt spid="16"/>
+                                        </p:tgtEl>
+                                        <p:attrNameLst>
+                                          <p:attrName>style.visibility</p:attrName>
+                                        </p:attrNameLst>
+                                      </p:cBhvr>
+                                      <p:to>
+                                        <p:strVal val="hidden"/>
+                                      </p:to>
+                                    </p:set>
+                                  </p:childTnLst>
+                                </p:cTn>
+                              </p:par>
+                              <p:par>
+                                <p:cTn id="35" presetID="10" presetClass="exit" presetSubtype="0" fill="hold" nodeType="withEffect">
+                                  <p:stCondLst>
+                                    <p:cond delay="0"/>
+                                  </p:stCondLst>
+                                  <p:childTnLst>
+                                    <p:animEffect transition="out" filter="fade">
+                                      <p:cBhvr>
+                                        <p:cTn id="36" dur="300"/>
+                                        <p:tgtEl>
+                                          <p:spTgt spid="22"/>
+                                        </p:tgtEl>
+                                      </p:cBhvr>
+                                    </p:animEffect>
+                                    <p:set>
+                                      <p:cBhvr>
+                                        <p:cTn id="37" dur="1" fill="hold">
+                                          <p:stCondLst>
+                                            <p:cond delay="299"/>
+                                          </p:stCondLst>
+                                        </p:cTn>
+                                        <p:tgtEl>
+                                          <p:spTgt spid="22"/>
+                                        </p:tgtEl>
+                                        <p:attrNameLst>
+                                          <p:attrName>style.visibility</p:attrName>
+                                        </p:attrNameLst>
+                                      </p:cBhvr>
+                                      <p:to>
+                                        <p:strVal val="hidden"/>
+                                      </p:to>
+                                    </p:set>
+                                  </p:childTnLst>
+                                </p:cTn>
+                              </p:par>
+                            </p:childTnLst>
+                          </p:cTn>
+                        </p:par>
+                        <p:par>
+                          <p:cTn id="38" fill="hold">
+                            <p:stCondLst>
+                              <p:cond delay="300"/>
+                            </p:stCondLst>
+                            <p:childTnLst>
+                              <p:par>
+                                <p:cTn id="39" presetID="10" presetClass="exit" presetSubtype="0" fill="hold" nodeType="afterEffect">
+                                  <p:stCondLst>
+                                    <p:cond delay="0"/>
+                                  </p:stCondLst>
+                                  <p:childTnLst>
+                                    <p:animEffect transition="out" filter="fade">
+                                      <p:cBhvr>
+                                        <p:cTn id="40" dur="300"/>
+                                        <p:tgtEl>
+                                          <p:spTgt spid="12"/>
+                                        </p:tgtEl>
+                                      </p:cBhvr>
+                                    </p:animEffect>
+                                    <p:set>
+                                      <p:cBhvr>
+                                        <p:cTn id="41" dur="1" fill="hold">
+                                          <p:stCondLst>
+                                            <p:cond delay="299"/>
+                                          </p:stCondLst>
+                                        </p:cTn>
+                                        <p:tgtEl>
+                                          <p:spTgt spid="12"/>
+                                        </p:tgtEl>
+                                        <p:attrNameLst>
+                                          <p:attrName>style.visibility</p:attrName>
+                                        </p:attrNameLst>
+                                      </p:cBhvr>
+                                      <p:to>
+                                        <p:strVal val="hidden"/>
+                                      </p:to>
+                                    </p:set>
+                                  </p:childTnLst>
+                                </p:cTn>
+                              </p:par>
+                            </p:childTnLst>
+                          </p:cTn>
+                        </p:par>
+                      </p:childTnLst>
+                    </p:cTn>
+                  </p:par>
+                  <p:par>
+                    <p:cTn id="42" fill="hold">
+                      <p:stCondLst>
+                        <p:cond delay="indefinite"/>
+                      </p:stCondLst>
+                      <p:childTnLst>
+                        <p:par>
+                          <p:cTn id="43" fill="hold">
+                            <p:stCondLst>
+                              <p:cond delay="0"/>
+                            </p:stCondLst>
+                            <p:childTnLst>
+                              <p:par>
+                                <p:cTn id="44" presetID="10" presetClass="entr" presetSubtype="0" fill="hold" nodeType="clickEffect">
+                                  <p:stCondLst>
+                                    <p:cond delay="0"/>
+                                  </p:stCondLst>
+                                  <p:childTnLst>
+                                    <p:set>
+                                      <p:cBhvr>
+                                        <p:cTn id="45" dur="1" fill="hold">
+                                          <p:stCondLst>
+                                            <p:cond delay="0"/>
+                                          </p:stCondLst>
+                                        </p:cTn>
+                                        <p:tgtEl>
+                                          <p:spTgt spid="14"/>
+                                        </p:tgtEl>
+                                        <p:attrNameLst>
+                                          <p:attrName>style.visibility</p:attrName>
+                                        </p:attrNameLst>
+                                      </p:cBhvr>
+                                      <p:to>
+                                        <p:strVal val="visible"/>
+                                      </p:to>
+                                    </p:set>
+                                    <p:animEffect transition="in" filter="fade">
+                                      <p:cBhvr>
+                                        <p:cTn id="46" dur="300"/>
+                                        <p:tgtEl>
+                                          <p:spTgt spid="14"/>
+                                        </p:tgtEl>
+                                      </p:cBhvr>
+                                    </p:animEffect>
+                                  </p:childTnLst>
+                                </p:cTn>
+                              </p:par>
+                              <p:par>
+                                <p:cTn id="47" presetID="10" presetClass="entr" presetSubtype="0" fill="hold" grpId="0" nodeType="withEffect">
+                                  <p:stCondLst>
+                                    <p:cond delay="0"/>
+                                  </p:stCondLst>
+                                  <p:childTnLst>
+                                    <p:set>
+                                      <p:cBhvr>
+                                        <p:cTn id="48" dur="1" fill="hold">
+                                          <p:stCondLst>
+                                            <p:cond delay="0"/>
+                                          </p:stCondLst>
+                                        </p:cTn>
+                                        <p:tgtEl>
+                                          <p:spTgt spid="18"/>
+                                        </p:tgtEl>
+                                        <p:attrNameLst>
+                                          <p:attrName>style.visibility</p:attrName>
+                                        </p:attrNameLst>
+                                      </p:cBhvr>
+                                      <p:to>
+                                        <p:strVal val="visible"/>
+                                      </p:to>
+                                    </p:set>
+                                    <p:animEffect transition="in" filter="fade">
+                                      <p:cBhvr>
+                                        <p:cTn id="49" dur="300"/>
+                                        <p:tgtEl>
+                                          <p:spTgt spid="18"/>
+                                        </p:tgtEl>
+                                      </p:cBhvr>
+                                    </p:animEffect>
+                                  </p:childTnLst>
+                                </p:cTn>
+                              </p:par>
+                              <p:par>
+                                <p:cTn id="50" presetID="10" presetClass="entr" presetSubtype="0" fill="hold" nodeType="withEffect">
+                                  <p:stCondLst>
+                                    <p:cond delay="0"/>
+                                  </p:stCondLst>
+                                  <p:childTnLst>
+                                    <p:set>
+                                      <p:cBhvr>
+                                        <p:cTn id="51" dur="1" fill="hold">
+                                          <p:stCondLst>
+                                            <p:cond delay="0"/>
+                                          </p:stCondLst>
+                                        </p:cTn>
+                                        <p:tgtEl>
+                                          <p:spTgt spid="32"/>
+                                        </p:tgtEl>
+                                        <p:attrNameLst>
+                                          <p:attrName>style.visibility</p:attrName>
+                                        </p:attrNameLst>
+                                      </p:cBhvr>
+                                      <p:to>
+                                        <p:strVal val="visible"/>
+                                      </p:to>
+                                    </p:set>
+                                    <p:animEffect transition="in" filter="fade">
+                                      <p:cBhvr>
+                                        <p:cTn id="52" dur="300"/>
+                                        <p:tgtEl>
+                                          <p:spTgt spid="32"/>
+                                        </p:tgtEl>
+                                      </p:cBhvr>
+                                    </p:animEffect>
+                                  </p:childTnLst>
+                                </p:cTn>
+                              </p:par>
+                              <p:par>
+                                <p:cTn id="53" presetID="10" presetClass="exit" presetSubtype="0" fill="hold" grpId="1" nodeType="withEffect">
+                                  <p:stCondLst>
+                                    <p:cond delay="0"/>
+                                  </p:stCondLst>
+                                  <p:childTnLst>
+                                    <p:animEffect transition="out" filter="fade">
+                                      <p:cBhvr>
+                                        <p:cTn id="54" dur="300"/>
+                                        <p:tgtEl>
+                                          <p:spTgt spid="17"/>
+                                        </p:tgtEl>
+                                      </p:cBhvr>
+                                    </p:animEffect>
+                                    <p:set>
+                                      <p:cBhvr>
+                                        <p:cTn id="55" dur="1" fill="hold">
+                                          <p:stCondLst>
+                                            <p:cond delay="299"/>
+                                          </p:stCondLst>
+                                        </p:cTn>
+                                        <p:tgtEl>
+                                          <p:spTgt spid="17"/>
+                                        </p:tgtEl>
+                                        <p:attrNameLst>
+                                          <p:attrName>style.visibility</p:attrName>
+                                        </p:attrNameLst>
+                                      </p:cBhvr>
+                                      <p:to>
+                                        <p:strVal val="hidden"/>
+                                      </p:to>
+                                    </p:set>
+                                  </p:childTnLst>
+                                </p:cTn>
+                              </p:par>
+                              <p:par>
+                                <p:cTn id="56" presetID="10" presetClass="exit" presetSubtype="0" fill="hold" nodeType="withEffect">
+                                  <p:stCondLst>
+                                    <p:cond delay="0"/>
+                                  </p:stCondLst>
+                                  <p:childTnLst>
+                                    <p:animEffect transition="out" filter="fade">
+                                      <p:cBhvr>
+                                        <p:cTn id="57" dur="300"/>
+                                        <p:tgtEl>
+                                          <p:spTgt spid="27"/>
+                                        </p:tgtEl>
+                                      </p:cBhvr>
+                                    </p:animEffect>
+                                    <p:set>
+                                      <p:cBhvr>
+                                        <p:cTn id="58" dur="1" fill="hold">
+                                          <p:stCondLst>
+                                            <p:cond delay="299"/>
+                                          </p:stCondLst>
+                                        </p:cTn>
+                                        <p:tgtEl>
+                                          <p:spTgt spid="27"/>
+                                        </p:tgtEl>
+                                        <p:attrNameLst>
+                                          <p:attrName>style.visibility</p:attrName>
+                                        </p:attrNameLst>
+                                      </p:cBhvr>
+                                      <p:to>
+                                        <p:strVal val="hidden"/>
+                                      </p:to>
+                                    </p:set>
+                                  </p:childTnLst>
+                                </p:cTn>
+                              </p:par>
+                            </p:childTnLst>
+                          </p:cTn>
+                        </p:par>
+                        <p:par>
+                          <p:cTn id="59" fill="hold">
+                            <p:stCondLst>
+                              <p:cond delay="300"/>
+                            </p:stCondLst>
+                            <p:childTnLst>
+                              <p:par>
+                                <p:cTn id="60" presetID="10" presetClass="exit" presetSubtype="0" fill="hold" nodeType="afterEffect">
+                                  <p:stCondLst>
+                                    <p:cond delay="0"/>
+                                  </p:stCondLst>
+                                  <p:childTnLst>
+                                    <p:animEffect transition="out" filter="fade">
+                                      <p:cBhvr>
+                                        <p:cTn id="61" dur="300"/>
+                                        <p:tgtEl>
+                                          <p:spTgt spid="13"/>
+                                        </p:tgtEl>
+                                      </p:cBhvr>
+                                    </p:animEffect>
+                                    <p:set>
+                                      <p:cBhvr>
+                                        <p:cTn id="62" dur="1" fill="hold">
+                                          <p:stCondLst>
+                                            <p:cond delay="299"/>
+                                          </p:stCondLst>
+                                        </p:cTn>
+                                        <p:tgtEl>
+                                          <p:spTgt spid="13"/>
+                                        </p:tgtEl>
+                                        <p:attrNameLst>
+                                          <p:attrName>style.visibility</p:attrName>
+                                        </p:attrNameLst>
+                                      </p:cBhvr>
+                                      <p:to>
+                                        <p:strVal val="hidden"/>
+                                      </p:to>
+                                    </p:set>
                                   </p:childTnLst>
                                 </p:cTn>
                               </p:par>
@@ -3211,7 +6180,12 @@
       </p:par>
     </p:tnLst>
     <p:bldLst>
-      <p:bldP spid="4" grpId="0"/>
+      <p:bldP spid="15" grpId="1"/>
+      <p:bldP spid="16" grpId="0"/>
+      <p:bldP spid="16" grpId="1"/>
+      <p:bldP spid="17" grpId="0"/>
+      <p:bldP spid="17" grpId="1"/>
+      <p:bldP spid="18" grpId="0"/>
     </p:bldLst>
   </p:timing>
 </p:sld>
@@ -3257,7 +6231,7 @@
           <a:p>
             <a:r>
               <a:rPr lang="en-GB" dirty="0"/>
-              <a:t>Box and whisker plots</a:t>
+              <a:t>Histograms</a:t>
             </a:r>
           </a:p>
         </p:txBody>
@@ -3341,7 +6315,7 @@
     </p:spTree>
     <p:extLst>
       <p:ext uri="{BB962C8B-B14F-4D97-AF65-F5344CB8AC3E}">
-        <p14:creationId xmlns:p14="http://schemas.microsoft.com/office/powerpoint/2010/main" val="1070334628"/>
+        <p14:creationId xmlns:p14="http://schemas.microsoft.com/office/powerpoint/2010/main" val="3377995233"/>
       </p:ext>
     </p:extLst>
   </p:cSld>
@@ -3492,7 +6466,7 @@
           <a:p>
             <a:r>
               <a:rPr lang="en-GB" dirty="0"/>
-              <a:t>Surface plots</a:t>
+              <a:t>Box and whisker plots</a:t>
             </a:r>
           </a:p>
         </p:txBody>
@@ -3576,7 +6550,7 @@
     </p:spTree>
     <p:extLst>
       <p:ext uri="{BB962C8B-B14F-4D97-AF65-F5344CB8AC3E}">
-        <p14:creationId xmlns:p14="http://schemas.microsoft.com/office/powerpoint/2010/main" val="3308609387"/>
+        <p14:creationId xmlns:p14="http://schemas.microsoft.com/office/powerpoint/2010/main" val="1070334628"/>
       </p:ext>
     </p:extLst>
   </p:cSld>
@@ -3727,6 +6701,308 @@
           <a:p>
             <a:r>
               <a:rPr lang="en-GB" dirty="0"/>
+              <a:t>Surface plots</a:t>
+            </a:r>
+          </a:p>
+        </p:txBody>
+      </p:sp>
+      <p:sp>
+        <p:nvSpPr>
+          <p:cNvPr id="3" name="Content Placeholder 2">
+            <a:extLst>
+              <a:ext uri="{FF2B5EF4-FFF2-40B4-BE49-F238E27FC236}">
+                <a16:creationId xmlns:a16="http://schemas.microsoft.com/office/drawing/2014/main" id="{E5E20577-7C2A-40F7-B0DD-EB9541ABD2C5}"/>
+              </a:ext>
+            </a:extLst>
+          </p:cNvPr>
+          <p:cNvSpPr>
+            <a:spLocks noGrp="1"/>
+          </p:cNvSpPr>
+          <p:nvPr>
+            <p:ph idx="1"/>
+          </p:nvPr>
+        </p:nvSpPr>
+        <p:spPr/>
+        <p:txBody>
+          <a:bodyPr/>
+          <a:lstStyle/>
+          <a:p>
+            <a:r>
+              <a:rPr lang="en-GB" dirty="0" err="1"/>
+              <a:t>sfsdfsfd</a:t>
+            </a:r>
+            <a:endParaRPr lang="en-GB" dirty="0"/>
+          </a:p>
+          <a:p>
+            <a:pPr lvl="1"/>
+            <a:endParaRPr lang="en-GB" dirty="0"/>
+          </a:p>
+          <a:p>
+            <a:endParaRPr lang="en-GB" dirty="0"/>
+          </a:p>
+        </p:txBody>
+      </p:sp>
+      <p:pic>
+        <p:nvPicPr>
+          <p:cNvPr id="5" name="Picture 4" descr="A close up of a map&#10;&#10;Description automatically generated">
+            <a:extLst>
+              <a:ext uri="{FF2B5EF4-FFF2-40B4-BE49-F238E27FC236}">
+                <a16:creationId xmlns:a16="http://schemas.microsoft.com/office/drawing/2014/main" id="{D8302AFC-BD42-41FF-BDFF-6C231832E581}"/>
+              </a:ext>
+            </a:extLst>
+          </p:cNvPr>
+          <p:cNvPicPr>
+            <a:picLocks noChangeAspect="1"/>
+          </p:cNvPicPr>
+          <p:nvPr/>
+        </p:nvPicPr>
+        <p:blipFill>
+          <a:blip r:embed="rId2">
+            <a:extLst>
+              <a:ext uri="{28A0092B-C50C-407E-A947-70E740481C1C}">
+                <a14:useLocalDpi xmlns:a14="http://schemas.microsoft.com/office/drawing/2010/main" val="0"/>
+              </a:ext>
+            </a:extLst>
+          </a:blip>
+          <a:stretch>
+            <a:fillRect/>
+          </a:stretch>
+        </p:blipFill>
+        <p:spPr>
+          <a:xfrm>
+            <a:off x="7894240" y="1691484"/>
+            <a:ext cx="3962400" cy="3733800"/>
+          </a:xfrm>
+          <a:prstGeom prst="rect">
+            <a:avLst/>
+          </a:prstGeom>
+        </p:spPr>
+      </p:pic>
+      <p:pic>
+        <p:nvPicPr>
+          <p:cNvPr id="6" name="Picture 5">
+            <a:extLst>
+              <a:ext uri="{FF2B5EF4-FFF2-40B4-BE49-F238E27FC236}">
+                <a16:creationId xmlns:a16="http://schemas.microsoft.com/office/drawing/2014/main" id="{126E4EBA-F7EE-45FA-ACC8-071457F2D488}"/>
+              </a:ext>
+            </a:extLst>
+          </p:cNvPr>
+          <p:cNvPicPr>
+            <a:picLocks noChangeAspect="1"/>
+          </p:cNvPicPr>
+          <p:nvPr/>
+        </p:nvPicPr>
+        <p:blipFill>
+          <a:blip r:embed="rId3"/>
+          <a:stretch>
+            <a:fillRect/>
+          </a:stretch>
+        </p:blipFill>
+        <p:spPr>
+          <a:xfrm>
+            <a:off x="7894240" y="1691484"/>
+            <a:ext cx="3962400" cy="3733800"/>
+          </a:xfrm>
+          <a:prstGeom prst="rect">
+            <a:avLst/>
+          </a:prstGeom>
+        </p:spPr>
+      </p:pic>
+    </p:spTree>
+    <p:extLst>
+      <p:ext uri="{BB962C8B-B14F-4D97-AF65-F5344CB8AC3E}">
+        <p14:creationId xmlns:p14="http://schemas.microsoft.com/office/powerpoint/2010/main" val="3308609387"/>
+      </p:ext>
+    </p:extLst>
+  </p:cSld>
+  <p:clrMapOvr>
+    <a:masterClrMapping/>
+  </p:clrMapOvr>
+  <mc:AlternateContent xmlns:mc="http://schemas.openxmlformats.org/markup-compatibility/2006" xmlns:p14="http://schemas.microsoft.com/office/powerpoint/2010/main">
+    <mc:Choice Requires="p14">
+      <p:transition p14:dur="300">
+        <p:fade/>
+      </p:transition>
+    </mc:Choice>
+    <mc:Fallback xmlns="">
+      <p:transition>
+        <p:fade/>
+      </p:transition>
+    </mc:Fallback>
+  </mc:AlternateContent>
+  <p:timing>
+    <p:tnLst>
+      <p:par>
+        <p:cTn id="1" dur="indefinite" restart="never" nodeType="tmRoot">
+          <p:childTnLst>
+            <p:seq concurrent="1" nextAc="seek">
+              <p:cTn id="2" dur="indefinite" nodeType="mainSeq">
+                <p:childTnLst>
+                  <p:par>
+                    <p:cTn id="3" fill="hold">
+                      <p:stCondLst>
+                        <p:cond delay="indefinite"/>
+                        <p:cond evt="onBegin" delay="0">
+                          <p:tn val="2"/>
+                        </p:cond>
+                      </p:stCondLst>
+                      <p:childTnLst>
+                        <p:par>
+                          <p:cTn id="4" fill="hold">
+                            <p:stCondLst>
+                              <p:cond delay="0"/>
+                            </p:stCondLst>
+                            <p:childTnLst>
+                              <p:par>
+                                <p:cTn id="5" presetID="10" presetClass="entr" presetSubtype="0" fill="hold" nodeType="afterEffect">
+                                  <p:stCondLst>
+                                    <p:cond delay="0"/>
+                                  </p:stCondLst>
+                                  <p:childTnLst>
+                                    <p:set>
+                                      <p:cBhvr>
+                                        <p:cTn id="6" dur="1" fill="hold">
+                                          <p:stCondLst>
+                                            <p:cond delay="0"/>
+                                          </p:stCondLst>
+                                        </p:cTn>
+                                        <p:tgtEl>
+                                          <p:spTgt spid="6"/>
+                                        </p:tgtEl>
+                                        <p:attrNameLst>
+                                          <p:attrName>style.visibility</p:attrName>
+                                        </p:attrNameLst>
+                                      </p:cBhvr>
+                                      <p:to>
+                                        <p:strVal val="visible"/>
+                                      </p:to>
+                                    </p:set>
+                                    <p:animEffect transition="in" filter="fade">
+                                      <p:cBhvr>
+                                        <p:cTn id="7" dur="300"/>
+                                        <p:tgtEl>
+                                          <p:spTgt spid="6"/>
+                                        </p:tgtEl>
+                                      </p:cBhvr>
+                                    </p:animEffect>
+                                  </p:childTnLst>
+                                </p:cTn>
+                              </p:par>
+                            </p:childTnLst>
+                          </p:cTn>
+                        </p:par>
+                        <p:par>
+                          <p:cTn id="8" fill="hold">
+                            <p:stCondLst>
+                              <p:cond delay="300"/>
+                            </p:stCondLst>
+                            <p:childTnLst>
+                              <p:par>
+                                <p:cTn id="9" presetID="10" presetClass="exit" presetSubtype="0" fill="hold" nodeType="afterEffect">
+                                  <p:stCondLst>
+                                    <p:cond delay="6000"/>
+                                  </p:stCondLst>
+                                  <p:childTnLst>
+                                    <p:animEffect transition="out" filter="fade">
+                                      <p:cBhvr>
+                                        <p:cTn id="10" dur="300"/>
+                                        <p:tgtEl>
+                                          <p:spTgt spid="5"/>
+                                        </p:tgtEl>
+                                      </p:cBhvr>
+                                    </p:animEffect>
+                                    <p:set>
+                                      <p:cBhvr>
+                                        <p:cTn id="11" dur="1" fill="hold">
+                                          <p:stCondLst>
+                                            <p:cond delay="299"/>
+                                          </p:stCondLst>
+                                        </p:cTn>
+                                        <p:tgtEl>
+                                          <p:spTgt spid="5"/>
+                                        </p:tgtEl>
+                                        <p:attrNameLst>
+                                          <p:attrName>style.visibility</p:attrName>
+                                        </p:attrNameLst>
+                                      </p:cBhvr>
+                                      <p:to>
+                                        <p:strVal val="hidden"/>
+                                      </p:to>
+                                    </p:set>
+                                  </p:childTnLst>
+                                </p:cTn>
+                              </p:par>
+                            </p:childTnLst>
+                          </p:cTn>
+                        </p:par>
+                      </p:childTnLst>
+                    </p:cTn>
+                  </p:par>
+                </p:childTnLst>
+              </p:cTn>
+              <p:prevCondLst>
+                <p:cond evt="onPrev" delay="0">
+                  <p:tgtEl>
+                    <p:sldTgt/>
+                  </p:tgtEl>
+                </p:cond>
+              </p:prevCondLst>
+              <p:nextCondLst>
+                <p:cond evt="onNext" delay="0">
+                  <p:tgtEl>
+                    <p:sldTgt/>
+                  </p:tgtEl>
+                </p:cond>
+              </p:nextCondLst>
+            </p:seq>
+          </p:childTnLst>
+        </p:cTn>
+      </p:par>
+    </p:tnLst>
+  </p:timing>
+</p:sld>
+</file>
+
+<file path=ppt/slides/slide16.xml><?xml version="1.0" encoding="utf-8"?>
+<p:sld xmlns:a="http://schemas.openxmlformats.org/drawingml/2006/main" xmlns:r="http://schemas.openxmlformats.org/officeDocument/2006/relationships" xmlns:p="http://schemas.openxmlformats.org/presentationml/2006/main">
+  <p:cSld>
+    <p:spTree>
+      <p:nvGrpSpPr>
+        <p:cNvPr id="1" name=""/>
+        <p:cNvGrpSpPr/>
+        <p:nvPr/>
+      </p:nvGrpSpPr>
+      <p:grpSpPr>
+        <a:xfrm>
+          <a:off x="0" y="0"/>
+          <a:ext cx="0" cy="0"/>
+          <a:chOff x="0" y="0"/>
+          <a:chExt cx="0" cy="0"/>
+        </a:xfrm>
+      </p:grpSpPr>
+      <p:sp>
+        <p:nvSpPr>
+          <p:cNvPr id="2" name="Title 1">
+            <a:extLst>
+              <a:ext uri="{FF2B5EF4-FFF2-40B4-BE49-F238E27FC236}">
+                <a16:creationId xmlns:a16="http://schemas.microsoft.com/office/drawing/2014/main" id="{E0C3FFB3-8FA6-4283-B978-C97FEDCF8629}"/>
+              </a:ext>
+            </a:extLst>
+          </p:cNvPr>
+          <p:cNvSpPr>
+            <a:spLocks noGrp="1"/>
+          </p:cNvSpPr>
+          <p:nvPr>
+            <p:ph type="title"/>
+          </p:nvPr>
+        </p:nvSpPr>
+        <p:spPr/>
+        <p:txBody>
+          <a:bodyPr/>
+          <a:lstStyle/>
+          <a:p>
+            <a:r>
+              <a:rPr lang="en-GB" dirty="0"/>
               <a:t>Combining plot types</a:t>
             </a:r>
           </a:p>
@@ -3922,7 +7198,7 @@
 </p:sld>
 </file>
 
-<file path=ppt/slides/slide16.xml><?xml version="1.0" encoding="utf-8"?>
+<file path=ppt/slides/slide17.xml><?xml version="1.0" encoding="utf-8"?>
 <p:sld xmlns:a="http://schemas.openxmlformats.org/drawingml/2006/main" xmlns:r="http://schemas.openxmlformats.org/officeDocument/2006/relationships" xmlns:p="http://schemas.openxmlformats.org/presentationml/2006/main">
   <p:cSld>
     <p:spTree>
@@ -4051,118 +7327,6 @@
     <p:extLst>
       <p:ext uri="{BB962C8B-B14F-4D97-AF65-F5344CB8AC3E}">
         <p14:creationId xmlns:p14="http://schemas.microsoft.com/office/powerpoint/2010/main" val="616477775"/>
-      </p:ext>
-    </p:extLst>
-  </p:cSld>
-  <p:clrMapOvr>
-    <a:masterClrMapping/>
-  </p:clrMapOvr>
-  <mc:AlternateContent xmlns:mc="http://schemas.openxmlformats.org/markup-compatibility/2006" xmlns:p14="http://schemas.microsoft.com/office/powerpoint/2010/main">
-    <mc:Choice Requires="p14">
-      <p:transition p14:dur="300">
-        <p:fade/>
-      </p:transition>
-    </mc:Choice>
-    <mc:Fallback xmlns="">
-      <p:transition>
-        <p:fade/>
-      </p:transition>
-    </mc:Fallback>
-  </mc:AlternateContent>
-</p:sld>
-</file>
-
-<file path=ppt/slides/slide17.xml><?xml version="1.0" encoding="utf-8"?>
-<p:sld xmlns:a="http://schemas.openxmlformats.org/drawingml/2006/main" xmlns:r="http://schemas.openxmlformats.org/officeDocument/2006/relationships" xmlns:p="http://schemas.openxmlformats.org/presentationml/2006/main">
-  <p:cSld>
-    <p:spTree>
-      <p:nvGrpSpPr>
-        <p:cNvPr id="1" name=""/>
-        <p:cNvGrpSpPr/>
-        <p:nvPr/>
-      </p:nvGrpSpPr>
-      <p:grpSpPr>
-        <a:xfrm>
-          <a:off x="0" y="0"/>
-          <a:ext cx="0" cy="0"/>
-          <a:chOff x="0" y="0"/>
-          <a:chExt cx="0" cy="0"/>
-        </a:xfrm>
-      </p:grpSpPr>
-      <p:sp>
-        <p:nvSpPr>
-          <p:cNvPr id="2" name="Title 1">
-            <a:extLst>
-              <a:ext uri="{FF2B5EF4-FFF2-40B4-BE49-F238E27FC236}">
-                <a16:creationId xmlns:a16="http://schemas.microsoft.com/office/drawing/2014/main" id="{8EEF9218-B50A-424A-A99D-57BA08F4A8E3}"/>
-              </a:ext>
-            </a:extLst>
-          </p:cNvPr>
-          <p:cNvSpPr>
-            <a:spLocks noGrp="1"/>
-          </p:cNvSpPr>
-          <p:nvPr>
-            <p:ph type="title"/>
-          </p:nvPr>
-        </p:nvSpPr>
-        <p:spPr/>
-        <p:txBody>
-          <a:bodyPr/>
-          <a:lstStyle/>
-          <a:p>
-            <a:endParaRPr lang="en-GB" dirty="0"/>
-          </a:p>
-        </p:txBody>
-      </p:sp>
-      <p:sp>
-        <p:nvSpPr>
-          <p:cNvPr id="4" name="TextBox 3">
-            <a:extLst>
-              <a:ext uri="{FF2B5EF4-FFF2-40B4-BE49-F238E27FC236}">
-                <a16:creationId xmlns:a16="http://schemas.microsoft.com/office/drawing/2014/main" id="{31426854-EE0B-4A5A-AC6D-2BF50C4B1D90}"/>
-              </a:ext>
-            </a:extLst>
-          </p:cNvPr>
-          <p:cNvSpPr txBox="1"/>
-          <p:nvPr/>
-        </p:nvSpPr>
-        <p:spPr>
-          <a:xfrm>
-            <a:off x="2052408" y="3136612"/>
-            <a:ext cx="8087183" cy="584775"/>
-          </a:xfrm>
-          <a:prstGeom prst="rect">
-            <a:avLst/>
-          </a:prstGeom>
-          <a:noFill/>
-        </p:spPr>
-        <p:txBody>
-          <a:bodyPr wrap="square" rtlCol="0">
-            <a:spAutoFit/>
-          </a:bodyPr>
-          <a:lstStyle/>
-          <a:p>
-            <a:pPr algn="ctr"/>
-            <a:r>
-              <a:rPr lang="en-GB" sz="3200" dirty="0"/>
-              <a:t>Designing a </a:t>
-            </a:r>
-            <a:r>
-              <a:rPr lang="en-GB" sz="3200"/>
-              <a:t>user interface</a:t>
-            </a:r>
-            <a:endParaRPr lang="en-GB" sz="2800" dirty="0">
-              <a:solidFill>
-                <a:schemeClr val="tx1"/>
-              </a:solidFill>
-            </a:endParaRPr>
-          </a:p>
-        </p:txBody>
-      </p:sp>
-    </p:spTree>
-    <p:extLst>
-      <p:ext uri="{BB962C8B-B14F-4D97-AF65-F5344CB8AC3E}">
-        <p14:creationId xmlns:p14="http://schemas.microsoft.com/office/powerpoint/2010/main" val="2590606000"/>
       </p:ext>
     </p:extLst>
   </p:cSld>
@@ -4206,7 +7370,7 @@
           <p:cNvPr id="2" name="Title 1">
             <a:extLst>
               <a:ext uri="{FF2B5EF4-FFF2-40B4-BE49-F238E27FC236}">
-                <a16:creationId xmlns:a16="http://schemas.microsoft.com/office/drawing/2014/main" id="{FA63CE58-31D3-4CE4-B980-300475A8D6AB}"/>
+                <a16:creationId xmlns:a16="http://schemas.microsoft.com/office/drawing/2014/main" id="{8EEF9218-B50A-424A-A99D-57BA08F4A8E3}"/>
               </a:ext>
             </a:extLst>
           </p:cNvPr>
@@ -4222,122 +7386,59 @@
           <a:bodyPr/>
           <a:lstStyle/>
           <a:p>
-            <a:endParaRPr lang="en-GB"/>
+            <a:endParaRPr lang="en-GB" dirty="0"/>
           </a:p>
         </p:txBody>
       </p:sp>
       <p:sp>
         <p:nvSpPr>
-          <p:cNvPr id="3" name="Content Placeholder 2">
+          <p:cNvPr id="4" name="TextBox 3">
             <a:extLst>
               <a:ext uri="{FF2B5EF4-FFF2-40B4-BE49-F238E27FC236}">
-                <a16:creationId xmlns:a16="http://schemas.microsoft.com/office/drawing/2014/main" id="{D547804F-4C36-4E05-A85C-C0624CAF1BA9}"/>
+                <a16:creationId xmlns:a16="http://schemas.microsoft.com/office/drawing/2014/main" id="{31426854-EE0B-4A5A-AC6D-2BF50C4B1D90}"/>
               </a:ext>
             </a:extLst>
           </p:cNvPr>
-          <p:cNvSpPr>
-            <a:spLocks noGrp="1"/>
-          </p:cNvSpPr>
-          <p:nvPr>
-            <p:ph idx="1"/>
-          </p:nvPr>
+          <p:cNvSpPr txBox="1"/>
+          <p:nvPr/>
         </p:nvSpPr>
-        <p:spPr/>
+        <p:spPr>
+          <a:xfrm>
+            <a:off x="2052408" y="3136612"/>
+            <a:ext cx="8087183" cy="584775"/>
+          </a:xfrm>
+          <a:prstGeom prst="rect">
+            <a:avLst/>
+          </a:prstGeom>
+          <a:noFill/>
+        </p:spPr>
         <p:txBody>
-          <a:bodyPr/>
+          <a:bodyPr wrap="square" rtlCol="0">
+            <a:spAutoFit/>
+          </a:bodyPr>
           <a:lstStyle/>
           <a:p>
-            <a:r>
-              <a:rPr lang="en-GB" sz="1600" dirty="0"/>
-              <a:t>Introduction GUIs</a:t>
-            </a:r>
-          </a:p>
-          <a:p>
-            <a:pPr lvl="1"/>
-            <a:r>
-              <a:rPr lang="en-GB" sz="1600" dirty="0"/>
-              <a:t>Why would we want them</a:t>
-            </a:r>
-          </a:p>
-          <a:p>
-            <a:pPr lvl="1"/>
-            <a:r>
-              <a:rPr lang="en-GB" sz="1600" dirty="0"/>
-              <a:t>What sort of thing could they include</a:t>
-            </a:r>
-          </a:p>
-          <a:p>
-            <a:pPr lvl="1"/>
-            <a:endParaRPr lang="en-GB" sz="1600" dirty="0"/>
-          </a:p>
-          <a:p>
-            <a:r>
-              <a:rPr lang="en-GB" sz="1600" dirty="0"/>
-              <a:t>Talk about adding control elements to GUIs in the context of a simple push button</a:t>
-            </a:r>
-          </a:p>
-          <a:p>
-            <a:pPr lvl="1"/>
-            <a:r>
-              <a:rPr lang="en-GB" sz="1600" dirty="0" err="1"/>
-              <a:t>Callback</a:t>
-            </a:r>
-            <a:r>
-              <a:rPr lang="en-GB" sz="1600" dirty="0"/>
-              <a:t> functions</a:t>
-            </a:r>
-          </a:p>
-          <a:p>
-            <a:pPr lvl="1"/>
-            <a:r>
-              <a:rPr lang="en-GB" sz="1600" dirty="0"/>
-              <a:t>Enable/disable</a:t>
-            </a:r>
-          </a:p>
-          <a:p>
-            <a:pPr lvl="1"/>
-            <a:r>
-              <a:rPr lang="en-GB" sz="1600" dirty="0"/>
-              <a:t>Visible/not visible</a:t>
-            </a:r>
-          </a:p>
-          <a:p>
-            <a:pPr marL="914400" lvl="2" indent="0">
-              <a:buNone/>
-            </a:pPr>
-            <a:endParaRPr lang="en-GB" sz="1600" dirty="0"/>
-          </a:p>
-          <a:p>
-            <a:r>
-              <a:rPr lang="en-GB" sz="1600" dirty="0"/>
-              <a:t>Don’t use GUIDE</a:t>
-            </a:r>
-          </a:p>
-          <a:p>
-            <a:pPr lvl="1"/>
-            <a:r>
-              <a:rPr lang="en-GB" sz="1600" dirty="0"/>
-              <a:t>This will be removed from MATLAB in the future</a:t>
-            </a:r>
-          </a:p>
-          <a:p>
-            <a:pPr lvl="1"/>
-            <a:endParaRPr lang="en-GB" sz="2000" dirty="0"/>
-          </a:p>
-          <a:p>
-            <a:pPr lvl="2"/>
-            <a:endParaRPr lang="en-GB" dirty="0"/>
-          </a:p>
-          <a:p>
-            <a:pPr lvl="2"/>
-            <a:endParaRPr lang="en-GB" dirty="0"/>
+            <a:pPr algn="ctr"/>
+            <a:r>
+              <a:rPr lang="en-GB" sz="3200" dirty="0"/>
+              <a:t>Designing a </a:t>
+            </a:r>
+            <a:r>
+              <a:rPr lang="en-GB" sz="3200"/>
+              <a:t>user interface</a:t>
+            </a:r>
+            <a:endParaRPr lang="en-GB" sz="2800" dirty="0">
+              <a:solidFill>
+                <a:schemeClr val="tx1"/>
+              </a:solidFill>
+            </a:endParaRPr>
           </a:p>
         </p:txBody>
       </p:sp>
     </p:spTree>
     <p:extLst>
       <p:ext uri="{BB962C8B-B14F-4D97-AF65-F5344CB8AC3E}">
-        <p14:creationId xmlns:p14="http://schemas.microsoft.com/office/powerpoint/2010/main" val="2789544707"/>
+        <p14:creationId xmlns:p14="http://schemas.microsoft.com/office/powerpoint/2010/main" val="2590606000"/>
       </p:ext>
     </p:extLst>
   </p:cSld>
@@ -4381,7 +7482,7 @@
           <p:cNvPr id="2" name="Title 1">
             <a:extLst>
               <a:ext uri="{FF2B5EF4-FFF2-40B4-BE49-F238E27FC236}">
-                <a16:creationId xmlns:a16="http://schemas.microsoft.com/office/drawing/2014/main" id="{8EEF9218-B50A-424A-A99D-57BA08F4A8E3}"/>
+                <a16:creationId xmlns:a16="http://schemas.microsoft.com/office/drawing/2014/main" id="{FA63CE58-31D3-4CE4-B980-300475A8D6AB}"/>
               </a:ext>
             </a:extLst>
           </p:cNvPr>
@@ -4397,55 +7498,122 @@
           <a:bodyPr/>
           <a:lstStyle/>
           <a:p>
-            <a:endParaRPr lang="en-GB" dirty="0"/>
+            <a:endParaRPr lang="en-GB"/>
           </a:p>
         </p:txBody>
       </p:sp>
       <p:sp>
         <p:nvSpPr>
-          <p:cNvPr id="4" name="TextBox 3">
+          <p:cNvPr id="3" name="Content Placeholder 2">
             <a:extLst>
               <a:ext uri="{FF2B5EF4-FFF2-40B4-BE49-F238E27FC236}">
-                <a16:creationId xmlns:a16="http://schemas.microsoft.com/office/drawing/2014/main" id="{31426854-EE0B-4A5A-AC6D-2BF50C4B1D90}"/>
+                <a16:creationId xmlns:a16="http://schemas.microsoft.com/office/drawing/2014/main" id="{D547804F-4C36-4E05-A85C-C0624CAF1BA9}"/>
               </a:ext>
             </a:extLst>
           </p:cNvPr>
-          <p:cNvSpPr txBox="1"/>
-          <p:nvPr/>
+          <p:cNvSpPr>
+            <a:spLocks noGrp="1"/>
+          </p:cNvSpPr>
+          <p:nvPr>
+            <p:ph idx="1"/>
+          </p:nvPr>
         </p:nvSpPr>
-        <p:spPr>
-          <a:xfrm>
-            <a:off x="2052408" y="3136612"/>
-            <a:ext cx="8087183" cy="584775"/>
-          </a:xfrm>
-          <a:prstGeom prst="rect">
-            <a:avLst/>
-          </a:prstGeom>
-          <a:noFill/>
-        </p:spPr>
+        <p:spPr/>
         <p:txBody>
-          <a:bodyPr wrap="square" rtlCol="0">
-            <a:spAutoFit/>
-          </a:bodyPr>
+          <a:bodyPr/>
           <a:lstStyle/>
           <a:p>
-            <a:pPr algn="ctr"/>
-            <a:r>
-              <a:rPr lang="en-GB" sz="3200" dirty="0"/>
-              <a:t>Questions?!</a:t>
-            </a:r>
-            <a:endParaRPr lang="en-GB" sz="2800" dirty="0">
-              <a:solidFill>
-                <a:schemeClr val="tx1"/>
-              </a:solidFill>
-            </a:endParaRPr>
+            <a:r>
+              <a:rPr lang="en-GB" sz="1600" dirty="0"/>
+              <a:t>Introduction GUIs</a:t>
+            </a:r>
+          </a:p>
+          <a:p>
+            <a:pPr lvl="1"/>
+            <a:r>
+              <a:rPr lang="en-GB" sz="1600" dirty="0"/>
+              <a:t>Why would we want them</a:t>
+            </a:r>
+          </a:p>
+          <a:p>
+            <a:pPr lvl="1"/>
+            <a:r>
+              <a:rPr lang="en-GB" sz="1600" dirty="0"/>
+              <a:t>What sort of thing could they include</a:t>
+            </a:r>
+          </a:p>
+          <a:p>
+            <a:pPr lvl="1"/>
+            <a:endParaRPr lang="en-GB" sz="1600" dirty="0"/>
+          </a:p>
+          <a:p>
+            <a:r>
+              <a:rPr lang="en-GB" sz="1600" dirty="0"/>
+              <a:t>Talk about adding control elements to GUIs in the context of a simple push button</a:t>
+            </a:r>
+          </a:p>
+          <a:p>
+            <a:pPr lvl="1"/>
+            <a:r>
+              <a:rPr lang="en-GB" sz="1600" dirty="0" err="1"/>
+              <a:t>Callback</a:t>
+            </a:r>
+            <a:r>
+              <a:rPr lang="en-GB" sz="1600" dirty="0"/>
+              <a:t> functions</a:t>
+            </a:r>
+          </a:p>
+          <a:p>
+            <a:pPr lvl="1"/>
+            <a:r>
+              <a:rPr lang="en-GB" sz="1600" dirty="0"/>
+              <a:t>Enable/disable</a:t>
+            </a:r>
+          </a:p>
+          <a:p>
+            <a:pPr lvl="1"/>
+            <a:r>
+              <a:rPr lang="en-GB" sz="1600" dirty="0"/>
+              <a:t>Visible/not visible</a:t>
+            </a:r>
+          </a:p>
+          <a:p>
+            <a:pPr marL="914400" lvl="2" indent="0">
+              <a:buNone/>
+            </a:pPr>
+            <a:endParaRPr lang="en-GB" sz="1600" dirty="0"/>
+          </a:p>
+          <a:p>
+            <a:r>
+              <a:rPr lang="en-GB" sz="1600" dirty="0"/>
+              <a:t>Don’t use GUIDE</a:t>
+            </a:r>
+          </a:p>
+          <a:p>
+            <a:pPr lvl="1"/>
+            <a:r>
+              <a:rPr lang="en-GB" sz="1600" dirty="0"/>
+              <a:t>This will be removed from MATLAB in the future</a:t>
+            </a:r>
+          </a:p>
+          <a:p>
+            <a:pPr lvl="1"/>
+            <a:endParaRPr lang="en-GB" sz="2000" dirty="0"/>
+          </a:p>
+          <a:p>
+            <a:pPr lvl="2"/>
+            <a:endParaRPr lang="en-GB" dirty="0"/>
+          </a:p>
+          <a:p>
+            <a:pPr lvl="2"/>
+            <a:endParaRPr lang="en-GB" dirty="0"/>
           </a:p>
         </p:txBody>
       </p:sp>
     </p:spTree>
     <p:extLst>
       <p:ext uri="{BB962C8B-B14F-4D97-AF65-F5344CB8AC3E}">
-        <p14:creationId xmlns:p14="http://schemas.microsoft.com/office/powerpoint/2010/main" val="1178503334"/>
+        <p14:creationId xmlns:p14="http://schemas.microsoft.com/office/powerpoint/2010/main" val="2789544707"/>
       </p:ext>
     </p:extLst>
   </p:cSld>
@@ -5060,6 +8228,114 @@
 </file>
 
 <file path=ppt/slides/slide20.xml><?xml version="1.0" encoding="utf-8"?>
+<p:sld xmlns:a="http://schemas.openxmlformats.org/drawingml/2006/main" xmlns:r="http://schemas.openxmlformats.org/officeDocument/2006/relationships" xmlns:p="http://schemas.openxmlformats.org/presentationml/2006/main">
+  <p:cSld>
+    <p:spTree>
+      <p:nvGrpSpPr>
+        <p:cNvPr id="1" name=""/>
+        <p:cNvGrpSpPr/>
+        <p:nvPr/>
+      </p:nvGrpSpPr>
+      <p:grpSpPr>
+        <a:xfrm>
+          <a:off x="0" y="0"/>
+          <a:ext cx="0" cy="0"/>
+          <a:chOff x="0" y="0"/>
+          <a:chExt cx="0" cy="0"/>
+        </a:xfrm>
+      </p:grpSpPr>
+      <p:sp>
+        <p:nvSpPr>
+          <p:cNvPr id="2" name="Title 1">
+            <a:extLst>
+              <a:ext uri="{FF2B5EF4-FFF2-40B4-BE49-F238E27FC236}">
+                <a16:creationId xmlns:a16="http://schemas.microsoft.com/office/drawing/2014/main" id="{8EEF9218-B50A-424A-A99D-57BA08F4A8E3}"/>
+              </a:ext>
+            </a:extLst>
+          </p:cNvPr>
+          <p:cNvSpPr>
+            <a:spLocks noGrp="1"/>
+          </p:cNvSpPr>
+          <p:nvPr>
+            <p:ph type="title"/>
+          </p:nvPr>
+        </p:nvSpPr>
+        <p:spPr/>
+        <p:txBody>
+          <a:bodyPr/>
+          <a:lstStyle/>
+          <a:p>
+            <a:endParaRPr lang="en-GB" dirty="0"/>
+          </a:p>
+        </p:txBody>
+      </p:sp>
+      <p:sp>
+        <p:nvSpPr>
+          <p:cNvPr id="4" name="TextBox 3">
+            <a:extLst>
+              <a:ext uri="{FF2B5EF4-FFF2-40B4-BE49-F238E27FC236}">
+                <a16:creationId xmlns:a16="http://schemas.microsoft.com/office/drawing/2014/main" id="{31426854-EE0B-4A5A-AC6D-2BF50C4B1D90}"/>
+              </a:ext>
+            </a:extLst>
+          </p:cNvPr>
+          <p:cNvSpPr txBox="1"/>
+          <p:nvPr/>
+        </p:nvSpPr>
+        <p:spPr>
+          <a:xfrm>
+            <a:off x="2052408" y="3136612"/>
+            <a:ext cx="8087183" cy="584775"/>
+          </a:xfrm>
+          <a:prstGeom prst="rect">
+            <a:avLst/>
+          </a:prstGeom>
+          <a:noFill/>
+        </p:spPr>
+        <p:txBody>
+          <a:bodyPr wrap="square" rtlCol="0">
+            <a:spAutoFit/>
+          </a:bodyPr>
+          <a:lstStyle/>
+          <a:p>
+            <a:pPr algn="ctr"/>
+            <a:r>
+              <a:rPr lang="en-GB" sz="3200" dirty="0"/>
+              <a:t>Questions?!</a:t>
+            </a:r>
+            <a:endParaRPr lang="en-GB" sz="2800" dirty="0">
+              <a:solidFill>
+                <a:schemeClr val="tx1"/>
+              </a:solidFill>
+            </a:endParaRPr>
+          </a:p>
+        </p:txBody>
+      </p:sp>
+    </p:spTree>
+    <p:extLst>
+      <p:ext uri="{BB962C8B-B14F-4D97-AF65-F5344CB8AC3E}">
+        <p14:creationId xmlns:p14="http://schemas.microsoft.com/office/powerpoint/2010/main" val="1178503334"/>
+      </p:ext>
+    </p:extLst>
+  </p:cSld>
+  <p:clrMapOvr>
+    <a:masterClrMapping/>
+  </p:clrMapOvr>
+  <mc:AlternateContent xmlns:mc="http://schemas.openxmlformats.org/markup-compatibility/2006" xmlns:p14="http://schemas.microsoft.com/office/powerpoint/2010/main">
+    <mc:Choice Requires="p14">
+      <p:transition p14:dur="300">
+        <p:fade/>
+      </p:transition>
+    </mc:Choice>
+    <mc:Fallback xmlns="">
+      <p:transition>
+        <p:fade/>
+      </p:transition>
+    </mc:Fallback>
+  </mc:AlternateContent>
+</p:sld>
+</file>
+
+<file path=ppt/slides/slide21.xml><?xml version="1.0" encoding="utf-8"?>
 <p:sld xmlns:a="http://schemas.openxmlformats.org/drawingml/2006/main" xmlns:r="http://schemas.openxmlformats.org/officeDocument/2006/relationships" xmlns:p="http://schemas.openxmlformats.org/presentationml/2006/main">
   <p:cSld>
     <p:spTree>
